--- a/3-Trimestre/DLYTimeDB.pptx
+++ b/3-Trimestre/DLYTimeDB.pptx
@@ -10,43 +10,31 @@
     <p:sldId id="265" r:id="rId4"/>
     <p:sldId id="257" r:id="rId5"/>
     <p:sldId id="258" r:id="rId6"/>
-    <p:sldId id="259" r:id="rId7"/>
-    <p:sldId id="260" r:id="rId8"/>
-    <p:sldId id="261" r:id="rId9"/>
-    <p:sldId id="262" r:id="rId10"/>
-    <p:sldId id="263" r:id="rId11"/>
-    <p:sldId id="264" r:id="rId12"/>
-    <p:sldId id="266" r:id="rId13"/>
-    <p:sldId id="267" r:id="rId14"/>
-    <p:sldId id="268" r:id="rId15"/>
-    <p:sldId id="269" r:id="rId16"/>
-    <p:sldId id="270" r:id="rId17"/>
-    <p:sldId id="271" r:id="rId18"/>
-    <p:sldId id="272" r:id="rId19"/>
-    <p:sldId id="273" r:id="rId20"/>
-    <p:sldId id="286" r:id="rId21"/>
-    <p:sldId id="274" r:id="rId22"/>
-    <p:sldId id="275" r:id="rId23"/>
-    <p:sldId id="276" r:id="rId24"/>
-    <p:sldId id="277" r:id="rId25"/>
-    <p:sldId id="278" r:id="rId26"/>
-    <p:sldId id="283" r:id="rId27"/>
-    <p:sldId id="279" r:id="rId28"/>
-    <p:sldId id="280" r:id="rId29"/>
-    <p:sldId id="281" r:id="rId30"/>
-    <p:sldId id="282" r:id="rId31"/>
-    <p:sldId id="284" r:id="rId32"/>
-    <p:sldId id="287" r:id="rId33"/>
-    <p:sldId id="288" r:id="rId34"/>
-    <p:sldId id="289" r:id="rId35"/>
-    <p:sldId id="290" r:id="rId36"/>
-    <p:sldId id="291" r:id="rId37"/>
-    <p:sldId id="292" r:id="rId38"/>
-    <p:sldId id="293" r:id="rId39"/>
-    <p:sldId id="294" r:id="rId40"/>
-    <p:sldId id="296" r:id="rId41"/>
-    <p:sldId id="295" r:id="rId42"/>
-    <p:sldId id="297" r:id="rId43"/>
+    <p:sldId id="263" r:id="rId7"/>
+    <p:sldId id="264" r:id="rId8"/>
+    <p:sldId id="266" r:id="rId9"/>
+    <p:sldId id="272" r:id="rId10"/>
+    <p:sldId id="273" r:id="rId11"/>
+    <p:sldId id="286" r:id="rId12"/>
+    <p:sldId id="274" r:id="rId13"/>
+    <p:sldId id="275" r:id="rId14"/>
+    <p:sldId id="298" r:id="rId15"/>
+    <p:sldId id="276" r:id="rId16"/>
+    <p:sldId id="277" r:id="rId17"/>
+    <p:sldId id="279" r:id="rId18"/>
+    <p:sldId id="280" r:id="rId19"/>
+    <p:sldId id="284" r:id="rId20"/>
+    <p:sldId id="287" r:id="rId21"/>
+    <p:sldId id="288" r:id="rId22"/>
+    <p:sldId id="289" r:id="rId23"/>
+    <p:sldId id="290" r:id="rId24"/>
+    <p:sldId id="291" r:id="rId25"/>
+    <p:sldId id="292" r:id="rId26"/>
+    <p:sldId id="293" r:id="rId27"/>
+    <p:sldId id="294" r:id="rId28"/>
+    <p:sldId id="296" r:id="rId29"/>
+    <p:sldId id="295" r:id="rId30"/>
+    <p:sldId id="297" r:id="rId31"/>
   </p:sldIdLst>
   <p:sldSz cx="12192000" cy="6858000"/>
   <p:notesSz cx="6858000" cy="9144000"/>
@@ -3124,7 +3112,7 @@
             <a:fld id="{87DE6118-2437-4B30-8E3C-4D2BE6020583}" type="datetimeFigureOut">
               <a:rPr lang="en-US" dirty="0"/>
               <a:pPr/>
-              <a:t>9/17/2024</a:t>
+              <a:t>9/19/2024</a:t>
             </a:fld>
             <a:endParaRPr lang="en-US" dirty="0"/>
           </a:p>
@@ -3450,7 +3438,7 @@
           <a:p>
             <a:fld id="{87DE6118-2437-4B30-8E3C-4D2BE6020583}" type="datetimeFigureOut">
               <a:rPr lang="en-US" dirty="0"/>
-              <a:t>9/17/2024</a:t>
+              <a:t>9/19/2024</a:t>
             </a:fld>
             <a:endParaRPr lang="en-US" dirty="0"/>
           </a:p>
@@ -3625,7 +3613,7 @@
           <a:p>
             <a:fld id="{87DE6118-2437-4B30-8E3C-4D2BE6020583}" type="datetimeFigureOut">
               <a:rPr lang="en-US" dirty="0"/>
-              <a:t>9/17/2024</a:t>
+              <a:t>9/19/2024</a:t>
             </a:fld>
             <a:endParaRPr lang="en-US" dirty="0"/>
           </a:p>
@@ -3790,7 +3778,7 @@
           <a:p>
             <a:fld id="{87DE6118-2437-4B30-8E3C-4D2BE6020583}" type="datetimeFigureOut">
               <a:rPr lang="en-US" dirty="0"/>
-              <a:t>9/17/2024</a:t>
+              <a:t>9/19/2024</a:t>
             </a:fld>
             <a:endParaRPr lang="en-US" dirty="0"/>
           </a:p>
@@ -4063,7 +4051,7 @@
             <a:fld id="{87DE6118-2437-4B30-8E3C-4D2BE6020583}" type="datetimeFigureOut">
               <a:rPr lang="en-US" dirty="0"/>
               <a:pPr/>
-              <a:t>9/17/2024</a:t>
+              <a:t>9/19/2024</a:t>
             </a:fld>
             <a:endParaRPr lang="en-US" dirty="0"/>
           </a:p>
@@ -4453,7 +4441,7 @@
           <a:p>
             <a:fld id="{87DE6118-2437-4B30-8E3C-4D2BE6020583}" type="datetimeFigureOut">
               <a:rPr lang="en-US" dirty="0"/>
-              <a:t>9/17/2024</a:t>
+              <a:t>9/19/2024</a:t>
             </a:fld>
             <a:endParaRPr lang="en-US" dirty="0"/>
           </a:p>
@@ -4925,7 +4913,7 @@
           <a:p>
             <a:fld id="{87DE6118-2437-4B30-8E3C-4D2BE6020583}" type="datetimeFigureOut">
               <a:rPr lang="en-US" dirty="0"/>
-              <a:t>9/17/2024</a:t>
+              <a:t>9/19/2024</a:t>
             </a:fld>
             <a:endParaRPr lang="en-US" dirty="0"/>
           </a:p>
@@ -5038,7 +5026,7 @@
           <a:p>
             <a:fld id="{87DE6118-2437-4B30-8E3C-4D2BE6020583}" type="datetimeFigureOut">
               <a:rPr lang="en-US" dirty="0"/>
-              <a:t>9/17/2024</a:t>
+              <a:t>9/19/2024</a:t>
             </a:fld>
             <a:endParaRPr lang="en-US" dirty="0"/>
           </a:p>
@@ -5128,7 +5116,7 @@
           <a:p>
             <a:fld id="{87DE6118-2437-4B30-8E3C-4D2BE6020583}" type="datetimeFigureOut">
               <a:rPr lang="en-US" dirty="0"/>
-              <a:t>9/17/2024</a:t>
+              <a:t>9/19/2024</a:t>
             </a:fld>
             <a:endParaRPr lang="en-US" dirty="0"/>
           </a:p>
@@ -5470,7 +5458,7 @@
             <a:fld id="{87DE6118-2437-4B30-8E3C-4D2BE6020583}" type="datetimeFigureOut">
               <a:rPr lang="en-US" dirty="0"/>
               <a:pPr/>
-              <a:t>9/17/2024</a:t>
+              <a:t>9/19/2024</a:t>
             </a:fld>
             <a:endParaRPr lang="en-US" dirty="0"/>
           </a:p>
@@ -5855,7 +5843,7 @@
             <a:fld id="{87DE6118-2437-4B30-8E3C-4D2BE6020583}" type="datetimeFigureOut">
               <a:rPr lang="en-US" dirty="0"/>
               <a:pPr/>
-              <a:t>9/17/2024</a:t>
+              <a:t>9/19/2024</a:t>
             </a:fld>
             <a:endParaRPr lang="en-US" dirty="0"/>
           </a:p>
@@ -6130,7 +6118,7 @@
             <a:fld id="{87DE6118-2437-4B30-8E3C-4D2BE6020583}" type="datetimeFigureOut">
               <a:rPr lang="en-US" dirty="0"/>
               <a:pPr/>
-              <a:t>9/17/2024</a:t>
+              <a:t>9/19/2024</a:t>
             </a:fld>
             <a:endParaRPr lang="en-US" dirty="0"/>
           </a:p>
@@ -6751,62 +6739,12 @@
           <a:chExt cx="0" cy="0"/>
         </a:xfrm>
       </p:grpSpPr>
-      <p:sp>
-        <p:nvSpPr>
-          <p:cNvPr id="2" name="Título 1">
-            <a:extLst>
-              <a:ext uri="{FF2B5EF4-FFF2-40B4-BE49-F238E27FC236}">
-                <a16:creationId xmlns:a16="http://schemas.microsoft.com/office/drawing/2014/main" id="{2914AA51-E4A5-5B37-73CC-9686CE83300A}"/>
-              </a:ext>
-            </a:extLst>
-          </p:cNvPr>
-          <p:cNvSpPr>
-            <a:spLocks noGrp="1"/>
-          </p:cNvSpPr>
-          <p:nvPr>
-            <p:ph type="title"/>
-          </p:nvPr>
-        </p:nvSpPr>
-        <p:spPr/>
-        <p:txBody>
-          <a:bodyPr/>
-          <a:lstStyle/>
-          <a:p>
-            <a:endParaRPr lang="es-CO"/>
-          </a:p>
-        </p:txBody>
-      </p:sp>
-      <p:sp>
-        <p:nvSpPr>
-          <p:cNvPr id="3" name="Marcador de contenido 2">
-            <a:extLst>
-              <a:ext uri="{FF2B5EF4-FFF2-40B4-BE49-F238E27FC236}">
-                <a16:creationId xmlns:a16="http://schemas.microsoft.com/office/drawing/2014/main" id="{CEBF8764-0FFE-BA7F-30BF-4C11BD299C3E}"/>
-              </a:ext>
-            </a:extLst>
-          </p:cNvPr>
-          <p:cNvSpPr>
-            <a:spLocks noGrp="1"/>
-          </p:cNvSpPr>
-          <p:nvPr>
-            <p:ph idx="1"/>
-          </p:nvPr>
-        </p:nvSpPr>
-        <p:spPr/>
-        <p:txBody>
-          <a:bodyPr/>
-          <a:lstStyle/>
-          <a:p>
-            <a:endParaRPr lang="es-CO"/>
-          </a:p>
-        </p:txBody>
-      </p:sp>
       <p:pic>
         <p:nvPicPr>
           <p:cNvPr id="5" name="Imagen 4">
             <a:extLst>
               <a:ext uri="{FF2B5EF4-FFF2-40B4-BE49-F238E27FC236}">
-                <a16:creationId xmlns:a16="http://schemas.microsoft.com/office/drawing/2014/main" id="{A3A939CD-368B-314F-8AF0-5BCBFB5DCE60}"/>
+                <a16:creationId xmlns:a16="http://schemas.microsoft.com/office/drawing/2014/main" id="{984D2322-593F-AA9E-2FB0-5546B35457F7}"/>
               </a:ext>
             </a:extLst>
           </p:cNvPr>
@@ -6823,18 +6761,58 @@
         </p:blipFill>
         <p:spPr>
           <a:xfrm>
-            <a:off x="1219200" y="380192"/>
-            <a:ext cx="10317015" cy="5792008"/>
+            <a:off x="2299721" y="1634739"/>
+            <a:ext cx="7592557" cy="3588522"/>
           </a:xfrm>
           <a:prstGeom prst="rect">
             <a:avLst/>
           </a:prstGeom>
         </p:spPr>
       </p:pic>
+      <p:sp>
+        <p:nvSpPr>
+          <p:cNvPr id="2" name="CuadroTexto 1">
+            <a:extLst>
+              <a:ext uri="{FF2B5EF4-FFF2-40B4-BE49-F238E27FC236}">
+                <a16:creationId xmlns:a16="http://schemas.microsoft.com/office/drawing/2014/main" id="{813140EA-B27C-FC91-B40C-73270BD654B6}"/>
+              </a:ext>
+            </a:extLst>
+          </p:cNvPr>
+          <p:cNvSpPr txBox="1"/>
+          <p:nvPr/>
+        </p:nvSpPr>
+        <p:spPr>
+          <a:xfrm>
+            <a:off x="1307940" y="5764192"/>
+            <a:ext cx="4875053" cy="369332"/>
+          </a:xfrm>
+          <a:prstGeom prst="rect">
+            <a:avLst/>
+          </a:prstGeom>
+          <a:noFill/>
+        </p:spPr>
+        <p:txBody>
+          <a:bodyPr wrap="none" rtlCol="0">
+            <a:spAutoFit/>
+          </a:bodyPr>
+          <a:lstStyle/>
+          <a:p>
+            <a:r>
+              <a:rPr lang="es-CO" dirty="0"/>
+              <a:t>Para ejecución, utilizar CMD o el Shell de </a:t>
+            </a:r>
+            <a:r>
+              <a:rPr lang="es-CO" dirty="0" err="1"/>
+              <a:t>Xampp</a:t>
+            </a:r>
+            <a:endParaRPr lang="es-CO" dirty="0"/>
+          </a:p>
+        </p:txBody>
+      </p:sp>
     </p:spTree>
     <p:extLst>
       <p:ext uri="{BB962C8B-B14F-4D97-AF65-F5344CB8AC3E}">
-        <p14:creationId xmlns:p14="http://schemas.microsoft.com/office/powerpoint/2010/main" val="3060129271"/>
+        <p14:creationId xmlns:p14="http://schemas.microsoft.com/office/powerpoint/2010/main" val="1250332723"/>
       </p:ext>
     </p:extLst>
   </p:cSld>
@@ -6866,7 +6844,7 @@
           <p:cNvPr id="2" name="Título 1">
             <a:extLst>
               <a:ext uri="{FF2B5EF4-FFF2-40B4-BE49-F238E27FC236}">
-                <a16:creationId xmlns:a16="http://schemas.microsoft.com/office/drawing/2014/main" id="{BB087F90-4C63-E4AE-ABCB-F9C546186451}"/>
+                <a16:creationId xmlns:a16="http://schemas.microsoft.com/office/drawing/2014/main" id="{9DB1EE4D-3EEE-4EE5-20E8-6A853AB89155}"/>
               </a:ext>
             </a:extLst>
           </p:cNvPr>
@@ -6884,40 +6862,111 @@
           <a:p>
             <a:r>
               <a:rPr lang="es-CO" dirty="0"/>
-              <a:t>Inserción de datos</a:t>
+              <a:t>Código Importante para reparación.</a:t>
             </a:r>
           </a:p>
         </p:txBody>
       </p:sp>
-      <p:sp>
-        <p:nvSpPr>
-          <p:cNvPr id="3" name="Marcador de texto 2">
+      <p:pic>
+        <p:nvPicPr>
+          <p:cNvPr id="5" name="Imagen 4">
             <a:extLst>
               <a:ext uri="{FF2B5EF4-FFF2-40B4-BE49-F238E27FC236}">
-                <a16:creationId xmlns:a16="http://schemas.microsoft.com/office/drawing/2014/main" id="{65DA89BB-4016-6B30-6103-DBD1D6E7280C}"/>
+                <a16:creationId xmlns:a16="http://schemas.microsoft.com/office/drawing/2014/main" id="{53D6C68D-9C94-B5E2-93F2-496894EF6D31}"/>
               </a:ext>
             </a:extLst>
           </p:cNvPr>
-          <p:cNvSpPr>
-            <a:spLocks noGrp="1"/>
-          </p:cNvSpPr>
-          <p:nvPr>
-            <p:ph type="body" idx="1"/>
-          </p:nvPr>
+          <p:cNvPicPr>
+            <a:picLocks noChangeAspect="1"/>
+          </p:cNvPicPr>
+          <p:nvPr/>
+        </p:nvPicPr>
+        <p:blipFill>
+          <a:blip r:embed="rId2"/>
+          <a:stretch>
+            <a:fillRect/>
+          </a:stretch>
+        </p:blipFill>
+        <p:spPr>
+          <a:xfrm>
+            <a:off x="2211322" y="2481685"/>
+            <a:ext cx="7604009" cy="686473"/>
+          </a:xfrm>
+          <a:prstGeom prst="rect">
+            <a:avLst/>
+          </a:prstGeom>
+        </p:spPr>
+      </p:pic>
+      <p:pic>
+        <p:nvPicPr>
+          <p:cNvPr id="7" name="Imagen 6">
+            <a:extLst>
+              <a:ext uri="{FF2B5EF4-FFF2-40B4-BE49-F238E27FC236}">
+                <a16:creationId xmlns:a16="http://schemas.microsoft.com/office/drawing/2014/main" id="{72B7A758-56DA-D766-227D-C614096C0440}"/>
+              </a:ext>
+            </a:extLst>
+          </p:cNvPr>
+          <p:cNvPicPr>
+            <a:picLocks noChangeAspect="1"/>
+          </p:cNvPicPr>
+          <p:nvPr/>
+        </p:nvPicPr>
+        <p:blipFill>
+          <a:blip r:embed="rId3"/>
+          <a:stretch>
+            <a:fillRect/>
+          </a:stretch>
+        </p:blipFill>
+        <p:spPr>
+          <a:xfrm>
+            <a:off x="2413442" y="3727719"/>
+            <a:ext cx="6510688" cy="1009409"/>
+          </a:xfrm>
+          <a:prstGeom prst="rect">
+            <a:avLst/>
+          </a:prstGeom>
+        </p:spPr>
+      </p:pic>
+      <p:sp>
+        <p:nvSpPr>
+          <p:cNvPr id="4" name="CuadroTexto 3">
+            <a:hlinkClick r:id="rId4" action="ppaction://hlinkfile"/>
+            <a:extLst>
+              <a:ext uri="{FF2B5EF4-FFF2-40B4-BE49-F238E27FC236}">
+                <a16:creationId xmlns:a16="http://schemas.microsoft.com/office/drawing/2014/main" id="{E0818A03-8E7D-7766-6B82-A96599E77027}"/>
+              </a:ext>
+            </a:extLst>
+          </p:cNvPr>
+          <p:cNvSpPr txBox="1"/>
+          <p:nvPr/>
         </p:nvSpPr>
-        <p:spPr/>
+        <p:spPr>
+          <a:xfrm>
+            <a:off x="1786365" y="5694744"/>
+            <a:ext cx="849913" cy="369332"/>
+          </a:xfrm>
+          <a:prstGeom prst="rect">
+            <a:avLst/>
+          </a:prstGeom>
+          <a:noFill/>
+        </p:spPr>
         <p:txBody>
-          <a:bodyPr/>
+          <a:bodyPr wrap="none" rtlCol="0">
+            <a:spAutoFit/>
+          </a:bodyPr>
           <a:lstStyle/>
           <a:p>
-            <a:endParaRPr lang="es-CO"/>
+            <a:r>
+              <a:rPr lang="es-CO" dirty="0"/>
+              <a:t>Código</a:t>
+            </a:r>
           </a:p>
         </p:txBody>
       </p:sp>
     </p:spTree>
     <p:extLst>
       <p:ext uri="{BB962C8B-B14F-4D97-AF65-F5344CB8AC3E}">
-        <p14:creationId xmlns:p14="http://schemas.microsoft.com/office/powerpoint/2010/main" val="3790690138"/>
+        <p14:creationId xmlns:p14="http://schemas.microsoft.com/office/powerpoint/2010/main" val="407444067"/>
       </p:ext>
     </p:extLst>
   </p:cSld>
@@ -6949,7 +6998,7 @@
           <p:cNvPr id="2" name="Título 1">
             <a:extLst>
               <a:ext uri="{FF2B5EF4-FFF2-40B4-BE49-F238E27FC236}">
-                <a16:creationId xmlns:a16="http://schemas.microsoft.com/office/drawing/2014/main" id="{91D37C8A-D988-4D2C-D997-CF5B67542F11}"/>
+                <a16:creationId xmlns:a16="http://schemas.microsoft.com/office/drawing/2014/main" id="{52D06908-095A-DE63-C815-AF4145F8F013}"/>
               </a:ext>
             </a:extLst>
           </p:cNvPr>
@@ -6966,46 +7015,21 @@
           <a:lstStyle/>
           <a:p>
             <a:r>
-              <a:rPr lang="es-CO" dirty="0"/>
-              <a:t>Encriptación</a:t>
+              <a:rPr lang="es-ES" dirty="0"/>
+              <a:t>Consultas utilizando </a:t>
             </a:r>
+            <a:r>
+              <a:rPr lang="es-ES" dirty="0" err="1"/>
+              <a:t>join</a:t>
+            </a:r>
+            <a:endParaRPr lang="es-CO" dirty="0"/>
           </a:p>
         </p:txBody>
       </p:sp>
-      <p:pic>
-        <p:nvPicPr>
-          <p:cNvPr id="5" name="Imagen 4">
-            <a:extLst>
-              <a:ext uri="{FF2B5EF4-FFF2-40B4-BE49-F238E27FC236}">
-                <a16:creationId xmlns:a16="http://schemas.microsoft.com/office/drawing/2014/main" id="{463A2556-7599-1B54-6216-4434B266275F}"/>
-              </a:ext>
-            </a:extLst>
-          </p:cNvPr>
-          <p:cNvPicPr>
-            <a:picLocks noChangeAspect="1"/>
-          </p:cNvPicPr>
-          <p:nvPr/>
-        </p:nvPicPr>
-        <p:blipFill>
-          <a:blip r:embed="rId2"/>
-          <a:stretch>
-            <a:fillRect/>
-          </a:stretch>
-        </p:blipFill>
-        <p:spPr>
-          <a:xfrm>
-            <a:off x="1319980" y="1530573"/>
-            <a:ext cx="9704439" cy="3796854"/>
-          </a:xfrm>
-          <a:prstGeom prst="rect">
-            <a:avLst/>
-          </a:prstGeom>
-        </p:spPr>
-      </p:pic>
     </p:spTree>
     <p:extLst>
       <p:ext uri="{BB962C8B-B14F-4D97-AF65-F5344CB8AC3E}">
-        <p14:creationId xmlns:p14="http://schemas.microsoft.com/office/powerpoint/2010/main" val="1505152939"/>
+        <p14:creationId xmlns:p14="http://schemas.microsoft.com/office/powerpoint/2010/main" val="4189218775"/>
       </p:ext>
     </p:extLst>
   </p:cSld>
@@ -7034,10 +7058,10 @@
       </p:grpSpPr>
       <p:pic>
         <p:nvPicPr>
-          <p:cNvPr id="5" name="Imagen 4">
+          <p:cNvPr id="3" name="Imagen 2">
             <a:extLst>
               <a:ext uri="{FF2B5EF4-FFF2-40B4-BE49-F238E27FC236}">
-                <a16:creationId xmlns:a16="http://schemas.microsoft.com/office/drawing/2014/main" id="{FC9E7F15-2566-4C99-2E76-0E2A253B6B41}"/>
+                <a16:creationId xmlns:a16="http://schemas.microsoft.com/office/drawing/2014/main" id="{979C1E67-B510-B830-19D7-FFAE9A801F34}"/>
               </a:ext>
             </a:extLst>
           </p:cNvPr>
@@ -7054,8 +7078,38 @@
         </p:blipFill>
         <p:spPr>
           <a:xfrm>
-            <a:off x="1947283" y="690180"/>
-            <a:ext cx="8297433" cy="5477639"/>
+            <a:off x="830454" y="1022168"/>
+            <a:ext cx="11213064" cy="2358675"/>
+          </a:xfrm>
+          <a:prstGeom prst="rect">
+            <a:avLst/>
+          </a:prstGeom>
+        </p:spPr>
+      </p:pic>
+      <p:pic>
+        <p:nvPicPr>
+          <p:cNvPr id="7" name="Imagen 6">
+            <a:extLst>
+              <a:ext uri="{FF2B5EF4-FFF2-40B4-BE49-F238E27FC236}">
+                <a16:creationId xmlns:a16="http://schemas.microsoft.com/office/drawing/2014/main" id="{9A2E05B1-B70E-2510-7A4E-F274786943E6}"/>
+              </a:ext>
+            </a:extLst>
+          </p:cNvPr>
+          <p:cNvPicPr>
+            <a:picLocks noChangeAspect="1"/>
+          </p:cNvPicPr>
+          <p:nvPr/>
+        </p:nvPicPr>
+        <p:blipFill>
+          <a:blip r:embed="rId3"/>
+          <a:stretch>
+            <a:fillRect/>
+          </a:stretch>
+        </p:blipFill>
+        <p:spPr>
+          <a:xfrm>
+            <a:off x="3261478" y="4083947"/>
+            <a:ext cx="5669043" cy="1703728"/>
           </a:xfrm>
           <a:prstGeom prst="rect">
             <a:avLst/>
@@ -7065,7 +7119,7 @@
     </p:spTree>
     <p:extLst>
       <p:ext uri="{BB962C8B-B14F-4D97-AF65-F5344CB8AC3E}">
-        <p14:creationId xmlns:p14="http://schemas.microsoft.com/office/powerpoint/2010/main" val="2514015961"/>
+        <p14:creationId xmlns:p14="http://schemas.microsoft.com/office/powerpoint/2010/main" val="707603146"/>
       </p:ext>
     </p:extLst>
   </p:cSld>
@@ -7092,12 +7146,62 @@
           <a:chExt cx="0" cy="0"/>
         </a:xfrm>
       </p:grpSpPr>
+      <p:sp>
+        <p:nvSpPr>
+          <p:cNvPr id="2" name="Título 1">
+            <a:extLst>
+              <a:ext uri="{FF2B5EF4-FFF2-40B4-BE49-F238E27FC236}">
+                <a16:creationId xmlns:a16="http://schemas.microsoft.com/office/drawing/2014/main" id="{1E7CBB7E-C724-F85F-2720-9EDD2C27F212}"/>
+              </a:ext>
+            </a:extLst>
+          </p:cNvPr>
+          <p:cNvSpPr>
+            <a:spLocks noGrp="1"/>
+          </p:cNvSpPr>
+          <p:nvPr>
+            <p:ph type="title"/>
+          </p:nvPr>
+        </p:nvSpPr>
+        <p:spPr/>
+        <p:txBody>
+          <a:bodyPr/>
+          <a:lstStyle/>
+          <a:p>
+            <a:endParaRPr lang="es-CO"/>
+          </a:p>
+        </p:txBody>
+      </p:sp>
+      <p:sp>
+        <p:nvSpPr>
+          <p:cNvPr id="3" name="Marcador de contenido 2">
+            <a:extLst>
+              <a:ext uri="{FF2B5EF4-FFF2-40B4-BE49-F238E27FC236}">
+                <a16:creationId xmlns:a16="http://schemas.microsoft.com/office/drawing/2014/main" id="{F4E13334-7E9F-CDF5-48BE-13D7E5380548}"/>
+              </a:ext>
+            </a:extLst>
+          </p:cNvPr>
+          <p:cNvSpPr>
+            <a:spLocks noGrp="1"/>
+          </p:cNvSpPr>
+          <p:nvPr>
+            <p:ph idx="1"/>
+          </p:nvPr>
+        </p:nvSpPr>
+        <p:spPr/>
+        <p:txBody>
+          <a:bodyPr/>
+          <a:lstStyle/>
+          <a:p>
+            <a:endParaRPr lang="es-CO"/>
+          </a:p>
+        </p:txBody>
+      </p:sp>
       <p:pic>
         <p:nvPicPr>
-          <p:cNvPr id="5" name="Imagen 4">
+          <p:cNvPr id="4" name="Imagen 3">
             <a:extLst>
               <a:ext uri="{FF2B5EF4-FFF2-40B4-BE49-F238E27FC236}">
-                <a16:creationId xmlns:a16="http://schemas.microsoft.com/office/drawing/2014/main" id="{4B6F5043-A358-1F9D-FC32-59349A729CD4}"/>
+                <a16:creationId xmlns:a16="http://schemas.microsoft.com/office/drawing/2014/main" id="{A503EA9B-0468-549F-A3C6-D9D200A8F721}"/>
               </a:ext>
             </a:extLst>
           </p:cNvPr>
@@ -7114,8 +7218,38 @@
         </p:blipFill>
         <p:spPr>
           <a:xfrm>
-            <a:off x="1766283" y="309127"/>
-            <a:ext cx="8659433" cy="6239746"/>
+            <a:off x="1219200" y="1428750"/>
+            <a:ext cx="10604117" cy="2383972"/>
+          </a:xfrm>
+          <a:prstGeom prst="rect">
+            <a:avLst/>
+          </a:prstGeom>
+        </p:spPr>
+      </p:pic>
+      <p:pic>
+        <p:nvPicPr>
+          <p:cNvPr id="5" name="Imagen 4">
+            <a:extLst>
+              <a:ext uri="{FF2B5EF4-FFF2-40B4-BE49-F238E27FC236}">
+                <a16:creationId xmlns:a16="http://schemas.microsoft.com/office/drawing/2014/main" id="{4591A21A-8ACE-FF03-46F4-0EC29D0CC5F2}"/>
+              </a:ext>
+            </a:extLst>
+          </p:cNvPr>
+          <p:cNvPicPr>
+            <a:picLocks noChangeAspect="1"/>
+          </p:cNvPicPr>
+          <p:nvPr/>
+        </p:nvPicPr>
+        <p:blipFill>
+          <a:blip r:embed="rId3"/>
+          <a:stretch>
+            <a:fillRect/>
+          </a:stretch>
+        </p:blipFill>
+        <p:spPr>
+          <a:xfrm>
+            <a:off x="1219200" y="4098408"/>
+            <a:ext cx="10604116" cy="1768992"/>
           </a:xfrm>
           <a:prstGeom prst="rect">
             <a:avLst/>
@@ -7125,7 +7259,7 @@
     </p:spTree>
     <p:extLst>
       <p:ext uri="{BB962C8B-B14F-4D97-AF65-F5344CB8AC3E}">
-        <p14:creationId xmlns:p14="http://schemas.microsoft.com/office/powerpoint/2010/main" val="2109415152"/>
+        <p14:creationId xmlns:p14="http://schemas.microsoft.com/office/powerpoint/2010/main" val="3209254144"/>
       </p:ext>
     </p:extLst>
   </p:cSld>
@@ -7154,10 +7288,10 @@
       </p:grpSpPr>
       <p:pic>
         <p:nvPicPr>
-          <p:cNvPr id="5" name="Imagen 4">
+          <p:cNvPr id="6" name="Imagen 5">
             <a:extLst>
               <a:ext uri="{FF2B5EF4-FFF2-40B4-BE49-F238E27FC236}">
-                <a16:creationId xmlns:a16="http://schemas.microsoft.com/office/drawing/2014/main" id="{1622FAB4-2CE8-92C6-E7CE-8453760B8A1D}"/>
+                <a16:creationId xmlns:a16="http://schemas.microsoft.com/office/drawing/2014/main" id="{63903BE0-5CD8-A423-E2F0-E18511CF21BA}"/>
               </a:ext>
             </a:extLst>
           </p:cNvPr>
@@ -7174,8 +7308,38 @@
         </p:blipFill>
         <p:spPr>
           <a:xfrm>
-            <a:off x="1732941" y="47153"/>
-            <a:ext cx="8726118" cy="6763694"/>
+            <a:off x="1512528" y="1395364"/>
+            <a:ext cx="10254054" cy="2481947"/>
+          </a:xfrm>
+          <a:prstGeom prst="rect">
+            <a:avLst/>
+          </a:prstGeom>
+        </p:spPr>
+      </p:pic>
+      <p:pic>
+        <p:nvPicPr>
+          <p:cNvPr id="8" name="Imagen 7">
+            <a:extLst>
+              <a:ext uri="{FF2B5EF4-FFF2-40B4-BE49-F238E27FC236}">
+                <a16:creationId xmlns:a16="http://schemas.microsoft.com/office/drawing/2014/main" id="{A64DA523-875D-166B-B4A8-E71D78607A71}"/>
+              </a:ext>
+            </a:extLst>
+          </p:cNvPr>
+          <p:cNvPicPr>
+            <a:picLocks noChangeAspect="1"/>
+          </p:cNvPicPr>
+          <p:nvPr/>
+        </p:nvPicPr>
+        <p:blipFill>
+          <a:blip r:embed="rId3"/>
+          <a:stretch>
+            <a:fillRect/>
+          </a:stretch>
+        </p:blipFill>
+        <p:spPr>
+          <a:xfrm>
+            <a:off x="1512528" y="4167047"/>
+            <a:ext cx="10000581" cy="2255521"/>
           </a:xfrm>
           <a:prstGeom prst="rect">
             <a:avLst/>
@@ -7185,7 +7349,7 @@
     </p:spTree>
     <p:extLst>
       <p:ext uri="{BB962C8B-B14F-4D97-AF65-F5344CB8AC3E}">
-        <p14:creationId xmlns:p14="http://schemas.microsoft.com/office/powerpoint/2010/main" val="2679729853"/>
+        <p14:creationId xmlns:p14="http://schemas.microsoft.com/office/powerpoint/2010/main" val="2415108731"/>
       </p:ext>
     </p:extLst>
   </p:cSld>
@@ -7214,10 +7378,10 @@
       </p:grpSpPr>
       <p:pic>
         <p:nvPicPr>
-          <p:cNvPr id="5" name="Imagen 4">
+          <p:cNvPr id="2" name="Imagen 1">
             <a:extLst>
               <a:ext uri="{FF2B5EF4-FFF2-40B4-BE49-F238E27FC236}">
-                <a16:creationId xmlns:a16="http://schemas.microsoft.com/office/drawing/2014/main" id="{5F73822C-8B30-BA71-14B4-E57C8788F606}"/>
+                <a16:creationId xmlns:a16="http://schemas.microsoft.com/office/drawing/2014/main" id="{9D0100DA-CA9B-847E-8267-CBA48270989B}"/>
               </a:ext>
             </a:extLst>
           </p:cNvPr>
@@ -7234,18 +7398,84 @@
         </p:blipFill>
         <p:spPr>
           <a:xfrm>
-            <a:off x="1556704" y="709233"/>
-            <a:ext cx="9078592" cy="5439534"/>
+            <a:off x="927463" y="1070325"/>
+            <a:ext cx="11213064" cy="2358675"/>
           </a:xfrm>
           <a:prstGeom prst="rect">
             <a:avLst/>
           </a:prstGeom>
         </p:spPr>
       </p:pic>
+      <p:pic>
+        <p:nvPicPr>
+          <p:cNvPr id="3" name="Imagen 2">
+            <a:extLst>
+              <a:ext uri="{FF2B5EF4-FFF2-40B4-BE49-F238E27FC236}">
+                <a16:creationId xmlns:a16="http://schemas.microsoft.com/office/drawing/2014/main" id="{43CE0ED0-72A3-3058-4201-5148BFD53A7B}"/>
+              </a:ext>
+            </a:extLst>
+          </p:cNvPr>
+          <p:cNvPicPr>
+            <a:picLocks noChangeAspect="1"/>
+          </p:cNvPicPr>
+          <p:nvPr/>
+        </p:nvPicPr>
+        <p:blipFill>
+          <a:blip r:embed="rId3"/>
+          <a:stretch>
+            <a:fillRect/>
+          </a:stretch>
+        </p:blipFill>
+        <p:spPr>
+          <a:xfrm>
+            <a:off x="3261478" y="4083947"/>
+            <a:ext cx="5669043" cy="1703728"/>
+          </a:xfrm>
+          <a:prstGeom prst="rect">
+            <a:avLst/>
+          </a:prstGeom>
+        </p:spPr>
+      </p:pic>
+      <p:sp>
+        <p:nvSpPr>
+          <p:cNvPr id="4" name="CuadroTexto 3">
+            <a:hlinkClick r:id="rId4" action="ppaction://hlinkfile"/>
+            <a:extLst>
+              <a:ext uri="{FF2B5EF4-FFF2-40B4-BE49-F238E27FC236}">
+                <a16:creationId xmlns:a16="http://schemas.microsoft.com/office/drawing/2014/main" id="{94B4FC40-C165-F064-3EE9-710CF90D4450}"/>
+              </a:ext>
+            </a:extLst>
+          </p:cNvPr>
+          <p:cNvSpPr txBox="1"/>
+          <p:nvPr/>
+        </p:nvSpPr>
+        <p:spPr>
+          <a:xfrm>
+            <a:off x="4525701" y="6270924"/>
+            <a:ext cx="1596912" cy="369332"/>
+          </a:xfrm>
+          <a:prstGeom prst="rect">
+            <a:avLst/>
+          </a:prstGeom>
+          <a:noFill/>
+        </p:spPr>
+        <p:txBody>
+          <a:bodyPr wrap="none" rtlCol="0">
+            <a:spAutoFit/>
+          </a:bodyPr>
+          <a:lstStyle/>
+          <a:p>
+            <a:r>
+              <a:rPr lang="es-CO" dirty="0"/>
+              <a:t>Más consultas</a:t>
+            </a:r>
+          </a:p>
+        </p:txBody>
+      </p:sp>
     </p:spTree>
     <p:extLst>
       <p:ext uri="{BB962C8B-B14F-4D97-AF65-F5344CB8AC3E}">
-        <p14:creationId xmlns:p14="http://schemas.microsoft.com/office/powerpoint/2010/main" val="3546256634"/>
+        <p14:creationId xmlns:p14="http://schemas.microsoft.com/office/powerpoint/2010/main" val="792652231"/>
       </p:ext>
     </p:extLst>
   </p:cSld>
@@ -7272,40 +7502,64 @@
           <a:chExt cx="0" cy="0"/>
         </a:xfrm>
       </p:grpSpPr>
-      <p:pic>
-        <p:nvPicPr>
-          <p:cNvPr id="5" name="Imagen 4">
+      <p:sp>
+        <p:nvSpPr>
+          <p:cNvPr id="2" name="Título 1">
             <a:extLst>
               <a:ext uri="{FF2B5EF4-FFF2-40B4-BE49-F238E27FC236}">
-                <a16:creationId xmlns:a16="http://schemas.microsoft.com/office/drawing/2014/main" id="{1B8BE1A5-6751-4713-3C5A-F26FE377E574}"/>
+                <a16:creationId xmlns:a16="http://schemas.microsoft.com/office/drawing/2014/main" id="{D173173F-7C76-3B43-0F20-D5D1EB1ADDFF}"/>
               </a:ext>
             </a:extLst>
           </p:cNvPr>
-          <p:cNvPicPr>
-            <a:picLocks noChangeAspect="1"/>
-          </p:cNvPicPr>
-          <p:nvPr/>
-        </p:nvPicPr>
-        <p:blipFill>
-          <a:blip r:embed="rId2"/>
-          <a:stretch>
-            <a:fillRect/>
-          </a:stretch>
-        </p:blipFill>
-        <p:spPr>
-          <a:xfrm>
-            <a:off x="1447151" y="2081024"/>
-            <a:ext cx="9297698" cy="2695951"/>
-          </a:xfrm>
-          <a:prstGeom prst="rect">
-            <a:avLst/>
-          </a:prstGeom>
-        </p:spPr>
-      </p:pic>
+          <p:cNvSpPr>
+            <a:spLocks noGrp="1"/>
+          </p:cNvSpPr>
+          <p:nvPr>
+            <p:ph type="title"/>
+          </p:nvPr>
+        </p:nvSpPr>
+        <p:spPr/>
+        <p:txBody>
+          <a:bodyPr/>
+          <a:lstStyle/>
+          <a:p>
+            <a:r>
+              <a:rPr lang="es-ES" dirty="0"/>
+              <a:t>Consultas anidadas</a:t>
+            </a:r>
+            <a:endParaRPr lang="es-CO" dirty="0"/>
+          </a:p>
+        </p:txBody>
+      </p:sp>
+      <p:sp>
+        <p:nvSpPr>
+          <p:cNvPr id="3" name="Marcador de texto 2">
+            <a:extLst>
+              <a:ext uri="{FF2B5EF4-FFF2-40B4-BE49-F238E27FC236}">
+                <a16:creationId xmlns:a16="http://schemas.microsoft.com/office/drawing/2014/main" id="{4C676937-5BD4-445A-5265-82D255F78DA0}"/>
+              </a:ext>
+            </a:extLst>
+          </p:cNvPr>
+          <p:cNvSpPr>
+            <a:spLocks noGrp="1"/>
+          </p:cNvSpPr>
+          <p:nvPr>
+            <p:ph type="body" idx="1"/>
+          </p:nvPr>
+        </p:nvSpPr>
+        <p:spPr/>
+        <p:txBody>
+          <a:bodyPr/>
+          <a:lstStyle/>
+          <a:p>
+            <a:endParaRPr lang="es-CO"/>
+          </a:p>
+        </p:txBody>
+      </p:sp>
     </p:spTree>
     <p:extLst>
       <p:ext uri="{BB962C8B-B14F-4D97-AF65-F5344CB8AC3E}">
-        <p14:creationId xmlns:p14="http://schemas.microsoft.com/office/powerpoint/2010/main" val="1032794521"/>
+        <p14:creationId xmlns:p14="http://schemas.microsoft.com/office/powerpoint/2010/main" val="2126654353"/>
       </p:ext>
     </p:extLst>
   </p:cSld>
@@ -7332,66 +7586,70 @@
           <a:chExt cx="0" cy="0"/>
         </a:xfrm>
       </p:grpSpPr>
-      <p:sp>
-        <p:nvSpPr>
-          <p:cNvPr id="2" name="Título 1">
+      <p:pic>
+        <p:nvPicPr>
+          <p:cNvPr id="6" name="Imagen 5">
             <a:extLst>
               <a:ext uri="{FF2B5EF4-FFF2-40B4-BE49-F238E27FC236}">
-                <a16:creationId xmlns:a16="http://schemas.microsoft.com/office/drawing/2014/main" id="{4FAC1B6E-D73C-EBC3-5C53-A9F635FBFD20}"/>
+                <a16:creationId xmlns:a16="http://schemas.microsoft.com/office/drawing/2014/main" id="{C8D90FAB-400D-60B0-DBB9-1529ECB8D6E1}"/>
               </a:ext>
             </a:extLst>
           </p:cNvPr>
-          <p:cNvSpPr>
-            <a:spLocks noGrp="1"/>
-          </p:cNvSpPr>
-          <p:nvPr>
-            <p:ph type="title"/>
-          </p:nvPr>
-        </p:nvSpPr>
-        <p:spPr/>
-        <p:txBody>
-          <a:bodyPr/>
-          <a:lstStyle/>
-          <a:p>
-            <a:r>
-              <a:rPr lang="es-CO" dirty="0"/>
-              <a:t>Creación de roles</a:t>
-            </a:r>
-          </a:p>
-        </p:txBody>
-      </p:sp>
-      <p:sp>
-        <p:nvSpPr>
-          <p:cNvPr id="3" name="Marcador de texto 2">
+          <p:cNvPicPr>
+            <a:picLocks noChangeAspect="1"/>
+          </p:cNvPicPr>
+          <p:nvPr/>
+        </p:nvPicPr>
+        <p:blipFill>
+          <a:blip r:embed="rId2"/>
+          <a:stretch>
+            <a:fillRect/>
+          </a:stretch>
+        </p:blipFill>
+        <p:spPr>
+          <a:xfrm>
+            <a:off x="755030" y="1325454"/>
+            <a:ext cx="11259492" cy="1727356"/>
+          </a:xfrm>
+          <a:prstGeom prst="rect">
+            <a:avLst/>
+          </a:prstGeom>
+        </p:spPr>
+      </p:pic>
+      <p:pic>
+        <p:nvPicPr>
+          <p:cNvPr id="8" name="Imagen 7">
             <a:extLst>
               <a:ext uri="{FF2B5EF4-FFF2-40B4-BE49-F238E27FC236}">
-                <a16:creationId xmlns:a16="http://schemas.microsoft.com/office/drawing/2014/main" id="{2CC1DAAC-CB63-C13A-7588-128D2170A1CD}"/>
+                <a16:creationId xmlns:a16="http://schemas.microsoft.com/office/drawing/2014/main" id="{B3A7B8CA-C30A-DA68-DAEE-619893E4B719}"/>
               </a:ext>
             </a:extLst>
           </p:cNvPr>
-          <p:cNvSpPr>
-            <a:spLocks noGrp="1"/>
-          </p:cNvSpPr>
-          <p:nvPr>
-            <p:ph type="body" idx="1"/>
-          </p:nvPr>
-        </p:nvSpPr>
-        <p:spPr/>
-        <p:txBody>
-          <a:bodyPr/>
-          <a:lstStyle/>
-          <a:p>
-            <a:r>
-              <a:rPr lang="es-CO" dirty="0"/>
-              <a:t>Valor agregado de seguridad</a:t>
-            </a:r>
-          </a:p>
-        </p:txBody>
-      </p:sp>
+          <p:cNvPicPr>
+            <a:picLocks noChangeAspect="1"/>
+          </p:cNvPicPr>
+          <p:nvPr/>
+        </p:nvPicPr>
+        <p:blipFill>
+          <a:blip r:embed="rId3"/>
+          <a:stretch>
+            <a:fillRect/>
+          </a:stretch>
+        </p:blipFill>
+        <p:spPr>
+          <a:xfrm>
+            <a:off x="2875169" y="3805190"/>
+            <a:ext cx="6257255" cy="2109386"/>
+          </a:xfrm>
+          <a:prstGeom prst="rect">
+            <a:avLst/>
+          </a:prstGeom>
+        </p:spPr>
+      </p:pic>
     </p:spTree>
     <p:extLst>
       <p:ext uri="{BB962C8B-B14F-4D97-AF65-F5344CB8AC3E}">
-        <p14:creationId xmlns:p14="http://schemas.microsoft.com/office/powerpoint/2010/main" val="3696050680"/>
+        <p14:creationId xmlns:p14="http://schemas.microsoft.com/office/powerpoint/2010/main" val="946784378"/>
       </p:ext>
     </p:extLst>
   </p:cSld>
@@ -7420,10 +7678,10 @@
       </p:grpSpPr>
       <p:pic>
         <p:nvPicPr>
-          <p:cNvPr id="5" name="Imagen 4">
+          <p:cNvPr id="9" name="Imagen 8">
             <a:extLst>
               <a:ext uri="{FF2B5EF4-FFF2-40B4-BE49-F238E27FC236}">
-                <a16:creationId xmlns:a16="http://schemas.microsoft.com/office/drawing/2014/main" id="{984D2322-593F-AA9E-2FB0-5546B35457F7}"/>
+                <a16:creationId xmlns:a16="http://schemas.microsoft.com/office/drawing/2014/main" id="{19152322-A648-42B3-F4B2-9C2F1A5ED598}"/>
               </a:ext>
             </a:extLst>
           </p:cNvPr>
@@ -7440,18 +7698,84 @@
         </p:blipFill>
         <p:spPr>
           <a:xfrm>
-            <a:off x="2299721" y="1634739"/>
-            <a:ext cx="7592557" cy="3588522"/>
+            <a:off x="1494782" y="1171260"/>
+            <a:ext cx="9202434" cy="2257740"/>
           </a:xfrm>
           <a:prstGeom prst="rect">
             <a:avLst/>
           </a:prstGeom>
         </p:spPr>
       </p:pic>
+      <p:pic>
+        <p:nvPicPr>
+          <p:cNvPr id="11" name="Imagen 10">
+            <a:extLst>
+              <a:ext uri="{FF2B5EF4-FFF2-40B4-BE49-F238E27FC236}">
+                <a16:creationId xmlns:a16="http://schemas.microsoft.com/office/drawing/2014/main" id="{EC3128D2-FD59-FEEF-C5E3-455D1632DC32}"/>
+              </a:ext>
+            </a:extLst>
+          </p:cNvPr>
+          <p:cNvPicPr>
+            <a:picLocks noChangeAspect="1"/>
+          </p:cNvPicPr>
+          <p:nvPr/>
+        </p:nvPicPr>
+        <p:blipFill>
+          <a:blip r:embed="rId3"/>
+          <a:stretch>
+            <a:fillRect/>
+          </a:stretch>
+        </p:blipFill>
+        <p:spPr>
+          <a:xfrm>
+            <a:off x="1898419" y="3813425"/>
+            <a:ext cx="8395161" cy="2257740"/>
+          </a:xfrm>
+          <a:prstGeom prst="rect">
+            <a:avLst/>
+          </a:prstGeom>
+        </p:spPr>
+      </p:pic>
+      <p:sp>
+        <p:nvSpPr>
+          <p:cNvPr id="6" name="CuadroTexto 5">
+            <a:hlinkClick r:id="rId4" action="ppaction://hlinkfile"/>
+            <a:extLst>
+              <a:ext uri="{FF2B5EF4-FFF2-40B4-BE49-F238E27FC236}">
+                <a16:creationId xmlns:a16="http://schemas.microsoft.com/office/drawing/2014/main" id="{0FFF3F77-DFDF-5471-EFD2-84295EC68C19}"/>
+              </a:ext>
+            </a:extLst>
+          </p:cNvPr>
+          <p:cNvSpPr txBox="1"/>
+          <p:nvPr/>
+        </p:nvSpPr>
+        <p:spPr>
+          <a:xfrm>
+            <a:off x="4525701" y="6270924"/>
+            <a:ext cx="1596912" cy="369332"/>
+          </a:xfrm>
+          <a:prstGeom prst="rect">
+            <a:avLst/>
+          </a:prstGeom>
+          <a:noFill/>
+        </p:spPr>
+        <p:txBody>
+          <a:bodyPr wrap="none" rtlCol="0">
+            <a:spAutoFit/>
+          </a:bodyPr>
+          <a:lstStyle/>
+          <a:p>
+            <a:r>
+              <a:rPr lang="es-CO" dirty="0"/>
+              <a:t>Más consultas</a:t>
+            </a:r>
+          </a:p>
+        </p:txBody>
+      </p:sp>
     </p:spTree>
     <p:extLst>
       <p:ext uri="{BB962C8B-B14F-4D97-AF65-F5344CB8AC3E}">
-        <p14:creationId xmlns:p14="http://schemas.microsoft.com/office/powerpoint/2010/main" val="1250332723"/>
+        <p14:creationId xmlns:p14="http://schemas.microsoft.com/office/powerpoint/2010/main" val="4144071539"/>
       </p:ext>
     </p:extLst>
   </p:cSld>
@@ -7793,1933 +8117,6 @@
 </file>
 
 <file path=ppt/slides/slide20.xml><?xml version="1.0" encoding="utf-8"?>
-<p:sld xmlns:a="http://schemas.openxmlformats.org/drawingml/2006/main" xmlns:r="http://schemas.openxmlformats.org/officeDocument/2006/relationships" xmlns:p="http://schemas.openxmlformats.org/presentationml/2006/main">
-  <p:cSld>
-    <p:spTree>
-      <p:nvGrpSpPr>
-        <p:cNvPr id="1" name=""/>
-        <p:cNvGrpSpPr/>
-        <p:nvPr/>
-      </p:nvGrpSpPr>
-      <p:grpSpPr>
-        <a:xfrm>
-          <a:off x="0" y="0"/>
-          <a:ext cx="0" cy="0"/>
-          <a:chOff x="0" y="0"/>
-          <a:chExt cx="0" cy="0"/>
-        </a:xfrm>
-      </p:grpSpPr>
-      <p:sp>
-        <p:nvSpPr>
-          <p:cNvPr id="2" name="Título 1">
-            <a:extLst>
-              <a:ext uri="{FF2B5EF4-FFF2-40B4-BE49-F238E27FC236}">
-                <a16:creationId xmlns:a16="http://schemas.microsoft.com/office/drawing/2014/main" id="{9DB1EE4D-3EEE-4EE5-20E8-6A853AB89155}"/>
-              </a:ext>
-            </a:extLst>
-          </p:cNvPr>
-          <p:cNvSpPr>
-            <a:spLocks noGrp="1"/>
-          </p:cNvSpPr>
-          <p:nvPr>
-            <p:ph type="title"/>
-          </p:nvPr>
-        </p:nvSpPr>
-        <p:spPr/>
-        <p:txBody>
-          <a:bodyPr/>
-          <a:lstStyle/>
-          <a:p>
-            <a:r>
-              <a:rPr lang="es-CO" dirty="0"/>
-              <a:t>Código Importante para reparación.</a:t>
-            </a:r>
-          </a:p>
-        </p:txBody>
-      </p:sp>
-      <p:pic>
-        <p:nvPicPr>
-          <p:cNvPr id="5" name="Imagen 4">
-            <a:extLst>
-              <a:ext uri="{FF2B5EF4-FFF2-40B4-BE49-F238E27FC236}">
-                <a16:creationId xmlns:a16="http://schemas.microsoft.com/office/drawing/2014/main" id="{53D6C68D-9C94-B5E2-93F2-496894EF6D31}"/>
-              </a:ext>
-            </a:extLst>
-          </p:cNvPr>
-          <p:cNvPicPr>
-            <a:picLocks noChangeAspect="1"/>
-          </p:cNvPicPr>
-          <p:nvPr/>
-        </p:nvPicPr>
-        <p:blipFill>
-          <a:blip r:embed="rId2"/>
-          <a:stretch>
-            <a:fillRect/>
-          </a:stretch>
-        </p:blipFill>
-        <p:spPr>
-          <a:xfrm>
-            <a:off x="2211322" y="2481685"/>
-            <a:ext cx="7604009" cy="686473"/>
-          </a:xfrm>
-          <a:prstGeom prst="rect">
-            <a:avLst/>
-          </a:prstGeom>
-        </p:spPr>
-      </p:pic>
-      <p:pic>
-        <p:nvPicPr>
-          <p:cNvPr id="7" name="Imagen 6">
-            <a:extLst>
-              <a:ext uri="{FF2B5EF4-FFF2-40B4-BE49-F238E27FC236}">
-                <a16:creationId xmlns:a16="http://schemas.microsoft.com/office/drawing/2014/main" id="{72B7A758-56DA-D766-227D-C614096C0440}"/>
-              </a:ext>
-            </a:extLst>
-          </p:cNvPr>
-          <p:cNvPicPr>
-            <a:picLocks noChangeAspect="1"/>
-          </p:cNvPicPr>
-          <p:nvPr/>
-        </p:nvPicPr>
-        <p:blipFill>
-          <a:blip r:embed="rId3"/>
-          <a:stretch>
-            <a:fillRect/>
-          </a:stretch>
-        </p:blipFill>
-        <p:spPr>
-          <a:xfrm>
-            <a:off x="2413442" y="3727719"/>
-            <a:ext cx="6510688" cy="1009409"/>
-          </a:xfrm>
-          <a:prstGeom prst="rect">
-            <a:avLst/>
-          </a:prstGeom>
-        </p:spPr>
-      </p:pic>
-    </p:spTree>
-    <p:extLst>
-      <p:ext uri="{BB962C8B-B14F-4D97-AF65-F5344CB8AC3E}">
-        <p14:creationId xmlns:p14="http://schemas.microsoft.com/office/powerpoint/2010/main" val="407444067"/>
-      </p:ext>
-    </p:extLst>
-  </p:cSld>
-  <p:clrMapOvr>
-    <a:masterClrMapping/>
-  </p:clrMapOvr>
-</p:sld>
-</file>
-
-<file path=ppt/slides/slide21.xml><?xml version="1.0" encoding="utf-8"?>
-<p:sld xmlns:a="http://schemas.openxmlformats.org/drawingml/2006/main" xmlns:r="http://schemas.openxmlformats.org/officeDocument/2006/relationships" xmlns:p="http://schemas.openxmlformats.org/presentationml/2006/main">
-  <p:cSld>
-    <p:spTree>
-      <p:nvGrpSpPr>
-        <p:cNvPr id="1" name=""/>
-        <p:cNvGrpSpPr/>
-        <p:nvPr/>
-      </p:nvGrpSpPr>
-      <p:grpSpPr>
-        <a:xfrm>
-          <a:off x="0" y="0"/>
-          <a:ext cx="0" cy="0"/>
-          <a:chOff x="0" y="0"/>
-          <a:chExt cx="0" cy="0"/>
-        </a:xfrm>
-      </p:grpSpPr>
-      <p:sp>
-        <p:nvSpPr>
-          <p:cNvPr id="2" name="Título 1">
-            <a:extLst>
-              <a:ext uri="{FF2B5EF4-FFF2-40B4-BE49-F238E27FC236}">
-                <a16:creationId xmlns:a16="http://schemas.microsoft.com/office/drawing/2014/main" id="{52D06908-095A-DE63-C815-AF4145F8F013}"/>
-              </a:ext>
-            </a:extLst>
-          </p:cNvPr>
-          <p:cNvSpPr>
-            <a:spLocks noGrp="1"/>
-          </p:cNvSpPr>
-          <p:nvPr>
-            <p:ph type="title"/>
-          </p:nvPr>
-        </p:nvSpPr>
-        <p:spPr/>
-        <p:txBody>
-          <a:bodyPr/>
-          <a:lstStyle/>
-          <a:p>
-            <a:r>
-              <a:rPr lang="es-ES" dirty="0"/>
-              <a:t>Consultas utilizando </a:t>
-            </a:r>
-            <a:r>
-              <a:rPr lang="es-ES" dirty="0" err="1"/>
-              <a:t>join</a:t>
-            </a:r>
-            <a:endParaRPr lang="es-CO" dirty="0"/>
-          </a:p>
-        </p:txBody>
-      </p:sp>
-    </p:spTree>
-    <p:extLst>
-      <p:ext uri="{BB962C8B-B14F-4D97-AF65-F5344CB8AC3E}">
-        <p14:creationId xmlns:p14="http://schemas.microsoft.com/office/powerpoint/2010/main" val="4189218775"/>
-      </p:ext>
-    </p:extLst>
-  </p:cSld>
-  <p:clrMapOvr>
-    <a:masterClrMapping/>
-  </p:clrMapOvr>
-</p:sld>
-</file>
-
-<file path=ppt/slides/slide22.xml><?xml version="1.0" encoding="utf-8"?>
-<p:sld xmlns:a="http://schemas.openxmlformats.org/drawingml/2006/main" xmlns:r="http://schemas.openxmlformats.org/officeDocument/2006/relationships" xmlns:p="http://schemas.openxmlformats.org/presentationml/2006/main">
-  <p:cSld>
-    <p:spTree>
-      <p:nvGrpSpPr>
-        <p:cNvPr id="1" name=""/>
-        <p:cNvGrpSpPr/>
-        <p:nvPr/>
-      </p:nvGrpSpPr>
-      <p:grpSpPr>
-        <a:xfrm>
-          <a:off x="0" y="0"/>
-          <a:ext cx="0" cy="0"/>
-          <a:chOff x="0" y="0"/>
-          <a:chExt cx="0" cy="0"/>
-        </a:xfrm>
-      </p:grpSpPr>
-      <p:sp>
-        <p:nvSpPr>
-          <p:cNvPr id="2" name="Título 1">
-            <a:extLst>
-              <a:ext uri="{FF2B5EF4-FFF2-40B4-BE49-F238E27FC236}">
-                <a16:creationId xmlns:a16="http://schemas.microsoft.com/office/drawing/2014/main" id="{A71EE547-AAC8-D4C6-1DF9-8B925B86CD9D}"/>
-              </a:ext>
-            </a:extLst>
-          </p:cNvPr>
-          <p:cNvSpPr>
-            <a:spLocks noGrp="1"/>
-          </p:cNvSpPr>
-          <p:nvPr>
-            <p:ph type="title"/>
-          </p:nvPr>
-        </p:nvSpPr>
-        <p:spPr/>
-        <p:txBody>
-          <a:bodyPr/>
-          <a:lstStyle/>
-          <a:p>
-            <a:endParaRPr lang="es-CO"/>
-          </a:p>
-        </p:txBody>
-      </p:sp>
-      <p:pic>
-        <p:nvPicPr>
-          <p:cNvPr id="8" name="Marcador de contenido 7">
-            <a:extLst>
-              <a:ext uri="{FF2B5EF4-FFF2-40B4-BE49-F238E27FC236}">
-                <a16:creationId xmlns:a16="http://schemas.microsoft.com/office/drawing/2014/main" id="{3B450C70-BBD3-FDE3-1595-C65CABC886A8}"/>
-              </a:ext>
-            </a:extLst>
-          </p:cNvPr>
-          <p:cNvPicPr>
-            <a:picLocks noGrp="1" noChangeAspect="1"/>
-          </p:cNvPicPr>
-          <p:nvPr>
-            <p:ph idx="1"/>
-          </p:nvPr>
-        </p:nvPicPr>
-        <p:blipFill>
-          <a:blip r:embed="rId2"/>
-          <a:stretch>
-            <a:fillRect/>
-          </a:stretch>
-        </p:blipFill>
-        <p:spPr>
-          <a:xfrm>
-            <a:off x="3619143" y="3110709"/>
-            <a:ext cx="5106113" cy="733527"/>
-          </a:xfrm>
-        </p:spPr>
-      </p:pic>
-      <p:pic>
-        <p:nvPicPr>
-          <p:cNvPr id="6" name="Imagen 5">
-            <a:extLst>
-              <a:ext uri="{FF2B5EF4-FFF2-40B4-BE49-F238E27FC236}">
-                <a16:creationId xmlns:a16="http://schemas.microsoft.com/office/drawing/2014/main" id="{FD2C5FD7-EB78-6418-7908-0EECE92C29B2}"/>
-              </a:ext>
-            </a:extLst>
-          </p:cNvPr>
-          <p:cNvPicPr>
-            <a:picLocks noChangeAspect="1"/>
-          </p:cNvPicPr>
-          <p:nvPr/>
-        </p:nvPicPr>
-        <p:blipFill>
-          <a:blip r:embed="rId3"/>
-          <a:stretch>
-            <a:fillRect/>
-          </a:stretch>
-        </p:blipFill>
-        <p:spPr>
-          <a:xfrm>
-            <a:off x="1470967" y="79527"/>
-            <a:ext cx="9250066" cy="2962688"/>
-          </a:xfrm>
-          <a:prstGeom prst="rect">
-            <a:avLst/>
-          </a:prstGeom>
-        </p:spPr>
-      </p:pic>
-      <p:pic>
-        <p:nvPicPr>
-          <p:cNvPr id="10" name="Imagen 9">
-            <a:extLst>
-              <a:ext uri="{FF2B5EF4-FFF2-40B4-BE49-F238E27FC236}">
-                <a16:creationId xmlns:a16="http://schemas.microsoft.com/office/drawing/2014/main" id="{A8396C04-3E0A-9763-A549-14913D0A3404}"/>
-              </a:ext>
-            </a:extLst>
-          </p:cNvPr>
-          <p:cNvPicPr>
-            <a:picLocks noChangeAspect="1"/>
-          </p:cNvPicPr>
-          <p:nvPr/>
-        </p:nvPicPr>
-        <p:blipFill>
-          <a:blip r:embed="rId4"/>
-          <a:stretch>
-            <a:fillRect/>
-          </a:stretch>
-        </p:blipFill>
-        <p:spPr>
-          <a:xfrm>
-            <a:off x="2366268" y="3912730"/>
-            <a:ext cx="7754432" cy="1743318"/>
-          </a:xfrm>
-          <a:prstGeom prst="rect">
-            <a:avLst/>
-          </a:prstGeom>
-        </p:spPr>
-      </p:pic>
-      <p:pic>
-        <p:nvPicPr>
-          <p:cNvPr id="12" name="Imagen 11">
-            <a:extLst>
-              <a:ext uri="{FF2B5EF4-FFF2-40B4-BE49-F238E27FC236}">
-                <a16:creationId xmlns:a16="http://schemas.microsoft.com/office/drawing/2014/main" id="{36784A98-1CDF-7CE9-B47B-488223FF9701}"/>
-              </a:ext>
-            </a:extLst>
-          </p:cNvPr>
-          <p:cNvPicPr>
-            <a:picLocks noChangeAspect="1"/>
-          </p:cNvPicPr>
-          <p:nvPr/>
-        </p:nvPicPr>
-        <p:blipFill>
-          <a:blip r:embed="rId5"/>
-          <a:stretch>
-            <a:fillRect/>
-          </a:stretch>
-        </p:blipFill>
-        <p:spPr>
-          <a:xfrm>
-            <a:off x="3400038" y="5724542"/>
-            <a:ext cx="5325218" cy="914528"/>
-          </a:xfrm>
-          <a:prstGeom prst="rect">
-            <a:avLst/>
-          </a:prstGeom>
-        </p:spPr>
-      </p:pic>
-    </p:spTree>
-    <p:extLst>
-      <p:ext uri="{BB962C8B-B14F-4D97-AF65-F5344CB8AC3E}">
-        <p14:creationId xmlns:p14="http://schemas.microsoft.com/office/powerpoint/2010/main" val="707603146"/>
-      </p:ext>
-    </p:extLst>
-  </p:cSld>
-  <p:clrMapOvr>
-    <a:masterClrMapping/>
-  </p:clrMapOvr>
-</p:sld>
-</file>
-
-<file path=ppt/slides/slide23.xml><?xml version="1.0" encoding="utf-8"?>
-<p:sld xmlns:a="http://schemas.openxmlformats.org/drawingml/2006/main" xmlns:r="http://schemas.openxmlformats.org/officeDocument/2006/relationships" xmlns:p="http://schemas.openxmlformats.org/presentationml/2006/main">
-  <p:cSld>
-    <p:spTree>
-      <p:nvGrpSpPr>
-        <p:cNvPr id="1" name=""/>
-        <p:cNvGrpSpPr/>
-        <p:nvPr/>
-      </p:nvGrpSpPr>
-      <p:grpSpPr>
-        <a:xfrm>
-          <a:off x="0" y="0"/>
-          <a:ext cx="0" cy="0"/>
-          <a:chOff x="0" y="0"/>
-          <a:chExt cx="0" cy="0"/>
-        </a:xfrm>
-      </p:grpSpPr>
-      <p:pic>
-        <p:nvPicPr>
-          <p:cNvPr id="6" name="Imagen 5">
-            <a:extLst>
-              <a:ext uri="{FF2B5EF4-FFF2-40B4-BE49-F238E27FC236}">
-                <a16:creationId xmlns:a16="http://schemas.microsoft.com/office/drawing/2014/main" id="{63903BE0-5CD8-A423-E2F0-E18511CF21BA}"/>
-              </a:ext>
-            </a:extLst>
-          </p:cNvPr>
-          <p:cNvPicPr>
-            <a:picLocks noChangeAspect="1"/>
-          </p:cNvPicPr>
-          <p:nvPr/>
-        </p:nvPicPr>
-        <p:blipFill>
-          <a:blip r:embed="rId2"/>
-          <a:stretch>
-            <a:fillRect/>
-          </a:stretch>
-        </p:blipFill>
-        <p:spPr>
-          <a:xfrm>
-            <a:off x="1980615" y="0"/>
-            <a:ext cx="8383170" cy="2029108"/>
-          </a:xfrm>
-          <a:prstGeom prst="rect">
-            <a:avLst/>
-          </a:prstGeom>
-        </p:spPr>
-      </p:pic>
-      <p:pic>
-        <p:nvPicPr>
-          <p:cNvPr id="8" name="Imagen 7">
-            <a:extLst>
-              <a:ext uri="{FF2B5EF4-FFF2-40B4-BE49-F238E27FC236}">
-                <a16:creationId xmlns:a16="http://schemas.microsoft.com/office/drawing/2014/main" id="{A64DA523-875D-166B-B4A8-E71D78607A71}"/>
-              </a:ext>
-            </a:extLst>
-          </p:cNvPr>
-          <p:cNvPicPr>
-            <a:picLocks noChangeAspect="1"/>
-          </p:cNvPicPr>
-          <p:nvPr/>
-        </p:nvPicPr>
-        <p:blipFill>
-          <a:blip r:embed="rId3"/>
-          <a:stretch>
-            <a:fillRect/>
-          </a:stretch>
-        </p:blipFill>
-        <p:spPr>
-          <a:xfrm>
-            <a:off x="3223811" y="2094410"/>
-            <a:ext cx="5744377" cy="1295581"/>
-          </a:xfrm>
-          <a:prstGeom prst="rect">
-            <a:avLst/>
-          </a:prstGeom>
-        </p:spPr>
-      </p:pic>
-      <p:pic>
-        <p:nvPicPr>
-          <p:cNvPr id="10" name="Imagen 9">
-            <a:extLst>
-              <a:ext uri="{FF2B5EF4-FFF2-40B4-BE49-F238E27FC236}">
-                <a16:creationId xmlns:a16="http://schemas.microsoft.com/office/drawing/2014/main" id="{9AF456D3-F022-813C-EA22-36206618F524}"/>
-              </a:ext>
-            </a:extLst>
-          </p:cNvPr>
-          <p:cNvPicPr>
-            <a:picLocks noChangeAspect="1"/>
-          </p:cNvPicPr>
-          <p:nvPr/>
-        </p:nvPicPr>
-        <p:blipFill>
-          <a:blip r:embed="rId4"/>
-          <a:stretch>
-            <a:fillRect/>
-          </a:stretch>
-        </p:blipFill>
-        <p:spPr>
-          <a:xfrm>
-            <a:off x="1013691" y="3455294"/>
-            <a:ext cx="10317015" cy="2038635"/>
-          </a:xfrm>
-          <a:prstGeom prst="rect">
-            <a:avLst/>
-          </a:prstGeom>
-        </p:spPr>
-      </p:pic>
-      <p:pic>
-        <p:nvPicPr>
-          <p:cNvPr id="12" name="Imagen 11">
-            <a:extLst>
-              <a:ext uri="{FF2B5EF4-FFF2-40B4-BE49-F238E27FC236}">
-                <a16:creationId xmlns:a16="http://schemas.microsoft.com/office/drawing/2014/main" id="{4F18F8BC-EDD7-4DEA-EDBC-F3F6487C73A1}"/>
-              </a:ext>
-            </a:extLst>
-          </p:cNvPr>
-          <p:cNvPicPr>
-            <a:picLocks noChangeAspect="1"/>
-          </p:cNvPicPr>
-          <p:nvPr/>
-        </p:nvPicPr>
-        <p:blipFill>
-          <a:blip r:embed="rId5"/>
-          <a:stretch>
-            <a:fillRect/>
-          </a:stretch>
-        </p:blipFill>
-        <p:spPr>
-          <a:xfrm>
-            <a:off x="4381249" y="5624535"/>
-            <a:ext cx="3581900" cy="1076475"/>
-          </a:xfrm>
-          <a:prstGeom prst="rect">
-            <a:avLst/>
-          </a:prstGeom>
-        </p:spPr>
-      </p:pic>
-    </p:spTree>
-    <p:extLst>
-      <p:ext uri="{BB962C8B-B14F-4D97-AF65-F5344CB8AC3E}">
-        <p14:creationId xmlns:p14="http://schemas.microsoft.com/office/powerpoint/2010/main" val="2415108731"/>
-      </p:ext>
-    </p:extLst>
-  </p:cSld>
-  <p:clrMapOvr>
-    <a:masterClrMapping/>
-  </p:clrMapOvr>
-</p:sld>
-</file>
-
-<file path=ppt/slides/slide24.xml><?xml version="1.0" encoding="utf-8"?>
-<p:sld xmlns:a="http://schemas.openxmlformats.org/drawingml/2006/main" xmlns:r="http://schemas.openxmlformats.org/officeDocument/2006/relationships" xmlns:p="http://schemas.openxmlformats.org/presentationml/2006/main">
-  <p:cSld>
-    <p:spTree>
-      <p:nvGrpSpPr>
-        <p:cNvPr id="1" name=""/>
-        <p:cNvGrpSpPr/>
-        <p:nvPr/>
-      </p:nvGrpSpPr>
-      <p:grpSpPr>
-        <a:xfrm>
-          <a:off x="0" y="0"/>
-          <a:ext cx="0" cy="0"/>
-          <a:chOff x="0" y="0"/>
-          <a:chExt cx="0" cy="0"/>
-        </a:xfrm>
-      </p:grpSpPr>
-      <p:pic>
-        <p:nvPicPr>
-          <p:cNvPr id="6" name="Imagen 5">
-            <a:extLst>
-              <a:ext uri="{FF2B5EF4-FFF2-40B4-BE49-F238E27FC236}">
-                <a16:creationId xmlns:a16="http://schemas.microsoft.com/office/drawing/2014/main" id="{BCFF3445-AEFE-453D-203D-75D42839B245}"/>
-              </a:ext>
-            </a:extLst>
-          </p:cNvPr>
-          <p:cNvPicPr>
-            <a:picLocks noChangeAspect="1"/>
-          </p:cNvPicPr>
-          <p:nvPr/>
-        </p:nvPicPr>
-        <p:blipFill>
-          <a:blip r:embed="rId2"/>
-          <a:stretch>
-            <a:fillRect/>
-          </a:stretch>
-        </p:blipFill>
-        <p:spPr>
-          <a:xfrm>
-            <a:off x="2529176" y="151629"/>
-            <a:ext cx="6878010" cy="2248214"/>
-          </a:xfrm>
-          <a:prstGeom prst="rect">
-            <a:avLst/>
-          </a:prstGeom>
-        </p:spPr>
-      </p:pic>
-      <p:pic>
-        <p:nvPicPr>
-          <p:cNvPr id="8" name="Imagen 7">
-            <a:extLst>
-              <a:ext uri="{FF2B5EF4-FFF2-40B4-BE49-F238E27FC236}">
-                <a16:creationId xmlns:a16="http://schemas.microsoft.com/office/drawing/2014/main" id="{BA621A9D-13E9-34A2-C684-94A9F1BD6189}"/>
-              </a:ext>
-            </a:extLst>
-          </p:cNvPr>
-          <p:cNvPicPr>
-            <a:picLocks noChangeAspect="1"/>
-          </p:cNvPicPr>
-          <p:nvPr/>
-        </p:nvPicPr>
-        <p:blipFill>
-          <a:blip r:embed="rId3"/>
-          <a:stretch>
-            <a:fillRect/>
-          </a:stretch>
-        </p:blipFill>
-        <p:spPr>
-          <a:xfrm>
-            <a:off x="4066892" y="2514143"/>
-            <a:ext cx="4058216" cy="1257475"/>
-          </a:xfrm>
-          <a:prstGeom prst="rect">
-            <a:avLst/>
-          </a:prstGeom>
-        </p:spPr>
-      </p:pic>
-      <p:pic>
-        <p:nvPicPr>
-          <p:cNvPr id="10" name="Imagen 9">
-            <a:extLst>
-              <a:ext uri="{FF2B5EF4-FFF2-40B4-BE49-F238E27FC236}">
-                <a16:creationId xmlns:a16="http://schemas.microsoft.com/office/drawing/2014/main" id="{3774EF75-F675-69EA-FC73-E6215C7A18AD}"/>
-              </a:ext>
-            </a:extLst>
-          </p:cNvPr>
-          <p:cNvPicPr>
-            <a:picLocks noChangeAspect="1"/>
-          </p:cNvPicPr>
-          <p:nvPr/>
-        </p:nvPicPr>
-        <p:blipFill>
-          <a:blip r:embed="rId4"/>
-          <a:stretch>
-            <a:fillRect/>
-          </a:stretch>
-        </p:blipFill>
-        <p:spPr>
-          <a:xfrm>
-            <a:off x="1613851" y="3816810"/>
-            <a:ext cx="9116697" cy="1857634"/>
-          </a:xfrm>
-          <a:prstGeom prst="rect">
-            <a:avLst/>
-          </a:prstGeom>
-        </p:spPr>
-      </p:pic>
-      <p:pic>
-        <p:nvPicPr>
-          <p:cNvPr id="12" name="Imagen 11">
-            <a:extLst>
-              <a:ext uri="{FF2B5EF4-FFF2-40B4-BE49-F238E27FC236}">
-                <a16:creationId xmlns:a16="http://schemas.microsoft.com/office/drawing/2014/main" id="{B43EEC3C-CF5C-B96C-7018-8ACF0F856FEE}"/>
-              </a:ext>
-            </a:extLst>
-          </p:cNvPr>
-          <p:cNvPicPr>
-            <a:picLocks noChangeAspect="1"/>
-          </p:cNvPicPr>
-          <p:nvPr/>
-        </p:nvPicPr>
-        <p:blipFill>
-          <a:blip r:embed="rId5"/>
-          <a:stretch>
-            <a:fillRect/>
-          </a:stretch>
-        </p:blipFill>
-        <p:spPr>
-          <a:xfrm>
-            <a:off x="2529176" y="5847420"/>
-            <a:ext cx="6735115" cy="714475"/>
-          </a:xfrm>
-          <a:prstGeom prst="rect">
-            <a:avLst/>
-          </a:prstGeom>
-        </p:spPr>
-      </p:pic>
-    </p:spTree>
-    <p:extLst>
-      <p:ext uri="{BB962C8B-B14F-4D97-AF65-F5344CB8AC3E}">
-        <p14:creationId xmlns:p14="http://schemas.microsoft.com/office/powerpoint/2010/main" val="792652231"/>
-      </p:ext>
-    </p:extLst>
-  </p:cSld>
-  <p:clrMapOvr>
-    <a:masterClrMapping/>
-  </p:clrMapOvr>
-</p:sld>
-</file>
-
-<file path=ppt/slides/slide25.xml><?xml version="1.0" encoding="utf-8"?>
-<p:sld xmlns:a="http://schemas.openxmlformats.org/drawingml/2006/main" xmlns:r="http://schemas.openxmlformats.org/officeDocument/2006/relationships" xmlns:p="http://schemas.openxmlformats.org/presentationml/2006/main">
-  <p:cSld>
-    <p:spTree>
-      <p:nvGrpSpPr>
-        <p:cNvPr id="1" name=""/>
-        <p:cNvGrpSpPr/>
-        <p:nvPr/>
-      </p:nvGrpSpPr>
-      <p:grpSpPr>
-        <a:xfrm>
-          <a:off x="0" y="0"/>
-          <a:ext cx="0" cy="0"/>
-          <a:chOff x="0" y="0"/>
-          <a:chExt cx="0" cy="0"/>
-        </a:xfrm>
-      </p:grpSpPr>
-      <p:pic>
-        <p:nvPicPr>
-          <p:cNvPr id="6" name="Imagen 5">
-            <a:extLst>
-              <a:ext uri="{FF2B5EF4-FFF2-40B4-BE49-F238E27FC236}">
-                <a16:creationId xmlns:a16="http://schemas.microsoft.com/office/drawing/2014/main" id="{8CA62C58-B047-3C1D-8F7C-6278B9E18EFF}"/>
-              </a:ext>
-            </a:extLst>
-          </p:cNvPr>
-          <p:cNvPicPr>
-            <a:picLocks noChangeAspect="1"/>
-          </p:cNvPicPr>
-          <p:nvPr/>
-        </p:nvPicPr>
-        <p:blipFill>
-          <a:blip r:embed="rId2"/>
-          <a:stretch>
-            <a:fillRect/>
-          </a:stretch>
-        </p:blipFill>
-        <p:spPr>
-          <a:xfrm>
-            <a:off x="2380721" y="149223"/>
-            <a:ext cx="7582958" cy="1486107"/>
-          </a:xfrm>
-          <a:prstGeom prst="rect">
-            <a:avLst/>
-          </a:prstGeom>
-        </p:spPr>
-      </p:pic>
-      <p:pic>
-        <p:nvPicPr>
-          <p:cNvPr id="8" name="Imagen 7">
-            <a:extLst>
-              <a:ext uri="{FF2B5EF4-FFF2-40B4-BE49-F238E27FC236}">
-                <a16:creationId xmlns:a16="http://schemas.microsoft.com/office/drawing/2014/main" id="{BBB084EA-B803-0F11-A4EF-190A4B5B28A5}"/>
-              </a:ext>
-            </a:extLst>
-          </p:cNvPr>
-          <p:cNvPicPr>
-            <a:picLocks noChangeAspect="1"/>
-          </p:cNvPicPr>
-          <p:nvPr/>
-        </p:nvPicPr>
-        <p:blipFill>
-          <a:blip r:embed="rId3"/>
-          <a:stretch>
-            <a:fillRect/>
-          </a:stretch>
-        </p:blipFill>
-        <p:spPr>
-          <a:xfrm>
-            <a:off x="4386024" y="1749630"/>
-            <a:ext cx="3419952" cy="1295581"/>
-          </a:xfrm>
-          <a:prstGeom prst="rect">
-            <a:avLst/>
-          </a:prstGeom>
-        </p:spPr>
-      </p:pic>
-      <p:pic>
-        <p:nvPicPr>
-          <p:cNvPr id="10" name="Imagen 9">
-            <a:extLst>
-              <a:ext uri="{FF2B5EF4-FFF2-40B4-BE49-F238E27FC236}">
-                <a16:creationId xmlns:a16="http://schemas.microsoft.com/office/drawing/2014/main" id="{B6ACB576-A739-A4E4-5F90-E532DE2BE594}"/>
-              </a:ext>
-            </a:extLst>
-          </p:cNvPr>
-          <p:cNvPicPr>
-            <a:picLocks noChangeAspect="1"/>
-          </p:cNvPicPr>
-          <p:nvPr/>
-        </p:nvPicPr>
-        <p:blipFill>
-          <a:blip r:embed="rId4"/>
-          <a:stretch>
-            <a:fillRect/>
-          </a:stretch>
-        </p:blipFill>
-        <p:spPr>
-          <a:xfrm>
-            <a:off x="1856826" y="3159511"/>
-            <a:ext cx="7868748" cy="2095792"/>
-          </a:xfrm>
-          <a:prstGeom prst="rect">
-            <a:avLst/>
-          </a:prstGeom>
-        </p:spPr>
-      </p:pic>
-      <p:pic>
-        <p:nvPicPr>
-          <p:cNvPr id="12" name="Imagen 11">
-            <a:extLst>
-              <a:ext uri="{FF2B5EF4-FFF2-40B4-BE49-F238E27FC236}">
-                <a16:creationId xmlns:a16="http://schemas.microsoft.com/office/drawing/2014/main" id="{7338DBDD-53EA-969C-9129-AF3E1DDB1901}"/>
-              </a:ext>
-            </a:extLst>
-          </p:cNvPr>
-          <p:cNvPicPr>
-            <a:picLocks noChangeAspect="1"/>
-          </p:cNvPicPr>
-          <p:nvPr/>
-        </p:nvPicPr>
-        <p:blipFill>
-          <a:blip r:embed="rId5"/>
-          <a:stretch>
-            <a:fillRect/>
-          </a:stretch>
-        </p:blipFill>
-        <p:spPr>
-          <a:xfrm>
-            <a:off x="4605172" y="5618770"/>
-            <a:ext cx="2372056" cy="638264"/>
-          </a:xfrm>
-          <a:prstGeom prst="rect">
-            <a:avLst/>
-          </a:prstGeom>
-        </p:spPr>
-      </p:pic>
-    </p:spTree>
-    <p:extLst>
-      <p:ext uri="{BB962C8B-B14F-4D97-AF65-F5344CB8AC3E}">
-        <p14:creationId xmlns:p14="http://schemas.microsoft.com/office/powerpoint/2010/main" val="3840308482"/>
-      </p:ext>
-    </p:extLst>
-  </p:cSld>
-  <p:clrMapOvr>
-    <a:masterClrMapping/>
-  </p:clrMapOvr>
-</p:sld>
-</file>
-
-<file path=ppt/slides/slide26.xml><?xml version="1.0" encoding="utf-8"?>
-<p:sld xmlns:a="http://schemas.openxmlformats.org/drawingml/2006/main" xmlns:r="http://schemas.openxmlformats.org/officeDocument/2006/relationships" xmlns:p="http://schemas.openxmlformats.org/presentationml/2006/main">
-  <p:cSld>
-    <p:spTree>
-      <p:nvGrpSpPr>
-        <p:cNvPr id="1" name=""/>
-        <p:cNvGrpSpPr/>
-        <p:nvPr/>
-      </p:nvGrpSpPr>
-      <p:grpSpPr>
-        <a:xfrm>
-          <a:off x="0" y="0"/>
-          <a:ext cx="0" cy="0"/>
-          <a:chOff x="0" y="0"/>
-          <a:chExt cx="0" cy="0"/>
-        </a:xfrm>
-      </p:grpSpPr>
-      <p:pic>
-        <p:nvPicPr>
-          <p:cNvPr id="9" name="Marcador de contenido 8">
-            <a:extLst>
-              <a:ext uri="{FF2B5EF4-FFF2-40B4-BE49-F238E27FC236}">
-                <a16:creationId xmlns:a16="http://schemas.microsoft.com/office/drawing/2014/main" id="{DAAB4ADF-C777-B180-E23C-10F38FB644BD}"/>
-              </a:ext>
-            </a:extLst>
-          </p:cNvPr>
-          <p:cNvPicPr>
-            <a:picLocks noGrp="1" noChangeAspect="1"/>
-          </p:cNvPicPr>
-          <p:nvPr>
-            <p:ph idx="1"/>
-          </p:nvPr>
-        </p:nvPicPr>
-        <p:blipFill>
-          <a:blip r:embed="rId2"/>
-          <a:stretch>
-            <a:fillRect/>
-          </a:stretch>
-        </p:blipFill>
-        <p:spPr>
-          <a:xfrm>
-            <a:off x="1747220" y="3076435"/>
-            <a:ext cx="8849960" cy="2000529"/>
-          </a:xfrm>
-        </p:spPr>
-      </p:pic>
-      <p:pic>
-        <p:nvPicPr>
-          <p:cNvPr id="5" name="Imagen 4">
-            <a:extLst>
-              <a:ext uri="{FF2B5EF4-FFF2-40B4-BE49-F238E27FC236}">
-                <a16:creationId xmlns:a16="http://schemas.microsoft.com/office/drawing/2014/main" id="{91663A18-3AE6-0A33-DA5D-16F4CFFDE5C4}"/>
-              </a:ext>
-            </a:extLst>
-          </p:cNvPr>
-          <p:cNvPicPr>
-            <a:picLocks noChangeAspect="1"/>
-          </p:cNvPicPr>
-          <p:nvPr/>
-        </p:nvPicPr>
-        <p:blipFill>
-          <a:blip r:embed="rId3"/>
-          <a:stretch>
-            <a:fillRect/>
-          </a:stretch>
-        </p:blipFill>
-        <p:spPr>
-          <a:xfrm>
-            <a:off x="2776063" y="0"/>
-            <a:ext cx="6792273" cy="1762371"/>
-          </a:xfrm>
-          <a:prstGeom prst="rect">
-            <a:avLst/>
-          </a:prstGeom>
-        </p:spPr>
-      </p:pic>
-      <p:pic>
-        <p:nvPicPr>
-          <p:cNvPr id="7" name="Imagen 6">
-            <a:extLst>
-              <a:ext uri="{FF2B5EF4-FFF2-40B4-BE49-F238E27FC236}">
-                <a16:creationId xmlns:a16="http://schemas.microsoft.com/office/drawing/2014/main" id="{3BB3108F-1A4D-2399-F895-085FF62295F7}"/>
-              </a:ext>
-            </a:extLst>
-          </p:cNvPr>
-          <p:cNvPicPr>
-            <a:picLocks noChangeAspect="1"/>
-          </p:cNvPicPr>
-          <p:nvPr/>
-        </p:nvPicPr>
-        <p:blipFill>
-          <a:blip r:embed="rId4"/>
-          <a:stretch>
-            <a:fillRect/>
-          </a:stretch>
-        </p:blipFill>
-        <p:spPr>
-          <a:xfrm>
-            <a:off x="4471761" y="1876671"/>
-            <a:ext cx="3248478" cy="1086002"/>
-          </a:xfrm>
-          <a:prstGeom prst="rect">
-            <a:avLst/>
-          </a:prstGeom>
-        </p:spPr>
-      </p:pic>
-      <p:pic>
-        <p:nvPicPr>
-          <p:cNvPr id="11" name="Imagen 10">
-            <a:extLst>
-              <a:ext uri="{FF2B5EF4-FFF2-40B4-BE49-F238E27FC236}">
-                <a16:creationId xmlns:a16="http://schemas.microsoft.com/office/drawing/2014/main" id="{42B34630-F8AA-C2E6-0776-6233A807E32F}"/>
-              </a:ext>
-            </a:extLst>
-          </p:cNvPr>
-          <p:cNvPicPr>
-            <a:picLocks noChangeAspect="1"/>
-          </p:cNvPicPr>
-          <p:nvPr/>
-        </p:nvPicPr>
-        <p:blipFill>
-          <a:blip r:embed="rId5"/>
-          <a:stretch>
-            <a:fillRect/>
-          </a:stretch>
-        </p:blipFill>
-        <p:spPr>
-          <a:xfrm>
-            <a:off x="2452168" y="5190726"/>
-            <a:ext cx="7116168" cy="762106"/>
-          </a:xfrm>
-          <a:prstGeom prst="rect">
-            <a:avLst/>
-          </a:prstGeom>
-        </p:spPr>
-      </p:pic>
-    </p:spTree>
-    <p:extLst>
-      <p:ext uri="{BB962C8B-B14F-4D97-AF65-F5344CB8AC3E}">
-        <p14:creationId xmlns:p14="http://schemas.microsoft.com/office/powerpoint/2010/main" val="2672551475"/>
-      </p:ext>
-    </p:extLst>
-  </p:cSld>
-  <p:clrMapOvr>
-    <a:masterClrMapping/>
-  </p:clrMapOvr>
-</p:sld>
-</file>
-
-<file path=ppt/slides/slide27.xml><?xml version="1.0" encoding="utf-8"?>
-<p:sld xmlns:a="http://schemas.openxmlformats.org/drawingml/2006/main" xmlns:r="http://schemas.openxmlformats.org/officeDocument/2006/relationships" xmlns:p="http://schemas.openxmlformats.org/presentationml/2006/main">
-  <p:cSld>
-    <p:spTree>
-      <p:nvGrpSpPr>
-        <p:cNvPr id="1" name=""/>
-        <p:cNvGrpSpPr/>
-        <p:nvPr/>
-      </p:nvGrpSpPr>
-      <p:grpSpPr>
-        <a:xfrm>
-          <a:off x="0" y="0"/>
-          <a:ext cx="0" cy="0"/>
-          <a:chOff x="0" y="0"/>
-          <a:chExt cx="0" cy="0"/>
-        </a:xfrm>
-      </p:grpSpPr>
-      <p:sp>
-        <p:nvSpPr>
-          <p:cNvPr id="2" name="Título 1">
-            <a:extLst>
-              <a:ext uri="{FF2B5EF4-FFF2-40B4-BE49-F238E27FC236}">
-                <a16:creationId xmlns:a16="http://schemas.microsoft.com/office/drawing/2014/main" id="{D173173F-7C76-3B43-0F20-D5D1EB1ADDFF}"/>
-              </a:ext>
-            </a:extLst>
-          </p:cNvPr>
-          <p:cNvSpPr>
-            <a:spLocks noGrp="1"/>
-          </p:cNvSpPr>
-          <p:nvPr>
-            <p:ph type="title"/>
-          </p:nvPr>
-        </p:nvSpPr>
-        <p:spPr/>
-        <p:txBody>
-          <a:bodyPr/>
-          <a:lstStyle/>
-          <a:p>
-            <a:r>
-              <a:rPr lang="es-ES" dirty="0"/>
-              <a:t>Consultas anidadas</a:t>
-            </a:r>
-            <a:endParaRPr lang="es-CO" dirty="0"/>
-          </a:p>
-        </p:txBody>
-      </p:sp>
-      <p:sp>
-        <p:nvSpPr>
-          <p:cNvPr id="3" name="Marcador de texto 2">
-            <a:extLst>
-              <a:ext uri="{FF2B5EF4-FFF2-40B4-BE49-F238E27FC236}">
-                <a16:creationId xmlns:a16="http://schemas.microsoft.com/office/drawing/2014/main" id="{4C676937-5BD4-445A-5265-82D255F78DA0}"/>
-              </a:ext>
-            </a:extLst>
-          </p:cNvPr>
-          <p:cNvSpPr>
-            <a:spLocks noGrp="1"/>
-          </p:cNvSpPr>
-          <p:nvPr>
-            <p:ph type="body" idx="1"/>
-          </p:nvPr>
-        </p:nvSpPr>
-        <p:spPr/>
-        <p:txBody>
-          <a:bodyPr/>
-          <a:lstStyle/>
-          <a:p>
-            <a:endParaRPr lang="es-CO"/>
-          </a:p>
-        </p:txBody>
-      </p:sp>
-    </p:spTree>
-    <p:extLst>
-      <p:ext uri="{BB962C8B-B14F-4D97-AF65-F5344CB8AC3E}">
-        <p14:creationId xmlns:p14="http://schemas.microsoft.com/office/powerpoint/2010/main" val="2126654353"/>
-      </p:ext>
-    </p:extLst>
-  </p:cSld>
-  <p:clrMapOvr>
-    <a:masterClrMapping/>
-  </p:clrMapOvr>
-</p:sld>
-</file>
-
-<file path=ppt/slides/slide28.xml><?xml version="1.0" encoding="utf-8"?>
-<p:sld xmlns:a="http://schemas.openxmlformats.org/drawingml/2006/main" xmlns:r="http://schemas.openxmlformats.org/officeDocument/2006/relationships" xmlns:p="http://schemas.openxmlformats.org/presentationml/2006/main">
-  <p:cSld>
-    <p:spTree>
-      <p:nvGrpSpPr>
-        <p:cNvPr id="1" name=""/>
-        <p:cNvGrpSpPr/>
-        <p:nvPr/>
-      </p:nvGrpSpPr>
-      <p:grpSpPr>
-        <a:xfrm>
-          <a:off x="0" y="0"/>
-          <a:ext cx="0" cy="0"/>
-          <a:chOff x="0" y="0"/>
-          <a:chExt cx="0" cy="0"/>
-        </a:xfrm>
-      </p:grpSpPr>
-      <p:pic>
-        <p:nvPicPr>
-          <p:cNvPr id="10" name="Marcador de contenido 9">
-            <a:extLst>
-              <a:ext uri="{FF2B5EF4-FFF2-40B4-BE49-F238E27FC236}">
-                <a16:creationId xmlns:a16="http://schemas.microsoft.com/office/drawing/2014/main" id="{7BC59BCE-957A-BE6B-DAF5-6E1E37AAEB7B}"/>
-              </a:ext>
-            </a:extLst>
-          </p:cNvPr>
-          <p:cNvPicPr>
-            <a:picLocks noGrp="1" noChangeAspect="1"/>
-          </p:cNvPicPr>
-          <p:nvPr>
-            <p:ph idx="1"/>
-          </p:nvPr>
-        </p:nvPicPr>
-        <p:blipFill>
-          <a:blip r:embed="rId2"/>
-          <a:stretch>
-            <a:fillRect/>
-          </a:stretch>
-        </p:blipFill>
-        <p:spPr>
-          <a:xfrm>
-            <a:off x="1371600" y="2685389"/>
-            <a:ext cx="9601200" cy="948266"/>
-          </a:xfrm>
-        </p:spPr>
-      </p:pic>
-      <p:pic>
-        <p:nvPicPr>
-          <p:cNvPr id="6" name="Imagen 5">
-            <a:extLst>
-              <a:ext uri="{FF2B5EF4-FFF2-40B4-BE49-F238E27FC236}">
-                <a16:creationId xmlns:a16="http://schemas.microsoft.com/office/drawing/2014/main" id="{C8D90FAB-400D-60B0-DBB9-1529ECB8D6E1}"/>
-              </a:ext>
-            </a:extLst>
-          </p:cNvPr>
-          <p:cNvPicPr>
-            <a:picLocks noChangeAspect="1"/>
-          </p:cNvPicPr>
-          <p:nvPr/>
-        </p:nvPicPr>
-        <p:blipFill>
-          <a:blip r:embed="rId3"/>
-          <a:stretch>
-            <a:fillRect/>
-          </a:stretch>
-        </p:blipFill>
-        <p:spPr>
-          <a:xfrm>
-            <a:off x="831230" y="12338"/>
-            <a:ext cx="10681939" cy="1371270"/>
-          </a:xfrm>
-          <a:prstGeom prst="rect">
-            <a:avLst/>
-          </a:prstGeom>
-        </p:spPr>
-      </p:pic>
-      <p:pic>
-        <p:nvPicPr>
-          <p:cNvPr id="8" name="Imagen 7">
-            <a:extLst>
-              <a:ext uri="{FF2B5EF4-FFF2-40B4-BE49-F238E27FC236}">
-                <a16:creationId xmlns:a16="http://schemas.microsoft.com/office/drawing/2014/main" id="{B3A7B8CA-C30A-DA68-DAEE-619893E4B719}"/>
-              </a:ext>
-            </a:extLst>
-          </p:cNvPr>
-          <p:cNvPicPr>
-            <a:picLocks noChangeAspect="1"/>
-          </p:cNvPicPr>
-          <p:nvPr/>
-        </p:nvPicPr>
-        <p:blipFill>
-          <a:blip r:embed="rId4"/>
-          <a:stretch>
-            <a:fillRect/>
-          </a:stretch>
-        </p:blipFill>
-        <p:spPr>
-          <a:xfrm>
-            <a:off x="4414603" y="1490253"/>
-            <a:ext cx="3362794" cy="1133633"/>
-          </a:xfrm>
-          <a:prstGeom prst="rect">
-            <a:avLst/>
-          </a:prstGeom>
-        </p:spPr>
-      </p:pic>
-      <p:pic>
-        <p:nvPicPr>
-          <p:cNvPr id="12" name="Imagen 11">
-            <a:extLst>
-              <a:ext uri="{FF2B5EF4-FFF2-40B4-BE49-F238E27FC236}">
-                <a16:creationId xmlns:a16="http://schemas.microsoft.com/office/drawing/2014/main" id="{16C2FCD3-8B49-4382-ACA5-615F17AC3B18}"/>
-              </a:ext>
-            </a:extLst>
-          </p:cNvPr>
-          <p:cNvPicPr>
-            <a:picLocks noChangeAspect="1"/>
-          </p:cNvPicPr>
-          <p:nvPr/>
-        </p:nvPicPr>
-        <p:blipFill>
-          <a:blip r:embed="rId5"/>
-          <a:stretch>
-            <a:fillRect/>
-          </a:stretch>
-        </p:blipFill>
-        <p:spPr>
-          <a:xfrm>
-            <a:off x="4773850" y="3695158"/>
-            <a:ext cx="2467319" cy="457264"/>
-          </a:xfrm>
-          <a:prstGeom prst="rect">
-            <a:avLst/>
-          </a:prstGeom>
-        </p:spPr>
-      </p:pic>
-      <p:pic>
-        <p:nvPicPr>
-          <p:cNvPr id="14" name="Imagen 13">
-            <a:extLst>
-              <a:ext uri="{FF2B5EF4-FFF2-40B4-BE49-F238E27FC236}">
-                <a16:creationId xmlns:a16="http://schemas.microsoft.com/office/drawing/2014/main" id="{944A30F9-FA68-96BE-7B7D-F18253974762}"/>
-              </a:ext>
-            </a:extLst>
-          </p:cNvPr>
-          <p:cNvPicPr>
-            <a:picLocks noChangeAspect="1"/>
-          </p:cNvPicPr>
-          <p:nvPr/>
-        </p:nvPicPr>
-        <p:blipFill>
-          <a:blip r:embed="rId6"/>
-          <a:stretch>
-            <a:fillRect/>
-          </a:stretch>
-        </p:blipFill>
-        <p:spPr>
-          <a:xfrm>
-            <a:off x="908913" y="4213925"/>
-            <a:ext cx="10374173" cy="2010056"/>
-          </a:xfrm>
-          <a:prstGeom prst="rect">
-            <a:avLst/>
-          </a:prstGeom>
-        </p:spPr>
-      </p:pic>
-      <p:pic>
-        <p:nvPicPr>
-          <p:cNvPr id="16" name="Imagen 15">
-            <a:extLst>
-              <a:ext uri="{FF2B5EF4-FFF2-40B4-BE49-F238E27FC236}">
-                <a16:creationId xmlns:a16="http://schemas.microsoft.com/office/drawing/2014/main" id="{4DFCEB20-7CEF-A825-E357-1E31B9B701E0}"/>
-              </a:ext>
-            </a:extLst>
-          </p:cNvPr>
-          <p:cNvPicPr>
-            <a:picLocks noChangeAspect="1"/>
-          </p:cNvPicPr>
-          <p:nvPr/>
-        </p:nvPicPr>
-        <p:blipFill>
-          <a:blip r:embed="rId7"/>
-          <a:stretch>
-            <a:fillRect/>
-          </a:stretch>
-        </p:blipFill>
-        <p:spPr>
-          <a:xfrm>
-            <a:off x="4752786" y="6223981"/>
-            <a:ext cx="2686425" cy="600159"/>
-          </a:xfrm>
-          <a:prstGeom prst="rect">
-            <a:avLst/>
-          </a:prstGeom>
-        </p:spPr>
-      </p:pic>
-    </p:spTree>
-    <p:extLst>
-      <p:ext uri="{BB962C8B-B14F-4D97-AF65-F5344CB8AC3E}">
-        <p14:creationId xmlns:p14="http://schemas.microsoft.com/office/powerpoint/2010/main" val="946784378"/>
-      </p:ext>
-    </p:extLst>
-  </p:cSld>
-  <p:clrMapOvr>
-    <a:masterClrMapping/>
-  </p:clrMapOvr>
-</p:sld>
-</file>
-
-<file path=ppt/slides/slide29.xml><?xml version="1.0" encoding="utf-8"?>
-<p:sld xmlns:a="http://schemas.openxmlformats.org/drawingml/2006/main" xmlns:r="http://schemas.openxmlformats.org/officeDocument/2006/relationships" xmlns:p="http://schemas.openxmlformats.org/presentationml/2006/main">
-  <p:cSld>
-    <p:spTree>
-      <p:nvGrpSpPr>
-        <p:cNvPr id="1" name=""/>
-        <p:cNvGrpSpPr/>
-        <p:nvPr/>
-      </p:nvGrpSpPr>
-      <p:grpSpPr>
-        <a:xfrm>
-          <a:off x="0" y="0"/>
-          <a:ext cx="0" cy="0"/>
-          <a:chOff x="0" y="0"/>
-          <a:chExt cx="0" cy="0"/>
-        </a:xfrm>
-      </p:grpSpPr>
-      <p:pic>
-        <p:nvPicPr>
-          <p:cNvPr id="10" name="Marcador de contenido 9">
-            <a:extLst>
-              <a:ext uri="{FF2B5EF4-FFF2-40B4-BE49-F238E27FC236}">
-                <a16:creationId xmlns:a16="http://schemas.microsoft.com/office/drawing/2014/main" id="{8B2C0076-D92A-3EB0-0AC8-9562A772CB3F}"/>
-              </a:ext>
-            </a:extLst>
-          </p:cNvPr>
-          <p:cNvPicPr>
-            <a:picLocks noGrp="1" noChangeAspect="1"/>
-          </p:cNvPicPr>
-          <p:nvPr>
-            <p:ph idx="1"/>
-          </p:nvPr>
-        </p:nvPicPr>
-        <p:blipFill>
-          <a:blip r:embed="rId2"/>
-          <a:stretch>
-            <a:fillRect/>
-          </a:stretch>
-        </p:blipFill>
-        <p:spPr>
-          <a:xfrm>
-            <a:off x="1294740" y="1975988"/>
-            <a:ext cx="9601200" cy="896111"/>
-          </a:xfrm>
-        </p:spPr>
-      </p:pic>
-      <p:pic>
-        <p:nvPicPr>
-          <p:cNvPr id="6" name="Imagen 5">
-            <a:extLst>
-              <a:ext uri="{FF2B5EF4-FFF2-40B4-BE49-F238E27FC236}">
-                <a16:creationId xmlns:a16="http://schemas.microsoft.com/office/drawing/2014/main" id="{D92CCA6F-AD83-EB88-D52D-6FAB4ECB3575}"/>
-              </a:ext>
-            </a:extLst>
-          </p:cNvPr>
-          <p:cNvPicPr>
-            <a:picLocks noChangeAspect="1"/>
-          </p:cNvPicPr>
-          <p:nvPr/>
-        </p:nvPicPr>
-        <p:blipFill>
-          <a:blip r:embed="rId3"/>
-          <a:stretch>
-            <a:fillRect/>
-          </a:stretch>
-        </p:blipFill>
-        <p:spPr>
-          <a:xfrm>
-            <a:off x="1370281" y="195194"/>
-            <a:ext cx="9450119" cy="981212"/>
-          </a:xfrm>
-          <a:prstGeom prst="rect">
-            <a:avLst/>
-          </a:prstGeom>
-        </p:spPr>
-      </p:pic>
-      <p:pic>
-        <p:nvPicPr>
-          <p:cNvPr id="8" name="Imagen 7">
-            <a:extLst>
-              <a:ext uri="{FF2B5EF4-FFF2-40B4-BE49-F238E27FC236}">
-                <a16:creationId xmlns:a16="http://schemas.microsoft.com/office/drawing/2014/main" id="{608BC045-9F13-4E3D-A5EB-1FE07A63B956}"/>
-              </a:ext>
-            </a:extLst>
-          </p:cNvPr>
-          <p:cNvPicPr>
-            <a:picLocks noChangeAspect="1"/>
-          </p:cNvPicPr>
-          <p:nvPr/>
-        </p:nvPicPr>
-        <p:blipFill>
-          <a:blip r:embed="rId4"/>
-          <a:stretch>
-            <a:fillRect/>
-          </a:stretch>
-        </p:blipFill>
-        <p:spPr>
-          <a:xfrm>
-            <a:off x="5257023" y="1428750"/>
-            <a:ext cx="1676634" cy="457264"/>
-          </a:xfrm>
-          <a:prstGeom prst="rect">
-            <a:avLst/>
-          </a:prstGeom>
-        </p:spPr>
-      </p:pic>
-      <p:pic>
-        <p:nvPicPr>
-          <p:cNvPr id="12" name="Imagen 11">
-            <a:extLst>
-              <a:ext uri="{FF2B5EF4-FFF2-40B4-BE49-F238E27FC236}">
-                <a16:creationId xmlns:a16="http://schemas.microsoft.com/office/drawing/2014/main" id="{642AC012-0AEB-D8BA-09E0-CCE70B4A8DC7}"/>
-              </a:ext>
-            </a:extLst>
-          </p:cNvPr>
-          <p:cNvPicPr>
-            <a:picLocks noChangeAspect="1"/>
-          </p:cNvPicPr>
-          <p:nvPr/>
-        </p:nvPicPr>
-        <p:blipFill>
-          <a:blip r:embed="rId5"/>
-          <a:stretch>
-            <a:fillRect/>
-          </a:stretch>
-        </p:blipFill>
-        <p:spPr>
-          <a:xfrm>
-            <a:off x="5145071" y="3004624"/>
-            <a:ext cx="1705213" cy="457264"/>
-          </a:xfrm>
-          <a:prstGeom prst="rect">
-            <a:avLst/>
-          </a:prstGeom>
-        </p:spPr>
-      </p:pic>
-      <p:pic>
-        <p:nvPicPr>
-          <p:cNvPr id="14" name="Imagen 13">
-            <a:extLst>
-              <a:ext uri="{FF2B5EF4-FFF2-40B4-BE49-F238E27FC236}">
-                <a16:creationId xmlns:a16="http://schemas.microsoft.com/office/drawing/2014/main" id="{7BCAF44C-29B9-DB6D-46A9-1A392C3EC252}"/>
-              </a:ext>
-            </a:extLst>
-          </p:cNvPr>
-          <p:cNvPicPr>
-            <a:picLocks noChangeAspect="1"/>
-          </p:cNvPicPr>
-          <p:nvPr/>
-        </p:nvPicPr>
-        <p:blipFill>
-          <a:blip r:embed="rId6"/>
-          <a:stretch>
-            <a:fillRect/>
-          </a:stretch>
-        </p:blipFill>
-        <p:spPr>
-          <a:xfrm>
-            <a:off x="1051672" y="3594413"/>
-            <a:ext cx="10896600" cy="1366122"/>
-          </a:xfrm>
-          <a:prstGeom prst="rect">
-            <a:avLst/>
-          </a:prstGeom>
-        </p:spPr>
-      </p:pic>
-      <p:pic>
-        <p:nvPicPr>
-          <p:cNvPr id="16" name="Imagen 15">
-            <a:extLst>
-              <a:ext uri="{FF2B5EF4-FFF2-40B4-BE49-F238E27FC236}">
-                <a16:creationId xmlns:a16="http://schemas.microsoft.com/office/drawing/2014/main" id="{A188CD47-0A25-1CF1-CB7E-33CE6B21FF72}"/>
-              </a:ext>
-            </a:extLst>
-          </p:cNvPr>
-          <p:cNvPicPr>
-            <a:picLocks noChangeAspect="1"/>
-          </p:cNvPicPr>
-          <p:nvPr/>
-        </p:nvPicPr>
-        <p:blipFill>
-          <a:blip r:embed="rId7"/>
-          <a:stretch>
-            <a:fillRect/>
-          </a:stretch>
-        </p:blipFill>
-        <p:spPr>
-          <a:xfrm>
-            <a:off x="4759254" y="5093993"/>
-            <a:ext cx="2476846" cy="514422"/>
-          </a:xfrm>
-          <a:prstGeom prst="rect">
-            <a:avLst/>
-          </a:prstGeom>
-        </p:spPr>
-      </p:pic>
-    </p:spTree>
-    <p:extLst>
-      <p:ext uri="{BB962C8B-B14F-4D97-AF65-F5344CB8AC3E}">
-        <p14:creationId xmlns:p14="http://schemas.microsoft.com/office/powerpoint/2010/main" val="578377255"/>
-      </p:ext>
-    </p:extLst>
-  </p:cSld>
-  <p:clrMapOvr>
-    <a:masterClrMapping/>
-  </p:clrMapOvr>
-</p:sld>
-</file>
-
-<file path=ppt/slides/slide3.xml><?xml version="1.0" encoding="utf-8"?>
-<p:sld xmlns:a="http://schemas.openxmlformats.org/drawingml/2006/main" xmlns:r="http://schemas.openxmlformats.org/officeDocument/2006/relationships" xmlns:p="http://schemas.openxmlformats.org/presentationml/2006/main">
-  <p:cSld>
-    <p:spTree>
-      <p:nvGrpSpPr>
-        <p:cNvPr id="1" name=""/>
-        <p:cNvGrpSpPr/>
-        <p:nvPr/>
-      </p:nvGrpSpPr>
-      <p:grpSpPr>
-        <a:xfrm>
-          <a:off x="0" y="0"/>
-          <a:ext cx="0" cy="0"/>
-          <a:chOff x="0" y="0"/>
-          <a:chExt cx="0" cy="0"/>
-        </a:xfrm>
-      </p:grpSpPr>
-      <p:sp>
-        <p:nvSpPr>
-          <p:cNvPr id="2" name="Título 1">
-            <a:extLst>
-              <a:ext uri="{FF2B5EF4-FFF2-40B4-BE49-F238E27FC236}">
-                <a16:creationId xmlns:a16="http://schemas.microsoft.com/office/drawing/2014/main" id="{5C7C0768-2F80-4A20-3D88-E4E1D81F5F4C}"/>
-              </a:ext>
-            </a:extLst>
-          </p:cNvPr>
-          <p:cNvSpPr>
-            <a:spLocks noGrp="1"/>
-          </p:cNvSpPr>
-          <p:nvPr>
-            <p:ph type="title"/>
-          </p:nvPr>
-        </p:nvSpPr>
-        <p:spPr>
-          <a:xfrm>
-            <a:off x="2991394" y="1301360"/>
-            <a:ext cx="7386602" cy="2852737"/>
-          </a:xfrm>
-        </p:spPr>
-        <p:txBody>
-          <a:bodyPr/>
-          <a:lstStyle/>
-          <a:p>
-            <a:r>
-              <a:rPr lang="es-CO" dirty="0"/>
-              <a:t>Creación de DB y tablas</a:t>
-            </a:r>
-          </a:p>
-        </p:txBody>
-      </p:sp>
-    </p:spTree>
-    <p:extLst>
-      <p:ext uri="{BB962C8B-B14F-4D97-AF65-F5344CB8AC3E}">
-        <p14:creationId xmlns:p14="http://schemas.microsoft.com/office/powerpoint/2010/main" val="3119615752"/>
-      </p:ext>
-    </p:extLst>
-  </p:cSld>
-  <p:clrMapOvr>
-    <a:masterClrMapping/>
-  </p:clrMapOvr>
-</p:sld>
-</file>
-
-<file path=ppt/slides/slide30.xml><?xml version="1.0" encoding="utf-8"?>
-<p:sld xmlns:a="http://schemas.openxmlformats.org/drawingml/2006/main" xmlns:r="http://schemas.openxmlformats.org/officeDocument/2006/relationships" xmlns:p="http://schemas.openxmlformats.org/presentationml/2006/main">
-  <p:cSld>
-    <p:spTree>
-      <p:nvGrpSpPr>
-        <p:cNvPr id="1" name=""/>
-        <p:cNvGrpSpPr/>
-        <p:nvPr/>
-      </p:nvGrpSpPr>
-      <p:grpSpPr>
-        <a:xfrm>
-          <a:off x="0" y="0"/>
-          <a:ext cx="0" cy="0"/>
-          <a:chOff x="0" y="0"/>
-          <a:chExt cx="0" cy="0"/>
-        </a:xfrm>
-      </p:grpSpPr>
-      <p:sp>
-        <p:nvSpPr>
-          <p:cNvPr id="2" name="Título 1">
-            <a:extLst>
-              <a:ext uri="{FF2B5EF4-FFF2-40B4-BE49-F238E27FC236}">
-                <a16:creationId xmlns:a16="http://schemas.microsoft.com/office/drawing/2014/main" id="{7E0DDE3B-42E2-D648-5F9B-AA8069356DDF}"/>
-              </a:ext>
-            </a:extLst>
-          </p:cNvPr>
-          <p:cNvSpPr>
-            <a:spLocks noGrp="1"/>
-          </p:cNvSpPr>
-          <p:nvPr>
-            <p:ph type="title"/>
-          </p:nvPr>
-        </p:nvSpPr>
-        <p:spPr/>
-        <p:txBody>
-          <a:bodyPr/>
-          <a:lstStyle/>
-          <a:p>
-            <a:endParaRPr lang="es-CO"/>
-          </a:p>
-        </p:txBody>
-      </p:sp>
-      <p:pic>
-        <p:nvPicPr>
-          <p:cNvPr id="14" name="Marcador de contenido 13">
-            <a:extLst>
-              <a:ext uri="{FF2B5EF4-FFF2-40B4-BE49-F238E27FC236}">
-                <a16:creationId xmlns:a16="http://schemas.microsoft.com/office/drawing/2014/main" id="{27A97DFE-6A44-4999-8CDD-35274897CE2B}"/>
-              </a:ext>
-            </a:extLst>
-          </p:cNvPr>
-          <p:cNvPicPr>
-            <a:picLocks noGrp="1" noChangeAspect="1"/>
-          </p:cNvPicPr>
-          <p:nvPr>
-            <p:ph idx="1"/>
-          </p:nvPr>
-        </p:nvPicPr>
-        <p:blipFill>
-          <a:blip r:embed="rId2"/>
-          <a:stretch>
-            <a:fillRect/>
-          </a:stretch>
-        </p:blipFill>
-        <p:spPr>
-          <a:xfrm>
-            <a:off x="4677219" y="3752815"/>
-            <a:ext cx="2419688" cy="543001"/>
-          </a:xfrm>
-        </p:spPr>
-      </p:pic>
-      <p:pic>
-        <p:nvPicPr>
-          <p:cNvPr id="8" name="Imagen 7">
-            <a:extLst>
-              <a:ext uri="{FF2B5EF4-FFF2-40B4-BE49-F238E27FC236}">
-                <a16:creationId xmlns:a16="http://schemas.microsoft.com/office/drawing/2014/main" id="{DA627F83-1FC5-668C-6D98-04B3FAC7F952}"/>
-              </a:ext>
-            </a:extLst>
-          </p:cNvPr>
-          <p:cNvPicPr>
-            <a:picLocks noChangeAspect="1"/>
-          </p:cNvPicPr>
-          <p:nvPr/>
-        </p:nvPicPr>
-        <p:blipFill>
-          <a:blip r:embed="rId3"/>
-          <a:stretch>
-            <a:fillRect/>
-          </a:stretch>
-        </p:blipFill>
-        <p:spPr>
-          <a:xfrm>
-            <a:off x="1394756" y="4239"/>
-            <a:ext cx="9935962" cy="1543265"/>
-          </a:xfrm>
-          <a:prstGeom prst="rect">
-            <a:avLst/>
-          </a:prstGeom>
-        </p:spPr>
-      </p:pic>
-      <p:pic>
-        <p:nvPicPr>
-          <p:cNvPr id="10" name="Imagen 9">
-            <a:extLst>
-              <a:ext uri="{FF2B5EF4-FFF2-40B4-BE49-F238E27FC236}">
-                <a16:creationId xmlns:a16="http://schemas.microsoft.com/office/drawing/2014/main" id="{658FE5DF-8E99-9374-365B-6E5A95F17C7F}"/>
-              </a:ext>
-            </a:extLst>
-          </p:cNvPr>
-          <p:cNvPicPr>
-            <a:picLocks noChangeAspect="1"/>
-          </p:cNvPicPr>
-          <p:nvPr/>
-        </p:nvPicPr>
-        <p:blipFill>
-          <a:blip r:embed="rId4"/>
-          <a:stretch>
-            <a:fillRect/>
-          </a:stretch>
-        </p:blipFill>
-        <p:spPr>
-          <a:xfrm>
-            <a:off x="4828998" y="1588197"/>
-            <a:ext cx="2534004" cy="476316"/>
-          </a:xfrm>
-          <a:prstGeom prst="rect">
-            <a:avLst/>
-          </a:prstGeom>
-        </p:spPr>
-      </p:pic>
-      <p:pic>
-        <p:nvPicPr>
-          <p:cNvPr id="12" name="Imagen 11">
-            <a:extLst>
-              <a:ext uri="{FF2B5EF4-FFF2-40B4-BE49-F238E27FC236}">
-                <a16:creationId xmlns:a16="http://schemas.microsoft.com/office/drawing/2014/main" id="{17B49BA8-B134-1C55-4325-033A98C4E587}"/>
-              </a:ext>
-            </a:extLst>
-          </p:cNvPr>
-          <p:cNvPicPr>
-            <a:picLocks noChangeAspect="1"/>
-          </p:cNvPicPr>
-          <p:nvPr/>
-        </p:nvPicPr>
-        <p:blipFill>
-          <a:blip r:embed="rId5"/>
-          <a:stretch>
-            <a:fillRect/>
-          </a:stretch>
-        </p:blipFill>
-        <p:spPr>
-          <a:xfrm>
-            <a:off x="861282" y="2212393"/>
-            <a:ext cx="10469436" cy="1457528"/>
-          </a:xfrm>
-          <a:prstGeom prst="rect">
-            <a:avLst/>
-          </a:prstGeom>
-        </p:spPr>
-      </p:pic>
-      <p:pic>
-        <p:nvPicPr>
-          <p:cNvPr id="16" name="Imagen 15">
-            <a:extLst>
-              <a:ext uri="{FF2B5EF4-FFF2-40B4-BE49-F238E27FC236}">
-                <a16:creationId xmlns:a16="http://schemas.microsoft.com/office/drawing/2014/main" id="{8E7F2212-57FC-105B-8212-EEF902220C0C}"/>
-              </a:ext>
-            </a:extLst>
-          </p:cNvPr>
-          <p:cNvPicPr>
-            <a:picLocks noChangeAspect="1"/>
-          </p:cNvPicPr>
-          <p:nvPr/>
-        </p:nvPicPr>
-        <p:blipFill>
-          <a:blip r:embed="rId6"/>
-          <a:stretch>
-            <a:fillRect/>
-          </a:stretch>
-        </p:blipFill>
-        <p:spPr>
-          <a:xfrm>
-            <a:off x="861282" y="4367228"/>
-            <a:ext cx="10031225" cy="1790950"/>
-          </a:xfrm>
-          <a:prstGeom prst="rect">
-            <a:avLst/>
-          </a:prstGeom>
-        </p:spPr>
-      </p:pic>
-      <p:pic>
-        <p:nvPicPr>
-          <p:cNvPr id="18" name="Imagen 17">
-            <a:extLst>
-              <a:ext uri="{FF2B5EF4-FFF2-40B4-BE49-F238E27FC236}">
-                <a16:creationId xmlns:a16="http://schemas.microsoft.com/office/drawing/2014/main" id="{B52D6858-5AD5-7587-77C3-AB560426F317}"/>
-              </a:ext>
-            </a:extLst>
-          </p:cNvPr>
-          <p:cNvPicPr>
-            <a:picLocks noChangeAspect="1"/>
-          </p:cNvPicPr>
-          <p:nvPr/>
-        </p:nvPicPr>
-        <p:blipFill>
-          <a:blip r:embed="rId7"/>
-          <a:stretch>
-            <a:fillRect/>
-          </a:stretch>
-        </p:blipFill>
-        <p:spPr>
-          <a:xfrm>
-            <a:off x="3488536" y="6172200"/>
-            <a:ext cx="3248478" cy="619211"/>
-          </a:xfrm>
-          <a:prstGeom prst="rect">
-            <a:avLst/>
-          </a:prstGeom>
-        </p:spPr>
-      </p:pic>
-    </p:spTree>
-    <p:extLst>
-      <p:ext uri="{BB962C8B-B14F-4D97-AF65-F5344CB8AC3E}">
-        <p14:creationId xmlns:p14="http://schemas.microsoft.com/office/powerpoint/2010/main" val="3428635445"/>
-      </p:ext>
-    </p:extLst>
-  </p:cSld>
-  <p:clrMapOvr>
-    <a:masterClrMapping/>
-  </p:clrMapOvr>
-</p:sld>
-</file>
-
-<file path=ppt/slides/slide31.xml><?xml version="1.0" encoding="utf-8"?>
-<p:sld xmlns:a="http://schemas.openxmlformats.org/drawingml/2006/main" xmlns:r="http://schemas.openxmlformats.org/officeDocument/2006/relationships" xmlns:p="http://schemas.openxmlformats.org/presentationml/2006/main">
-  <p:cSld>
-    <p:spTree>
-      <p:nvGrpSpPr>
-        <p:cNvPr id="1" name=""/>
-        <p:cNvGrpSpPr/>
-        <p:nvPr/>
-      </p:nvGrpSpPr>
-      <p:grpSpPr>
-        <a:xfrm>
-          <a:off x="0" y="0"/>
-          <a:ext cx="0" cy="0"/>
-          <a:chOff x="0" y="0"/>
-          <a:chExt cx="0" cy="0"/>
-        </a:xfrm>
-      </p:grpSpPr>
-      <p:sp>
-        <p:nvSpPr>
-          <p:cNvPr id="2" name="Título 1">
-            <a:extLst>
-              <a:ext uri="{FF2B5EF4-FFF2-40B4-BE49-F238E27FC236}">
-                <a16:creationId xmlns:a16="http://schemas.microsoft.com/office/drawing/2014/main" id="{EF47ED5E-7D9E-50C8-7477-30BEF6202B97}"/>
-              </a:ext>
-            </a:extLst>
-          </p:cNvPr>
-          <p:cNvSpPr>
-            <a:spLocks noGrp="1"/>
-          </p:cNvSpPr>
-          <p:nvPr>
-            <p:ph type="title"/>
-          </p:nvPr>
-        </p:nvSpPr>
-        <p:spPr/>
-        <p:txBody>
-          <a:bodyPr/>
-          <a:lstStyle/>
-          <a:p>
-            <a:endParaRPr lang="es-CO"/>
-          </a:p>
-        </p:txBody>
-      </p:sp>
-      <p:pic>
-        <p:nvPicPr>
-          <p:cNvPr id="7" name="Marcador de contenido 6">
-            <a:extLst>
-              <a:ext uri="{FF2B5EF4-FFF2-40B4-BE49-F238E27FC236}">
-                <a16:creationId xmlns:a16="http://schemas.microsoft.com/office/drawing/2014/main" id="{BC52C9F0-B996-B02F-4954-05B7763FA148}"/>
-              </a:ext>
-            </a:extLst>
-          </p:cNvPr>
-          <p:cNvPicPr>
-            <a:picLocks noGrp="1" noChangeAspect="1"/>
-          </p:cNvPicPr>
-          <p:nvPr>
-            <p:ph idx="1"/>
-          </p:nvPr>
-        </p:nvPicPr>
-        <p:blipFill>
-          <a:blip r:embed="rId2"/>
-          <a:stretch>
-            <a:fillRect/>
-          </a:stretch>
-        </p:blipFill>
-        <p:spPr>
-          <a:xfrm>
-            <a:off x="5295787" y="1914489"/>
-            <a:ext cx="1600423" cy="514422"/>
-          </a:xfrm>
-        </p:spPr>
-      </p:pic>
-      <p:pic>
-        <p:nvPicPr>
-          <p:cNvPr id="5" name="Imagen 4">
-            <a:extLst>
-              <a:ext uri="{FF2B5EF4-FFF2-40B4-BE49-F238E27FC236}">
-                <a16:creationId xmlns:a16="http://schemas.microsoft.com/office/drawing/2014/main" id="{EC88148F-F530-DED1-D338-EE597891AE81}"/>
-              </a:ext>
-            </a:extLst>
-          </p:cNvPr>
-          <p:cNvPicPr>
-            <a:picLocks noChangeAspect="1"/>
-          </p:cNvPicPr>
-          <p:nvPr/>
-        </p:nvPicPr>
-        <p:blipFill>
-          <a:blip r:embed="rId3"/>
-          <a:stretch>
-            <a:fillRect/>
-          </a:stretch>
-        </p:blipFill>
-        <p:spPr>
-          <a:xfrm>
-            <a:off x="1623388" y="238020"/>
-            <a:ext cx="8945223" cy="1505160"/>
-          </a:xfrm>
-          <a:prstGeom prst="rect">
-            <a:avLst/>
-          </a:prstGeom>
-        </p:spPr>
-      </p:pic>
-      <p:pic>
-        <p:nvPicPr>
-          <p:cNvPr id="9" name="Imagen 8">
-            <a:extLst>
-              <a:ext uri="{FF2B5EF4-FFF2-40B4-BE49-F238E27FC236}">
-                <a16:creationId xmlns:a16="http://schemas.microsoft.com/office/drawing/2014/main" id="{19152322-A648-42B3-F4B2-9C2F1A5ED598}"/>
-              </a:ext>
-            </a:extLst>
-          </p:cNvPr>
-          <p:cNvPicPr>
-            <a:picLocks noChangeAspect="1"/>
-          </p:cNvPicPr>
-          <p:nvPr/>
-        </p:nvPicPr>
-        <p:blipFill>
-          <a:blip r:embed="rId4"/>
-          <a:stretch>
-            <a:fillRect/>
-          </a:stretch>
-        </p:blipFill>
-        <p:spPr>
-          <a:xfrm>
-            <a:off x="1494781" y="2600220"/>
-            <a:ext cx="9202434" cy="2257740"/>
-          </a:xfrm>
-          <a:prstGeom prst="rect">
-            <a:avLst/>
-          </a:prstGeom>
-        </p:spPr>
-      </p:pic>
-      <p:pic>
-        <p:nvPicPr>
-          <p:cNvPr id="11" name="Imagen 10">
-            <a:extLst>
-              <a:ext uri="{FF2B5EF4-FFF2-40B4-BE49-F238E27FC236}">
-                <a16:creationId xmlns:a16="http://schemas.microsoft.com/office/drawing/2014/main" id="{EC3128D2-FD59-FEEF-C5E3-455D1632DC32}"/>
-              </a:ext>
-            </a:extLst>
-          </p:cNvPr>
-          <p:cNvPicPr>
-            <a:picLocks noChangeAspect="1"/>
-          </p:cNvPicPr>
-          <p:nvPr/>
-        </p:nvPicPr>
-        <p:blipFill>
-          <a:blip r:embed="rId5"/>
-          <a:stretch>
-            <a:fillRect/>
-          </a:stretch>
-        </p:blipFill>
-        <p:spPr>
-          <a:xfrm>
-            <a:off x="2886413" y="5028767"/>
-            <a:ext cx="6163535" cy="1657581"/>
-          </a:xfrm>
-          <a:prstGeom prst="rect">
-            <a:avLst/>
-          </a:prstGeom>
-        </p:spPr>
-      </p:pic>
-    </p:spTree>
-    <p:extLst>
-      <p:ext uri="{BB962C8B-B14F-4D97-AF65-F5344CB8AC3E}">
-        <p14:creationId xmlns:p14="http://schemas.microsoft.com/office/powerpoint/2010/main" val="4144071539"/>
-      </p:ext>
-    </p:extLst>
-  </p:cSld>
-  <p:clrMapOvr>
-    <a:masterClrMapping/>
-  </p:clrMapOvr>
-</p:sld>
-</file>
-
-<file path=ppt/slides/slide32.xml><?xml version="1.0" encoding="utf-8"?>
 <p:sld xmlns:a="http://schemas.openxmlformats.org/drawingml/2006/main" xmlns:r="http://schemas.openxmlformats.org/officeDocument/2006/relationships" xmlns:p="http://schemas.openxmlformats.org/presentationml/2006/main">
   <p:cSld>
     <p:bg>
@@ -10233,7 +8630,7 @@
 </p:sld>
 </file>
 
-<file path=ppt/slides/slide33.xml><?xml version="1.0" encoding="utf-8"?>
+<file path=ppt/slides/slide21.xml><?xml version="1.0" encoding="utf-8"?>
 <p:sld xmlns:a="http://schemas.openxmlformats.org/drawingml/2006/main" xmlns:r="http://schemas.openxmlformats.org/officeDocument/2006/relationships" xmlns:p="http://schemas.openxmlformats.org/presentationml/2006/main">
   <p:cSld>
     <p:spTree>
@@ -10356,7 +8753,7 @@
 </p:sld>
 </file>
 
-<file path=ppt/slides/slide34.xml><?xml version="1.0" encoding="utf-8"?>
+<file path=ppt/slides/slide22.xml><?xml version="1.0" encoding="utf-8"?>
 <p:sld xmlns:a="http://schemas.openxmlformats.org/drawingml/2006/main" xmlns:r="http://schemas.openxmlformats.org/officeDocument/2006/relationships" xmlns:p="http://schemas.openxmlformats.org/presentationml/2006/main">
   <p:cSld>
     <p:spTree>
@@ -10416,7 +8813,7 @@
 </p:sld>
 </file>
 
-<file path=ppt/slides/slide35.xml><?xml version="1.0" encoding="utf-8"?>
+<file path=ppt/slides/slide23.xml><?xml version="1.0" encoding="utf-8"?>
 <p:sld xmlns:a="http://schemas.openxmlformats.org/drawingml/2006/main" xmlns:r="http://schemas.openxmlformats.org/officeDocument/2006/relationships" xmlns:p="http://schemas.openxmlformats.org/presentationml/2006/main">
   <p:cSld>
     <p:spTree>
@@ -10476,7 +8873,7 @@
 </p:sld>
 </file>
 
-<file path=ppt/slides/slide36.xml><?xml version="1.0" encoding="utf-8"?>
+<file path=ppt/slides/slide24.xml><?xml version="1.0" encoding="utf-8"?>
 <p:sld xmlns:a="http://schemas.openxmlformats.org/drawingml/2006/main" xmlns:r="http://schemas.openxmlformats.org/officeDocument/2006/relationships" xmlns:p="http://schemas.openxmlformats.org/presentationml/2006/main">
   <p:cSld>
     <p:spTree>
@@ -10536,7 +8933,7 @@
 </p:sld>
 </file>
 
-<file path=ppt/slides/slide37.xml><?xml version="1.0" encoding="utf-8"?>
+<file path=ppt/slides/slide25.xml><?xml version="1.0" encoding="utf-8"?>
 <p:sld xmlns:a="http://schemas.openxmlformats.org/drawingml/2006/main" xmlns:r="http://schemas.openxmlformats.org/officeDocument/2006/relationships" xmlns:p="http://schemas.openxmlformats.org/presentationml/2006/main">
   <p:cSld>
     <p:spTree>
@@ -10596,7 +8993,7 @@
 </p:sld>
 </file>
 
-<file path=ppt/slides/slide38.xml><?xml version="1.0" encoding="utf-8"?>
+<file path=ppt/slides/slide26.xml><?xml version="1.0" encoding="utf-8"?>
 <p:sld xmlns:a="http://schemas.openxmlformats.org/drawingml/2006/main" xmlns:r="http://schemas.openxmlformats.org/officeDocument/2006/relationships" xmlns:p="http://schemas.openxmlformats.org/presentationml/2006/main">
   <p:cSld>
     <p:bg>
@@ -11112,7 +9509,7 @@
 </p:sld>
 </file>
 
-<file path=ppt/slides/slide39.xml><?xml version="1.0" encoding="utf-8"?>
+<file path=ppt/slides/slide27.xml><?xml version="1.0" encoding="utf-8"?>
 <p:sld xmlns:a="http://schemas.openxmlformats.org/drawingml/2006/main" xmlns:r="http://schemas.openxmlformats.org/officeDocument/2006/relationships" xmlns:p="http://schemas.openxmlformats.org/presentationml/2006/main">
   <p:cSld>
     <p:bg>
@@ -11628,117 +10025,7 @@
 </p:sld>
 </file>
 
-<file path=ppt/slides/slide4.xml><?xml version="1.0" encoding="utf-8"?>
-<p:sld xmlns:a="http://schemas.openxmlformats.org/drawingml/2006/main" xmlns:r="http://schemas.openxmlformats.org/officeDocument/2006/relationships" xmlns:p="http://schemas.openxmlformats.org/presentationml/2006/main">
-  <p:cSld>
-    <p:spTree>
-      <p:nvGrpSpPr>
-        <p:cNvPr id="1" name=""/>
-        <p:cNvGrpSpPr/>
-        <p:nvPr/>
-      </p:nvGrpSpPr>
-      <p:grpSpPr>
-        <a:xfrm>
-          <a:off x="0" y="0"/>
-          <a:ext cx="0" cy="0"/>
-          <a:chOff x="0" y="0"/>
-          <a:chExt cx="0" cy="0"/>
-        </a:xfrm>
-      </p:grpSpPr>
-      <p:sp>
-        <p:nvSpPr>
-          <p:cNvPr id="2" name="Título 1">
-            <a:extLst>
-              <a:ext uri="{FF2B5EF4-FFF2-40B4-BE49-F238E27FC236}">
-                <a16:creationId xmlns:a16="http://schemas.microsoft.com/office/drawing/2014/main" id="{1400D345-66AB-83D3-9BAC-223775BA32F8}"/>
-              </a:ext>
-            </a:extLst>
-          </p:cNvPr>
-          <p:cNvSpPr>
-            <a:spLocks noGrp="1"/>
-          </p:cNvSpPr>
-          <p:nvPr>
-            <p:ph type="title"/>
-          </p:nvPr>
-        </p:nvSpPr>
-        <p:spPr/>
-        <p:txBody>
-          <a:bodyPr/>
-          <a:lstStyle/>
-          <a:p>
-            <a:endParaRPr lang="es-CO"/>
-          </a:p>
-        </p:txBody>
-      </p:sp>
-      <p:sp>
-        <p:nvSpPr>
-          <p:cNvPr id="3" name="Marcador de contenido 2">
-            <a:extLst>
-              <a:ext uri="{FF2B5EF4-FFF2-40B4-BE49-F238E27FC236}">
-                <a16:creationId xmlns:a16="http://schemas.microsoft.com/office/drawing/2014/main" id="{D53D708F-828B-0DB3-367B-EAE82729595B}"/>
-              </a:ext>
-            </a:extLst>
-          </p:cNvPr>
-          <p:cNvSpPr>
-            <a:spLocks noGrp="1"/>
-          </p:cNvSpPr>
-          <p:nvPr>
-            <p:ph idx="1"/>
-          </p:nvPr>
-        </p:nvSpPr>
-        <p:spPr/>
-        <p:txBody>
-          <a:bodyPr/>
-          <a:lstStyle/>
-          <a:p>
-            <a:endParaRPr lang="es-CO" dirty="0"/>
-          </a:p>
-        </p:txBody>
-      </p:sp>
-      <p:pic>
-        <p:nvPicPr>
-          <p:cNvPr id="5" name="Imagen 4">
-            <a:extLst>
-              <a:ext uri="{FF2B5EF4-FFF2-40B4-BE49-F238E27FC236}">
-                <a16:creationId xmlns:a16="http://schemas.microsoft.com/office/drawing/2014/main" id="{699259CC-170D-481C-5755-254907EF92F9}"/>
-              </a:ext>
-            </a:extLst>
-          </p:cNvPr>
-          <p:cNvPicPr>
-            <a:picLocks noChangeAspect="1"/>
-          </p:cNvPicPr>
-          <p:nvPr/>
-        </p:nvPicPr>
-        <p:blipFill>
-          <a:blip r:embed="rId2"/>
-          <a:stretch>
-            <a:fillRect/>
-          </a:stretch>
-        </p:blipFill>
-        <p:spPr>
-          <a:xfrm>
-            <a:off x="1785336" y="785443"/>
-            <a:ext cx="8621328" cy="5287113"/>
-          </a:xfrm>
-          <a:prstGeom prst="rect">
-            <a:avLst/>
-          </a:prstGeom>
-        </p:spPr>
-      </p:pic>
-    </p:spTree>
-    <p:extLst>
-      <p:ext uri="{BB962C8B-B14F-4D97-AF65-F5344CB8AC3E}">
-        <p14:creationId xmlns:p14="http://schemas.microsoft.com/office/powerpoint/2010/main" val="870402934"/>
-      </p:ext>
-    </p:extLst>
-  </p:cSld>
-  <p:clrMapOvr>
-    <a:masterClrMapping/>
-  </p:clrMapOvr>
-</p:sld>
-</file>
-
-<file path=ppt/slides/slide40.xml><?xml version="1.0" encoding="utf-8"?>
+<file path=ppt/slides/slide28.xml><?xml version="1.0" encoding="utf-8"?>
 <p:sld xmlns:a="http://schemas.openxmlformats.org/drawingml/2006/main" xmlns:r="http://schemas.openxmlformats.org/officeDocument/2006/relationships" xmlns:p="http://schemas.openxmlformats.org/presentationml/2006/main">
   <p:cSld>
     <p:bg>
@@ -12253,7 +10540,7 @@
 </p:sld>
 </file>
 
-<file path=ppt/slides/slide41.xml><?xml version="1.0" encoding="utf-8"?>
+<file path=ppt/slides/slide29.xml><?xml version="1.0" encoding="utf-8"?>
 <p:sld xmlns:a="http://schemas.openxmlformats.org/drawingml/2006/main" xmlns:r="http://schemas.openxmlformats.org/officeDocument/2006/relationships" xmlns:p="http://schemas.openxmlformats.org/presentationml/2006/main">
   <p:cSld>
     <p:bg>
@@ -12699,7 +10986,70 @@
 </p:sld>
 </file>
 
-<file path=ppt/slides/slide42.xml><?xml version="1.0" encoding="utf-8"?>
+<file path=ppt/slides/slide3.xml><?xml version="1.0" encoding="utf-8"?>
+<p:sld xmlns:a="http://schemas.openxmlformats.org/drawingml/2006/main" xmlns:r="http://schemas.openxmlformats.org/officeDocument/2006/relationships" xmlns:p="http://schemas.openxmlformats.org/presentationml/2006/main">
+  <p:cSld>
+    <p:spTree>
+      <p:nvGrpSpPr>
+        <p:cNvPr id="1" name=""/>
+        <p:cNvGrpSpPr/>
+        <p:nvPr/>
+      </p:nvGrpSpPr>
+      <p:grpSpPr>
+        <a:xfrm>
+          <a:off x="0" y="0"/>
+          <a:ext cx="0" cy="0"/>
+          <a:chOff x="0" y="0"/>
+          <a:chExt cx="0" cy="0"/>
+        </a:xfrm>
+      </p:grpSpPr>
+      <p:sp>
+        <p:nvSpPr>
+          <p:cNvPr id="2" name="Título 1">
+            <a:extLst>
+              <a:ext uri="{FF2B5EF4-FFF2-40B4-BE49-F238E27FC236}">
+                <a16:creationId xmlns:a16="http://schemas.microsoft.com/office/drawing/2014/main" id="{5C7C0768-2F80-4A20-3D88-E4E1D81F5F4C}"/>
+              </a:ext>
+            </a:extLst>
+          </p:cNvPr>
+          <p:cNvSpPr>
+            <a:spLocks noGrp="1"/>
+          </p:cNvSpPr>
+          <p:nvPr>
+            <p:ph type="title"/>
+          </p:nvPr>
+        </p:nvSpPr>
+        <p:spPr>
+          <a:xfrm>
+            <a:off x="2991394" y="1301360"/>
+            <a:ext cx="7386602" cy="2852737"/>
+          </a:xfrm>
+        </p:spPr>
+        <p:txBody>
+          <a:bodyPr/>
+          <a:lstStyle/>
+          <a:p>
+            <a:r>
+              <a:rPr lang="es-CO" dirty="0"/>
+              <a:t>Creación de DB y tablas</a:t>
+            </a:r>
+          </a:p>
+        </p:txBody>
+      </p:sp>
+    </p:spTree>
+    <p:extLst>
+      <p:ext uri="{BB962C8B-B14F-4D97-AF65-F5344CB8AC3E}">
+        <p14:creationId xmlns:p14="http://schemas.microsoft.com/office/powerpoint/2010/main" val="3119615752"/>
+      </p:ext>
+    </p:extLst>
+  </p:cSld>
+  <p:clrMapOvr>
+    <a:masterClrMapping/>
+  </p:clrMapOvr>
+</p:sld>
+</file>
+
+<file path=ppt/slides/slide30.xml><?xml version="1.0" encoding="utf-8"?>
 <p:sld xmlns:a="http://schemas.openxmlformats.org/drawingml/2006/main" xmlns:r="http://schemas.openxmlformats.org/officeDocument/2006/relationships" xmlns:p="http://schemas.openxmlformats.org/presentationml/2006/main">
   <p:cSld>
     <p:bg>
@@ -13132,10 +11482,156 @@
           </a:prstGeom>
         </p:spPr>
       </p:pic>
+      <p:sp>
+        <p:nvSpPr>
+          <p:cNvPr id="2" name="CuadroTexto 1">
+            <a:hlinkClick r:id="rId3"/>
+            <a:extLst>
+              <a:ext uri="{FF2B5EF4-FFF2-40B4-BE49-F238E27FC236}">
+                <a16:creationId xmlns:a16="http://schemas.microsoft.com/office/drawing/2014/main" id="{8EF6CADF-9176-E93F-AF3B-A71FF79F85A4}"/>
+              </a:ext>
+            </a:extLst>
+          </p:cNvPr>
+          <p:cNvSpPr txBox="1"/>
+          <p:nvPr/>
+        </p:nvSpPr>
+        <p:spPr>
+          <a:xfrm>
+            <a:off x="5142546" y="6184150"/>
+            <a:ext cx="871201" cy="369332"/>
+          </a:xfrm>
+          <a:prstGeom prst="rect">
+            <a:avLst/>
+          </a:prstGeom>
+          <a:noFill/>
+        </p:spPr>
+        <p:txBody>
+          <a:bodyPr wrap="none" rtlCol="0">
+            <a:spAutoFit/>
+          </a:bodyPr>
+          <a:lstStyle/>
+          <a:p>
+            <a:r>
+              <a:rPr lang="es-CO" dirty="0"/>
+              <a:t>Detalle</a:t>
+            </a:r>
+          </a:p>
+        </p:txBody>
+      </p:sp>
     </p:spTree>
     <p:extLst>
       <p:ext uri="{BB962C8B-B14F-4D97-AF65-F5344CB8AC3E}">
         <p14:creationId xmlns:p14="http://schemas.microsoft.com/office/powerpoint/2010/main" val="2417777499"/>
+      </p:ext>
+    </p:extLst>
+  </p:cSld>
+  <p:clrMapOvr>
+    <a:masterClrMapping/>
+  </p:clrMapOvr>
+</p:sld>
+</file>
+
+<file path=ppt/slides/slide4.xml><?xml version="1.0" encoding="utf-8"?>
+<p:sld xmlns:a="http://schemas.openxmlformats.org/drawingml/2006/main" xmlns:r="http://schemas.openxmlformats.org/officeDocument/2006/relationships" xmlns:p="http://schemas.openxmlformats.org/presentationml/2006/main">
+  <p:cSld>
+    <p:spTree>
+      <p:nvGrpSpPr>
+        <p:cNvPr id="1" name=""/>
+        <p:cNvGrpSpPr/>
+        <p:nvPr/>
+      </p:nvGrpSpPr>
+      <p:grpSpPr>
+        <a:xfrm>
+          <a:off x="0" y="0"/>
+          <a:ext cx="0" cy="0"/>
+          <a:chOff x="0" y="0"/>
+          <a:chExt cx="0" cy="0"/>
+        </a:xfrm>
+      </p:grpSpPr>
+      <p:sp>
+        <p:nvSpPr>
+          <p:cNvPr id="2" name="Título 1">
+            <a:extLst>
+              <a:ext uri="{FF2B5EF4-FFF2-40B4-BE49-F238E27FC236}">
+                <a16:creationId xmlns:a16="http://schemas.microsoft.com/office/drawing/2014/main" id="{1400D345-66AB-83D3-9BAC-223775BA32F8}"/>
+              </a:ext>
+            </a:extLst>
+          </p:cNvPr>
+          <p:cNvSpPr>
+            <a:spLocks noGrp="1"/>
+          </p:cNvSpPr>
+          <p:nvPr>
+            <p:ph type="title"/>
+          </p:nvPr>
+        </p:nvSpPr>
+        <p:spPr/>
+        <p:txBody>
+          <a:bodyPr/>
+          <a:lstStyle/>
+          <a:p>
+            <a:endParaRPr lang="es-CO"/>
+          </a:p>
+        </p:txBody>
+      </p:sp>
+      <p:sp>
+        <p:nvSpPr>
+          <p:cNvPr id="3" name="Marcador de contenido 2">
+            <a:extLst>
+              <a:ext uri="{FF2B5EF4-FFF2-40B4-BE49-F238E27FC236}">
+                <a16:creationId xmlns:a16="http://schemas.microsoft.com/office/drawing/2014/main" id="{D53D708F-828B-0DB3-367B-EAE82729595B}"/>
+              </a:ext>
+            </a:extLst>
+          </p:cNvPr>
+          <p:cNvSpPr>
+            <a:spLocks noGrp="1"/>
+          </p:cNvSpPr>
+          <p:nvPr>
+            <p:ph idx="1"/>
+          </p:nvPr>
+        </p:nvSpPr>
+        <p:spPr/>
+        <p:txBody>
+          <a:bodyPr/>
+          <a:lstStyle/>
+          <a:p>
+            <a:endParaRPr lang="es-CO" dirty="0"/>
+          </a:p>
+        </p:txBody>
+      </p:sp>
+      <p:pic>
+        <p:nvPicPr>
+          <p:cNvPr id="5" name="Imagen 4">
+            <a:extLst>
+              <a:ext uri="{FF2B5EF4-FFF2-40B4-BE49-F238E27FC236}">
+                <a16:creationId xmlns:a16="http://schemas.microsoft.com/office/drawing/2014/main" id="{699259CC-170D-481C-5755-254907EF92F9}"/>
+              </a:ext>
+            </a:extLst>
+          </p:cNvPr>
+          <p:cNvPicPr>
+            <a:picLocks noChangeAspect="1"/>
+          </p:cNvPicPr>
+          <p:nvPr/>
+        </p:nvPicPr>
+        <p:blipFill>
+          <a:blip r:embed="rId2"/>
+          <a:stretch>
+            <a:fillRect/>
+          </a:stretch>
+        </p:blipFill>
+        <p:spPr>
+          <a:xfrm>
+            <a:off x="1785336" y="785443"/>
+            <a:ext cx="8621328" cy="5287113"/>
+          </a:xfrm>
+          <a:prstGeom prst="rect">
+            <a:avLst/>
+          </a:prstGeom>
+        </p:spPr>
+      </p:pic>
+    </p:spTree>
+    <p:extLst>
+      <p:ext uri="{BB962C8B-B14F-4D97-AF65-F5344CB8AC3E}">
+        <p14:creationId xmlns:p14="http://schemas.microsoft.com/office/powerpoint/2010/main" val="870402934"/>
       </p:ext>
     </p:extLst>
   </p:cSld>
@@ -13309,8 +11805,8 @@
         </p:blipFill>
         <p:spPr>
           <a:xfrm>
-            <a:off x="1680546" y="1023602"/>
-            <a:ext cx="8830907" cy="4810796"/>
+            <a:off x="1557967" y="990600"/>
+            <a:ext cx="9636901" cy="5249876"/>
           </a:xfrm>
           <a:prstGeom prst="rect">
             <a:avLst/>
@@ -13347,137 +11843,12 @@
           <a:chExt cx="0" cy="0"/>
         </a:xfrm>
       </p:grpSpPr>
-      <p:sp>
-        <p:nvSpPr>
-          <p:cNvPr id="2" name="Título 1">
+      <p:pic>
+        <p:nvPicPr>
+          <p:cNvPr id="5" name="Imagen 4">
             <a:extLst>
               <a:ext uri="{FF2B5EF4-FFF2-40B4-BE49-F238E27FC236}">
-                <a16:creationId xmlns:a16="http://schemas.microsoft.com/office/drawing/2014/main" id="{B031F4AB-C4E5-E13D-3A20-0381EE3E3132}"/>
-              </a:ext>
-            </a:extLst>
-          </p:cNvPr>
-          <p:cNvSpPr>
-            <a:spLocks noGrp="1"/>
-          </p:cNvSpPr>
-          <p:nvPr>
-            <p:ph type="title"/>
-          </p:nvPr>
-        </p:nvSpPr>
-        <p:spPr/>
-        <p:txBody>
-          <a:bodyPr/>
-          <a:lstStyle/>
-          <a:p>
-            <a:endParaRPr lang="es-CO"/>
-          </a:p>
-        </p:txBody>
-      </p:sp>
-      <p:sp>
-        <p:nvSpPr>
-          <p:cNvPr id="3" name="Marcador de texto 2">
-            <a:extLst>
-              <a:ext uri="{FF2B5EF4-FFF2-40B4-BE49-F238E27FC236}">
-                <a16:creationId xmlns:a16="http://schemas.microsoft.com/office/drawing/2014/main" id="{CF87286F-8C97-F5BA-F995-6AD93D2C51B1}"/>
-              </a:ext>
-            </a:extLst>
-          </p:cNvPr>
-          <p:cNvSpPr>
-            <a:spLocks noGrp="1"/>
-          </p:cNvSpPr>
-          <p:nvPr>
-            <p:ph type="body" idx="1"/>
-          </p:nvPr>
-        </p:nvSpPr>
-        <p:spPr/>
-        <p:txBody>
-          <a:bodyPr/>
-          <a:lstStyle/>
-          <a:p>
-            <a:endParaRPr lang="es-CO"/>
-          </a:p>
-        </p:txBody>
-      </p:sp>
-      <p:sp>
-        <p:nvSpPr>
-          <p:cNvPr id="4" name="Marcador de contenido 3">
-            <a:extLst>
-              <a:ext uri="{FF2B5EF4-FFF2-40B4-BE49-F238E27FC236}">
-                <a16:creationId xmlns:a16="http://schemas.microsoft.com/office/drawing/2014/main" id="{83F96738-38DA-479C-D0B2-897166F6F2B9}"/>
-              </a:ext>
-            </a:extLst>
-          </p:cNvPr>
-          <p:cNvSpPr>
-            <a:spLocks noGrp="1"/>
-          </p:cNvSpPr>
-          <p:nvPr>
-            <p:ph sz="half" idx="2"/>
-          </p:nvPr>
-        </p:nvSpPr>
-        <p:spPr/>
-        <p:txBody>
-          <a:bodyPr/>
-          <a:lstStyle/>
-          <a:p>
-            <a:endParaRPr lang="es-CO"/>
-          </a:p>
-        </p:txBody>
-      </p:sp>
-      <p:sp>
-        <p:nvSpPr>
-          <p:cNvPr id="5" name="Marcador de texto 4">
-            <a:extLst>
-              <a:ext uri="{FF2B5EF4-FFF2-40B4-BE49-F238E27FC236}">
-                <a16:creationId xmlns:a16="http://schemas.microsoft.com/office/drawing/2014/main" id="{508D1B81-543F-3710-C5EA-37DB5D7FC1D0}"/>
-              </a:ext>
-            </a:extLst>
-          </p:cNvPr>
-          <p:cNvSpPr>
-            <a:spLocks noGrp="1"/>
-          </p:cNvSpPr>
-          <p:nvPr>
-            <p:ph type="body" sz="quarter" idx="3"/>
-          </p:nvPr>
-        </p:nvSpPr>
-        <p:spPr/>
-        <p:txBody>
-          <a:bodyPr/>
-          <a:lstStyle/>
-          <a:p>
-            <a:endParaRPr lang="es-CO"/>
-          </a:p>
-        </p:txBody>
-      </p:sp>
-      <p:sp>
-        <p:nvSpPr>
-          <p:cNvPr id="6" name="Marcador de contenido 5">
-            <a:extLst>
-              <a:ext uri="{FF2B5EF4-FFF2-40B4-BE49-F238E27FC236}">
-                <a16:creationId xmlns:a16="http://schemas.microsoft.com/office/drawing/2014/main" id="{D6F38887-602A-43F5-DB68-31E71B1919A6}"/>
-              </a:ext>
-            </a:extLst>
-          </p:cNvPr>
-          <p:cNvSpPr>
-            <a:spLocks noGrp="1"/>
-          </p:cNvSpPr>
-          <p:nvPr>
-            <p:ph sz="quarter" idx="4"/>
-          </p:nvPr>
-        </p:nvSpPr>
-        <p:spPr/>
-        <p:txBody>
-          <a:bodyPr/>
-          <a:lstStyle/>
-          <a:p>
-            <a:endParaRPr lang="es-CO"/>
-          </a:p>
-        </p:txBody>
-      </p:sp>
-      <p:pic>
-        <p:nvPicPr>
-          <p:cNvPr id="8" name="Imagen 7">
-            <a:extLst>
-              <a:ext uri="{FF2B5EF4-FFF2-40B4-BE49-F238E27FC236}">
-                <a16:creationId xmlns:a16="http://schemas.microsoft.com/office/drawing/2014/main" id="{959BE033-EEC8-E3A3-1E0D-226874CFE84F}"/>
+                <a16:creationId xmlns:a16="http://schemas.microsoft.com/office/drawing/2014/main" id="{A3A939CD-368B-314F-8AF0-5BCBFB5DCE60}"/>
               </a:ext>
             </a:extLst>
           </p:cNvPr>
@@ -13488,24 +11859,59 @@
         </p:nvPicPr>
         <p:blipFill>
           <a:blip r:embed="rId2"/>
-          <a:stretch>
-            <a:fillRect/>
-          </a:stretch>
+          <a:srcRect l="3665" t="38166" r="21392"/>
+          <a:stretch/>
         </p:blipFill>
         <p:spPr>
           <a:xfrm>
-            <a:off x="886147" y="1033128"/>
-            <a:ext cx="10793331" cy="4791744"/>
+            <a:off x="1099595" y="956840"/>
+            <a:ext cx="10674299" cy="4944320"/>
           </a:xfrm>
           <a:prstGeom prst="rect">
             <a:avLst/>
           </a:prstGeom>
         </p:spPr>
       </p:pic>
+      <p:sp>
+        <p:nvSpPr>
+          <p:cNvPr id="4" name="CuadroTexto 3">
+            <a:hlinkClick r:id="rId3" action="ppaction://hlinkfile"/>
+            <a:extLst>
+              <a:ext uri="{FF2B5EF4-FFF2-40B4-BE49-F238E27FC236}">
+                <a16:creationId xmlns:a16="http://schemas.microsoft.com/office/drawing/2014/main" id="{71929D20-E134-69E8-F527-7E0DBC203DBC}"/>
+              </a:ext>
+            </a:extLst>
+          </p:cNvPr>
+          <p:cNvSpPr txBox="1"/>
+          <p:nvPr/>
+        </p:nvSpPr>
+        <p:spPr>
+          <a:xfrm>
+            <a:off x="4305783" y="6215606"/>
+            <a:ext cx="2952796" cy="369332"/>
+          </a:xfrm>
+          <a:prstGeom prst="rect">
+            <a:avLst/>
+          </a:prstGeom>
+          <a:noFill/>
+        </p:spPr>
+        <p:txBody>
+          <a:bodyPr wrap="none" rtlCol="0">
+            <a:spAutoFit/>
+          </a:bodyPr>
+          <a:lstStyle/>
+          <a:p>
+            <a:r>
+              <a:rPr lang="es-CO" dirty="0"/>
+              <a:t>Creación de tablas completo</a:t>
+            </a:r>
+          </a:p>
+        </p:txBody>
+      </p:sp>
     </p:spTree>
     <p:extLst>
       <p:ext uri="{BB962C8B-B14F-4D97-AF65-F5344CB8AC3E}">
-        <p14:creationId xmlns:p14="http://schemas.microsoft.com/office/powerpoint/2010/main" val="864698119"/>
+        <p14:creationId xmlns:p14="http://schemas.microsoft.com/office/powerpoint/2010/main" val="3060129271"/>
       </p:ext>
     </p:extLst>
   </p:cSld>
@@ -13537,7 +11943,7 @@
           <p:cNvPr id="2" name="Título 1">
             <a:extLst>
               <a:ext uri="{FF2B5EF4-FFF2-40B4-BE49-F238E27FC236}">
-                <a16:creationId xmlns:a16="http://schemas.microsoft.com/office/drawing/2014/main" id="{FCF421BB-D141-9BF5-F3CA-A22F0DA5C315}"/>
+                <a16:creationId xmlns:a16="http://schemas.microsoft.com/office/drawing/2014/main" id="{BB087F90-4C63-E4AE-ABCB-F9C546186451}"/>
               </a:ext>
             </a:extLst>
           </p:cNvPr>
@@ -13553,16 +11959,19 @@
           <a:bodyPr/>
           <a:lstStyle/>
           <a:p>
-            <a:endParaRPr lang="es-CO"/>
+            <a:r>
+              <a:rPr lang="es-CO" dirty="0"/>
+              <a:t>Inserción de datos</a:t>
+            </a:r>
           </a:p>
         </p:txBody>
       </p:sp>
       <p:sp>
         <p:nvSpPr>
-          <p:cNvPr id="3" name="Marcador de contenido 2">
+          <p:cNvPr id="3" name="Marcador de texto 2">
             <a:extLst>
               <a:ext uri="{FF2B5EF4-FFF2-40B4-BE49-F238E27FC236}">
-                <a16:creationId xmlns:a16="http://schemas.microsoft.com/office/drawing/2014/main" id="{B72A7C8D-2F4C-11B0-E351-2EBEEF001536}"/>
+                <a16:creationId xmlns:a16="http://schemas.microsoft.com/office/drawing/2014/main" id="{65DA89BB-4016-6B30-6103-DBD1D6E7280C}"/>
               </a:ext>
             </a:extLst>
           </p:cNvPr>
@@ -13570,7 +11979,7 @@
             <a:spLocks noGrp="1"/>
           </p:cNvSpPr>
           <p:nvPr>
-            <p:ph idx="1"/>
+            <p:ph type="body" idx="1"/>
           </p:nvPr>
         </p:nvSpPr>
         <p:spPr/>
@@ -13582,40 +11991,10 @@
           </a:p>
         </p:txBody>
       </p:sp>
-      <p:pic>
-        <p:nvPicPr>
-          <p:cNvPr id="5" name="Imagen 4">
-            <a:extLst>
-              <a:ext uri="{FF2B5EF4-FFF2-40B4-BE49-F238E27FC236}">
-                <a16:creationId xmlns:a16="http://schemas.microsoft.com/office/drawing/2014/main" id="{27DB91A3-7E4A-831D-45AB-3C3D13179869}"/>
-              </a:ext>
-            </a:extLst>
-          </p:cNvPr>
-          <p:cNvPicPr>
-            <a:picLocks noChangeAspect="1"/>
-          </p:cNvPicPr>
-          <p:nvPr/>
-        </p:nvPicPr>
-        <p:blipFill>
-          <a:blip r:embed="rId2"/>
-          <a:stretch>
-            <a:fillRect/>
-          </a:stretch>
-        </p:blipFill>
-        <p:spPr>
-          <a:xfrm>
-            <a:off x="1112289" y="685800"/>
-            <a:ext cx="10793331" cy="5696745"/>
-          </a:xfrm>
-          <a:prstGeom prst="rect">
-            <a:avLst/>
-          </a:prstGeom>
-        </p:spPr>
-      </p:pic>
     </p:spTree>
     <p:extLst>
       <p:ext uri="{BB962C8B-B14F-4D97-AF65-F5344CB8AC3E}">
-        <p14:creationId xmlns:p14="http://schemas.microsoft.com/office/powerpoint/2010/main" val="1230449467"/>
+        <p14:creationId xmlns:p14="http://schemas.microsoft.com/office/powerpoint/2010/main" val="3790690138"/>
       </p:ext>
     </p:extLst>
   </p:cSld>
@@ -13647,7 +12026,7 @@
           <p:cNvPr id="2" name="Título 1">
             <a:extLst>
               <a:ext uri="{FF2B5EF4-FFF2-40B4-BE49-F238E27FC236}">
-                <a16:creationId xmlns:a16="http://schemas.microsoft.com/office/drawing/2014/main" id="{EAA09EA9-B2E9-8667-1BD4-C8D6AC3DFD13}"/>
+                <a16:creationId xmlns:a16="http://schemas.microsoft.com/office/drawing/2014/main" id="{91D37C8A-D988-4D2C-D997-CF5B67542F11}"/>
               </a:ext>
             </a:extLst>
           </p:cNvPr>
@@ -13663,41 +12042,19 @@
           <a:bodyPr/>
           <a:lstStyle/>
           <a:p>
-            <a:endParaRPr lang="es-CO"/>
-          </a:p>
-        </p:txBody>
-      </p:sp>
-      <p:sp>
-        <p:nvSpPr>
-          <p:cNvPr id="3" name="Marcador de contenido 2">
-            <a:extLst>
-              <a:ext uri="{FF2B5EF4-FFF2-40B4-BE49-F238E27FC236}">
-                <a16:creationId xmlns:a16="http://schemas.microsoft.com/office/drawing/2014/main" id="{DC4114D7-C086-77F2-8842-A70D45E80C3F}"/>
-              </a:ext>
-            </a:extLst>
-          </p:cNvPr>
-          <p:cNvSpPr>
-            <a:spLocks noGrp="1"/>
-          </p:cNvSpPr>
-          <p:nvPr>
-            <p:ph idx="1"/>
-          </p:nvPr>
-        </p:nvSpPr>
-        <p:spPr/>
-        <p:txBody>
-          <a:bodyPr/>
-          <a:lstStyle/>
-          <a:p>
-            <a:endParaRPr lang="es-CO"/>
+            <a:r>
+              <a:rPr lang="es-CO" dirty="0"/>
+              <a:t>Encriptación</a:t>
+            </a:r>
           </a:p>
         </p:txBody>
       </p:sp>
       <p:pic>
         <p:nvPicPr>
-          <p:cNvPr id="5" name="Imagen 4">
+          <p:cNvPr id="4" name="Imagen 3">
             <a:extLst>
               <a:ext uri="{FF2B5EF4-FFF2-40B4-BE49-F238E27FC236}">
-                <a16:creationId xmlns:a16="http://schemas.microsoft.com/office/drawing/2014/main" id="{AB26F7F2-50E0-0DDF-2BD3-F47BA37AB6D6}"/>
+                <a16:creationId xmlns:a16="http://schemas.microsoft.com/office/drawing/2014/main" id="{C038B81D-5B76-FA9F-E289-6AE340DB9A98}"/>
               </a:ext>
             </a:extLst>
           </p:cNvPr>
@@ -13714,18 +12071,84 @@
         </p:blipFill>
         <p:spPr>
           <a:xfrm>
-            <a:off x="1932994" y="299601"/>
-            <a:ext cx="8326012" cy="6258798"/>
+            <a:off x="942975" y="4163258"/>
+            <a:ext cx="10306050" cy="1981200"/>
           </a:xfrm>
           <a:prstGeom prst="rect">
             <a:avLst/>
           </a:prstGeom>
         </p:spPr>
       </p:pic>
+      <p:pic>
+        <p:nvPicPr>
+          <p:cNvPr id="7" name="Imagen 6">
+            <a:extLst>
+              <a:ext uri="{FF2B5EF4-FFF2-40B4-BE49-F238E27FC236}">
+                <a16:creationId xmlns:a16="http://schemas.microsoft.com/office/drawing/2014/main" id="{FD47B924-CEE6-CF4F-024E-776BC939F9FF}"/>
+              </a:ext>
+            </a:extLst>
+          </p:cNvPr>
+          <p:cNvPicPr>
+            <a:picLocks noChangeAspect="1"/>
+          </p:cNvPicPr>
+          <p:nvPr/>
+        </p:nvPicPr>
+        <p:blipFill>
+          <a:blip r:embed="rId3"/>
+          <a:stretch>
+            <a:fillRect/>
+          </a:stretch>
+        </p:blipFill>
+        <p:spPr>
+          <a:xfrm>
+            <a:off x="773157" y="1651485"/>
+            <a:ext cx="11249025" cy="2086513"/>
+          </a:xfrm>
+          <a:prstGeom prst="rect">
+            <a:avLst/>
+          </a:prstGeom>
+        </p:spPr>
+      </p:pic>
+      <p:sp>
+        <p:nvSpPr>
+          <p:cNvPr id="8" name="CuadroTexto 7">
+            <a:hlinkClick r:id="rId4" action="ppaction://hlinkfile"/>
+            <a:extLst>
+              <a:ext uri="{FF2B5EF4-FFF2-40B4-BE49-F238E27FC236}">
+                <a16:creationId xmlns:a16="http://schemas.microsoft.com/office/drawing/2014/main" id="{678DE765-5BDD-9B11-DEB7-C72D998CF417}"/>
+              </a:ext>
+            </a:extLst>
+          </p:cNvPr>
+          <p:cNvSpPr txBox="1"/>
+          <p:nvPr/>
+        </p:nvSpPr>
+        <p:spPr>
+          <a:xfrm>
+            <a:off x="4703144" y="6385052"/>
+            <a:ext cx="2938112" cy="369332"/>
+          </a:xfrm>
+          <a:prstGeom prst="rect">
+            <a:avLst/>
+          </a:prstGeom>
+          <a:noFill/>
+        </p:spPr>
+        <p:txBody>
+          <a:bodyPr wrap="none" rtlCol="0">
+            <a:spAutoFit/>
+          </a:bodyPr>
+          <a:lstStyle/>
+          <a:p>
+            <a:r>
+              <a:rPr lang="es-CO" dirty="0"/>
+              <a:t>Inserción de datos completa</a:t>
+            </a:r>
+          </a:p>
+        </p:txBody>
+      </p:sp>
     </p:spTree>
     <p:extLst>
       <p:ext uri="{BB962C8B-B14F-4D97-AF65-F5344CB8AC3E}">
-        <p14:creationId xmlns:p14="http://schemas.microsoft.com/office/powerpoint/2010/main" val="211378576"/>
+        <p14:creationId xmlns:p14="http://schemas.microsoft.com/office/powerpoint/2010/main" val="1505152939"/>
       </p:ext>
     </p:extLst>
   </p:cSld>
@@ -13757,7 +12180,7 @@
           <p:cNvPr id="2" name="Título 1">
             <a:extLst>
               <a:ext uri="{FF2B5EF4-FFF2-40B4-BE49-F238E27FC236}">
-                <a16:creationId xmlns:a16="http://schemas.microsoft.com/office/drawing/2014/main" id="{B996D1E3-755D-D211-2125-7A6B90A12E58}"/>
+                <a16:creationId xmlns:a16="http://schemas.microsoft.com/office/drawing/2014/main" id="{4FAC1B6E-D73C-EBC3-5C53-A9F635FBFD20}"/>
               </a:ext>
             </a:extLst>
           </p:cNvPr>
@@ -13773,16 +12196,19 @@
           <a:bodyPr/>
           <a:lstStyle/>
           <a:p>
-            <a:endParaRPr lang="es-CO"/>
+            <a:r>
+              <a:rPr lang="es-CO" dirty="0"/>
+              <a:t>Creación de roles</a:t>
+            </a:r>
           </a:p>
         </p:txBody>
       </p:sp>
       <p:sp>
         <p:nvSpPr>
-          <p:cNvPr id="3" name="Marcador de contenido 2">
+          <p:cNvPr id="3" name="Marcador de texto 2">
             <a:extLst>
               <a:ext uri="{FF2B5EF4-FFF2-40B4-BE49-F238E27FC236}">
-                <a16:creationId xmlns:a16="http://schemas.microsoft.com/office/drawing/2014/main" id="{DAA6C2BA-CD01-2D15-D2EC-150D734260BB}"/>
+                <a16:creationId xmlns:a16="http://schemas.microsoft.com/office/drawing/2014/main" id="{2CC1DAAC-CB63-C13A-7588-128D2170A1CD}"/>
               </a:ext>
             </a:extLst>
           </p:cNvPr>
@@ -13790,7 +12216,7 @@
             <a:spLocks noGrp="1"/>
           </p:cNvSpPr>
           <p:nvPr>
-            <p:ph idx="1"/>
+            <p:ph type="body" idx="1"/>
           </p:nvPr>
         </p:nvSpPr>
         <p:spPr/>
@@ -13798,44 +12224,17 @@
           <a:bodyPr/>
           <a:lstStyle/>
           <a:p>
-            <a:endParaRPr lang="es-CO"/>
+            <a:r>
+              <a:rPr lang="es-CO" dirty="0"/>
+              <a:t>Valor agregado de seguridad</a:t>
+            </a:r>
           </a:p>
         </p:txBody>
       </p:sp>
-      <p:pic>
-        <p:nvPicPr>
-          <p:cNvPr id="5" name="Imagen 4">
-            <a:extLst>
-              <a:ext uri="{FF2B5EF4-FFF2-40B4-BE49-F238E27FC236}">
-                <a16:creationId xmlns:a16="http://schemas.microsoft.com/office/drawing/2014/main" id="{8BDAAA80-A495-D34B-AD41-B4A3494B0209}"/>
-              </a:ext>
-            </a:extLst>
-          </p:cNvPr>
-          <p:cNvPicPr>
-            <a:picLocks noChangeAspect="1"/>
-          </p:cNvPicPr>
-          <p:nvPr/>
-        </p:nvPicPr>
-        <p:blipFill>
-          <a:blip r:embed="rId2"/>
-          <a:stretch>
-            <a:fillRect/>
-          </a:stretch>
-        </p:blipFill>
-        <p:spPr>
-          <a:xfrm>
-            <a:off x="1185177" y="309127"/>
-            <a:ext cx="9821646" cy="6239746"/>
-          </a:xfrm>
-          <a:prstGeom prst="rect">
-            <a:avLst/>
-          </a:prstGeom>
-        </p:spPr>
-      </p:pic>
     </p:spTree>
     <p:extLst>
       <p:ext uri="{BB962C8B-B14F-4D97-AF65-F5344CB8AC3E}">
-        <p14:creationId xmlns:p14="http://schemas.microsoft.com/office/powerpoint/2010/main" val="649466855"/>
+        <p14:creationId xmlns:p14="http://schemas.microsoft.com/office/powerpoint/2010/main" val="3696050680"/>
       </p:ext>
     </p:extLst>
   </p:cSld>

--- a/3-Trimestre/DLYTimeDB.pptx
+++ b/3-Trimestre/DLYTimeDB.pptx
@@ -4,6 +4,9 @@
   <p:sldMasterIdLst>
     <p:sldMasterId id="2147483648" r:id="rId1"/>
   </p:sldMasterIdLst>
+  <p:notesMasterIdLst>
+    <p:notesMasterId r:id="rId36"/>
+  </p:notesMasterIdLst>
   <p:sldIdLst>
     <p:sldId id="256" r:id="rId2"/>
     <p:sldId id="285" r:id="rId3"/>
@@ -16,14 +19,14 @@
     <p:sldId id="272" r:id="rId10"/>
     <p:sldId id="273" r:id="rId11"/>
     <p:sldId id="286" r:id="rId12"/>
-    <p:sldId id="274" r:id="rId13"/>
-    <p:sldId id="275" r:id="rId14"/>
-    <p:sldId id="298" r:id="rId15"/>
-    <p:sldId id="276" r:id="rId16"/>
-    <p:sldId id="277" r:id="rId17"/>
-    <p:sldId id="279" r:id="rId18"/>
-    <p:sldId id="280" r:id="rId19"/>
-    <p:sldId id="284" r:id="rId20"/>
+    <p:sldId id="310" r:id="rId13"/>
+    <p:sldId id="306" r:id="rId14"/>
+    <p:sldId id="301" r:id="rId15"/>
+    <p:sldId id="307" r:id="rId16"/>
+    <p:sldId id="308" r:id="rId17"/>
+    <p:sldId id="309" r:id="rId18"/>
+    <p:sldId id="279" r:id="rId19"/>
+    <p:sldId id="300" r:id="rId20"/>
     <p:sldId id="287" r:id="rId21"/>
     <p:sldId id="288" r:id="rId22"/>
     <p:sldId id="289" r:id="rId23"/>
@@ -32,9 +35,13 @@
     <p:sldId id="292" r:id="rId26"/>
     <p:sldId id="293" r:id="rId27"/>
     <p:sldId id="294" r:id="rId28"/>
-    <p:sldId id="296" r:id="rId29"/>
-    <p:sldId id="295" r:id="rId30"/>
-    <p:sldId id="297" r:id="rId31"/>
+    <p:sldId id="305" r:id="rId29"/>
+    <p:sldId id="302" r:id="rId30"/>
+    <p:sldId id="304" r:id="rId31"/>
+    <p:sldId id="296" r:id="rId32"/>
+    <p:sldId id="295" r:id="rId33"/>
+    <p:sldId id="297" r:id="rId34"/>
+    <p:sldId id="299" r:id="rId35"/>
   </p:sldIdLst>
   <p:sldSz cx="12192000" cy="6858000"/>
   <p:notesSz cx="6858000" cy="9144000"/>
@@ -2942,6 +2949,440 @@
 </dgm:styleDef>
 </file>
 
+<file path=ppt/notesMasters/notesMaster1.xml><?xml version="1.0" encoding="utf-8"?>
+<p:notesMaster xmlns:a="http://schemas.openxmlformats.org/drawingml/2006/main" xmlns:r="http://schemas.openxmlformats.org/officeDocument/2006/relationships" xmlns:p="http://schemas.openxmlformats.org/presentationml/2006/main">
+  <p:cSld>
+    <p:bg>
+      <p:bgRef idx="1001">
+        <a:schemeClr val="bg1"/>
+      </p:bgRef>
+    </p:bg>
+    <p:spTree>
+      <p:nvGrpSpPr>
+        <p:cNvPr id="1" name=""/>
+        <p:cNvGrpSpPr/>
+        <p:nvPr/>
+      </p:nvGrpSpPr>
+      <p:grpSpPr>
+        <a:xfrm>
+          <a:off x="0" y="0"/>
+          <a:ext cx="0" cy="0"/>
+          <a:chOff x="0" y="0"/>
+          <a:chExt cx="0" cy="0"/>
+        </a:xfrm>
+      </p:grpSpPr>
+      <p:sp>
+        <p:nvSpPr>
+          <p:cNvPr id="2" name="Marcador de encabezado 1"/>
+          <p:cNvSpPr>
+            <a:spLocks noGrp="1"/>
+          </p:cNvSpPr>
+          <p:nvPr>
+            <p:ph type="hdr" sz="quarter"/>
+          </p:nvPr>
+        </p:nvSpPr>
+        <p:spPr>
+          <a:xfrm>
+            <a:off x="0" y="0"/>
+            <a:ext cx="2971800" cy="458788"/>
+          </a:xfrm>
+          <a:prstGeom prst="rect">
+            <a:avLst/>
+          </a:prstGeom>
+        </p:spPr>
+        <p:txBody>
+          <a:bodyPr vert="horz" lIns="91440" tIns="45720" rIns="91440" bIns="45720" rtlCol="0"/>
+          <a:lstStyle>
+            <a:lvl1pPr algn="l">
+              <a:defRPr sz="1200"/>
+            </a:lvl1pPr>
+          </a:lstStyle>
+          <a:p>
+            <a:endParaRPr lang="es-CO"/>
+          </a:p>
+        </p:txBody>
+      </p:sp>
+      <p:sp>
+        <p:nvSpPr>
+          <p:cNvPr id="3" name="Marcador de fecha 2"/>
+          <p:cNvSpPr>
+            <a:spLocks noGrp="1"/>
+          </p:cNvSpPr>
+          <p:nvPr>
+            <p:ph type="dt" idx="1"/>
+          </p:nvPr>
+        </p:nvSpPr>
+        <p:spPr>
+          <a:xfrm>
+            <a:off x="3884613" y="0"/>
+            <a:ext cx="2971800" cy="458788"/>
+          </a:xfrm>
+          <a:prstGeom prst="rect">
+            <a:avLst/>
+          </a:prstGeom>
+        </p:spPr>
+        <p:txBody>
+          <a:bodyPr vert="horz" lIns="91440" tIns="45720" rIns="91440" bIns="45720" rtlCol="0"/>
+          <a:lstStyle>
+            <a:lvl1pPr algn="r">
+              <a:defRPr sz="1200"/>
+            </a:lvl1pPr>
+          </a:lstStyle>
+          <a:p>
+            <a:fld id="{8416A3B2-2210-426D-AC6B-98C3D5FB0053}" type="datetimeFigureOut">
+              <a:rPr lang="es-CO" smtClean="0"/>
+              <a:t>30/09/2024</a:t>
+            </a:fld>
+            <a:endParaRPr lang="es-CO"/>
+          </a:p>
+        </p:txBody>
+      </p:sp>
+      <p:sp>
+        <p:nvSpPr>
+          <p:cNvPr id="4" name="Marcador de imagen de diapositiva 3"/>
+          <p:cNvSpPr>
+            <a:spLocks noGrp="1" noRot="1" noChangeAspect="1"/>
+          </p:cNvSpPr>
+          <p:nvPr>
+            <p:ph type="sldImg" idx="2"/>
+          </p:nvPr>
+        </p:nvSpPr>
+        <p:spPr>
+          <a:xfrm>
+            <a:off x="685800" y="1143000"/>
+            <a:ext cx="5486400" cy="3086100"/>
+          </a:xfrm>
+          <a:prstGeom prst="rect">
+            <a:avLst/>
+          </a:prstGeom>
+          <a:noFill/>
+          <a:ln w="12700">
+            <a:solidFill>
+              <a:prstClr val="black"/>
+            </a:solidFill>
+          </a:ln>
+        </p:spPr>
+        <p:txBody>
+          <a:bodyPr vert="horz" lIns="91440" tIns="45720" rIns="91440" bIns="45720" rtlCol="0" anchor="ctr"/>
+          <a:lstStyle/>
+          <a:p>
+            <a:endParaRPr lang="es-CO"/>
+          </a:p>
+        </p:txBody>
+      </p:sp>
+      <p:sp>
+        <p:nvSpPr>
+          <p:cNvPr id="5" name="Marcador de notas 4"/>
+          <p:cNvSpPr>
+            <a:spLocks noGrp="1"/>
+          </p:cNvSpPr>
+          <p:nvPr>
+            <p:ph type="body" sz="quarter" idx="3"/>
+          </p:nvPr>
+        </p:nvSpPr>
+        <p:spPr>
+          <a:xfrm>
+            <a:off x="685800" y="4400550"/>
+            <a:ext cx="5486400" cy="3600450"/>
+          </a:xfrm>
+          <a:prstGeom prst="rect">
+            <a:avLst/>
+          </a:prstGeom>
+        </p:spPr>
+        <p:txBody>
+          <a:bodyPr vert="horz" lIns="91440" tIns="45720" rIns="91440" bIns="45720" rtlCol="0"/>
+          <a:lstStyle/>
+          <a:p>
+            <a:pPr lvl="0"/>
+            <a:r>
+              <a:rPr lang="es-ES"/>
+              <a:t>Haga clic para modificar los estilos de texto del patrón</a:t>
+            </a:r>
+          </a:p>
+          <a:p>
+            <a:pPr lvl="1"/>
+            <a:r>
+              <a:rPr lang="es-ES"/>
+              <a:t>Segundo nivel</a:t>
+            </a:r>
+          </a:p>
+          <a:p>
+            <a:pPr lvl="2"/>
+            <a:r>
+              <a:rPr lang="es-ES"/>
+              <a:t>Tercer nivel</a:t>
+            </a:r>
+          </a:p>
+          <a:p>
+            <a:pPr lvl="3"/>
+            <a:r>
+              <a:rPr lang="es-ES"/>
+              <a:t>Cuarto nivel</a:t>
+            </a:r>
+          </a:p>
+          <a:p>
+            <a:pPr lvl="4"/>
+            <a:r>
+              <a:rPr lang="es-ES"/>
+              <a:t>Quinto nivel</a:t>
+            </a:r>
+            <a:endParaRPr lang="es-CO"/>
+          </a:p>
+        </p:txBody>
+      </p:sp>
+      <p:sp>
+        <p:nvSpPr>
+          <p:cNvPr id="6" name="Marcador de pie de página 5"/>
+          <p:cNvSpPr>
+            <a:spLocks noGrp="1"/>
+          </p:cNvSpPr>
+          <p:nvPr>
+            <p:ph type="ftr" sz="quarter" idx="4"/>
+          </p:nvPr>
+        </p:nvSpPr>
+        <p:spPr>
+          <a:xfrm>
+            <a:off x="0" y="8685213"/>
+            <a:ext cx="2971800" cy="458787"/>
+          </a:xfrm>
+          <a:prstGeom prst="rect">
+            <a:avLst/>
+          </a:prstGeom>
+        </p:spPr>
+        <p:txBody>
+          <a:bodyPr vert="horz" lIns="91440" tIns="45720" rIns="91440" bIns="45720" rtlCol="0" anchor="b"/>
+          <a:lstStyle>
+            <a:lvl1pPr algn="l">
+              <a:defRPr sz="1200"/>
+            </a:lvl1pPr>
+          </a:lstStyle>
+          <a:p>
+            <a:endParaRPr lang="es-CO"/>
+          </a:p>
+        </p:txBody>
+      </p:sp>
+      <p:sp>
+        <p:nvSpPr>
+          <p:cNvPr id="7" name="Marcador de número de diapositiva 6"/>
+          <p:cNvSpPr>
+            <a:spLocks noGrp="1"/>
+          </p:cNvSpPr>
+          <p:nvPr>
+            <p:ph type="sldNum" sz="quarter" idx="5"/>
+          </p:nvPr>
+        </p:nvSpPr>
+        <p:spPr>
+          <a:xfrm>
+            <a:off x="3884613" y="8685213"/>
+            <a:ext cx="2971800" cy="458787"/>
+          </a:xfrm>
+          <a:prstGeom prst="rect">
+            <a:avLst/>
+          </a:prstGeom>
+        </p:spPr>
+        <p:txBody>
+          <a:bodyPr vert="horz" lIns="91440" tIns="45720" rIns="91440" bIns="45720" rtlCol="0" anchor="b"/>
+          <a:lstStyle>
+            <a:lvl1pPr algn="r">
+              <a:defRPr sz="1200"/>
+            </a:lvl1pPr>
+          </a:lstStyle>
+          <a:p>
+            <a:fld id="{DFD3DDA3-0708-45DB-B3CF-055CDDAE7E5B}" type="slidenum">
+              <a:rPr lang="es-CO" smtClean="0"/>
+              <a:t>‹Nº›</a:t>
+            </a:fld>
+            <a:endParaRPr lang="es-CO"/>
+          </a:p>
+        </p:txBody>
+      </p:sp>
+    </p:spTree>
+    <p:extLst>
+      <p:ext uri="{BB962C8B-B14F-4D97-AF65-F5344CB8AC3E}">
+        <p14:creationId xmlns:p14="http://schemas.microsoft.com/office/powerpoint/2010/main" val="3425715343"/>
+      </p:ext>
+    </p:extLst>
+  </p:cSld>
+  <p:clrMap bg1="lt1" tx1="dk1" bg2="lt2" tx2="dk2" accent1="accent1" accent2="accent2" accent3="accent3" accent4="accent4" accent5="accent5" accent6="accent6" hlink="hlink" folHlink="folHlink"/>
+  <p:notesStyle>
+    <a:lvl1pPr marL="0" algn="l" defTabSz="914400" rtl="0" eaLnBrk="1" latinLnBrk="0" hangingPunct="1">
+      <a:defRPr sz="1200" kern="1200">
+        <a:solidFill>
+          <a:schemeClr val="tx1"/>
+        </a:solidFill>
+        <a:latin typeface="+mn-lt"/>
+        <a:ea typeface="+mn-ea"/>
+        <a:cs typeface="+mn-cs"/>
+      </a:defRPr>
+    </a:lvl1pPr>
+    <a:lvl2pPr marL="457200" algn="l" defTabSz="914400" rtl="0" eaLnBrk="1" latinLnBrk="0" hangingPunct="1">
+      <a:defRPr sz="1200" kern="1200">
+        <a:solidFill>
+          <a:schemeClr val="tx1"/>
+        </a:solidFill>
+        <a:latin typeface="+mn-lt"/>
+        <a:ea typeface="+mn-ea"/>
+        <a:cs typeface="+mn-cs"/>
+      </a:defRPr>
+    </a:lvl2pPr>
+    <a:lvl3pPr marL="914400" algn="l" defTabSz="914400" rtl="0" eaLnBrk="1" latinLnBrk="0" hangingPunct="1">
+      <a:defRPr sz="1200" kern="1200">
+        <a:solidFill>
+          <a:schemeClr val="tx1"/>
+        </a:solidFill>
+        <a:latin typeface="+mn-lt"/>
+        <a:ea typeface="+mn-ea"/>
+        <a:cs typeface="+mn-cs"/>
+      </a:defRPr>
+    </a:lvl3pPr>
+    <a:lvl4pPr marL="1371600" algn="l" defTabSz="914400" rtl="0" eaLnBrk="1" latinLnBrk="0" hangingPunct="1">
+      <a:defRPr sz="1200" kern="1200">
+        <a:solidFill>
+          <a:schemeClr val="tx1"/>
+        </a:solidFill>
+        <a:latin typeface="+mn-lt"/>
+        <a:ea typeface="+mn-ea"/>
+        <a:cs typeface="+mn-cs"/>
+      </a:defRPr>
+    </a:lvl4pPr>
+    <a:lvl5pPr marL="1828800" algn="l" defTabSz="914400" rtl="0" eaLnBrk="1" latinLnBrk="0" hangingPunct="1">
+      <a:defRPr sz="1200" kern="1200">
+        <a:solidFill>
+          <a:schemeClr val="tx1"/>
+        </a:solidFill>
+        <a:latin typeface="+mn-lt"/>
+        <a:ea typeface="+mn-ea"/>
+        <a:cs typeface="+mn-cs"/>
+      </a:defRPr>
+    </a:lvl5pPr>
+    <a:lvl6pPr marL="2286000" algn="l" defTabSz="914400" rtl="0" eaLnBrk="1" latinLnBrk="0" hangingPunct="1">
+      <a:defRPr sz="1200" kern="1200">
+        <a:solidFill>
+          <a:schemeClr val="tx1"/>
+        </a:solidFill>
+        <a:latin typeface="+mn-lt"/>
+        <a:ea typeface="+mn-ea"/>
+        <a:cs typeface="+mn-cs"/>
+      </a:defRPr>
+    </a:lvl6pPr>
+    <a:lvl7pPr marL="2743200" algn="l" defTabSz="914400" rtl="0" eaLnBrk="1" latinLnBrk="0" hangingPunct="1">
+      <a:defRPr sz="1200" kern="1200">
+        <a:solidFill>
+          <a:schemeClr val="tx1"/>
+        </a:solidFill>
+        <a:latin typeface="+mn-lt"/>
+        <a:ea typeface="+mn-ea"/>
+        <a:cs typeface="+mn-cs"/>
+      </a:defRPr>
+    </a:lvl7pPr>
+    <a:lvl8pPr marL="3200400" algn="l" defTabSz="914400" rtl="0" eaLnBrk="1" latinLnBrk="0" hangingPunct="1">
+      <a:defRPr sz="1200" kern="1200">
+        <a:solidFill>
+          <a:schemeClr val="tx1"/>
+        </a:solidFill>
+        <a:latin typeface="+mn-lt"/>
+        <a:ea typeface="+mn-ea"/>
+        <a:cs typeface="+mn-cs"/>
+      </a:defRPr>
+    </a:lvl8pPr>
+    <a:lvl9pPr marL="3657600" algn="l" defTabSz="914400" rtl="0" eaLnBrk="1" latinLnBrk="0" hangingPunct="1">
+      <a:defRPr sz="1200" kern="1200">
+        <a:solidFill>
+          <a:schemeClr val="tx1"/>
+        </a:solidFill>
+        <a:latin typeface="+mn-lt"/>
+        <a:ea typeface="+mn-ea"/>
+        <a:cs typeface="+mn-cs"/>
+      </a:defRPr>
+    </a:lvl9pPr>
+  </p:notesStyle>
+</p:notesMaster>
+</file>
+
+<file path=ppt/notesSlides/notesSlide1.xml><?xml version="1.0" encoding="utf-8"?>
+<p:notes xmlns:a="http://schemas.openxmlformats.org/drawingml/2006/main" xmlns:r="http://schemas.openxmlformats.org/officeDocument/2006/relationships" xmlns:p="http://schemas.openxmlformats.org/presentationml/2006/main">
+  <p:cSld>
+    <p:spTree>
+      <p:nvGrpSpPr>
+        <p:cNvPr id="1" name=""/>
+        <p:cNvGrpSpPr/>
+        <p:nvPr/>
+      </p:nvGrpSpPr>
+      <p:grpSpPr>
+        <a:xfrm>
+          <a:off x="0" y="0"/>
+          <a:ext cx="0" cy="0"/>
+          <a:chOff x="0" y="0"/>
+          <a:chExt cx="0" cy="0"/>
+        </a:xfrm>
+      </p:grpSpPr>
+      <p:sp>
+        <p:nvSpPr>
+          <p:cNvPr id="2" name="Marcador de imagen de diapositiva 1"/>
+          <p:cNvSpPr>
+            <a:spLocks noGrp="1" noRot="1" noChangeAspect="1"/>
+          </p:cNvSpPr>
+          <p:nvPr>
+            <p:ph type="sldImg"/>
+          </p:nvPr>
+        </p:nvSpPr>
+        <p:spPr/>
+      </p:sp>
+      <p:sp>
+        <p:nvSpPr>
+          <p:cNvPr id="3" name="Marcador de notas 2"/>
+          <p:cNvSpPr>
+            <a:spLocks noGrp="1"/>
+          </p:cNvSpPr>
+          <p:nvPr>
+            <p:ph type="body" idx="1"/>
+          </p:nvPr>
+        </p:nvSpPr>
+        <p:spPr/>
+        <p:txBody>
+          <a:bodyPr/>
+          <a:lstStyle/>
+          <a:p>
+            <a:endParaRPr lang="es-CO" dirty="0"/>
+          </a:p>
+        </p:txBody>
+      </p:sp>
+      <p:sp>
+        <p:nvSpPr>
+          <p:cNvPr id="4" name="Marcador de número de diapositiva 3"/>
+          <p:cNvSpPr>
+            <a:spLocks noGrp="1"/>
+          </p:cNvSpPr>
+          <p:nvPr>
+            <p:ph type="sldNum" sz="quarter" idx="5"/>
+          </p:nvPr>
+        </p:nvSpPr>
+        <p:spPr/>
+        <p:txBody>
+          <a:bodyPr/>
+          <a:lstStyle/>
+          <a:p>
+            <a:fld id="{DFD3DDA3-0708-45DB-B3CF-055CDDAE7E5B}" type="slidenum">
+              <a:rPr lang="es-CO" smtClean="0"/>
+              <a:t>28</a:t>
+            </a:fld>
+            <a:endParaRPr lang="es-CO"/>
+          </a:p>
+        </p:txBody>
+      </p:sp>
+    </p:spTree>
+    <p:extLst>
+      <p:ext uri="{BB962C8B-B14F-4D97-AF65-F5344CB8AC3E}">
+        <p14:creationId xmlns:p14="http://schemas.microsoft.com/office/powerpoint/2010/main" val="217163703"/>
+      </p:ext>
+    </p:extLst>
+  </p:cSld>
+  <p:clrMapOvr>
+    <a:masterClrMapping/>
+  </p:clrMapOvr>
+</p:notes>
+</file>
+
 <file path=ppt/slideLayouts/slideLayout1.xml><?xml version="1.0" encoding="utf-8"?>
 <p:sldLayout xmlns:a="http://schemas.openxmlformats.org/drawingml/2006/main" xmlns:r="http://schemas.openxmlformats.org/officeDocument/2006/relationships" xmlns:p="http://schemas.openxmlformats.org/presentationml/2006/main" showMasterSp="0" type="title" preserve="1">
   <p:cSld name="Diapositiva de título">
@@ -3112,7 +3553,7 @@
             <a:fld id="{87DE6118-2437-4B30-8E3C-4D2BE6020583}" type="datetimeFigureOut">
               <a:rPr lang="en-US" dirty="0"/>
               <a:pPr/>
-              <a:t>9/19/2024</a:t>
+              <a:t>9/30/2024</a:t>
             </a:fld>
             <a:endParaRPr lang="en-US" dirty="0"/>
           </a:p>
@@ -3438,7 +3879,7 @@
           <a:p>
             <a:fld id="{87DE6118-2437-4B30-8E3C-4D2BE6020583}" type="datetimeFigureOut">
               <a:rPr lang="en-US" dirty="0"/>
-              <a:t>9/19/2024</a:t>
+              <a:t>9/30/2024</a:t>
             </a:fld>
             <a:endParaRPr lang="en-US" dirty="0"/>
           </a:p>
@@ -3613,7 +4054,7 @@
           <a:p>
             <a:fld id="{87DE6118-2437-4B30-8E3C-4D2BE6020583}" type="datetimeFigureOut">
               <a:rPr lang="en-US" dirty="0"/>
-              <a:t>9/19/2024</a:t>
+              <a:t>9/30/2024</a:t>
             </a:fld>
             <a:endParaRPr lang="en-US" dirty="0"/>
           </a:p>
@@ -3778,7 +4219,7 @@
           <a:p>
             <a:fld id="{87DE6118-2437-4B30-8E3C-4D2BE6020583}" type="datetimeFigureOut">
               <a:rPr lang="en-US" dirty="0"/>
-              <a:t>9/19/2024</a:t>
+              <a:t>9/30/2024</a:t>
             </a:fld>
             <a:endParaRPr lang="en-US" dirty="0"/>
           </a:p>
@@ -4051,7 +4492,7 @@
             <a:fld id="{87DE6118-2437-4B30-8E3C-4D2BE6020583}" type="datetimeFigureOut">
               <a:rPr lang="en-US" dirty="0"/>
               <a:pPr/>
-              <a:t>9/19/2024</a:t>
+              <a:t>9/30/2024</a:t>
             </a:fld>
             <a:endParaRPr lang="en-US" dirty="0"/>
           </a:p>
@@ -4441,7 +4882,7 @@
           <a:p>
             <a:fld id="{87DE6118-2437-4B30-8E3C-4D2BE6020583}" type="datetimeFigureOut">
               <a:rPr lang="en-US" dirty="0"/>
-              <a:t>9/19/2024</a:t>
+              <a:t>9/30/2024</a:t>
             </a:fld>
             <a:endParaRPr lang="en-US" dirty="0"/>
           </a:p>
@@ -4913,7 +5354,7 @@
           <a:p>
             <a:fld id="{87DE6118-2437-4B30-8E3C-4D2BE6020583}" type="datetimeFigureOut">
               <a:rPr lang="en-US" dirty="0"/>
-              <a:t>9/19/2024</a:t>
+              <a:t>9/30/2024</a:t>
             </a:fld>
             <a:endParaRPr lang="en-US" dirty="0"/>
           </a:p>
@@ -5026,7 +5467,7 @@
           <a:p>
             <a:fld id="{87DE6118-2437-4B30-8E3C-4D2BE6020583}" type="datetimeFigureOut">
               <a:rPr lang="en-US" dirty="0"/>
-              <a:t>9/19/2024</a:t>
+              <a:t>9/30/2024</a:t>
             </a:fld>
             <a:endParaRPr lang="en-US" dirty="0"/>
           </a:p>
@@ -5116,7 +5557,7 @@
           <a:p>
             <a:fld id="{87DE6118-2437-4B30-8E3C-4D2BE6020583}" type="datetimeFigureOut">
               <a:rPr lang="en-US" dirty="0"/>
-              <a:t>9/19/2024</a:t>
+              <a:t>9/30/2024</a:t>
             </a:fld>
             <a:endParaRPr lang="en-US" dirty="0"/>
           </a:p>
@@ -5458,7 +5899,7 @@
             <a:fld id="{87DE6118-2437-4B30-8E3C-4D2BE6020583}" type="datetimeFigureOut">
               <a:rPr lang="en-US" dirty="0"/>
               <a:pPr/>
-              <a:t>9/19/2024</a:t>
+              <a:t>9/30/2024</a:t>
             </a:fld>
             <a:endParaRPr lang="en-US" dirty="0"/>
           </a:p>
@@ -5843,7 +6284,7 @@
             <a:fld id="{87DE6118-2437-4B30-8E3C-4D2BE6020583}" type="datetimeFigureOut">
               <a:rPr lang="en-US" dirty="0"/>
               <a:pPr/>
-              <a:t>9/19/2024</a:t>
+              <a:t>9/30/2024</a:t>
             </a:fld>
             <a:endParaRPr lang="en-US" dirty="0"/>
           </a:p>
@@ -6118,7 +6559,7 @@
             <a:fld id="{87DE6118-2437-4B30-8E3C-4D2BE6020583}" type="datetimeFigureOut">
               <a:rPr lang="en-US" dirty="0"/>
               <a:pPr/>
-              <a:t>9/19/2024</a:t>
+              <a:t>9/30/2024</a:t>
             </a:fld>
             <a:endParaRPr lang="en-US" dirty="0"/>
           </a:p>
@@ -6927,42 +7368,6 @@
           </a:prstGeom>
         </p:spPr>
       </p:pic>
-      <p:sp>
-        <p:nvSpPr>
-          <p:cNvPr id="4" name="CuadroTexto 3">
-            <a:hlinkClick r:id="rId4" action="ppaction://hlinkfile"/>
-            <a:extLst>
-              <a:ext uri="{FF2B5EF4-FFF2-40B4-BE49-F238E27FC236}">
-                <a16:creationId xmlns:a16="http://schemas.microsoft.com/office/drawing/2014/main" id="{E0818A03-8E7D-7766-6B82-A96599E77027}"/>
-              </a:ext>
-            </a:extLst>
-          </p:cNvPr>
-          <p:cNvSpPr txBox="1"/>
-          <p:nvPr/>
-        </p:nvSpPr>
-        <p:spPr>
-          <a:xfrm>
-            <a:off x="1786365" y="5694744"/>
-            <a:ext cx="849913" cy="369332"/>
-          </a:xfrm>
-          <a:prstGeom prst="rect">
-            <a:avLst/>
-          </a:prstGeom>
-          <a:noFill/>
-        </p:spPr>
-        <p:txBody>
-          <a:bodyPr wrap="none" rtlCol="0">
-            <a:spAutoFit/>
-          </a:bodyPr>
-          <a:lstStyle/>
-          <a:p>
-            <a:r>
-              <a:rPr lang="es-CO" dirty="0"/>
-              <a:t>Código</a:t>
-            </a:r>
-          </a:p>
-        </p:txBody>
-      </p:sp>
     </p:spTree>
     <p:extLst>
       <p:ext uri="{BB962C8B-B14F-4D97-AF65-F5344CB8AC3E}">
@@ -7016,20 +7421,279 @@
           <a:p>
             <a:r>
               <a:rPr lang="es-ES" dirty="0"/>
-              <a:t>Consultas utilizando </a:t>
+              <a:t>Consultas</a:t>
+            </a:r>
+            <a:endParaRPr lang="es-CO" dirty="0"/>
+          </a:p>
+        </p:txBody>
+      </p:sp>
+      <p:sp>
+        <p:nvSpPr>
+          <p:cNvPr id="5" name="Marcador de texto 2">
+            <a:extLst>
+              <a:ext uri="{FF2B5EF4-FFF2-40B4-BE49-F238E27FC236}">
+                <a16:creationId xmlns:a16="http://schemas.microsoft.com/office/drawing/2014/main" id="{0002FCF7-09C9-1999-2F6B-54AFC902A7DE}"/>
+              </a:ext>
+            </a:extLst>
+          </p:cNvPr>
+          <p:cNvSpPr txBox="1">
+            <a:spLocks/>
+          </p:cNvSpPr>
+          <p:nvPr/>
+        </p:nvSpPr>
+        <p:spPr>
+          <a:xfrm>
+            <a:off x="765025" y="5814264"/>
+            <a:ext cx="1990007" cy="550322"/>
+          </a:xfrm>
+          <a:prstGeom prst="rect">
+            <a:avLst/>
+          </a:prstGeom>
+        </p:spPr>
+        <p:txBody>
+          <a:bodyPr vert="horz" lIns="91440" tIns="45720" rIns="91440" bIns="45720" rtlCol="0">
+            <a:normAutofit fontScale="70000" lnSpcReduction="20000"/>
+          </a:bodyPr>
+          <a:lstStyle>
+            <a:lvl1pPr marL="0" indent="0" algn="r" defTabSz="914400" rtl="0" eaLnBrk="1" latinLnBrk="0" hangingPunct="1">
+              <a:lnSpc>
+                <a:spcPct val="112000"/>
+              </a:lnSpc>
+              <a:spcBef>
+                <a:spcPts val="0"/>
+              </a:spcBef>
+              <a:spcAft>
+                <a:spcPts val="0"/>
+              </a:spcAft>
+              <a:buFont typeface="Franklin Gothic Book" panose="020B0503020102020204" pitchFamily="34" charset="0"/>
+              <a:buNone/>
+              <a:defRPr sz="2400" kern="1200" baseline="0">
+                <a:solidFill>
+                  <a:schemeClr val="tx2"/>
+                </a:solidFill>
+                <a:latin typeface="+mn-lt"/>
+                <a:ea typeface="+mn-ea"/>
+                <a:cs typeface="+mn-cs"/>
+              </a:defRPr>
+            </a:lvl1pPr>
+            <a:lvl2pPr marL="457200" indent="0" algn="l" defTabSz="914400" rtl="0" eaLnBrk="1" latinLnBrk="0" hangingPunct="1">
+              <a:lnSpc>
+                <a:spcPct val="94000"/>
+              </a:lnSpc>
+              <a:spcBef>
+                <a:spcPts val="500"/>
+              </a:spcBef>
+              <a:spcAft>
+                <a:spcPts val="200"/>
+              </a:spcAft>
+              <a:buFont typeface="Franklin Gothic Book" panose="020B0503020102020204" pitchFamily="34" charset="0"/>
+              <a:buNone/>
+              <a:defRPr sz="2000" i="1" kern="1200" baseline="0">
+                <a:solidFill>
+                  <a:schemeClr val="tx1">
+                    <a:tint val="75000"/>
+                  </a:schemeClr>
+                </a:solidFill>
+                <a:latin typeface="+mn-lt"/>
+                <a:ea typeface="+mn-ea"/>
+                <a:cs typeface="+mn-cs"/>
+              </a:defRPr>
+            </a:lvl2pPr>
+            <a:lvl3pPr marL="914400" indent="0" algn="l" defTabSz="914400" rtl="0" eaLnBrk="1" latinLnBrk="0" hangingPunct="1">
+              <a:lnSpc>
+                <a:spcPct val="94000"/>
+              </a:lnSpc>
+              <a:spcBef>
+                <a:spcPts val="500"/>
+              </a:spcBef>
+              <a:spcAft>
+                <a:spcPts val="200"/>
+              </a:spcAft>
+              <a:buFont typeface="Franklin Gothic Book" panose="020B0503020102020204" pitchFamily="34" charset="0"/>
+              <a:buNone/>
+              <a:defRPr sz="1800" kern="1200" baseline="0">
+                <a:solidFill>
+                  <a:schemeClr val="tx1">
+                    <a:tint val="75000"/>
+                  </a:schemeClr>
+                </a:solidFill>
+                <a:latin typeface="+mn-lt"/>
+                <a:ea typeface="+mn-ea"/>
+                <a:cs typeface="+mn-cs"/>
+              </a:defRPr>
+            </a:lvl3pPr>
+            <a:lvl4pPr marL="1371600" indent="0" algn="l" defTabSz="914400" rtl="0" eaLnBrk="1" latinLnBrk="0" hangingPunct="1">
+              <a:lnSpc>
+                <a:spcPct val="94000"/>
+              </a:lnSpc>
+              <a:spcBef>
+                <a:spcPts val="500"/>
+              </a:spcBef>
+              <a:spcAft>
+                <a:spcPts val="200"/>
+              </a:spcAft>
+              <a:buFont typeface="Franklin Gothic Book" panose="020B0503020102020204" pitchFamily="34" charset="0"/>
+              <a:buNone/>
+              <a:defRPr sz="1600" i="1" kern="1200" baseline="0">
+                <a:solidFill>
+                  <a:schemeClr val="tx1">
+                    <a:tint val="75000"/>
+                  </a:schemeClr>
+                </a:solidFill>
+                <a:latin typeface="+mn-lt"/>
+                <a:ea typeface="+mn-ea"/>
+                <a:cs typeface="+mn-cs"/>
+              </a:defRPr>
+            </a:lvl4pPr>
+            <a:lvl5pPr marL="1828800" indent="0" algn="l" defTabSz="914400" rtl="0" eaLnBrk="1" latinLnBrk="0" hangingPunct="1">
+              <a:lnSpc>
+                <a:spcPct val="94000"/>
+              </a:lnSpc>
+              <a:spcBef>
+                <a:spcPts val="500"/>
+              </a:spcBef>
+              <a:spcAft>
+                <a:spcPts val="200"/>
+              </a:spcAft>
+              <a:buFont typeface="Franklin Gothic Book" panose="020B0503020102020204" pitchFamily="34" charset="0"/>
+              <a:buNone/>
+              <a:defRPr sz="1600" kern="1200" baseline="0">
+                <a:solidFill>
+                  <a:schemeClr val="tx1">
+                    <a:tint val="75000"/>
+                  </a:schemeClr>
+                </a:solidFill>
+                <a:latin typeface="+mn-lt"/>
+                <a:ea typeface="+mn-ea"/>
+                <a:cs typeface="+mn-cs"/>
+              </a:defRPr>
+            </a:lvl5pPr>
+            <a:lvl6pPr marL="2286000" indent="0" algn="l" defTabSz="914400" rtl="0" eaLnBrk="1" latinLnBrk="0" hangingPunct="1">
+              <a:lnSpc>
+                <a:spcPct val="94000"/>
+              </a:lnSpc>
+              <a:spcBef>
+                <a:spcPts val="500"/>
+              </a:spcBef>
+              <a:spcAft>
+                <a:spcPts val="200"/>
+              </a:spcAft>
+              <a:buFont typeface="Franklin Gothic Book" panose="020B0503020102020204" pitchFamily="34" charset="0"/>
+              <a:buNone/>
+              <a:defRPr sz="1600" i="1" kern="1200" baseline="0">
+                <a:solidFill>
+                  <a:schemeClr val="tx1">
+                    <a:tint val="75000"/>
+                  </a:schemeClr>
+                </a:solidFill>
+                <a:latin typeface="+mn-lt"/>
+                <a:ea typeface="+mn-ea"/>
+                <a:cs typeface="+mn-cs"/>
+              </a:defRPr>
+            </a:lvl6pPr>
+            <a:lvl7pPr marL="2743200" indent="0" algn="l" defTabSz="914400" rtl="0" eaLnBrk="1" latinLnBrk="0" hangingPunct="1">
+              <a:lnSpc>
+                <a:spcPct val="94000"/>
+              </a:lnSpc>
+              <a:spcBef>
+                <a:spcPts val="500"/>
+              </a:spcBef>
+              <a:spcAft>
+                <a:spcPts val="200"/>
+              </a:spcAft>
+              <a:buFont typeface="Franklin Gothic Book" panose="020B0503020102020204" pitchFamily="34" charset="0"/>
+              <a:buNone/>
+              <a:defRPr sz="1600" kern="1200" baseline="0">
+                <a:solidFill>
+                  <a:schemeClr val="tx1">
+                    <a:tint val="75000"/>
+                  </a:schemeClr>
+                </a:solidFill>
+                <a:latin typeface="+mn-lt"/>
+                <a:ea typeface="+mn-ea"/>
+                <a:cs typeface="+mn-cs"/>
+              </a:defRPr>
+            </a:lvl7pPr>
+            <a:lvl8pPr marL="3200400" indent="0" algn="l" defTabSz="914400" rtl="0" eaLnBrk="1" latinLnBrk="0" hangingPunct="1">
+              <a:lnSpc>
+                <a:spcPct val="94000"/>
+              </a:lnSpc>
+              <a:spcBef>
+                <a:spcPts val="500"/>
+              </a:spcBef>
+              <a:spcAft>
+                <a:spcPts val="200"/>
+              </a:spcAft>
+              <a:buFont typeface="Franklin Gothic Book" panose="020B0503020102020204" pitchFamily="34" charset="0"/>
+              <a:buNone/>
+              <a:defRPr sz="1600" i="1" kern="1200" baseline="0">
+                <a:solidFill>
+                  <a:schemeClr val="tx1">
+                    <a:tint val="75000"/>
+                  </a:schemeClr>
+                </a:solidFill>
+                <a:latin typeface="+mn-lt"/>
+                <a:ea typeface="+mn-ea"/>
+                <a:cs typeface="+mn-cs"/>
+              </a:defRPr>
+            </a:lvl8pPr>
+            <a:lvl9pPr marL="3657600" indent="0" algn="l" defTabSz="914400" rtl="0" eaLnBrk="1" latinLnBrk="0" hangingPunct="1">
+              <a:lnSpc>
+                <a:spcPct val="94000"/>
+              </a:lnSpc>
+              <a:spcBef>
+                <a:spcPts val="500"/>
+              </a:spcBef>
+              <a:spcAft>
+                <a:spcPts val="200"/>
+              </a:spcAft>
+              <a:buFont typeface="Franklin Gothic Book" panose="020B0503020102020204" pitchFamily="34" charset="0"/>
+              <a:buNone/>
+              <a:defRPr sz="1600" kern="1200" baseline="0">
+                <a:solidFill>
+                  <a:schemeClr val="tx1">
+                    <a:tint val="75000"/>
+                  </a:schemeClr>
+                </a:solidFill>
+                <a:latin typeface="+mn-lt"/>
+                <a:ea typeface="+mn-ea"/>
+                <a:cs typeface="+mn-cs"/>
+              </a:defRPr>
+            </a:lvl9pPr>
+          </a:lstStyle>
+          <a:p>
+            <a:r>
+              <a:rPr lang="es-ES" sz="2300" dirty="0">
+                <a:hlinkClick r:id="rId2" action="ppaction://hlinkfile"/>
+              </a:rPr>
+              <a:t>Consultas con </a:t>
             </a:r>
             <a:r>
-              <a:rPr lang="es-ES" dirty="0" err="1"/>
-              <a:t>join</a:t>
+              <a:rPr lang="es-ES" sz="2300" dirty="0" err="1">
+                <a:hlinkClick r:id="rId2" action="ppaction://hlinkfile"/>
+              </a:rPr>
+              <a:t>joins</a:t>
             </a:r>
-            <a:endParaRPr lang="es-CO" dirty="0"/>
+            <a:r>
+              <a:rPr lang="es-ES" sz="2300" dirty="0">
+                <a:hlinkClick r:id="rId2" action="ppaction://hlinkfile"/>
+              </a:rPr>
+              <a:t> y </a:t>
+            </a:r>
+            <a:r>
+              <a:rPr lang="es-ES" sz="2300">
+                <a:hlinkClick r:id="rId2" action="ppaction://hlinkfile"/>
+              </a:rPr>
+              <a:t>anidadas.sql</a:t>
+            </a:r>
+            <a:endParaRPr lang="es-CO" sz="2300" dirty="0"/>
           </a:p>
         </p:txBody>
       </p:sp>
     </p:spTree>
     <p:extLst>
       <p:ext uri="{BB962C8B-B14F-4D97-AF65-F5344CB8AC3E}">
-        <p14:creationId xmlns:p14="http://schemas.microsoft.com/office/powerpoint/2010/main" val="4189218775"/>
+        <p14:creationId xmlns:p14="http://schemas.microsoft.com/office/powerpoint/2010/main" val="2598889389"/>
       </p:ext>
     </p:extLst>
   </p:cSld>
@@ -7056,70 +7720,46 @@
           <a:chExt cx="0" cy="0"/>
         </a:xfrm>
       </p:grpSpPr>
-      <p:pic>
-        <p:nvPicPr>
-          <p:cNvPr id="3" name="Imagen 2">
+      <p:sp>
+        <p:nvSpPr>
+          <p:cNvPr id="2" name="Título 1">
             <a:extLst>
               <a:ext uri="{FF2B5EF4-FFF2-40B4-BE49-F238E27FC236}">
-                <a16:creationId xmlns:a16="http://schemas.microsoft.com/office/drawing/2014/main" id="{979C1E67-B510-B830-19D7-FFAE9A801F34}"/>
+                <a16:creationId xmlns:a16="http://schemas.microsoft.com/office/drawing/2014/main" id="{52D06908-095A-DE63-C815-AF4145F8F013}"/>
               </a:ext>
             </a:extLst>
           </p:cNvPr>
-          <p:cNvPicPr>
-            <a:picLocks noChangeAspect="1"/>
-          </p:cNvPicPr>
-          <p:nvPr/>
-        </p:nvPicPr>
-        <p:blipFill>
-          <a:blip r:embed="rId2"/>
-          <a:stretch>
-            <a:fillRect/>
-          </a:stretch>
-        </p:blipFill>
-        <p:spPr>
-          <a:xfrm>
-            <a:off x="830454" y="1022168"/>
-            <a:ext cx="11213064" cy="2358675"/>
-          </a:xfrm>
-          <a:prstGeom prst="rect">
-            <a:avLst/>
-          </a:prstGeom>
-        </p:spPr>
-      </p:pic>
-      <p:pic>
-        <p:nvPicPr>
-          <p:cNvPr id="7" name="Imagen 6">
-            <a:extLst>
-              <a:ext uri="{FF2B5EF4-FFF2-40B4-BE49-F238E27FC236}">
-                <a16:creationId xmlns:a16="http://schemas.microsoft.com/office/drawing/2014/main" id="{9A2E05B1-B70E-2510-7A4E-F274786943E6}"/>
-              </a:ext>
-            </a:extLst>
-          </p:cNvPr>
-          <p:cNvPicPr>
-            <a:picLocks noChangeAspect="1"/>
-          </p:cNvPicPr>
-          <p:nvPr/>
-        </p:nvPicPr>
-        <p:blipFill>
-          <a:blip r:embed="rId3"/>
-          <a:stretch>
-            <a:fillRect/>
-          </a:stretch>
-        </p:blipFill>
-        <p:spPr>
-          <a:xfrm>
-            <a:off x="3261478" y="4083947"/>
-            <a:ext cx="5669043" cy="1703728"/>
-          </a:xfrm>
-          <a:prstGeom prst="rect">
-            <a:avLst/>
-          </a:prstGeom>
-        </p:spPr>
-      </p:pic>
+          <p:cNvSpPr>
+            <a:spLocks noGrp="1"/>
+          </p:cNvSpPr>
+          <p:nvPr>
+            <p:ph type="title"/>
+          </p:nvPr>
+        </p:nvSpPr>
+        <p:spPr/>
+        <p:txBody>
+          <a:bodyPr/>
+          <a:lstStyle/>
+          <a:p>
+            <a:r>
+              <a:rPr lang="es-ES" dirty="0"/>
+              <a:t>Consulta</a:t>
+            </a:r>
+            <a:br>
+              <a:rPr lang="es-ES" dirty="0"/>
+            </a:br>
+            <a:r>
+              <a:rPr lang="es-ES" dirty="0"/>
+              <a:t>utilizando  INNER</a:t>
+            </a:r>
+            <a:endParaRPr lang="es-CO" dirty="0"/>
+          </a:p>
+        </p:txBody>
+      </p:sp>
     </p:spTree>
     <p:extLst>
       <p:ext uri="{BB962C8B-B14F-4D97-AF65-F5344CB8AC3E}">
-        <p14:creationId xmlns:p14="http://schemas.microsoft.com/office/powerpoint/2010/main" val="707603146"/>
+        <p14:creationId xmlns:p14="http://schemas.microsoft.com/office/powerpoint/2010/main" val="3375670226"/>
       </p:ext>
     </p:extLst>
   </p:cSld>
@@ -7146,62 +7786,12 @@
           <a:chExt cx="0" cy="0"/>
         </a:xfrm>
       </p:grpSpPr>
-      <p:sp>
-        <p:nvSpPr>
-          <p:cNvPr id="2" name="Título 1">
+      <p:pic>
+        <p:nvPicPr>
+          <p:cNvPr id="3" name="Imagen 2">
             <a:extLst>
               <a:ext uri="{FF2B5EF4-FFF2-40B4-BE49-F238E27FC236}">
-                <a16:creationId xmlns:a16="http://schemas.microsoft.com/office/drawing/2014/main" id="{1E7CBB7E-C724-F85F-2720-9EDD2C27F212}"/>
-              </a:ext>
-            </a:extLst>
-          </p:cNvPr>
-          <p:cNvSpPr>
-            <a:spLocks noGrp="1"/>
-          </p:cNvSpPr>
-          <p:nvPr>
-            <p:ph type="title"/>
-          </p:nvPr>
-        </p:nvSpPr>
-        <p:spPr/>
-        <p:txBody>
-          <a:bodyPr/>
-          <a:lstStyle/>
-          <a:p>
-            <a:endParaRPr lang="es-CO"/>
-          </a:p>
-        </p:txBody>
-      </p:sp>
-      <p:sp>
-        <p:nvSpPr>
-          <p:cNvPr id="3" name="Marcador de contenido 2">
-            <a:extLst>
-              <a:ext uri="{FF2B5EF4-FFF2-40B4-BE49-F238E27FC236}">
-                <a16:creationId xmlns:a16="http://schemas.microsoft.com/office/drawing/2014/main" id="{F4E13334-7E9F-CDF5-48BE-13D7E5380548}"/>
-              </a:ext>
-            </a:extLst>
-          </p:cNvPr>
-          <p:cNvSpPr>
-            <a:spLocks noGrp="1"/>
-          </p:cNvSpPr>
-          <p:nvPr>
-            <p:ph idx="1"/>
-          </p:nvPr>
-        </p:nvSpPr>
-        <p:spPr/>
-        <p:txBody>
-          <a:bodyPr/>
-          <a:lstStyle/>
-          <a:p>
-            <a:endParaRPr lang="es-CO"/>
-          </a:p>
-        </p:txBody>
-      </p:sp>
-      <p:pic>
-        <p:nvPicPr>
-          <p:cNvPr id="4" name="Imagen 3">
-            <a:extLst>
-              <a:ext uri="{FF2B5EF4-FFF2-40B4-BE49-F238E27FC236}">
-                <a16:creationId xmlns:a16="http://schemas.microsoft.com/office/drawing/2014/main" id="{A503EA9B-0468-549F-A3C6-D9D200A8F721}"/>
+                <a16:creationId xmlns:a16="http://schemas.microsoft.com/office/drawing/2014/main" id="{7CA48C72-6F23-6301-8A32-7394F2ED048D}"/>
               </a:ext>
             </a:extLst>
           </p:cNvPr>
@@ -7218,8 +7808,8 @@
         </p:blipFill>
         <p:spPr>
           <a:xfrm>
-            <a:off x="1219200" y="1428750"/>
-            <a:ext cx="10604117" cy="2383972"/>
+            <a:off x="2479548" y="4055173"/>
+            <a:ext cx="7702892" cy="827723"/>
           </a:xfrm>
           <a:prstGeom prst="rect">
             <a:avLst/>
@@ -7228,10 +7818,10 @@
       </p:pic>
       <p:pic>
         <p:nvPicPr>
-          <p:cNvPr id="5" name="Imagen 4">
+          <p:cNvPr id="6" name="Imagen 5" descr="Interfaz de usuario gráfica, Texto, Aplicación&#10;&#10;Descripción generada automáticamente">
             <a:extLst>
               <a:ext uri="{FF2B5EF4-FFF2-40B4-BE49-F238E27FC236}">
-                <a16:creationId xmlns:a16="http://schemas.microsoft.com/office/drawing/2014/main" id="{4591A21A-8ACE-FF03-46F4-0EC29D0CC5F2}"/>
+                <a16:creationId xmlns:a16="http://schemas.microsoft.com/office/drawing/2014/main" id="{C845629D-40F8-2B9B-EF1E-A86A232BEC16}"/>
               </a:ext>
             </a:extLst>
           </p:cNvPr>
@@ -7248,8 +7838,8 @@
         </p:blipFill>
         <p:spPr>
           <a:xfrm>
-            <a:off x="1219200" y="4098408"/>
-            <a:ext cx="10604116" cy="1768992"/>
+            <a:off x="942985" y="1225296"/>
+            <a:ext cx="10776018" cy="2036022"/>
           </a:xfrm>
           <a:prstGeom prst="rect">
             <a:avLst/>
@@ -7259,7 +7849,7 @@
     </p:spTree>
     <p:extLst>
       <p:ext uri="{BB962C8B-B14F-4D97-AF65-F5344CB8AC3E}">
-        <p14:creationId xmlns:p14="http://schemas.microsoft.com/office/powerpoint/2010/main" val="3209254144"/>
+        <p14:creationId xmlns:p14="http://schemas.microsoft.com/office/powerpoint/2010/main" val="4154297674"/>
       </p:ext>
     </p:extLst>
   </p:cSld>
@@ -7286,70 +7876,60 @@
           <a:chExt cx="0" cy="0"/>
         </a:xfrm>
       </p:grpSpPr>
-      <p:pic>
-        <p:nvPicPr>
-          <p:cNvPr id="6" name="Imagen 5">
+      <p:sp>
+        <p:nvSpPr>
+          <p:cNvPr id="2" name="Título 1">
             <a:extLst>
               <a:ext uri="{FF2B5EF4-FFF2-40B4-BE49-F238E27FC236}">
-                <a16:creationId xmlns:a16="http://schemas.microsoft.com/office/drawing/2014/main" id="{63903BE0-5CD8-A423-E2F0-E18511CF21BA}"/>
+                <a16:creationId xmlns:a16="http://schemas.microsoft.com/office/drawing/2014/main" id="{52D06908-095A-DE63-C815-AF4145F8F013}"/>
               </a:ext>
             </a:extLst>
           </p:cNvPr>
-          <p:cNvPicPr>
-            <a:picLocks noChangeAspect="1"/>
-          </p:cNvPicPr>
-          <p:nvPr/>
-        </p:nvPicPr>
-        <p:blipFill>
-          <a:blip r:embed="rId2"/>
-          <a:stretch>
-            <a:fillRect/>
-          </a:stretch>
-        </p:blipFill>
-        <p:spPr>
-          <a:xfrm>
-            <a:off x="1512528" y="1395364"/>
-            <a:ext cx="10254054" cy="2481947"/>
-          </a:xfrm>
-          <a:prstGeom prst="rect">
-            <a:avLst/>
-          </a:prstGeom>
-        </p:spPr>
-      </p:pic>
-      <p:pic>
-        <p:nvPicPr>
-          <p:cNvPr id="8" name="Imagen 7">
-            <a:extLst>
-              <a:ext uri="{FF2B5EF4-FFF2-40B4-BE49-F238E27FC236}">
-                <a16:creationId xmlns:a16="http://schemas.microsoft.com/office/drawing/2014/main" id="{A64DA523-875D-166B-B4A8-E71D78607A71}"/>
-              </a:ext>
-            </a:extLst>
-          </p:cNvPr>
-          <p:cNvPicPr>
-            <a:picLocks noChangeAspect="1"/>
-          </p:cNvPicPr>
-          <p:nvPr/>
-        </p:nvPicPr>
-        <p:blipFill>
-          <a:blip r:embed="rId3"/>
-          <a:stretch>
-            <a:fillRect/>
-          </a:stretch>
-        </p:blipFill>
-        <p:spPr>
-          <a:xfrm>
-            <a:off x="1512528" y="4167047"/>
-            <a:ext cx="10000581" cy="2255521"/>
-          </a:xfrm>
-          <a:prstGeom prst="rect">
-            <a:avLst/>
-          </a:prstGeom>
-        </p:spPr>
-      </p:pic>
+          <p:cNvSpPr>
+            <a:spLocks noGrp="1"/>
+          </p:cNvSpPr>
+          <p:nvPr>
+            <p:ph type="title"/>
+          </p:nvPr>
+        </p:nvSpPr>
+        <p:spPr/>
+        <p:txBody>
+          <a:bodyPr>
+            <a:normAutofit fontScale="90000"/>
+          </a:bodyPr>
+          <a:lstStyle/>
+          <a:p>
+            <a:r>
+              <a:rPr lang="es-ES" dirty="0"/>
+              <a:t>Consultas</a:t>
+            </a:r>
+            <a:br>
+              <a:rPr lang="es-ES" dirty="0"/>
+            </a:br>
+            <a:r>
+              <a:rPr lang="es-ES" dirty="0"/>
+              <a:t>utilizando  </a:t>
+            </a:r>
+            <a:r>
+              <a:rPr lang="es-ES" dirty="0" err="1"/>
+              <a:t>Left</a:t>
+            </a:r>
+            <a:r>
+              <a:rPr lang="es-ES" dirty="0"/>
+              <a:t> y </a:t>
+            </a:r>
+            <a:r>
+              <a:rPr lang="es-ES" dirty="0" err="1"/>
+              <a:t>right</a:t>
+            </a:r>
+            <a:endParaRPr lang="es-CO" dirty="0"/>
+          </a:p>
+        </p:txBody>
+      </p:sp>
     </p:spTree>
     <p:extLst>
       <p:ext uri="{BB962C8B-B14F-4D97-AF65-F5344CB8AC3E}">
-        <p14:creationId xmlns:p14="http://schemas.microsoft.com/office/powerpoint/2010/main" val="2415108731"/>
+        <p14:creationId xmlns:p14="http://schemas.microsoft.com/office/powerpoint/2010/main" val="2575400537"/>
       </p:ext>
     </p:extLst>
   </p:cSld>
@@ -7378,10 +7958,10 @@
       </p:grpSpPr>
       <p:pic>
         <p:nvPicPr>
-          <p:cNvPr id="2" name="Imagen 1">
+          <p:cNvPr id="3" name="Imagen 2" descr="Interfaz de usuario gráfica, Texto, Aplicación&#10;&#10;Descripción generada automáticamente">
             <a:extLst>
               <a:ext uri="{FF2B5EF4-FFF2-40B4-BE49-F238E27FC236}">
-                <a16:creationId xmlns:a16="http://schemas.microsoft.com/office/drawing/2014/main" id="{9D0100DA-CA9B-847E-8267-CBA48270989B}"/>
+                <a16:creationId xmlns:a16="http://schemas.microsoft.com/office/drawing/2014/main" id="{710FF2C5-727F-88CD-EE53-B19AF58E3A01}"/>
               </a:ext>
             </a:extLst>
           </p:cNvPr>
@@ -7398,8 +7978,8 @@
         </p:blipFill>
         <p:spPr>
           <a:xfrm>
-            <a:off x="927463" y="1070325"/>
-            <a:ext cx="11213064" cy="2358675"/>
+            <a:off x="1322937" y="844246"/>
+            <a:ext cx="10278843" cy="2145841"/>
           </a:xfrm>
           <a:prstGeom prst="rect">
             <a:avLst/>
@@ -7408,10 +7988,10 @@
       </p:pic>
       <p:pic>
         <p:nvPicPr>
-          <p:cNvPr id="3" name="Imagen 2">
+          <p:cNvPr id="6" name="Imagen 5" descr="Tabla&#10;&#10;Descripción generada automáticamente">
             <a:extLst>
               <a:ext uri="{FF2B5EF4-FFF2-40B4-BE49-F238E27FC236}">
-                <a16:creationId xmlns:a16="http://schemas.microsoft.com/office/drawing/2014/main" id="{43CE0ED0-72A3-3058-4201-5148BFD53A7B}"/>
+                <a16:creationId xmlns:a16="http://schemas.microsoft.com/office/drawing/2014/main" id="{452165EC-5FD9-F6FF-FF29-A962DBC9A426}"/>
               </a:ext>
             </a:extLst>
           </p:cNvPr>
@@ -7428,54 +8008,18 @@
         </p:blipFill>
         <p:spPr>
           <a:xfrm>
-            <a:off x="3261478" y="4083947"/>
-            <a:ext cx="5669043" cy="1703728"/>
+            <a:off x="3575740" y="3784953"/>
+            <a:ext cx="5040519" cy="2228801"/>
           </a:xfrm>
           <a:prstGeom prst="rect">
             <a:avLst/>
           </a:prstGeom>
         </p:spPr>
       </p:pic>
-      <p:sp>
-        <p:nvSpPr>
-          <p:cNvPr id="4" name="CuadroTexto 3">
-            <a:hlinkClick r:id="rId4" action="ppaction://hlinkfile"/>
-            <a:extLst>
-              <a:ext uri="{FF2B5EF4-FFF2-40B4-BE49-F238E27FC236}">
-                <a16:creationId xmlns:a16="http://schemas.microsoft.com/office/drawing/2014/main" id="{94B4FC40-C165-F064-3EE9-710CF90D4450}"/>
-              </a:ext>
-            </a:extLst>
-          </p:cNvPr>
-          <p:cNvSpPr txBox="1"/>
-          <p:nvPr/>
-        </p:nvSpPr>
-        <p:spPr>
-          <a:xfrm>
-            <a:off x="4525701" y="6270924"/>
-            <a:ext cx="1596912" cy="369332"/>
-          </a:xfrm>
-          <a:prstGeom prst="rect">
-            <a:avLst/>
-          </a:prstGeom>
-          <a:noFill/>
-        </p:spPr>
-        <p:txBody>
-          <a:bodyPr wrap="none" rtlCol="0">
-            <a:spAutoFit/>
-          </a:bodyPr>
-          <a:lstStyle/>
-          <a:p>
-            <a:r>
-              <a:rPr lang="es-CO" dirty="0"/>
-              <a:t>Más consultas</a:t>
-            </a:r>
-          </a:p>
-        </p:txBody>
-      </p:sp>
     </p:spTree>
     <p:extLst>
       <p:ext uri="{BB962C8B-B14F-4D97-AF65-F5344CB8AC3E}">
-        <p14:creationId xmlns:p14="http://schemas.microsoft.com/office/powerpoint/2010/main" val="792652231"/>
+        <p14:creationId xmlns:p14="http://schemas.microsoft.com/office/powerpoint/2010/main" val="3789617462"/>
       </p:ext>
     </p:extLst>
   </p:cSld>
@@ -7486,6 +8030,95 @@
 </file>
 
 <file path=ppt/slides/slide17.xml><?xml version="1.0" encoding="utf-8"?>
+<p:sld xmlns:a="http://schemas.openxmlformats.org/drawingml/2006/main" xmlns:r="http://schemas.openxmlformats.org/officeDocument/2006/relationships" xmlns:p="http://schemas.openxmlformats.org/presentationml/2006/main">
+  <p:cSld>
+    <p:spTree>
+      <p:nvGrpSpPr>
+        <p:cNvPr id="1" name=""/>
+        <p:cNvGrpSpPr/>
+        <p:nvPr/>
+      </p:nvGrpSpPr>
+      <p:grpSpPr>
+        <a:xfrm>
+          <a:off x="0" y="0"/>
+          <a:ext cx="0" cy="0"/>
+          <a:chOff x="0" y="0"/>
+          <a:chExt cx="0" cy="0"/>
+        </a:xfrm>
+      </p:grpSpPr>
+      <p:pic>
+        <p:nvPicPr>
+          <p:cNvPr id="5" name="Marcador de contenido 4" descr="Interfaz de usuario gráfica, Texto, Aplicación&#10;&#10;Descripción generada automáticamente">
+            <a:extLst>
+              <a:ext uri="{FF2B5EF4-FFF2-40B4-BE49-F238E27FC236}">
+                <a16:creationId xmlns:a16="http://schemas.microsoft.com/office/drawing/2014/main" id="{70ED5C4D-1576-D1D8-D0CE-21F4992AF3A0}"/>
+              </a:ext>
+            </a:extLst>
+          </p:cNvPr>
+          <p:cNvPicPr>
+            <a:picLocks noGrp="1" noChangeAspect="1"/>
+          </p:cNvPicPr>
+          <p:nvPr>
+            <p:ph idx="1"/>
+          </p:nvPr>
+        </p:nvPicPr>
+        <p:blipFill>
+          <a:blip r:embed="rId2"/>
+          <a:stretch>
+            <a:fillRect/>
+          </a:stretch>
+        </p:blipFill>
+        <p:spPr>
+          <a:xfrm>
+            <a:off x="1653372" y="942974"/>
+            <a:ext cx="8885256" cy="2875488"/>
+          </a:xfrm>
+        </p:spPr>
+      </p:pic>
+      <p:pic>
+        <p:nvPicPr>
+          <p:cNvPr id="7" name="Imagen 6" descr="Interfaz de usuario gráfica, Aplicación&#10;&#10;Descripción generada automáticamente">
+            <a:extLst>
+              <a:ext uri="{FF2B5EF4-FFF2-40B4-BE49-F238E27FC236}">
+                <a16:creationId xmlns:a16="http://schemas.microsoft.com/office/drawing/2014/main" id="{36BAE849-E939-BB4F-3ABE-739AB3930513}"/>
+              </a:ext>
+            </a:extLst>
+          </p:cNvPr>
+          <p:cNvPicPr>
+            <a:picLocks noChangeAspect="1"/>
+          </p:cNvPicPr>
+          <p:nvPr/>
+        </p:nvPicPr>
+        <p:blipFill>
+          <a:blip r:embed="rId3"/>
+          <a:stretch>
+            <a:fillRect/>
+          </a:stretch>
+        </p:blipFill>
+        <p:spPr>
+          <a:xfrm>
+            <a:off x="2270348" y="4544568"/>
+            <a:ext cx="7651304" cy="1179576"/>
+          </a:xfrm>
+          <a:prstGeom prst="rect">
+            <a:avLst/>
+          </a:prstGeom>
+        </p:spPr>
+      </p:pic>
+    </p:spTree>
+    <p:extLst>
+      <p:ext uri="{BB962C8B-B14F-4D97-AF65-F5344CB8AC3E}">
+        <p14:creationId xmlns:p14="http://schemas.microsoft.com/office/powerpoint/2010/main" val="1354617435"/>
+      </p:ext>
+    </p:extLst>
+  </p:cSld>
+  <p:clrMapOvr>
+    <a:masterClrMapping/>
+  </p:clrMapOvr>
+</p:sld>
+</file>
+
+<file path=ppt/slides/slide18.xml><?xml version="1.0" encoding="utf-8"?>
 <p:sld xmlns:a="http://schemas.openxmlformats.org/drawingml/2006/main" xmlns:r="http://schemas.openxmlformats.org/officeDocument/2006/relationships" xmlns:p="http://schemas.openxmlformats.org/presentationml/2006/main">
   <p:cSld>
     <p:spTree>
@@ -7569,96 +8202,6 @@
 </p:sld>
 </file>
 
-<file path=ppt/slides/slide18.xml><?xml version="1.0" encoding="utf-8"?>
-<p:sld xmlns:a="http://schemas.openxmlformats.org/drawingml/2006/main" xmlns:r="http://schemas.openxmlformats.org/officeDocument/2006/relationships" xmlns:p="http://schemas.openxmlformats.org/presentationml/2006/main">
-  <p:cSld>
-    <p:spTree>
-      <p:nvGrpSpPr>
-        <p:cNvPr id="1" name=""/>
-        <p:cNvGrpSpPr/>
-        <p:nvPr/>
-      </p:nvGrpSpPr>
-      <p:grpSpPr>
-        <a:xfrm>
-          <a:off x="0" y="0"/>
-          <a:ext cx="0" cy="0"/>
-          <a:chOff x="0" y="0"/>
-          <a:chExt cx="0" cy="0"/>
-        </a:xfrm>
-      </p:grpSpPr>
-      <p:pic>
-        <p:nvPicPr>
-          <p:cNvPr id="6" name="Imagen 5">
-            <a:extLst>
-              <a:ext uri="{FF2B5EF4-FFF2-40B4-BE49-F238E27FC236}">
-                <a16:creationId xmlns:a16="http://schemas.microsoft.com/office/drawing/2014/main" id="{C8D90FAB-400D-60B0-DBB9-1529ECB8D6E1}"/>
-              </a:ext>
-            </a:extLst>
-          </p:cNvPr>
-          <p:cNvPicPr>
-            <a:picLocks noChangeAspect="1"/>
-          </p:cNvPicPr>
-          <p:nvPr/>
-        </p:nvPicPr>
-        <p:blipFill>
-          <a:blip r:embed="rId2"/>
-          <a:stretch>
-            <a:fillRect/>
-          </a:stretch>
-        </p:blipFill>
-        <p:spPr>
-          <a:xfrm>
-            <a:off x="755030" y="1325454"/>
-            <a:ext cx="11259492" cy="1727356"/>
-          </a:xfrm>
-          <a:prstGeom prst="rect">
-            <a:avLst/>
-          </a:prstGeom>
-        </p:spPr>
-      </p:pic>
-      <p:pic>
-        <p:nvPicPr>
-          <p:cNvPr id="8" name="Imagen 7">
-            <a:extLst>
-              <a:ext uri="{FF2B5EF4-FFF2-40B4-BE49-F238E27FC236}">
-                <a16:creationId xmlns:a16="http://schemas.microsoft.com/office/drawing/2014/main" id="{B3A7B8CA-C30A-DA68-DAEE-619893E4B719}"/>
-              </a:ext>
-            </a:extLst>
-          </p:cNvPr>
-          <p:cNvPicPr>
-            <a:picLocks noChangeAspect="1"/>
-          </p:cNvPicPr>
-          <p:nvPr/>
-        </p:nvPicPr>
-        <p:blipFill>
-          <a:blip r:embed="rId3"/>
-          <a:stretch>
-            <a:fillRect/>
-          </a:stretch>
-        </p:blipFill>
-        <p:spPr>
-          <a:xfrm>
-            <a:off x="2875169" y="3805190"/>
-            <a:ext cx="6257255" cy="2109386"/>
-          </a:xfrm>
-          <a:prstGeom prst="rect">
-            <a:avLst/>
-          </a:prstGeom>
-        </p:spPr>
-      </p:pic>
-    </p:spTree>
-    <p:extLst>
-      <p:ext uri="{BB962C8B-B14F-4D97-AF65-F5344CB8AC3E}">
-        <p14:creationId xmlns:p14="http://schemas.microsoft.com/office/powerpoint/2010/main" val="946784378"/>
-      </p:ext>
-    </p:extLst>
-  </p:cSld>
-  <p:clrMapOvr>
-    <a:masterClrMapping/>
-  </p:clrMapOvr>
-</p:sld>
-</file>
-
 <file path=ppt/slides/slide19.xml><?xml version="1.0" encoding="utf-8"?>
 <p:sld xmlns:a="http://schemas.openxmlformats.org/drawingml/2006/main" xmlns:r="http://schemas.openxmlformats.org/officeDocument/2006/relationships" xmlns:p="http://schemas.openxmlformats.org/presentationml/2006/main">
   <p:cSld>
@@ -7678,10 +8221,10 @@
       </p:grpSpPr>
       <p:pic>
         <p:nvPicPr>
-          <p:cNvPr id="9" name="Imagen 8">
+          <p:cNvPr id="7" name="Imagen 6">
             <a:extLst>
               <a:ext uri="{FF2B5EF4-FFF2-40B4-BE49-F238E27FC236}">
-                <a16:creationId xmlns:a16="http://schemas.microsoft.com/office/drawing/2014/main" id="{19152322-A648-42B3-F4B2-9C2F1A5ED598}"/>
+                <a16:creationId xmlns:a16="http://schemas.microsoft.com/office/drawing/2014/main" id="{0DE5A4E2-6286-0FCA-A95F-02DA69EB5EAB}"/>
               </a:ext>
             </a:extLst>
           </p:cNvPr>
@@ -7698,8 +8241,8 @@
         </p:blipFill>
         <p:spPr>
           <a:xfrm>
-            <a:off x="1494782" y="1171260"/>
-            <a:ext cx="9202434" cy="2257740"/>
+            <a:off x="1147715" y="4416552"/>
+            <a:ext cx="10492604" cy="876703"/>
           </a:xfrm>
           <a:prstGeom prst="rect">
             <a:avLst/>
@@ -7708,10 +8251,10 @@
       </p:pic>
       <p:pic>
         <p:nvPicPr>
-          <p:cNvPr id="11" name="Imagen 10">
+          <p:cNvPr id="9" name="Imagen 8" descr="Interfaz de usuario gráfica, Texto, Aplicación, Correo electrónico&#10;&#10;Descripción generada automáticamente">
             <a:extLst>
               <a:ext uri="{FF2B5EF4-FFF2-40B4-BE49-F238E27FC236}">
-                <a16:creationId xmlns:a16="http://schemas.microsoft.com/office/drawing/2014/main" id="{EC3128D2-FD59-FEEF-C5E3-455D1632DC32}"/>
+                <a16:creationId xmlns:a16="http://schemas.microsoft.com/office/drawing/2014/main" id="{BDD9F478-BC6F-7272-ADC2-E915787CAFD5}"/>
               </a:ext>
             </a:extLst>
           </p:cNvPr>
@@ -7728,54 +8271,18 @@
         </p:blipFill>
         <p:spPr>
           <a:xfrm>
-            <a:off x="1898419" y="3813425"/>
-            <a:ext cx="8395161" cy="2257740"/>
+            <a:off x="1147715" y="1149558"/>
+            <a:ext cx="10291233" cy="2414294"/>
           </a:xfrm>
           <a:prstGeom prst="rect">
             <a:avLst/>
           </a:prstGeom>
         </p:spPr>
       </p:pic>
-      <p:sp>
-        <p:nvSpPr>
-          <p:cNvPr id="6" name="CuadroTexto 5">
-            <a:hlinkClick r:id="rId4" action="ppaction://hlinkfile"/>
-            <a:extLst>
-              <a:ext uri="{FF2B5EF4-FFF2-40B4-BE49-F238E27FC236}">
-                <a16:creationId xmlns:a16="http://schemas.microsoft.com/office/drawing/2014/main" id="{0FFF3F77-DFDF-5471-EFD2-84295EC68C19}"/>
-              </a:ext>
-            </a:extLst>
-          </p:cNvPr>
-          <p:cNvSpPr txBox="1"/>
-          <p:nvPr/>
-        </p:nvSpPr>
-        <p:spPr>
-          <a:xfrm>
-            <a:off x="4525701" y="6270924"/>
-            <a:ext cx="1596912" cy="369332"/>
-          </a:xfrm>
-          <a:prstGeom prst="rect">
-            <a:avLst/>
-          </a:prstGeom>
-          <a:noFill/>
-        </p:spPr>
-        <p:txBody>
-          <a:bodyPr wrap="none" rtlCol="0">
-            <a:spAutoFit/>
-          </a:bodyPr>
-          <a:lstStyle/>
-          <a:p>
-            <a:r>
-              <a:rPr lang="es-CO" dirty="0"/>
-              <a:t>Más consultas</a:t>
-            </a:r>
-          </a:p>
-        </p:txBody>
-      </p:sp>
     </p:spTree>
     <p:extLst>
       <p:ext uri="{BB962C8B-B14F-4D97-AF65-F5344CB8AC3E}">
-        <p14:creationId xmlns:p14="http://schemas.microsoft.com/office/powerpoint/2010/main" val="4144071539"/>
+        <p14:creationId xmlns:p14="http://schemas.microsoft.com/office/powerpoint/2010/main" val="2290613966"/>
       </p:ext>
     </p:extLst>
   </p:cSld>
@@ -9298,8 +9805,36 @@
           <a:p>
             <a:pPr algn="ctr"/>
             <a:r>
-              <a:rPr lang="en-US" sz="4200" cap="all"/>
-              <a:t>Simulación de entrar con un usuario con rol.</a:t>
+              <a:rPr lang="en-US" sz="4200" cap="all" dirty="0" err="1"/>
+              <a:t>Simulación</a:t>
+            </a:r>
+            <a:r>
+              <a:rPr lang="en-US" sz="4200" cap="all" dirty="0"/>
+              <a:t> de </a:t>
+            </a:r>
+            <a:r>
+              <a:rPr lang="en-US" sz="4200" cap="all" dirty="0" err="1"/>
+              <a:t>entrar</a:t>
+            </a:r>
+            <a:r>
+              <a:rPr lang="en-US" sz="4200" cap="all" dirty="0"/>
+              <a:t> con un </a:t>
+            </a:r>
+            <a:r>
+              <a:rPr lang="en-US" sz="4200" cap="all" dirty="0" err="1"/>
+              <a:t>usuario</a:t>
+            </a:r>
+            <a:r>
+              <a:rPr lang="en-US" sz="4200" cap="all" dirty="0"/>
+              <a:t> con </a:t>
+            </a:r>
+            <a:r>
+              <a:rPr lang="en-US" sz="4200" cap="all" dirty="0" err="1"/>
+              <a:t>rol</a:t>
+            </a:r>
+            <a:r>
+              <a:rPr lang="en-US" sz="4200" cap="all" dirty="0"/>
+              <a:t>.</a:t>
             </a:r>
           </a:p>
         </p:txBody>
@@ -9814,8 +10349,20 @@
           <a:p>
             <a:pPr algn="ctr"/>
             <a:r>
-              <a:rPr lang="en-US" sz="5000" cap="all"/>
-              <a:t>Simulación de CRUD de usuarios.</a:t>
+              <a:rPr lang="en-US" sz="5000" cap="all" dirty="0" err="1"/>
+              <a:t>Simulación</a:t>
+            </a:r>
+            <a:r>
+              <a:rPr lang="en-US" sz="5000" cap="all" dirty="0"/>
+              <a:t> de CRUD de </a:t>
+            </a:r>
+            <a:r>
+              <a:rPr lang="en-US" sz="5000" cap="all" dirty="0" err="1"/>
+              <a:t>usuarios</a:t>
+            </a:r>
+            <a:r>
+              <a:rPr lang="en-US" sz="5000" cap="all" dirty="0"/>
+              <a:t>.</a:t>
             </a:r>
           </a:p>
         </p:txBody>
@@ -10026,6 +10573,955 @@
 </file>
 
 <file path=ppt/slides/slide28.xml><?xml version="1.0" encoding="utf-8"?>
+<p:sld xmlns:a="http://schemas.openxmlformats.org/drawingml/2006/main" xmlns:r="http://schemas.openxmlformats.org/officeDocument/2006/relationships" xmlns:p="http://schemas.openxmlformats.org/presentationml/2006/main">
+  <p:cSld>
+    <p:spTree>
+      <p:nvGrpSpPr>
+        <p:cNvPr id="1" name=""/>
+        <p:cNvGrpSpPr/>
+        <p:nvPr/>
+      </p:nvGrpSpPr>
+      <p:grpSpPr>
+        <a:xfrm>
+          <a:off x="0" y="0"/>
+          <a:ext cx="0" cy="0"/>
+          <a:chOff x="0" y="0"/>
+          <a:chExt cx="0" cy="0"/>
+        </a:xfrm>
+      </p:grpSpPr>
+      <p:sp>
+        <p:nvSpPr>
+          <p:cNvPr id="2" name="Título 1">
+            <a:extLst>
+              <a:ext uri="{FF2B5EF4-FFF2-40B4-BE49-F238E27FC236}">
+                <a16:creationId xmlns:a16="http://schemas.microsoft.com/office/drawing/2014/main" id="{082CEA88-B9D5-418B-FAB8-2B68ED0020DB}"/>
+              </a:ext>
+            </a:extLst>
+          </p:cNvPr>
+          <p:cNvSpPr>
+            <a:spLocks noGrp="1"/>
+          </p:cNvSpPr>
+          <p:nvPr>
+            <p:ph type="title"/>
+          </p:nvPr>
+        </p:nvSpPr>
+        <p:spPr/>
+        <p:txBody>
+          <a:bodyPr/>
+          <a:lstStyle/>
+          <a:p>
+            <a:r>
+              <a:rPr lang="es-ES" dirty="0"/>
+              <a:t>Método de Encriptación</a:t>
+            </a:r>
+            <a:endParaRPr lang="es-CO" dirty="0"/>
+          </a:p>
+        </p:txBody>
+      </p:sp>
+      <p:pic>
+        <p:nvPicPr>
+          <p:cNvPr id="5" name="Marcador de contenido 4">
+            <a:extLst>
+              <a:ext uri="{FF2B5EF4-FFF2-40B4-BE49-F238E27FC236}">
+                <a16:creationId xmlns:a16="http://schemas.microsoft.com/office/drawing/2014/main" id="{46827A92-DD5C-21F7-D00F-EA41FC6F44EF}"/>
+              </a:ext>
+            </a:extLst>
+          </p:cNvPr>
+          <p:cNvPicPr>
+            <a:picLocks noGrp="1" noChangeAspect="1"/>
+          </p:cNvPicPr>
+          <p:nvPr>
+            <p:ph idx="1"/>
+          </p:nvPr>
+        </p:nvPicPr>
+        <p:blipFill>
+          <a:blip r:embed="rId3"/>
+          <a:stretch>
+            <a:fillRect/>
+          </a:stretch>
+        </p:blipFill>
+        <p:spPr>
+          <a:xfrm>
+            <a:off x="1371600" y="1747982"/>
+            <a:ext cx="9745525" cy="423718"/>
+          </a:xfrm>
+        </p:spPr>
+      </p:pic>
+      <p:sp>
+        <p:nvSpPr>
+          <p:cNvPr id="6" name="Marcador de texto 2">
+            <a:extLst>
+              <a:ext uri="{FF2B5EF4-FFF2-40B4-BE49-F238E27FC236}">
+                <a16:creationId xmlns:a16="http://schemas.microsoft.com/office/drawing/2014/main" id="{5C816B1C-40B0-63B1-4135-065E85497345}"/>
+              </a:ext>
+            </a:extLst>
+          </p:cNvPr>
+          <p:cNvSpPr txBox="1">
+            <a:spLocks/>
+          </p:cNvSpPr>
+          <p:nvPr/>
+        </p:nvSpPr>
+        <p:spPr>
+          <a:xfrm>
+            <a:off x="1371600" y="2627162"/>
+            <a:ext cx="9942945" cy="3485586"/>
+          </a:xfrm>
+          <a:prstGeom prst="rect">
+            <a:avLst/>
+          </a:prstGeom>
+        </p:spPr>
+        <p:txBody>
+          <a:bodyPr vert="horz" lIns="91440" tIns="45720" rIns="91440" bIns="45720" rtlCol="0">
+            <a:normAutofit/>
+          </a:bodyPr>
+          <a:lstStyle>
+            <a:lvl1pPr marL="384048" indent="-384048" algn="l" defTabSz="914400" rtl="0" eaLnBrk="1" latinLnBrk="0" hangingPunct="1">
+              <a:lnSpc>
+                <a:spcPct val="94000"/>
+              </a:lnSpc>
+              <a:spcBef>
+                <a:spcPts val="1000"/>
+              </a:spcBef>
+              <a:spcAft>
+                <a:spcPts val="200"/>
+              </a:spcAft>
+              <a:buFont typeface="Franklin Gothic Book" panose="020B0503020102020204" pitchFamily="34" charset="0"/>
+              <a:buChar char="■"/>
+              <a:defRPr sz="2000" kern="1200" baseline="0">
+                <a:solidFill>
+                  <a:schemeClr val="tx2"/>
+                </a:solidFill>
+                <a:latin typeface="+mn-lt"/>
+                <a:ea typeface="+mn-ea"/>
+                <a:cs typeface="+mn-cs"/>
+              </a:defRPr>
+            </a:lvl1pPr>
+            <a:lvl2pPr marL="914400" indent="-384048" algn="l" defTabSz="914400" rtl="0" eaLnBrk="1" latinLnBrk="0" hangingPunct="1">
+              <a:lnSpc>
+                <a:spcPct val="94000"/>
+              </a:lnSpc>
+              <a:spcBef>
+                <a:spcPts val="500"/>
+              </a:spcBef>
+              <a:spcAft>
+                <a:spcPts val="200"/>
+              </a:spcAft>
+              <a:buFont typeface="Franklin Gothic Book" panose="020B0503020102020204" pitchFamily="34" charset="0"/>
+              <a:buChar char="–"/>
+              <a:defRPr sz="2000" i="1" kern="1200" baseline="0">
+                <a:solidFill>
+                  <a:schemeClr val="tx2"/>
+                </a:solidFill>
+                <a:latin typeface="+mn-lt"/>
+                <a:ea typeface="+mn-ea"/>
+                <a:cs typeface="+mn-cs"/>
+              </a:defRPr>
+            </a:lvl2pPr>
+            <a:lvl3pPr marL="1371600" indent="-384048" algn="l" defTabSz="914400" rtl="0" eaLnBrk="1" latinLnBrk="0" hangingPunct="1">
+              <a:lnSpc>
+                <a:spcPct val="94000"/>
+              </a:lnSpc>
+              <a:spcBef>
+                <a:spcPts val="500"/>
+              </a:spcBef>
+              <a:spcAft>
+                <a:spcPts val="200"/>
+              </a:spcAft>
+              <a:buFont typeface="Franklin Gothic Book" panose="020B0503020102020204" pitchFamily="34" charset="0"/>
+              <a:buChar char="■"/>
+              <a:defRPr sz="1800" kern="1200" baseline="0">
+                <a:solidFill>
+                  <a:schemeClr val="tx2"/>
+                </a:solidFill>
+                <a:latin typeface="+mn-lt"/>
+                <a:ea typeface="+mn-ea"/>
+                <a:cs typeface="+mn-cs"/>
+              </a:defRPr>
+            </a:lvl3pPr>
+            <a:lvl4pPr marL="1828800" indent="-384048" algn="l" defTabSz="914400" rtl="0" eaLnBrk="1" latinLnBrk="0" hangingPunct="1">
+              <a:lnSpc>
+                <a:spcPct val="94000"/>
+              </a:lnSpc>
+              <a:spcBef>
+                <a:spcPts val="500"/>
+              </a:spcBef>
+              <a:spcAft>
+                <a:spcPts val="200"/>
+              </a:spcAft>
+              <a:buFont typeface="Franklin Gothic Book" panose="020B0503020102020204" pitchFamily="34" charset="0"/>
+              <a:buChar char="–"/>
+              <a:defRPr sz="1800" i="1" kern="1200" baseline="0">
+                <a:solidFill>
+                  <a:schemeClr val="tx2"/>
+                </a:solidFill>
+                <a:latin typeface="+mn-lt"/>
+                <a:ea typeface="+mn-ea"/>
+                <a:cs typeface="+mn-cs"/>
+              </a:defRPr>
+            </a:lvl4pPr>
+            <a:lvl5pPr marL="2286000" indent="-384048" algn="l" defTabSz="914400" rtl="0" eaLnBrk="1" latinLnBrk="0" hangingPunct="1">
+              <a:lnSpc>
+                <a:spcPct val="94000"/>
+              </a:lnSpc>
+              <a:spcBef>
+                <a:spcPts val="500"/>
+              </a:spcBef>
+              <a:spcAft>
+                <a:spcPts val="200"/>
+              </a:spcAft>
+              <a:buFont typeface="Franklin Gothic Book" panose="020B0503020102020204" pitchFamily="34" charset="0"/>
+              <a:buChar char="■"/>
+              <a:defRPr sz="1600" kern="1200" baseline="0">
+                <a:solidFill>
+                  <a:schemeClr val="tx2"/>
+                </a:solidFill>
+                <a:latin typeface="+mn-lt"/>
+                <a:ea typeface="+mn-ea"/>
+                <a:cs typeface="+mn-cs"/>
+              </a:defRPr>
+            </a:lvl5pPr>
+            <a:lvl6pPr marL="2743200" indent="-384048" algn="l" defTabSz="914400" rtl="0" eaLnBrk="1" latinLnBrk="0" hangingPunct="1">
+              <a:lnSpc>
+                <a:spcPct val="94000"/>
+              </a:lnSpc>
+              <a:spcBef>
+                <a:spcPts val="500"/>
+              </a:spcBef>
+              <a:spcAft>
+                <a:spcPts val="200"/>
+              </a:spcAft>
+              <a:buFont typeface="Franklin Gothic Book" panose="020B0503020102020204" pitchFamily="34" charset="0"/>
+              <a:buChar char="–"/>
+              <a:defRPr sz="1600" i="1" kern="1200" baseline="0">
+                <a:solidFill>
+                  <a:schemeClr val="tx2"/>
+                </a:solidFill>
+                <a:latin typeface="+mn-lt"/>
+                <a:ea typeface="+mn-ea"/>
+                <a:cs typeface="+mn-cs"/>
+              </a:defRPr>
+            </a:lvl6pPr>
+            <a:lvl7pPr marL="3200400" indent="-384048" algn="l" defTabSz="914400" rtl="0" eaLnBrk="1" latinLnBrk="0" hangingPunct="1">
+              <a:lnSpc>
+                <a:spcPct val="94000"/>
+              </a:lnSpc>
+              <a:spcBef>
+                <a:spcPts val="500"/>
+              </a:spcBef>
+              <a:spcAft>
+                <a:spcPts val="200"/>
+              </a:spcAft>
+              <a:buFont typeface="Franklin Gothic Book" panose="020B0503020102020204" pitchFamily="34" charset="0"/>
+              <a:buChar char="■"/>
+              <a:defRPr sz="1400" kern="1200" baseline="0">
+                <a:solidFill>
+                  <a:schemeClr val="tx2"/>
+                </a:solidFill>
+                <a:latin typeface="+mn-lt"/>
+                <a:ea typeface="+mn-ea"/>
+                <a:cs typeface="+mn-cs"/>
+              </a:defRPr>
+            </a:lvl7pPr>
+            <a:lvl8pPr marL="3657600" indent="-384048" algn="l" defTabSz="914400" rtl="0" eaLnBrk="1" latinLnBrk="0" hangingPunct="1">
+              <a:lnSpc>
+                <a:spcPct val="94000"/>
+              </a:lnSpc>
+              <a:spcBef>
+                <a:spcPts val="500"/>
+              </a:spcBef>
+              <a:spcAft>
+                <a:spcPts val="200"/>
+              </a:spcAft>
+              <a:buFont typeface="Franklin Gothic Book" panose="020B0503020102020204" pitchFamily="34" charset="0"/>
+              <a:buChar char="–"/>
+              <a:defRPr sz="1400" i="1" kern="1200" baseline="0">
+                <a:solidFill>
+                  <a:schemeClr val="tx2"/>
+                </a:solidFill>
+                <a:latin typeface="+mn-lt"/>
+                <a:ea typeface="+mn-ea"/>
+                <a:cs typeface="+mn-cs"/>
+              </a:defRPr>
+            </a:lvl8pPr>
+            <a:lvl9pPr marL="4114800" indent="-384048" algn="l" defTabSz="914400" rtl="0" eaLnBrk="1" latinLnBrk="0" hangingPunct="1">
+              <a:lnSpc>
+                <a:spcPct val="94000"/>
+              </a:lnSpc>
+              <a:spcBef>
+                <a:spcPts val="500"/>
+              </a:spcBef>
+              <a:spcAft>
+                <a:spcPts val="200"/>
+              </a:spcAft>
+              <a:buFont typeface="Franklin Gothic Book" panose="020B0503020102020204" pitchFamily="34" charset="0"/>
+              <a:buChar char="■"/>
+              <a:defRPr sz="1400" kern="1200" baseline="0">
+                <a:solidFill>
+                  <a:schemeClr val="tx2"/>
+                </a:solidFill>
+                <a:latin typeface="+mn-lt"/>
+                <a:ea typeface="+mn-ea"/>
+                <a:cs typeface="+mn-cs"/>
+              </a:defRPr>
+            </a:lvl9pPr>
+          </a:lstStyle>
+          <a:p>
+            <a:pPr marL="0" indent="0">
+              <a:buNone/>
+            </a:pPr>
+            <a:r>
+              <a:rPr lang="es-ES" sz="2300" dirty="0"/>
+              <a:t>Este método de cifrado utiliza dos arreglos: alfabeto e invertidos. Para cifrar, cada carácter del texto original se reemplaza por el correspondiente en invertidos. Por ejemplo, 'a' se convierte en 'z' y '1' en '8'. El descifrado es el proceso inverso, buscando los caracteres en invertidos y sustituyéndolos por los de alfabeto. </a:t>
+            </a:r>
+            <a:endParaRPr lang="es-CO" sz="2300" dirty="0"/>
+          </a:p>
+        </p:txBody>
+      </p:sp>
+    </p:spTree>
+    <p:extLst>
+      <p:ext uri="{BB962C8B-B14F-4D97-AF65-F5344CB8AC3E}">
+        <p14:creationId xmlns:p14="http://schemas.microsoft.com/office/powerpoint/2010/main" val="3519755418"/>
+      </p:ext>
+    </p:extLst>
+  </p:cSld>
+  <p:clrMapOvr>
+    <a:masterClrMapping/>
+  </p:clrMapOvr>
+</p:sld>
+</file>
+
+<file path=ppt/slides/slide29.xml><?xml version="1.0" encoding="utf-8"?>
+<p:sld xmlns:a="http://schemas.openxmlformats.org/drawingml/2006/main" xmlns:r="http://schemas.openxmlformats.org/officeDocument/2006/relationships" xmlns:p="http://schemas.openxmlformats.org/presentationml/2006/main">
+  <p:cSld>
+    <p:bg>
+      <p:bgPr>
+        <a:solidFill>
+          <a:schemeClr val="bg2"/>
+        </a:solidFill>
+        <a:effectLst/>
+      </p:bgPr>
+    </p:bg>
+    <p:spTree>
+      <p:nvGrpSpPr>
+        <p:cNvPr id="1" name=""/>
+        <p:cNvGrpSpPr/>
+        <p:nvPr/>
+      </p:nvGrpSpPr>
+      <p:grpSpPr>
+        <a:xfrm>
+          <a:off x="0" y="0"/>
+          <a:ext cx="0" cy="0"/>
+          <a:chOff x="0" y="0"/>
+          <a:chExt cx="0" cy="0"/>
+        </a:xfrm>
+      </p:grpSpPr>
+      <p:sp useBgFill="1">
+        <p:nvSpPr>
+          <p:cNvPr id="14" name="Rectangle 13">
+            <a:extLst>
+              <a:ext uri="{FF2B5EF4-FFF2-40B4-BE49-F238E27FC236}">
+                <a16:creationId xmlns:a16="http://schemas.microsoft.com/office/drawing/2014/main" id="{1D868099-6145-4BC0-A5EA-74BEF1776BA9}"/>
+              </a:ext>
+              <a:ext uri="{C183D7F6-B498-43B3-948B-1728B52AA6E4}">
+                <adec:decorative xmlns:adec="http://schemas.microsoft.com/office/drawing/2017/decorative" val="1"/>
+              </a:ext>
+            </a:extLst>
+          </p:cNvPr>
+          <p:cNvSpPr>
+            <a:spLocks noGrp="1" noRot="1" noChangeAspect="1" noMove="1" noResize="1" noEditPoints="1" noAdjustHandles="1" noChangeArrowheads="1" noChangeShapeType="1" noTextEdit="1"/>
+          </p:cNvSpPr>
+          <p:nvPr>
+            <p:extLst>
+              <p:ext uri="{386F3935-93C4-4BCD-93E2-E3B085C9AB24}">
+                <p16:designElem xmlns:p16="http://schemas.microsoft.com/office/powerpoint/2015/main" val="1"/>
+              </p:ext>
+            </p:extLst>
+          </p:nvPr>
+        </p:nvSpPr>
+        <p:spPr>
+          <a:xfrm>
+            <a:off x="0" y="0"/>
+            <a:ext cx="12192000" cy="6858000"/>
+          </a:xfrm>
+          <a:prstGeom prst="rect">
+            <a:avLst/>
+          </a:prstGeom>
+          <a:ln>
+            <a:noFill/>
+          </a:ln>
+        </p:spPr>
+        <p:style>
+          <a:lnRef idx="2">
+            <a:schemeClr val="accent1">
+              <a:shade val="50000"/>
+            </a:schemeClr>
+          </a:lnRef>
+          <a:fillRef idx="1">
+            <a:schemeClr val="accent1"/>
+          </a:fillRef>
+          <a:effectRef idx="0">
+            <a:schemeClr val="accent1"/>
+          </a:effectRef>
+          <a:fontRef idx="minor">
+            <a:schemeClr val="lt1"/>
+          </a:fontRef>
+        </p:style>
+        <p:txBody>
+          <a:bodyPr rtlCol="0" anchor="ctr"/>
+          <a:lstStyle/>
+          <a:p>
+            <a:pPr algn="ctr"/>
+            <a:endParaRPr lang="en-US"/>
+          </a:p>
+        </p:txBody>
+      </p:sp>
+      <p:pic>
+        <p:nvPicPr>
+          <p:cNvPr id="7" name="Marcador de contenido 6" descr="Texto&#10;&#10;Descripción generada automáticamente">
+            <a:extLst>
+              <a:ext uri="{FF2B5EF4-FFF2-40B4-BE49-F238E27FC236}">
+                <a16:creationId xmlns:a16="http://schemas.microsoft.com/office/drawing/2014/main" id="{C2E1E318-8E2D-30BB-25CD-DF4A3AC892A2}"/>
+              </a:ext>
+            </a:extLst>
+          </p:cNvPr>
+          <p:cNvPicPr>
+            <a:picLocks noChangeAspect="1"/>
+          </p:cNvPicPr>
+          <p:nvPr/>
+        </p:nvPicPr>
+        <p:blipFill>
+          <a:blip r:embed="rId2"/>
+          <a:stretch>
+            <a:fillRect/>
+          </a:stretch>
+        </p:blipFill>
+        <p:spPr>
+          <a:xfrm>
+            <a:off x="828931" y="996616"/>
+            <a:ext cx="6900380" cy="4864767"/>
+          </a:xfrm>
+          <a:prstGeom prst="rect">
+            <a:avLst/>
+          </a:prstGeom>
+        </p:spPr>
+      </p:pic>
+      <p:sp>
+        <p:nvSpPr>
+          <p:cNvPr id="16" name="Freeform 6">
+            <a:extLst>
+              <a:ext uri="{FF2B5EF4-FFF2-40B4-BE49-F238E27FC236}">
+                <a16:creationId xmlns:a16="http://schemas.microsoft.com/office/drawing/2014/main" id="{CC1026F7-DECB-49B4-A565-518BBA445471}"/>
+              </a:ext>
+              <a:ext uri="{C183D7F6-B498-43B3-948B-1728B52AA6E4}">
+                <adec:decorative xmlns:adec="http://schemas.microsoft.com/office/drawing/2017/decorative" val="1"/>
+              </a:ext>
+            </a:extLst>
+          </p:cNvPr>
+          <p:cNvSpPr>
+            <a:spLocks noGrp="1" noRot="1" noChangeAspect="1" noMove="1" noResize="1" noEditPoints="1" noAdjustHandles="1" noChangeArrowheads="1" noChangeShapeType="1" noTextEdit="1"/>
+          </p:cNvSpPr>
+          <p:nvPr>
+            <p:extLst>
+              <p:ext uri="{386F3935-93C4-4BCD-93E2-E3B085C9AB24}">
+                <p16:designElem xmlns:p16="http://schemas.microsoft.com/office/powerpoint/2015/main" val="1"/>
+              </p:ext>
+            </p:extLst>
+          </p:nvPr>
+        </p:nvSpPr>
+        <p:spPr bwMode="auto">
+          <a:xfrm flipH="1" flipV="1">
+            <a:off x="7983434" y="640080"/>
+            <a:ext cx="2296028" cy="3674981"/>
+          </a:xfrm>
+          <a:custGeom>
+            <a:avLst/>
+            <a:gdLst/>
+            <a:ahLst/>
+            <a:cxnLst/>
+            <a:rect l="l" t="t" r="r" b="b"/>
+            <a:pathLst>
+              <a:path w="10002" h="10000">
+                <a:moveTo>
+                  <a:pt x="8763" y="0"/>
+                </a:moveTo>
+                <a:lnTo>
+                  <a:pt x="10002" y="0"/>
+                </a:lnTo>
+                <a:lnTo>
+                  <a:pt x="10002" y="10000"/>
+                </a:lnTo>
+                <a:lnTo>
+                  <a:pt x="2" y="10000"/>
+                </a:lnTo>
+                <a:cubicBezTo>
+                  <a:pt x="-2" y="9698"/>
+                  <a:pt x="4" y="9427"/>
+                  <a:pt x="0" y="9125"/>
+                </a:cubicBezTo>
+                <a:lnTo>
+                  <a:pt x="8763" y="9128"/>
+                </a:lnTo>
+                <a:lnTo>
+                  <a:pt x="8763" y="0"/>
+                </a:lnTo>
+                <a:close/>
+              </a:path>
+            </a:pathLst>
+          </a:custGeom>
+          <a:solidFill>
+            <a:schemeClr val="tx2"/>
+          </a:solidFill>
+          <a:ln w="0">
+            <a:noFill/>
+            <a:prstDash val="solid"/>
+            <a:round/>
+            <a:headEnd/>
+            <a:tailEnd/>
+          </a:ln>
+        </p:spPr>
+        <p:txBody>
+          <a:bodyPr/>
+          <a:lstStyle/>
+          <a:p>
+            <a:endParaRPr lang="es-CO"/>
+          </a:p>
+        </p:txBody>
+      </p:sp>
+      <p:sp>
+        <p:nvSpPr>
+          <p:cNvPr id="8" name="Título 1">
+            <a:extLst>
+              <a:ext uri="{FF2B5EF4-FFF2-40B4-BE49-F238E27FC236}">
+                <a16:creationId xmlns:a16="http://schemas.microsoft.com/office/drawing/2014/main" id="{B5263E5F-463A-0904-31F6-031A649F4610}"/>
+              </a:ext>
+            </a:extLst>
+          </p:cNvPr>
+          <p:cNvSpPr>
+            <a:spLocks noGrp="1"/>
+          </p:cNvSpPr>
+          <p:nvPr>
+            <p:ph type="title"/>
+          </p:nvPr>
+        </p:nvSpPr>
+        <p:spPr>
+          <a:xfrm>
+            <a:off x="8154185" y="634028"/>
+            <a:ext cx="3612941" cy="3732835"/>
+          </a:xfrm>
+        </p:spPr>
+        <p:txBody>
+          <a:bodyPr vert="horz" lIns="91440" tIns="45720" rIns="91440" bIns="45720" rtlCol="0" anchor="b">
+            <a:normAutofit/>
+          </a:bodyPr>
+          <a:lstStyle/>
+          <a:p>
+            <a:pPr algn="ctr"/>
+            <a:r>
+              <a:rPr lang="en-US" sz="4200" cap="all" dirty="0" err="1"/>
+              <a:t>Encriptacion</a:t>
+            </a:r>
+            <a:r>
+              <a:rPr lang="en-US" sz="4200" cap="all" dirty="0"/>
+              <a:t> de </a:t>
+            </a:r>
+            <a:r>
+              <a:rPr lang="en-US" sz="4200" cap="all" dirty="0" err="1"/>
+              <a:t>contraseña</a:t>
+            </a:r>
+            <a:endParaRPr lang="en-US" sz="4200" cap="all" dirty="0"/>
+          </a:p>
+        </p:txBody>
+      </p:sp>
+    </p:spTree>
+    <p:extLst>
+      <p:ext uri="{BB962C8B-B14F-4D97-AF65-F5344CB8AC3E}">
+        <p14:creationId xmlns:p14="http://schemas.microsoft.com/office/powerpoint/2010/main" val="2501808510"/>
+      </p:ext>
+    </p:extLst>
+  </p:cSld>
+  <p:clrMapOvr>
+    <a:masterClrMapping/>
+  </p:clrMapOvr>
+</p:sld>
+</file>
+
+<file path=ppt/slides/slide3.xml><?xml version="1.0" encoding="utf-8"?>
+<p:sld xmlns:a="http://schemas.openxmlformats.org/drawingml/2006/main" xmlns:r="http://schemas.openxmlformats.org/officeDocument/2006/relationships" xmlns:p="http://schemas.openxmlformats.org/presentationml/2006/main">
+  <p:cSld>
+    <p:spTree>
+      <p:nvGrpSpPr>
+        <p:cNvPr id="1" name=""/>
+        <p:cNvGrpSpPr/>
+        <p:nvPr/>
+      </p:nvGrpSpPr>
+      <p:grpSpPr>
+        <a:xfrm>
+          <a:off x="0" y="0"/>
+          <a:ext cx="0" cy="0"/>
+          <a:chOff x="0" y="0"/>
+          <a:chExt cx="0" cy="0"/>
+        </a:xfrm>
+      </p:grpSpPr>
+      <p:sp>
+        <p:nvSpPr>
+          <p:cNvPr id="2" name="Título 1">
+            <a:extLst>
+              <a:ext uri="{FF2B5EF4-FFF2-40B4-BE49-F238E27FC236}">
+                <a16:creationId xmlns:a16="http://schemas.microsoft.com/office/drawing/2014/main" id="{5C7C0768-2F80-4A20-3D88-E4E1D81F5F4C}"/>
+              </a:ext>
+            </a:extLst>
+          </p:cNvPr>
+          <p:cNvSpPr>
+            <a:spLocks noGrp="1"/>
+          </p:cNvSpPr>
+          <p:nvPr>
+            <p:ph type="title"/>
+          </p:nvPr>
+        </p:nvSpPr>
+        <p:spPr>
+          <a:xfrm>
+            <a:off x="2991394" y="1301360"/>
+            <a:ext cx="7386602" cy="2852737"/>
+          </a:xfrm>
+        </p:spPr>
+        <p:txBody>
+          <a:bodyPr/>
+          <a:lstStyle/>
+          <a:p>
+            <a:r>
+              <a:rPr lang="es-CO" dirty="0"/>
+              <a:t>Creación de DB y tablas</a:t>
+            </a:r>
+          </a:p>
+        </p:txBody>
+      </p:sp>
+      <p:sp>
+        <p:nvSpPr>
+          <p:cNvPr id="3" name="Título 1">
+            <a:hlinkClick r:id="rId2" action="ppaction://hlinkfile"/>
+            <a:extLst>
+              <a:ext uri="{FF2B5EF4-FFF2-40B4-BE49-F238E27FC236}">
+                <a16:creationId xmlns:a16="http://schemas.microsoft.com/office/drawing/2014/main" id="{DF72E998-2DBB-5330-ECE7-CCBDB02F0AEF}"/>
+              </a:ext>
+            </a:extLst>
+          </p:cNvPr>
+          <p:cNvSpPr txBox="1">
+            <a:spLocks/>
+          </p:cNvSpPr>
+          <p:nvPr/>
+        </p:nvSpPr>
+        <p:spPr>
+          <a:xfrm>
+            <a:off x="995880" y="5649362"/>
+            <a:ext cx="1379877" cy="514723"/>
+          </a:xfrm>
+          <a:prstGeom prst="rect">
+            <a:avLst/>
+          </a:prstGeom>
+        </p:spPr>
+        <p:txBody>
+          <a:bodyPr vert="horz" lIns="91440" tIns="45720" rIns="91440" bIns="45720" rtlCol="0" anchor="b">
+            <a:normAutofit fontScale="32500" lnSpcReduction="20000"/>
+          </a:bodyPr>
+          <a:lstStyle>
+            <a:lvl1pPr algn="r" defTabSz="914400" rtl="0" eaLnBrk="1" latinLnBrk="0" hangingPunct="1">
+              <a:lnSpc>
+                <a:spcPct val="89000"/>
+              </a:lnSpc>
+              <a:spcBef>
+                <a:spcPct val="0"/>
+              </a:spcBef>
+              <a:buNone/>
+              <a:defRPr sz="7200" kern="1200" cap="all" baseline="0">
+                <a:solidFill>
+                  <a:schemeClr val="tx2"/>
+                </a:solidFill>
+                <a:latin typeface="+mj-lt"/>
+                <a:ea typeface="+mj-ea"/>
+                <a:cs typeface="+mj-cs"/>
+              </a:defRPr>
+            </a:lvl1pPr>
+          </a:lstStyle>
+          <a:p>
+            <a:r>
+              <a:rPr lang="es-CO" dirty="0" err="1">
+                <a:hlinkClick r:id="rId2" action="ppaction://hlinkfile"/>
+              </a:rPr>
+              <a:t>DDL.sql</a:t>
+            </a:r>
+            <a:endParaRPr lang="es-CO" dirty="0"/>
+          </a:p>
+        </p:txBody>
+      </p:sp>
+    </p:spTree>
+    <p:extLst>
+      <p:ext uri="{BB962C8B-B14F-4D97-AF65-F5344CB8AC3E}">
+        <p14:creationId xmlns:p14="http://schemas.microsoft.com/office/powerpoint/2010/main" val="3119615752"/>
+      </p:ext>
+    </p:extLst>
+  </p:cSld>
+  <p:clrMapOvr>
+    <a:masterClrMapping/>
+  </p:clrMapOvr>
+</p:sld>
+</file>
+
+<file path=ppt/slides/slide30.xml><?xml version="1.0" encoding="utf-8"?>
+<p:sld xmlns:a="http://schemas.openxmlformats.org/drawingml/2006/main" xmlns:r="http://schemas.openxmlformats.org/officeDocument/2006/relationships" xmlns:p="http://schemas.openxmlformats.org/presentationml/2006/main">
+  <p:cSld>
+    <p:bg>
+      <p:bgPr>
+        <a:solidFill>
+          <a:schemeClr val="bg2"/>
+        </a:solidFill>
+        <a:effectLst/>
+      </p:bgPr>
+    </p:bg>
+    <p:spTree>
+      <p:nvGrpSpPr>
+        <p:cNvPr id="1" name=""/>
+        <p:cNvGrpSpPr/>
+        <p:nvPr/>
+      </p:nvGrpSpPr>
+      <p:grpSpPr>
+        <a:xfrm>
+          <a:off x="0" y="0"/>
+          <a:ext cx="0" cy="0"/>
+          <a:chOff x="0" y="0"/>
+          <a:chExt cx="0" cy="0"/>
+        </a:xfrm>
+      </p:grpSpPr>
+      <p:sp useBgFill="1">
+        <p:nvSpPr>
+          <p:cNvPr id="14" name="Rectangle 13">
+            <a:extLst>
+              <a:ext uri="{FF2B5EF4-FFF2-40B4-BE49-F238E27FC236}">
+                <a16:creationId xmlns:a16="http://schemas.microsoft.com/office/drawing/2014/main" id="{1D868099-6145-4BC0-A5EA-74BEF1776BA9}"/>
+              </a:ext>
+              <a:ext uri="{C183D7F6-B498-43B3-948B-1728B52AA6E4}">
+                <adec:decorative xmlns:adec="http://schemas.microsoft.com/office/drawing/2017/decorative" val="1"/>
+              </a:ext>
+            </a:extLst>
+          </p:cNvPr>
+          <p:cNvSpPr>
+            <a:spLocks noGrp="1" noRot="1" noChangeAspect="1" noMove="1" noResize="1" noEditPoints="1" noAdjustHandles="1" noChangeArrowheads="1" noChangeShapeType="1" noTextEdit="1"/>
+          </p:cNvSpPr>
+          <p:nvPr>
+            <p:extLst>
+              <p:ext uri="{386F3935-93C4-4BCD-93E2-E3B085C9AB24}">
+                <p16:designElem xmlns:p16="http://schemas.microsoft.com/office/powerpoint/2015/main" val="1"/>
+              </p:ext>
+            </p:extLst>
+          </p:nvPr>
+        </p:nvSpPr>
+        <p:spPr>
+          <a:xfrm>
+            <a:off x="0" y="0"/>
+            <a:ext cx="12192000" cy="6858000"/>
+          </a:xfrm>
+          <a:prstGeom prst="rect">
+            <a:avLst/>
+          </a:prstGeom>
+          <a:ln>
+            <a:noFill/>
+          </a:ln>
+        </p:spPr>
+        <p:style>
+          <a:lnRef idx="2">
+            <a:schemeClr val="accent1">
+              <a:shade val="50000"/>
+            </a:schemeClr>
+          </a:lnRef>
+          <a:fillRef idx="1">
+            <a:schemeClr val="accent1"/>
+          </a:fillRef>
+          <a:effectRef idx="0">
+            <a:schemeClr val="accent1"/>
+          </a:effectRef>
+          <a:fontRef idx="minor">
+            <a:schemeClr val="lt1"/>
+          </a:fontRef>
+        </p:style>
+        <p:txBody>
+          <a:bodyPr rtlCol="0" anchor="ctr"/>
+          <a:lstStyle/>
+          <a:p>
+            <a:pPr algn="ctr"/>
+            <a:endParaRPr lang="en-US"/>
+          </a:p>
+        </p:txBody>
+      </p:sp>
+      <p:sp>
+        <p:nvSpPr>
+          <p:cNvPr id="16" name="Freeform 6">
+            <a:extLst>
+              <a:ext uri="{FF2B5EF4-FFF2-40B4-BE49-F238E27FC236}">
+                <a16:creationId xmlns:a16="http://schemas.microsoft.com/office/drawing/2014/main" id="{CC1026F7-DECB-49B4-A565-518BBA445471}"/>
+              </a:ext>
+              <a:ext uri="{C183D7F6-B498-43B3-948B-1728B52AA6E4}">
+                <adec:decorative xmlns:adec="http://schemas.microsoft.com/office/drawing/2017/decorative" val="1"/>
+              </a:ext>
+            </a:extLst>
+          </p:cNvPr>
+          <p:cNvSpPr>
+            <a:spLocks noGrp="1" noRot="1" noChangeAspect="1" noMove="1" noResize="1" noEditPoints="1" noAdjustHandles="1" noChangeArrowheads="1" noChangeShapeType="1" noTextEdit="1"/>
+          </p:cNvSpPr>
+          <p:nvPr>
+            <p:extLst>
+              <p:ext uri="{386F3935-93C4-4BCD-93E2-E3B085C9AB24}">
+                <p16:designElem xmlns:p16="http://schemas.microsoft.com/office/powerpoint/2015/main" val="1"/>
+              </p:ext>
+            </p:extLst>
+          </p:nvPr>
+        </p:nvSpPr>
+        <p:spPr bwMode="auto">
+          <a:xfrm flipH="1" flipV="1">
+            <a:off x="7983434" y="640080"/>
+            <a:ext cx="2296028" cy="3674981"/>
+          </a:xfrm>
+          <a:custGeom>
+            <a:avLst/>
+            <a:gdLst/>
+            <a:ahLst/>
+            <a:cxnLst/>
+            <a:rect l="l" t="t" r="r" b="b"/>
+            <a:pathLst>
+              <a:path w="10002" h="10000">
+                <a:moveTo>
+                  <a:pt x="8763" y="0"/>
+                </a:moveTo>
+                <a:lnTo>
+                  <a:pt x="10002" y="0"/>
+                </a:lnTo>
+                <a:lnTo>
+                  <a:pt x="10002" y="10000"/>
+                </a:lnTo>
+                <a:lnTo>
+                  <a:pt x="2" y="10000"/>
+                </a:lnTo>
+                <a:cubicBezTo>
+                  <a:pt x="-2" y="9698"/>
+                  <a:pt x="4" y="9427"/>
+                  <a:pt x="0" y="9125"/>
+                </a:cubicBezTo>
+                <a:lnTo>
+                  <a:pt x="8763" y="9128"/>
+                </a:lnTo>
+                <a:lnTo>
+                  <a:pt x="8763" y="0"/>
+                </a:lnTo>
+                <a:close/>
+              </a:path>
+            </a:pathLst>
+          </a:custGeom>
+          <a:solidFill>
+            <a:schemeClr val="tx2"/>
+          </a:solidFill>
+          <a:ln w="0">
+            <a:noFill/>
+            <a:prstDash val="solid"/>
+            <a:round/>
+            <a:headEnd/>
+            <a:tailEnd/>
+          </a:ln>
+        </p:spPr>
+        <p:txBody>
+          <a:bodyPr/>
+          <a:lstStyle/>
+          <a:p>
+            <a:endParaRPr lang="es-CO"/>
+          </a:p>
+        </p:txBody>
+      </p:sp>
+      <p:sp>
+        <p:nvSpPr>
+          <p:cNvPr id="8" name="Título 1">
+            <a:extLst>
+              <a:ext uri="{FF2B5EF4-FFF2-40B4-BE49-F238E27FC236}">
+                <a16:creationId xmlns:a16="http://schemas.microsoft.com/office/drawing/2014/main" id="{B5263E5F-463A-0904-31F6-031A649F4610}"/>
+              </a:ext>
+            </a:extLst>
+          </p:cNvPr>
+          <p:cNvSpPr>
+            <a:spLocks noGrp="1"/>
+          </p:cNvSpPr>
+          <p:nvPr>
+            <p:ph type="title"/>
+          </p:nvPr>
+        </p:nvSpPr>
+        <p:spPr>
+          <a:xfrm>
+            <a:off x="8144948" y="1961302"/>
+            <a:ext cx="3612941" cy="1032536"/>
+          </a:xfrm>
+        </p:spPr>
+        <p:txBody>
+          <a:bodyPr vert="horz" lIns="91440" tIns="45720" rIns="91440" bIns="45720" rtlCol="0" anchor="b">
+            <a:normAutofit/>
+          </a:bodyPr>
+          <a:lstStyle/>
+          <a:p>
+            <a:pPr algn="ctr"/>
+            <a:r>
+              <a:rPr lang="en-US" sz="3200" cap="all" dirty="0" err="1"/>
+              <a:t>DesEncriptacion</a:t>
+            </a:r>
+            <a:r>
+              <a:rPr lang="en-US" sz="3200" cap="all" dirty="0"/>
+              <a:t> de </a:t>
+            </a:r>
+            <a:r>
+              <a:rPr lang="en-US" sz="3200" cap="all" dirty="0" err="1"/>
+              <a:t>contraseña</a:t>
+            </a:r>
+            <a:endParaRPr lang="en-US" sz="3200" cap="all" dirty="0"/>
+          </a:p>
+        </p:txBody>
+      </p:sp>
+      <p:pic>
+        <p:nvPicPr>
+          <p:cNvPr id="5" name="Imagen 4" descr="Texto&#10;&#10;Descripción generada automáticamente">
+            <a:extLst>
+              <a:ext uri="{FF2B5EF4-FFF2-40B4-BE49-F238E27FC236}">
+                <a16:creationId xmlns:a16="http://schemas.microsoft.com/office/drawing/2014/main" id="{13CB2970-C501-D49F-9CCC-8F9F6C93864E}"/>
+              </a:ext>
+            </a:extLst>
+          </p:cNvPr>
+          <p:cNvPicPr>
+            <a:picLocks noChangeAspect="1"/>
+          </p:cNvPicPr>
+          <p:nvPr/>
+        </p:nvPicPr>
+        <p:blipFill>
+          <a:blip r:embed="rId2"/>
+          <a:stretch>
+            <a:fillRect/>
+          </a:stretch>
+        </p:blipFill>
+        <p:spPr>
+          <a:xfrm>
+            <a:off x="1019208" y="1591509"/>
+            <a:ext cx="6378717" cy="3674981"/>
+          </a:xfrm>
+          <a:prstGeom prst="rect">
+            <a:avLst/>
+          </a:prstGeom>
+        </p:spPr>
+      </p:pic>
+    </p:spTree>
+    <p:extLst>
+      <p:ext uri="{BB962C8B-B14F-4D97-AF65-F5344CB8AC3E}">
+        <p14:creationId xmlns:p14="http://schemas.microsoft.com/office/powerpoint/2010/main" val="871905477"/>
+      </p:ext>
+    </p:extLst>
+  </p:cSld>
+  <p:clrMapOvr>
+    <a:masterClrMapping/>
+  </p:clrMapOvr>
+</p:sld>
+</file>
+
+<file path=ppt/slides/slide31.xml><?xml version="1.0" encoding="utf-8"?>
 <p:sld xmlns:a="http://schemas.openxmlformats.org/drawingml/2006/main" xmlns:r="http://schemas.openxmlformats.org/officeDocument/2006/relationships" xmlns:p="http://schemas.openxmlformats.org/presentationml/2006/main">
   <p:cSld>
     <p:bg>
@@ -10540,7 +12036,7 @@
 </p:sld>
 </file>
 
-<file path=ppt/slides/slide29.xml><?xml version="1.0" encoding="utf-8"?>
+<file path=ppt/slides/slide32.xml><?xml version="1.0" encoding="utf-8"?>
 <p:sld xmlns:a="http://schemas.openxmlformats.org/drawingml/2006/main" xmlns:r="http://schemas.openxmlformats.org/officeDocument/2006/relationships" xmlns:p="http://schemas.openxmlformats.org/presentationml/2006/main">
   <p:cSld>
     <p:bg>
@@ -10986,70 +12482,7 @@
 </p:sld>
 </file>
 
-<file path=ppt/slides/slide3.xml><?xml version="1.0" encoding="utf-8"?>
-<p:sld xmlns:a="http://schemas.openxmlformats.org/drawingml/2006/main" xmlns:r="http://schemas.openxmlformats.org/officeDocument/2006/relationships" xmlns:p="http://schemas.openxmlformats.org/presentationml/2006/main">
-  <p:cSld>
-    <p:spTree>
-      <p:nvGrpSpPr>
-        <p:cNvPr id="1" name=""/>
-        <p:cNvGrpSpPr/>
-        <p:nvPr/>
-      </p:nvGrpSpPr>
-      <p:grpSpPr>
-        <a:xfrm>
-          <a:off x="0" y="0"/>
-          <a:ext cx="0" cy="0"/>
-          <a:chOff x="0" y="0"/>
-          <a:chExt cx="0" cy="0"/>
-        </a:xfrm>
-      </p:grpSpPr>
-      <p:sp>
-        <p:nvSpPr>
-          <p:cNvPr id="2" name="Título 1">
-            <a:extLst>
-              <a:ext uri="{FF2B5EF4-FFF2-40B4-BE49-F238E27FC236}">
-                <a16:creationId xmlns:a16="http://schemas.microsoft.com/office/drawing/2014/main" id="{5C7C0768-2F80-4A20-3D88-E4E1D81F5F4C}"/>
-              </a:ext>
-            </a:extLst>
-          </p:cNvPr>
-          <p:cNvSpPr>
-            <a:spLocks noGrp="1"/>
-          </p:cNvSpPr>
-          <p:nvPr>
-            <p:ph type="title"/>
-          </p:nvPr>
-        </p:nvSpPr>
-        <p:spPr>
-          <a:xfrm>
-            <a:off x="2991394" y="1301360"/>
-            <a:ext cx="7386602" cy="2852737"/>
-          </a:xfrm>
-        </p:spPr>
-        <p:txBody>
-          <a:bodyPr/>
-          <a:lstStyle/>
-          <a:p>
-            <a:r>
-              <a:rPr lang="es-CO" dirty="0"/>
-              <a:t>Creación de DB y tablas</a:t>
-            </a:r>
-          </a:p>
-        </p:txBody>
-      </p:sp>
-    </p:spTree>
-    <p:extLst>
-      <p:ext uri="{BB962C8B-B14F-4D97-AF65-F5344CB8AC3E}">
-        <p14:creationId xmlns:p14="http://schemas.microsoft.com/office/powerpoint/2010/main" val="3119615752"/>
-      </p:ext>
-    </p:extLst>
-  </p:cSld>
-  <p:clrMapOvr>
-    <a:masterClrMapping/>
-  </p:clrMapOvr>
-</p:sld>
-</file>
-
-<file path=ppt/slides/slide30.xml><?xml version="1.0" encoding="utf-8"?>
+<file path=ppt/slides/slide33.xml><?xml version="1.0" encoding="utf-8"?>
 <p:sld xmlns:a="http://schemas.openxmlformats.org/drawingml/2006/main" xmlns:r="http://schemas.openxmlformats.org/officeDocument/2006/relationships" xmlns:p="http://schemas.openxmlformats.org/presentationml/2006/main">
   <p:cSld>
     <p:bg>
@@ -11531,6 +12964,498 @@
 </p:sld>
 </file>
 
+<file path=ppt/slides/slide34.xml><?xml version="1.0" encoding="utf-8"?>
+<p:sld xmlns:a="http://schemas.openxmlformats.org/drawingml/2006/main" xmlns:r="http://schemas.openxmlformats.org/officeDocument/2006/relationships" xmlns:p="http://schemas.openxmlformats.org/presentationml/2006/main">
+  <p:cSld>
+    <p:bg>
+      <p:bgPr>
+        <a:solidFill>
+          <a:schemeClr val="bg2"/>
+        </a:solidFill>
+        <a:effectLst/>
+      </p:bgPr>
+    </p:bg>
+    <p:spTree>
+      <p:nvGrpSpPr>
+        <p:cNvPr id="1" name=""/>
+        <p:cNvGrpSpPr/>
+        <p:nvPr/>
+      </p:nvGrpSpPr>
+      <p:grpSpPr>
+        <a:xfrm>
+          <a:off x="0" y="0"/>
+          <a:ext cx="0" cy="0"/>
+          <a:chOff x="0" y="0"/>
+          <a:chExt cx="0" cy="0"/>
+        </a:xfrm>
+      </p:grpSpPr>
+      <p:grpSp>
+        <p:nvGrpSpPr>
+          <p:cNvPr id="14" name="Group 13">
+            <a:extLst>
+              <a:ext uri="{FF2B5EF4-FFF2-40B4-BE49-F238E27FC236}">
+                <a16:creationId xmlns:a16="http://schemas.microsoft.com/office/drawing/2014/main" id="{449BC34D-9C23-4D6D-8213-1F471AF85B3F}"/>
+              </a:ext>
+              <a:ext uri="{C183D7F6-B498-43B3-948B-1728B52AA6E4}">
+                <adec:decorative xmlns:adec="http://schemas.microsoft.com/office/drawing/2017/decorative" val="1"/>
+              </a:ext>
+            </a:extLst>
+          </p:cNvPr>
+          <p:cNvGrpSpPr>
+            <a:grpSpLocks noGrp="1" noUngrp="1" noRot="1" noChangeAspect="1" noMove="1" noResize="1"/>
+          </p:cNvGrpSpPr>
+          <p:nvPr>
+            <p:extLst>
+              <p:ext uri="{386F3935-93C4-4BCD-93E2-E3B085C9AB24}">
+                <p16:designElem xmlns:p16="http://schemas.microsoft.com/office/powerpoint/2015/main" val="1"/>
+              </p:ext>
+            </p:extLst>
+          </p:nvPr>
+        </p:nvGrpSpPr>
+        <p:grpSpPr>
+          <a:xfrm>
+            <a:off x="752858" y="744469"/>
+            <a:ext cx="10674117" cy="5349671"/>
+            <a:chOff x="752858" y="744469"/>
+            <a:chExt cx="10674117" cy="5349671"/>
+          </a:xfrm>
+        </p:grpSpPr>
+        <p:sp>
+          <p:nvSpPr>
+            <p:cNvPr id="15" name="Freeform 6">
+              <a:extLst>
+                <a:ext uri="{FF2B5EF4-FFF2-40B4-BE49-F238E27FC236}">
+                  <a16:creationId xmlns:a16="http://schemas.microsoft.com/office/drawing/2014/main" id="{FA0F5D6C-5025-4D7E-82DD-C2C6FDA1E759}"/>
+                </a:ext>
+                <a:ext uri="{C183D7F6-B498-43B3-948B-1728B52AA6E4}">
+                  <adec:decorative xmlns:adec="http://schemas.microsoft.com/office/drawing/2017/decorative" val="1"/>
+                </a:ext>
+              </a:extLst>
+            </p:cNvPr>
+            <p:cNvSpPr/>
+            <p:nvPr>
+              <p:extLst>
+                <p:ext uri="{386F3935-93C4-4BCD-93E2-E3B085C9AB24}">
+                  <p16:designElem xmlns:p16="http://schemas.microsoft.com/office/powerpoint/2015/main" val="1"/>
+                </p:ext>
+              </p:extLst>
+            </p:nvPr>
+          </p:nvSpPr>
+          <p:spPr bwMode="auto">
+            <a:xfrm>
+              <a:off x="8151962" y="1685652"/>
+              <a:ext cx="3275013" cy="4408488"/>
+            </a:xfrm>
+            <a:custGeom>
+              <a:avLst/>
+              <a:gdLst/>
+              <a:ahLst/>
+              <a:cxnLst/>
+              <a:rect l="l" t="t" r="r" b="b"/>
+              <a:pathLst>
+                <a:path w="10000" h="10000">
+                  <a:moveTo>
+                    <a:pt x="8761" y="0"/>
+                  </a:moveTo>
+                  <a:lnTo>
+                    <a:pt x="10000" y="0"/>
+                  </a:lnTo>
+                  <a:lnTo>
+                    <a:pt x="10000" y="10000"/>
+                  </a:lnTo>
+                  <a:lnTo>
+                    <a:pt x="0" y="10000"/>
+                  </a:lnTo>
+                  <a:lnTo>
+                    <a:pt x="0" y="9126"/>
+                  </a:lnTo>
+                  <a:lnTo>
+                    <a:pt x="8761" y="9127"/>
+                  </a:lnTo>
+                  <a:lnTo>
+                    <a:pt x="8761" y="0"/>
+                  </a:lnTo>
+                  <a:close/>
+                </a:path>
+              </a:pathLst>
+            </a:custGeom>
+            <a:solidFill>
+              <a:schemeClr val="tx2"/>
+            </a:solidFill>
+            <a:ln w="0">
+              <a:noFill/>
+              <a:prstDash val="solid"/>
+              <a:round/>
+              <a:headEnd/>
+              <a:tailEnd/>
+            </a:ln>
+          </p:spPr>
+          <p:txBody>
+            <a:bodyPr/>
+            <a:lstStyle/>
+            <a:p>
+              <a:endParaRPr lang="es-CO"/>
+            </a:p>
+          </p:txBody>
+        </p:sp>
+        <p:sp>
+          <p:nvSpPr>
+            <p:cNvPr id="16" name="Freeform 6">
+              <a:extLst>
+                <a:ext uri="{FF2B5EF4-FFF2-40B4-BE49-F238E27FC236}">
+                  <a16:creationId xmlns:a16="http://schemas.microsoft.com/office/drawing/2014/main" id="{E2AF2C17-4AB4-4402-B84B-129EF95D161C}"/>
+                </a:ext>
+                <a:ext uri="{C183D7F6-B498-43B3-948B-1728B52AA6E4}">
+                  <adec:decorative xmlns:adec="http://schemas.microsoft.com/office/drawing/2017/decorative" val="1"/>
+                </a:ext>
+              </a:extLst>
+            </p:cNvPr>
+            <p:cNvSpPr/>
+            <p:nvPr>
+              <p:extLst>
+                <p:ext uri="{386F3935-93C4-4BCD-93E2-E3B085C9AB24}">
+                  <p16:designElem xmlns:p16="http://schemas.microsoft.com/office/powerpoint/2015/main" val="1"/>
+                </p:ext>
+              </p:extLst>
+            </p:nvPr>
+          </p:nvSpPr>
+          <p:spPr bwMode="auto">
+            <a:xfrm flipH="1" flipV="1">
+              <a:off x="752858" y="744469"/>
+              <a:ext cx="3275668" cy="4408488"/>
+            </a:xfrm>
+            <a:custGeom>
+              <a:avLst/>
+              <a:gdLst/>
+              <a:ahLst/>
+              <a:cxnLst/>
+              <a:rect l="l" t="t" r="r" b="b"/>
+              <a:pathLst>
+                <a:path w="10002" h="10000">
+                  <a:moveTo>
+                    <a:pt x="8763" y="0"/>
+                  </a:moveTo>
+                  <a:lnTo>
+                    <a:pt x="10002" y="0"/>
+                  </a:lnTo>
+                  <a:lnTo>
+                    <a:pt x="10002" y="10000"/>
+                  </a:lnTo>
+                  <a:lnTo>
+                    <a:pt x="2" y="10000"/>
+                  </a:lnTo>
+                  <a:cubicBezTo>
+                    <a:pt x="-2" y="9698"/>
+                    <a:pt x="4" y="9427"/>
+                    <a:pt x="0" y="9125"/>
+                  </a:cubicBezTo>
+                  <a:lnTo>
+                    <a:pt x="8763" y="9128"/>
+                  </a:lnTo>
+                  <a:lnTo>
+                    <a:pt x="8763" y="0"/>
+                  </a:lnTo>
+                  <a:close/>
+                </a:path>
+              </a:pathLst>
+            </a:custGeom>
+            <a:solidFill>
+              <a:schemeClr val="tx2"/>
+            </a:solidFill>
+            <a:ln w="0">
+              <a:noFill/>
+              <a:prstDash val="solid"/>
+              <a:round/>
+              <a:headEnd/>
+              <a:tailEnd/>
+            </a:ln>
+          </p:spPr>
+          <p:txBody>
+            <a:bodyPr/>
+            <a:lstStyle/>
+            <a:p>
+              <a:endParaRPr lang="es-CO"/>
+            </a:p>
+          </p:txBody>
+        </p:sp>
+      </p:grpSp>
+      <p:sp useBgFill="1">
+        <p:nvSpPr>
+          <p:cNvPr id="18" name="Rectangle 17">
+            <a:extLst>
+              <a:ext uri="{FF2B5EF4-FFF2-40B4-BE49-F238E27FC236}">
+                <a16:creationId xmlns:a16="http://schemas.microsoft.com/office/drawing/2014/main" id="{1E954AF0-B5CC-4A16-ACDA-675B5694F2C8}"/>
+              </a:ext>
+              <a:ext uri="{C183D7F6-B498-43B3-948B-1728B52AA6E4}">
+                <adec:decorative xmlns:adec="http://schemas.microsoft.com/office/drawing/2017/decorative" val="1"/>
+              </a:ext>
+            </a:extLst>
+          </p:cNvPr>
+          <p:cNvSpPr>
+            <a:spLocks noGrp="1" noRot="1" noChangeAspect="1" noMove="1" noResize="1" noEditPoints="1" noAdjustHandles="1" noChangeArrowheads="1" noChangeShapeType="1" noTextEdit="1"/>
+          </p:cNvSpPr>
+          <p:nvPr>
+            <p:extLst>
+              <p:ext uri="{386F3935-93C4-4BCD-93E2-E3B085C9AB24}">
+                <p16:designElem xmlns:p16="http://schemas.microsoft.com/office/powerpoint/2015/main" val="1"/>
+              </p:ext>
+            </p:extLst>
+          </p:nvPr>
+        </p:nvSpPr>
+        <p:spPr bwMode="grayWhite">
+          <a:xfrm>
+            <a:off x="0" y="0"/>
+            <a:ext cx="12192000" cy="6858000"/>
+          </a:xfrm>
+          <a:prstGeom prst="rect">
+            <a:avLst/>
+          </a:prstGeom>
+          <a:ln>
+            <a:noFill/>
+          </a:ln>
+        </p:spPr>
+        <p:style>
+          <a:lnRef idx="2">
+            <a:schemeClr val="accent1">
+              <a:shade val="50000"/>
+            </a:schemeClr>
+          </a:lnRef>
+          <a:fillRef idx="1">
+            <a:schemeClr val="accent1"/>
+          </a:fillRef>
+          <a:effectRef idx="0">
+            <a:schemeClr val="accent1"/>
+          </a:effectRef>
+          <a:fontRef idx="minor">
+            <a:schemeClr val="lt1"/>
+          </a:fontRef>
+        </p:style>
+        <p:txBody>
+          <a:bodyPr rtlCol="0" anchor="ctr"/>
+          <a:lstStyle/>
+          <a:p>
+            <a:pPr algn="ctr"/>
+            <a:endParaRPr lang="en-US"/>
+          </a:p>
+        </p:txBody>
+      </p:sp>
+      <p:pic>
+        <p:nvPicPr>
+          <p:cNvPr id="9" name="Imagen 8" descr="Interfaz de usuario gráfica, Tabla&#10;&#10;Descripción generada automáticamente con confianza media">
+            <a:extLst>
+              <a:ext uri="{FF2B5EF4-FFF2-40B4-BE49-F238E27FC236}">
+                <a16:creationId xmlns:a16="http://schemas.microsoft.com/office/drawing/2014/main" id="{9788BC3E-9BB2-6DE9-E144-08D8D68F526F}"/>
+              </a:ext>
+            </a:extLst>
+          </p:cNvPr>
+          <p:cNvPicPr>
+            <a:picLocks noChangeAspect="1"/>
+          </p:cNvPicPr>
+          <p:nvPr/>
+        </p:nvPicPr>
+        <p:blipFill>
+          <a:blip r:embed="rId2"/>
+          <a:stretch>
+            <a:fillRect/>
+          </a:stretch>
+        </p:blipFill>
+        <p:spPr>
+          <a:xfrm>
+            <a:off x="832080" y="640080"/>
+            <a:ext cx="6504770" cy="5577840"/>
+          </a:xfrm>
+          <a:prstGeom prst="rect">
+            <a:avLst/>
+          </a:prstGeom>
+        </p:spPr>
+      </p:pic>
+      <p:sp>
+        <p:nvSpPr>
+          <p:cNvPr id="20" name="Freeform 6">
+            <a:extLst>
+              <a:ext uri="{FF2B5EF4-FFF2-40B4-BE49-F238E27FC236}">
+                <a16:creationId xmlns:a16="http://schemas.microsoft.com/office/drawing/2014/main" id="{325322DD-3792-4947-A96A-1B6D9D786960}"/>
+              </a:ext>
+              <a:ext uri="{C183D7F6-B498-43B3-948B-1728B52AA6E4}">
+                <adec:decorative xmlns:adec="http://schemas.microsoft.com/office/drawing/2017/decorative" val="1"/>
+              </a:ext>
+            </a:extLst>
+          </p:cNvPr>
+          <p:cNvSpPr>
+            <a:spLocks noGrp="1" noRot="1" noChangeAspect="1" noMove="1" noResize="1" noEditPoints="1" noAdjustHandles="1" noChangeArrowheads="1" noChangeShapeType="1" noTextEdit="1"/>
+          </p:cNvSpPr>
+          <p:nvPr>
+            <p:extLst>
+              <p:ext uri="{386F3935-93C4-4BCD-93E2-E3B085C9AB24}">
+                <p16:designElem xmlns:p16="http://schemas.microsoft.com/office/powerpoint/2015/main" val="1"/>
+              </p:ext>
+            </p:extLst>
+          </p:nvPr>
+        </p:nvSpPr>
+        <p:spPr bwMode="auto">
+          <a:xfrm flipH="1" flipV="1">
+            <a:off x="7983434" y="640080"/>
+            <a:ext cx="2296028" cy="3674981"/>
+          </a:xfrm>
+          <a:custGeom>
+            <a:avLst/>
+            <a:gdLst/>
+            <a:ahLst/>
+            <a:cxnLst/>
+            <a:rect l="l" t="t" r="r" b="b"/>
+            <a:pathLst>
+              <a:path w="10002" h="10000">
+                <a:moveTo>
+                  <a:pt x="8763" y="0"/>
+                </a:moveTo>
+                <a:lnTo>
+                  <a:pt x="10002" y="0"/>
+                </a:lnTo>
+                <a:lnTo>
+                  <a:pt x="10002" y="10000"/>
+                </a:lnTo>
+                <a:lnTo>
+                  <a:pt x="2" y="10000"/>
+                </a:lnTo>
+                <a:cubicBezTo>
+                  <a:pt x="-2" y="9698"/>
+                  <a:pt x="4" y="9427"/>
+                  <a:pt x="0" y="9125"/>
+                </a:cubicBezTo>
+                <a:lnTo>
+                  <a:pt x="8763" y="9128"/>
+                </a:lnTo>
+                <a:lnTo>
+                  <a:pt x="8763" y="0"/>
+                </a:lnTo>
+                <a:close/>
+              </a:path>
+            </a:pathLst>
+          </a:custGeom>
+          <a:solidFill>
+            <a:schemeClr val="tx2"/>
+          </a:solidFill>
+          <a:ln w="0">
+            <a:noFill/>
+            <a:prstDash val="solid"/>
+            <a:round/>
+            <a:headEnd/>
+            <a:tailEnd/>
+          </a:ln>
+        </p:spPr>
+        <p:txBody>
+          <a:bodyPr/>
+          <a:lstStyle/>
+          <a:p>
+            <a:endParaRPr lang="es-CO"/>
+          </a:p>
+        </p:txBody>
+      </p:sp>
+      <p:sp>
+        <p:nvSpPr>
+          <p:cNvPr id="2" name="Título 1">
+            <a:extLst>
+              <a:ext uri="{FF2B5EF4-FFF2-40B4-BE49-F238E27FC236}">
+                <a16:creationId xmlns:a16="http://schemas.microsoft.com/office/drawing/2014/main" id="{51C3522B-5A86-F586-AAE6-1D9305F4189D}"/>
+              </a:ext>
+            </a:extLst>
+          </p:cNvPr>
+          <p:cNvSpPr>
+            <a:spLocks noGrp="1"/>
+          </p:cNvSpPr>
+          <p:nvPr>
+            <p:ph type="title"/>
+          </p:nvPr>
+        </p:nvSpPr>
+        <p:spPr>
+          <a:xfrm>
+            <a:off x="8569666" y="1314922"/>
+            <a:ext cx="3176246" cy="3000139"/>
+          </a:xfrm>
+        </p:spPr>
+        <p:txBody>
+          <a:bodyPr vert="horz" lIns="91440" tIns="45720" rIns="91440" bIns="45720" rtlCol="0" anchor="b">
+            <a:normAutofit/>
+          </a:bodyPr>
+          <a:lstStyle/>
+          <a:p>
+            <a:r>
+              <a:rPr lang="en-US" sz="4800" cap="all" dirty="0"/>
+              <a:t>FICHA TECNICA</a:t>
+            </a:r>
+          </a:p>
+        </p:txBody>
+      </p:sp>
+      <p:sp>
+        <p:nvSpPr>
+          <p:cNvPr id="5" name="Título 1">
+            <a:extLst>
+              <a:ext uri="{FF2B5EF4-FFF2-40B4-BE49-F238E27FC236}">
+                <a16:creationId xmlns:a16="http://schemas.microsoft.com/office/drawing/2014/main" id="{886E3BB3-C1DF-7462-F497-AE7B2F41A0B1}"/>
+              </a:ext>
+            </a:extLst>
+          </p:cNvPr>
+          <p:cNvSpPr txBox="1">
+            <a:spLocks/>
+          </p:cNvSpPr>
+          <p:nvPr/>
+        </p:nvSpPr>
+        <p:spPr>
+          <a:xfrm>
+            <a:off x="8151962" y="5360633"/>
+            <a:ext cx="3176246" cy="758248"/>
+          </a:xfrm>
+          <a:prstGeom prst="rect">
+            <a:avLst/>
+          </a:prstGeom>
+        </p:spPr>
+        <p:txBody>
+          <a:bodyPr vert="horz" lIns="91440" tIns="45720" rIns="91440" bIns="45720" rtlCol="0" anchor="b">
+            <a:normAutofit fontScale="62500" lnSpcReduction="20000"/>
+          </a:bodyPr>
+          <a:lstStyle>
+            <a:lvl1pPr algn="l" defTabSz="914400" rtl="0" eaLnBrk="1" latinLnBrk="0" hangingPunct="1">
+              <a:lnSpc>
+                <a:spcPct val="89000"/>
+              </a:lnSpc>
+              <a:spcBef>
+                <a:spcPct val="0"/>
+              </a:spcBef>
+              <a:buNone/>
+              <a:defRPr sz="4400" kern="1200" baseline="0">
+                <a:solidFill>
+                  <a:schemeClr val="tx2"/>
+                </a:solidFill>
+                <a:latin typeface="+mj-lt"/>
+                <a:ea typeface="+mj-ea"/>
+                <a:cs typeface="+mj-cs"/>
+              </a:defRPr>
+            </a:lvl1pPr>
+          </a:lstStyle>
+          <a:p>
+            <a:r>
+              <a:rPr lang="en-US" sz="4800" cap="all" dirty="0">
+                <a:hlinkClick r:id="rId3" action="ppaction://hlinkfile"/>
+              </a:rPr>
+              <a:t>Fichas_tecnicas_proyecto.xlsx</a:t>
+            </a:r>
+            <a:endParaRPr lang="en-US" sz="4800" cap="all" dirty="0"/>
+          </a:p>
+        </p:txBody>
+      </p:sp>
+    </p:spTree>
+    <p:extLst>
+      <p:ext uri="{BB962C8B-B14F-4D97-AF65-F5344CB8AC3E}">
+        <p14:creationId xmlns:p14="http://schemas.microsoft.com/office/powerpoint/2010/main" val="2107172437"/>
+      </p:ext>
+    </p:extLst>
+  </p:cSld>
+  <p:clrMapOvr>
+    <a:overrideClrMapping bg1="dk1" tx1="lt1" bg2="dk2" tx2="lt2" accent1="accent1" accent2="accent2" accent3="accent3" accent4="accent4" accent5="accent5" accent6="accent6" hlink="hlink" folHlink="folHlink"/>
+  </p:clrMapOvr>
+</p:sld>
+</file>
+
 <file path=ppt/slides/slide4.xml><?xml version="1.0" encoding="utf-8"?>
 <p:sld xmlns:a="http://schemas.openxmlformats.org/drawingml/2006/main" xmlns:r="http://schemas.openxmlformats.org/officeDocument/2006/relationships" xmlns:p="http://schemas.openxmlformats.org/presentationml/2006/main">
   <p:cSld>
@@ -11872,42 +13797,6 @@
           </a:prstGeom>
         </p:spPr>
       </p:pic>
-      <p:sp>
-        <p:nvSpPr>
-          <p:cNvPr id="4" name="CuadroTexto 3">
-            <a:hlinkClick r:id="rId3" action="ppaction://hlinkfile"/>
-            <a:extLst>
-              <a:ext uri="{FF2B5EF4-FFF2-40B4-BE49-F238E27FC236}">
-                <a16:creationId xmlns:a16="http://schemas.microsoft.com/office/drawing/2014/main" id="{71929D20-E134-69E8-F527-7E0DBC203DBC}"/>
-              </a:ext>
-            </a:extLst>
-          </p:cNvPr>
-          <p:cNvSpPr txBox="1"/>
-          <p:nvPr/>
-        </p:nvSpPr>
-        <p:spPr>
-          <a:xfrm>
-            <a:off x="4305783" y="6215606"/>
-            <a:ext cx="2952796" cy="369332"/>
-          </a:xfrm>
-          <a:prstGeom prst="rect">
-            <a:avLst/>
-          </a:prstGeom>
-          <a:noFill/>
-        </p:spPr>
-        <p:txBody>
-          <a:bodyPr wrap="none" rtlCol="0">
-            <a:spAutoFit/>
-          </a:bodyPr>
-          <a:lstStyle/>
-          <a:p>
-            <a:r>
-              <a:rPr lang="es-CO" dirty="0"/>
-              <a:t>Creación de tablas completo</a:t>
-            </a:r>
-          </a:p>
-        </p:txBody>
-      </p:sp>
     </p:spTree>
     <p:extLst>
       <p:ext uri="{BB962C8B-B14F-4D97-AF65-F5344CB8AC3E}">
@@ -11982,12 +13871,25 @@
             <p:ph type="body" idx="1"/>
           </p:nvPr>
         </p:nvSpPr>
-        <p:spPr/>
+        <p:spPr>
+          <a:xfrm>
+            <a:off x="765025" y="5658415"/>
+            <a:ext cx="1385180" cy="660903"/>
+          </a:xfrm>
+        </p:spPr>
         <p:txBody>
-          <a:bodyPr/>
+          <a:bodyPr>
+            <a:normAutofit/>
+          </a:bodyPr>
           <a:lstStyle/>
           <a:p>
-            <a:endParaRPr lang="es-CO"/>
+            <a:r>
+              <a:rPr lang="es-CO" sz="2300" dirty="0" err="1">
+                <a:hlinkClick r:id="rId2" action="ppaction://hlinkfile"/>
+              </a:rPr>
+              <a:t>DML.sql</a:t>
+            </a:r>
+            <a:endParaRPr lang="es-CO" sz="2300" dirty="0"/>
           </a:p>
         </p:txBody>
       </p:sp>
@@ -12109,42 +14011,6 @@
           </a:prstGeom>
         </p:spPr>
       </p:pic>
-      <p:sp>
-        <p:nvSpPr>
-          <p:cNvPr id="8" name="CuadroTexto 7">
-            <a:hlinkClick r:id="rId4" action="ppaction://hlinkfile"/>
-            <a:extLst>
-              <a:ext uri="{FF2B5EF4-FFF2-40B4-BE49-F238E27FC236}">
-                <a16:creationId xmlns:a16="http://schemas.microsoft.com/office/drawing/2014/main" id="{678DE765-5BDD-9B11-DEB7-C72D998CF417}"/>
-              </a:ext>
-            </a:extLst>
-          </p:cNvPr>
-          <p:cNvSpPr txBox="1"/>
-          <p:nvPr/>
-        </p:nvSpPr>
-        <p:spPr>
-          <a:xfrm>
-            <a:off x="4703144" y="6385052"/>
-            <a:ext cx="2938112" cy="369332"/>
-          </a:xfrm>
-          <a:prstGeom prst="rect">
-            <a:avLst/>
-          </a:prstGeom>
-          <a:noFill/>
-        </p:spPr>
-        <p:txBody>
-          <a:bodyPr wrap="none" rtlCol="0">
-            <a:spAutoFit/>
-          </a:bodyPr>
-          <a:lstStyle/>
-          <a:p>
-            <a:r>
-              <a:rPr lang="es-CO" dirty="0"/>
-              <a:t>Inserción de datos completa</a:t>
-            </a:r>
-          </a:p>
-        </p:txBody>
-      </p:sp>
     </p:spTree>
     <p:extLst>
       <p:ext uri="{BB962C8B-B14F-4D97-AF65-F5344CB8AC3E}">
@@ -12228,6 +14094,251 @@
               <a:rPr lang="es-CO" dirty="0"/>
               <a:t>Valor agregado de seguridad</a:t>
             </a:r>
+          </a:p>
+        </p:txBody>
+      </p:sp>
+      <p:sp>
+        <p:nvSpPr>
+          <p:cNvPr id="4" name="Marcador de texto 2">
+            <a:extLst>
+              <a:ext uri="{FF2B5EF4-FFF2-40B4-BE49-F238E27FC236}">
+                <a16:creationId xmlns:a16="http://schemas.microsoft.com/office/drawing/2014/main" id="{810F930D-E1CB-554C-D8A2-78ABD21B8266}"/>
+              </a:ext>
+            </a:extLst>
+          </p:cNvPr>
+          <p:cNvSpPr txBox="1">
+            <a:spLocks/>
+          </p:cNvSpPr>
+          <p:nvPr/>
+        </p:nvSpPr>
+        <p:spPr>
+          <a:xfrm>
+            <a:off x="765025" y="5814264"/>
+            <a:ext cx="1990007" cy="550322"/>
+          </a:xfrm>
+          <a:prstGeom prst="rect">
+            <a:avLst/>
+          </a:prstGeom>
+        </p:spPr>
+        <p:txBody>
+          <a:bodyPr vert="horz" lIns="91440" tIns="45720" rIns="91440" bIns="45720" rtlCol="0">
+            <a:normAutofit/>
+          </a:bodyPr>
+          <a:lstStyle>
+            <a:lvl1pPr marL="0" indent="0" algn="r" defTabSz="914400" rtl="0" eaLnBrk="1" latinLnBrk="0" hangingPunct="1">
+              <a:lnSpc>
+                <a:spcPct val="112000"/>
+              </a:lnSpc>
+              <a:spcBef>
+                <a:spcPts val="0"/>
+              </a:spcBef>
+              <a:spcAft>
+                <a:spcPts val="0"/>
+              </a:spcAft>
+              <a:buFont typeface="Franklin Gothic Book" panose="020B0503020102020204" pitchFamily="34" charset="0"/>
+              <a:buNone/>
+              <a:defRPr sz="2400" kern="1200" baseline="0">
+                <a:solidFill>
+                  <a:schemeClr val="tx2"/>
+                </a:solidFill>
+                <a:latin typeface="+mn-lt"/>
+                <a:ea typeface="+mn-ea"/>
+                <a:cs typeface="+mn-cs"/>
+              </a:defRPr>
+            </a:lvl1pPr>
+            <a:lvl2pPr marL="457200" indent="0" algn="l" defTabSz="914400" rtl="0" eaLnBrk="1" latinLnBrk="0" hangingPunct="1">
+              <a:lnSpc>
+                <a:spcPct val="94000"/>
+              </a:lnSpc>
+              <a:spcBef>
+                <a:spcPts val="500"/>
+              </a:spcBef>
+              <a:spcAft>
+                <a:spcPts val="200"/>
+              </a:spcAft>
+              <a:buFont typeface="Franklin Gothic Book" panose="020B0503020102020204" pitchFamily="34" charset="0"/>
+              <a:buNone/>
+              <a:defRPr sz="2000" i="1" kern="1200" baseline="0">
+                <a:solidFill>
+                  <a:schemeClr val="tx1">
+                    <a:tint val="75000"/>
+                  </a:schemeClr>
+                </a:solidFill>
+                <a:latin typeface="+mn-lt"/>
+                <a:ea typeface="+mn-ea"/>
+                <a:cs typeface="+mn-cs"/>
+              </a:defRPr>
+            </a:lvl2pPr>
+            <a:lvl3pPr marL="914400" indent="0" algn="l" defTabSz="914400" rtl="0" eaLnBrk="1" latinLnBrk="0" hangingPunct="1">
+              <a:lnSpc>
+                <a:spcPct val="94000"/>
+              </a:lnSpc>
+              <a:spcBef>
+                <a:spcPts val="500"/>
+              </a:spcBef>
+              <a:spcAft>
+                <a:spcPts val="200"/>
+              </a:spcAft>
+              <a:buFont typeface="Franklin Gothic Book" panose="020B0503020102020204" pitchFamily="34" charset="0"/>
+              <a:buNone/>
+              <a:defRPr sz="1800" kern="1200" baseline="0">
+                <a:solidFill>
+                  <a:schemeClr val="tx1">
+                    <a:tint val="75000"/>
+                  </a:schemeClr>
+                </a:solidFill>
+                <a:latin typeface="+mn-lt"/>
+                <a:ea typeface="+mn-ea"/>
+                <a:cs typeface="+mn-cs"/>
+              </a:defRPr>
+            </a:lvl3pPr>
+            <a:lvl4pPr marL="1371600" indent="0" algn="l" defTabSz="914400" rtl="0" eaLnBrk="1" latinLnBrk="0" hangingPunct="1">
+              <a:lnSpc>
+                <a:spcPct val="94000"/>
+              </a:lnSpc>
+              <a:spcBef>
+                <a:spcPts val="500"/>
+              </a:spcBef>
+              <a:spcAft>
+                <a:spcPts val="200"/>
+              </a:spcAft>
+              <a:buFont typeface="Franklin Gothic Book" panose="020B0503020102020204" pitchFamily="34" charset="0"/>
+              <a:buNone/>
+              <a:defRPr sz="1600" i="1" kern="1200" baseline="0">
+                <a:solidFill>
+                  <a:schemeClr val="tx1">
+                    <a:tint val="75000"/>
+                  </a:schemeClr>
+                </a:solidFill>
+                <a:latin typeface="+mn-lt"/>
+                <a:ea typeface="+mn-ea"/>
+                <a:cs typeface="+mn-cs"/>
+              </a:defRPr>
+            </a:lvl4pPr>
+            <a:lvl5pPr marL="1828800" indent="0" algn="l" defTabSz="914400" rtl="0" eaLnBrk="1" latinLnBrk="0" hangingPunct="1">
+              <a:lnSpc>
+                <a:spcPct val="94000"/>
+              </a:lnSpc>
+              <a:spcBef>
+                <a:spcPts val="500"/>
+              </a:spcBef>
+              <a:spcAft>
+                <a:spcPts val="200"/>
+              </a:spcAft>
+              <a:buFont typeface="Franklin Gothic Book" panose="020B0503020102020204" pitchFamily="34" charset="0"/>
+              <a:buNone/>
+              <a:defRPr sz="1600" kern="1200" baseline="0">
+                <a:solidFill>
+                  <a:schemeClr val="tx1">
+                    <a:tint val="75000"/>
+                  </a:schemeClr>
+                </a:solidFill>
+                <a:latin typeface="+mn-lt"/>
+                <a:ea typeface="+mn-ea"/>
+                <a:cs typeface="+mn-cs"/>
+              </a:defRPr>
+            </a:lvl5pPr>
+            <a:lvl6pPr marL="2286000" indent="0" algn="l" defTabSz="914400" rtl="0" eaLnBrk="1" latinLnBrk="0" hangingPunct="1">
+              <a:lnSpc>
+                <a:spcPct val="94000"/>
+              </a:lnSpc>
+              <a:spcBef>
+                <a:spcPts val="500"/>
+              </a:spcBef>
+              <a:spcAft>
+                <a:spcPts val="200"/>
+              </a:spcAft>
+              <a:buFont typeface="Franklin Gothic Book" panose="020B0503020102020204" pitchFamily="34" charset="0"/>
+              <a:buNone/>
+              <a:defRPr sz="1600" i="1" kern="1200" baseline="0">
+                <a:solidFill>
+                  <a:schemeClr val="tx1">
+                    <a:tint val="75000"/>
+                  </a:schemeClr>
+                </a:solidFill>
+                <a:latin typeface="+mn-lt"/>
+                <a:ea typeface="+mn-ea"/>
+                <a:cs typeface="+mn-cs"/>
+              </a:defRPr>
+            </a:lvl6pPr>
+            <a:lvl7pPr marL="2743200" indent="0" algn="l" defTabSz="914400" rtl="0" eaLnBrk="1" latinLnBrk="0" hangingPunct="1">
+              <a:lnSpc>
+                <a:spcPct val="94000"/>
+              </a:lnSpc>
+              <a:spcBef>
+                <a:spcPts val="500"/>
+              </a:spcBef>
+              <a:spcAft>
+                <a:spcPts val="200"/>
+              </a:spcAft>
+              <a:buFont typeface="Franklin Gothic Book" panose="020B0503020102020204" pitchFamily="34" charset="0"/>
+              <a:buNone/>
+              <a:defRPr sz="1600" kern="1200" baseline="0">
+                <a:solidFill>
+                  <a:schemeClr val="tx1">
+                    <a:tint val="75000"/>
+                  </a:schemeClr>
+                </a:solidFill>
+                <a:latin typeface="+mn-lt"/>
+                <a:ea typeface="+mn-ea"/>
+                <a:cs typeface="+mn-cs"/>
+              </a:defRPr>
+            </a:lvl7pPr>
+            <a:lvl8pPr marL="3200400" indent="0" algn="l" defTabSz="914400" rtl="0" eaLnBrk="1" latinLnBrk="0" hangingPunct="1">
+              <a:lnSpc>
+                <a:spcPct val="94000"/>
+              </a:lnSpc>
+              <a:spcBef>
+                <a:spcPts val="500"/>
+              </a:spcBef>
+              <a:spcAft>
+                <a:spcPts val="200"/>
+              </a:spcAft>
+              <a:buFont typeface="Franklin Gothic Book" panose="020B0503020102020204" pitchFamily="34" charset="0"/>
+              <a:buNone/>
+              <a:defRPr sz="1600" i="1" kern="1200" baseline="0">
+                <a:solidFill>
+                  <a:schemeClr val="tx1">
+                    <a:tint val="75000"/>
+                  </a:schemeClr>
+                </a:solidFill>
+                <a:latin typeface="+mn-lt"/>
+                <a:ea typeface="+mn-ea"/>
+                <a:cs typeface="+mn-cs"/>
+              </a:defRPr>
+            </a:lvl8pPr>
+            <a:lvl9pPr marL="3657600" indent="0" algn="l" defTabSz="914400" rtl="0" eaLnBrk="1" latinLnBrk="0" hangingPunct="1">
+              <a:lnSpc>
+                <a:spcPct val="94000"/>
+              </a:lnSpc>
+              <a:spcBef>
+                <a:spcPts val="500"/>
+              </a:spcBef>
+              <a:spcAft>
+                <a:spcPts val="200"/>
+              </a:spcAft>
+              <a:buFont typeface="Franklin Gothic Book" panose="020B0503020102020204" pitchFamily="34" charset="0"/>
+              <a:buNone/>
+              <a:defRPr sz="1600" kern="1200" baseline="0">
+                <a:solidFill>
+                  <a:schemeClr val="tx1">
+                    <a:tint val="75000"/>
+                  </a:schemeClr>
+                </a:solidFill>
+                <a:latin typeface="+mn-lt"/>
+                <a:ea typeface="+mn-ea"/>
+                <a:cs typeface="+mn-cs"/>
+              </a:defRPr>
+            </a:lvl9pPr>
+          </a:lstStyle>
+          <a:p>
+            <a:r>
+              <a:rPr lang="es-CO" sz="2300" dirty="0" err="1">
+                <a:hlinkClick r:id="rId2" action="ppaction://hlinkfile"/>
+              </a:rPr>
+              <a:t>Seguridad.sql</a:t>
+            </a:r>
+            <a:endParaRPr lang="es-CO" sz="2300" dirty="0"/>
           </a:p>
         </p:txBody>
       </p:sp>
@@ -12500,4 +14611,319 @@
     </a:ext>
   </a:extLst>
 </a:theme>
+</file>
+
+<file path=ppt/theme/theme2.xml><?xml version="1.0" encoding="utf-8"?>
+<a:theme xmlns:a="http://schemas.openxmlformats.org/drawingml/2006/main" name="Tema de Office">
+  <a:themeElements>
+    <a:clrScheme name="Office">
+      <a:dk1>
+        <a:sysClr val="windowText" lastClr="000000"/>
+      </a:dk1>
+      <a:lt1>
+        <a:sysClr val="window" lastClr="FFFFFF"/>
+      </a:lt1>
+      <a:dk2>
+        <a:srgbClr val="0E2841"/>
+      </a:dk2>
+      <a:lt2>
+        <a:srgbClr val="E8E8E8"/>
+      </a:lt2>
+      <a:accent1>
+        <a:srgbClr val="156082"/>
+      </a:accent1>
+      <a:accent2>
+        <a:srgbClr val="E97132"/>
+      </a:accent2>
+      <a:accent3>
+        <a:srgbClr val="196B24"/>
+      </a:accent3>
+      <a:accent4>
+        <a:srgbClr val="0F9ED5"/>
+      </a:accent4>
+      <a:accent5>
+        <a:srgbClr val="A02B93"/>
+      </a:accent5>
+      <a:accent6>
+        <a:srgbClr val="4EA72E"/>
+      </a:accent6>
+      <a:hlink>
+        <a:srgbClr val="467886"/>
+      </a:hlink>
+      <a:folHlink>
+        <a:srgbClr val="96607D"/>
+      </a:folHlink>
+    </a:clrScheme>
+    <a:fontScheme name="Office">
+      <a:majorFont>
+        <a:latin typeface="Aptos Display" panose="02110004020202020204"/>
+        <a:ea typeface=""/>
+        <a:cs typeface=""/>
+        <a:font script="Jpan" typeface="游ゴシック Light"/>
+        <a:font script="Hang" typeface="맑은 고딕"/>
+        <a:font script="Hans" typeface="等线 Light"/>
+        <a:font script="Hant" typeface="新細明體"/>
+        <a:font script="Arab" typeface="Times New Roman"/>
+        <a:font script="Hebr" typeface="Times New Roman"/>
+        <a:font script="Thai" typeface="Angsana New"/>
+        <a:font script="Ethi" typeface="Nyala"/>
+        <a:font script="Beng" typeface="Vrinda"/>
+        <a:font script="Gujr" typeface="Shruti"/>
+        <a:font script="Khmr" typeface="MoolBoran"/>
+        <a:font script="Knda" typeface="Tunga"/>
+        <a:font script="Guru" typeface="Raavi"/>
+        <a:font script="Cans" typeface="Euphemia"/>
+        <a:font script="Cher" typeface="Plantagenet Cherokee"/>
+        <a:font script="Yiii" typeface="Microsoft Yi Baiti"/>
+        <a:font script="Tibt" typeface="Microsoft Himalaya"/>
+        <a:font script="Thaa" typeface="MV Boli"/>
+        <a:font script="Deva" typeface="Mangal"/>
+        <a:font script="Telu" typeface="Gautami"/>
+        <a:font script="Taml" typeface="Latha"/>
+        <a:font script="Syrc" typeface="Estrangelo Edessa"/>
+        <a:font script="Orya" typeface="Kalinga"/>
+        <a:font script="Mlym" typeface="Kartika"/>
+        <a:font script="Laoo" typeface="DokChampa"/>
+        <a:font script="Sinh" typeface="Iskoola Pota"/>
+        <a:font script="Mong" typeface="Mongolian Baiti"/>
+        <a:font script="Viet" typeface="Times New Roman"/>
+        <a:font script="Uigh" typeface="Microsoft Uighur"/>
+        <a:font script="Geor" typeface="Sylfaen"/>
+        <a:font script="Armn" typeface="Arial"/>
+        <a:font script="Bugi" typeface="Leelawadee UI"/>
+        <a:font script="Bopo" typeface="Microsoft JhengHei"/>
+        <a:font script="Java" typeface="Javanese Text"/>
+        <a:font script="Lisu" typeface="Segoe UI"/>
+        <a:font script="Mymr" typeface="Myanmar Text"/>
+        <a:font script="Nkoo" typeface="Ebrima"/>
+        <a:font script="Olck" typeface="Nirmala UI"/>
+        <a:font script="Osma" typeface="Ebrima"/>
+        <a:font script="Phag" typeface="Phagspa"/>
+        <a:font script="Syrn" typeface="Estrangelo Edessa"/>
+        <a:font script="Syrj" typeface="Estrangelo Edessa"/>
+        <a:font script="Syre" typeface="Estrangelo Edessa"/>
+        <a:font script="Sora" typeface="Nirmala UI"/>
+        <a:font script="Tale" typeface="Microsoft Tai Le"/>
+        <a:font script="Talu" typeface="Microsoft New Tai Lue"/>
+        <a:font script="Tfng" typeface="Ebrima"/>
+      </a:majorFont>
+      <a:minorFont>
+        <a:latin typeface="Aptos" panose="02110004020202020204"/>
+        <a:ea typeface=""/>
+        <a:cs typeface=""/>
+        <a:font script="Jpan" typeface="游ゴシック"/>
+        <a:font script="Hang" typeface="맑은 고딕"/>
+        <a:font script="Hans" typeface="等线"/>
+        <a:font script="Hant" typeface="新細明體"/>
+        <a:font script="Arab" typeface="Arial"/>
+        <a:font script="Hebr" typeface="Arial"/>
+        <a:font script="Thai" typeface="Cordia New"/>
+        <a:font script="Ethi" typeface="Nyala"/>
+        <a:font script="Beng" typeface="Vrinda"/>
+        <a:font script="Gujr" typeface="Shruti"/>
+        <a:font script="Khmr" typeface="DaunPenh"/>
+        <a:font script="Knda" typeface="Tunga"/>
+        <a:font script="Guru" typeface="Raavi"/>
+        <a:font script="Cans" typeface="Euphemia"/>
+        <a:font script="Cher" typeface="Plantagenet Cherokee"/>
+        <a:font script="Yiii" typeface="Microsoft Yi Baiti"/>
+        <a:font script="Tibt" typeface="Microsoft Himalaya"/>
+        <a:font script="Thaa" typeface="MV Boli"/>
+        <a:font script="Deva" typeface="Mangal"/>
+        <a:font script="Telu" typeface="Gautami"/>
+        <a:font script="Taml" typeface="Latha"/>
+        <a:font script="Syrc" typeface="Estrangelo Edessa"/>
+        <a:font script="Orya" typeface="Kalinga"/>
+        <a:font script="Mlym" typeface="Kartika"/>
+        <a:font script="Laoo" typeface="DokChampa"/>
+        <a:font script="Sinh" typeface="Iskoola Pota"/>
+        <a:font script="Mong" typeface="Mongolian Baiti"/>
+        <a:font script="Viet" typeface="Arial"/>
+        <a:font script="Uigh" typeface="Microsoft Uighur"/>
+        <a:font script="Geor" typeface="Sylfaen"/>
+        <a:font script="Armn" typeface="Arial"/>
+        <a:font script="Bugi" typeface="Leelawadee UI"/>
+        <a:font script="Bopo" typeface="Microsoft JhengHei"/>
+        <a:font script="Java" typeface="Javanese Text"/>
+        <a:font script="Lisu" typeface="Segoe UI"/>
+        <a:font script="Mymr" typeface="Myanmar Text"/>
+        <a:font script="Nkoo" typeface="Ebrima"/>
+        <a:font script="Olck" typeface="Nirmala UI"/>
+        <a:font script="Osma" typeface="Ebrima"/>
+        <a:font script="Phag" typeface="Phagspa"/>
+        <a:font script="Syrn" typeface="Estrangelo Edessa"/>
+        <a:font script="Syrj" typeface="Estrangelo Edessa"/>
+        <a:font script="Syre" typeface="Estrangelo Edessa"/>
+        <a:font script="Sora" typeface="Nirmala UI"/>
+        <a:font script="Tale" typeface="Microsoft Tai Le"/>
+        <a:font script="Talu" typeface="Microsoft New Tai Lue"/>
+        <a:font script="Tfng" typeface="Ebrima"/>
+      </a:minorFont>
+    </a:fontScheme>
+    <a:fmtScheme name="Office">
+      <a:fillStyleLst>
+        <a:solidFill>
+          <a:schemeClr val="phClr"/>
+        </a:solidFill>
+        <a:gradFill rotWithShape="1">
+          <a:gsLst>
+            <a:gs pos="0">
+              <a:schemeClr val="phClr">
+                <a:lumMod val="110000"/>
+                <a:satMod val="105000"/>
+                <a:tint val="67000"/>
+              </a:schemeClr>
+            </a:gs>
+            <a:gs pos="50000">
+              <a:schemeClr val="phClr">
+                <a:lumMod val="105000"/>
+                <a:satMod val="103000"/>
+                <a:tint val="73000"/>
+              </a:schemeClr>
+            </a:gs>
+            <a:gs pos="100000">
+              <a:schemeClr val="phClr">
+                <a:lumMod val="105000"/>
+                <a:satMod val="109000"/>
+                <a:tint val="81000"/>
+              </a:schemeClr>
+            </a:gs>
+          </a:gsLst>
+          <a:lin ang="5400000" scaled="0"/>
+        </a:gradFill>
+        <a:gradFill rotWithShape="1">
+          <a:gsLst>
+            <a:gs pos="0">
+              <a:schemeClr val="phClr">
+                <a:satMod val="103000"/>
+                <a:lumMod val="102000"/>
+                <a:tint val="94000"/>
+              </a:schemeClr>
+            </a:gs>
+            <a:gs pos="50000">
+              <a:schemeClr val="phClr">
+                <a:satMod val="110000"/>
+                <a:lumMod val="100000"/>
+                <a:shade val="100000"/>
+              </a:schemeClr>
+            </a:gs>
+            <a:gs pos="100000">
+              <a:schemeClr val="phClr">
+                <a:lumMod val="99000"/>
+                <a:satMod val="120000"/>
+                <a:shade val="78000"/>
+              </a:schemeClr>
+            </a:gs>
+          </a:gsLst>
+          <a:lin ang="5400000" scaled="0"/>
+        </a:gradFill>
+      </a:fillStyleLst>
+      <a:lnStyleLst>
+        <a:ln w="12700" cap="flat" cmpd="sng" algn="ctr">
+          <a:solidFill>
+            <a:schemeClr val="phClr"/>
+          </a:solidFill>
+          <a:prstDash val="solid"/>
+          <a:miter lim="800000"/>
+        </a:ln>
+        <a:ln w="19050" cap="flat" cmpd="sng" algn="ctr">
+          <a:solidFill>
+            <a:schemeClr val="phClr"/>
+          </a:solidFill>
+          <a:prstDash val="solid"/>
+          <a:miter lim="800000"/>
+        </a:ln>
+        <a:ln w="25400" cap="flat" cmpd="sng" algn="ctr">
+          <a:solidFill>
+            <a:schemeClr val="phClr"/>
+          </a:solidFill>
+          <a:prstDash val="solid"/>
+          <a:miter lim="800000"/>
+        </a:ln>
+      </a:lnStyleLst>
+      <a:effectStyleLst>
+        <a:effectStyle>
+          <a:effectLst/>
+        </a:effectStyle>
+        <a:effectStyle>
+          <a:effectLst/>
+        </a:effectStyle>
+        <a:effectStyle>
+          <a:effectLst>
+            <a:outerShdw blurRad="57150" dist="19050" dir="5400000" algn="ctr" rotWithShape="0">
+              <a:srgbClr val="000000">
+                <a:alpha val="63000"/>
+              </a:srgbClr>
+            </a:outerShdw>
+          </a:effectLst>
+        </a:effectStyle>
+      </a:effectStyleLst>
+      <a:bgFillStyleLst>
+        <a:solidFill>
+          <a:schemeClr val="phClr"/>
+        </a:solidFill>
+        <a:solidFill>
+          <a:schemeClr val="phClr">
+            <a:tint val="95000"/>
+            <a:satMod val="170000"/>
+          </a:schemeClr>
+        </a:solidFill>
+        <a:gradFill rotWithShape="1">
+          <a:gsLst>
+            <a:gs pos="0">
+              <a:schemeClr val="phClr">
+                <a:tint val="93000"/>
+                <a:satMod val="150000"/>
+                <a:shade val="98000"/>
+                <a:lumMod val="102000"/>
+              </a:schemeClr>
+            </a:gs>
+            <a:gs pos="50000">
+              <a:schemeClr val="phClr">
+                <a:tint val="98000"/>
+                <a:satMod val="130000"/>
+                <a:shade val="90000"/>
+                <a:lumMod val="103000"/>
+              </a:schemeClr>
+            </a:gs>
+            <a:gs pos="100000">
+              <a:schemeClr val="phClr">
+                <a:shade val="63000"/>
+                <a:satMod val="120000"/>
+              </a:schemeClr>
+            </a:gs>
+          </a:gsLst>
+          <a:lin ang="5400000" scaled="0"/>
+        </a:gradFill>
+      </a:bgFillStyleLst>
+    </a:fmtScheme>
+  </a:themeElements>
+  <a:objectDefaults>
+    <a:lnDef>
+      <a:spPr/>
+      <a:bodyPr/>
+      <a:lstStyle/>
+      <a:style>
+        <a:lnRef idx="2">
+          <a:schemeClr val="accent1"/>
+        </a:lnRef>
+        <a:fillRef idx="0">
+          <a:schemeClr val="accent1"/>
+        </a:fillRef>
+        <a:effectRef idx="1">
+          <a:schemeClr val="accent1"/>
+        </a:effectRef>
+        <a:fontRef idx="minor">
+          <a:schemeClr val="tx1"/>
+        </a:fontRef>
+      </a:style>
+    </a:lnDef>
+  </a:objectDefaults>
+  <a:extraClrSchemeLst/>
+  <a:extLst>
+    <a:ext uri="{05A4C25C-085E-4340-85A3-A5531E510DB2}">
+      <thm15:themeFamily xmlns:thm15="http://schemas.microsoft.com/office/thememl/2012/main" name="Office Theme" id="{2E142A2C-CD16-42D6-873A-C26D2A0506FA}" vid="{1BDDFF52-6CD6-40A5-AB3C-68EB2F1E4D0A}"/>
+    </a:ext>
+  </a:extLst>
+</a:theme>
 </file>
--- a/3-Trimestre/DLYTimeDB.pptx
+++ b/3-Trimestre/DLYTimeDB.pptx
@@ -5,43 +5,45 @@
     <p:sldMasterId id="2147483648" r:id="rId1"/>
   </p:sldMasterIdLst>
   <p:notesMasterIdLst>
-    <p:notesMasterId r:id="rId36"/>
+    <p:notesMasterId r:id="rId38"/>
   </p:notesMasterIdLst>
   <p:sldIdLst>
     <p:sldId id="256" r:id="rId2"/>
     <p:sldId id="285" r:id="rId3"/>
-    <p:sldId id="265" r:id="rId4"/>
-    <p:sldId id="257" r:id="rId5"/>
-    <p:sldId id="258" r:id="rId6"/>
-    <p:sldId id="263" r:id="rId7"/>
-    <p:sldId id="264" r:id="rId8"/>
-    <p:sldId id="266" r:id="rId9"/>
-    <p:sldId id="272" r:id="rId10"/>
-    <p:sldId id="273" r:id="rId11"/>
-    <p:sldId id="286" r:id="rId12"/>
-    <p:sldId id="310" r:id="rId13"/>
-    <p:sldId id="306" r:id="rId14"/>
-    <p:sldId id="301" r:id="rId15"/>
-    <p:sldId id="307" r:id="rId16"/>
-    <p:sldId id="308" r:id="rId17"/>
-    <p:sldId id="309" r:id="rId18"/>
-    <p:sldId id="279" r:id="rId19"/>
-    <p:sldId id="300" r:id="rId20"/>
-    <p:sldId id="287" r:id="rId21"/>
-    <p:sldId id="288" r:id="rId22"/>
-    <p:sldId id="289" r:id="rId23"/>
-    <p:sldId id="290" r:id="rId24"/>
-    <p:sldId id="291" r:id="rId25"/>
-    <p:sldId id="292" r:id="rId26"/>
-    <p:sldId id="293" r:id="rId27"/>
-    <p:sldId id="294" r:id="rId28"/>
-    <p:sldId id="305" r:id="rId29"/>
-    <p:sldId id="302" r:id="rId30"/>
-    <p:sldId id="304" r:id="rId31"/>
-    <p:sldId id="296" r:id="rId32"/>
-    <p:sldId id="295" r:id="rId33"/>
-    <p:sldId id="297" r:id="rId34"/>
-    <p:sldId id="299" r:id="rId35"/>
+    <p:sldId id="311" r:id="rId4"/>
+    <p:sldId id="312" r:id="rId5"/>
+    <p:sldId id="265" r:id="rId6"/>
+    <p:sldId id="257" r:id="rId7"/>
+    <p:sldId id="258" r:id="rId8"/>
+    <p:sldId id="263" r:id="rId9"/>
+    <p:sldId id="264" r:id="rId10"/>
+    <p:sldId id="266" r:id="rId11"/>
+    <p:sldId id="272" r:id="rId12"/>
+    <p:sldId id="273" r:id="rId13"/>
+    <p:sldId id="286" r:id="rId14"/>
+    <p:sldId id="310" r:id="rId15"/>
+    <p:sldId id="306" r:id="rId16"/>
+    <p:sldId id="301" r:id="rId17"/>
+    <p:sldId id="307" r:id="rId18"/>
+    <p:sldId id="308" r:id="rId19"/>
+    <p:sldId id="309" r:id="rId20"/>
+    <p:sldId id="279" r:id="rId21"/>
+    <p:sldId id="300" r:id="rId22"/>
+    <p:sldId id="287" r:id="rId23"/>
+    <p:sldId id="288" r:id="rId24"/>
+    <p:sldId id="289" r:id="rId25"/>
+    <p:sldId id="290" r:id="rId26"/>
+    <p:sldId id="291" r:id="rId27"/>
+    <p:sldId id="292" r:id="rId28"/>
+    <p:sldId id="293" r:id="rId29"/>
+    <p:sldId id="294" r:id="rId30"/>
+    <p:sldId id="305" r:id="rId31"/>
+    <p:sldId id="302" r:id="rId32"/>
+    <p:sldId id="304" r:id="rId33"/>
+    <p:sldId id="296" r:id="rId34"/>
+    <p:sldId id="295" r:id="rId35"/>
+    <p:sldId id="297" r:id="rId36"/>
+    <p:sldId id="299" r:id="rId37"/>
   </p:sldIdLst>
   <p:sldSz cx="12192000" cy="6858000"/>
   <p:notesSz cx="6858000" cy="9144000"/>
@@ -3364,7 +3366,7 @@
           <a:p>
             <a:fld id="{DFD3DDA3-0708-45DB-B3CF-055CDDAE7E5B}" type="slidenum">
               <a:rPr lang="es-CO" smtClean="0"/>
-              <a:t>28</a:t>
+              <a:t>30</a:t>
             </a:fld>
             <a:endParaRPr lang="es-CO"/>
           </a:p>
@@ -7180,6 +7182,455 @@
           <a:chExt cx="0" cy="0"/>
         </a:xfrm>
       </p:grpSpPr>
+      <p:sp>
+        <p:nvSpPr>
+          <p:cNvPr id="2" name="Título 1">
+            <a:extLst>
+              <a:ext uri="{FF2B5EF4-FFF2-40B4-BE49-F238E27FC236}">
+                <a16:creationId xmlns:a16="http://schemas.microsoft.com/office/drawing/2014/main" id="{91D37C8A-D988-4D2C-D997-CF5B67542F11}"/>
+              </a:ext>
+            </a:extLst>
+          </p:cNvPr>
+          <p:cNvSpPr>
+            <a:spLocks noGrp="1"/>
+          </p:cNvSpPr>
+          <p:nvPr>
+            <p:ph type="title"/>
+          </p:nvPr>
+        </p:nvSpPr>
+        <p:spPr/>
+        <p:txBody>
+          <a:bodyPr/>
+          <a:lstStyle/>
+          <a:p>
+            <a:r>
+              <a:rPr lang="es-CO" dirty="0"/>
+              <a:t>Encriptación</a:t>
+            </a:r>
+          </a:p>
+        </p:txBody>
+      </p:sp>
+      <p:pic>
+        <p:nvPicPr>
+          <p:cNvPr id="4" name="Imagen 3">
+            <a:extLst>
+              <a:ext uri="{FF2B5EF4-FFF2-40B4-BE49-F238E27FC236}">
+                <a16:creationId xmlns:a16="http://schemas.microsoft.com/office/drawing/2014/main" id="{C038B81D-5B76-FA9F-E289-6AE340DB9A98}"/>
+              </a:ext>
+            </a:extLst>
+          </p:cNvPr>
+          <p:cNvPicPr>
+            <a:picLocks noChangeAspect="1"/>
+          </p:cNvPicPr>
+          <p:nvPr/>
+        </p:nvPicPr>
+        <p:blipFill>
+          <a:blip r:embed="rId2"/>
+          <a:stretch>
+            <a:fillRect/>
+          </a:stretch>
+        </p:blipFill>
+        <p:spPr>
+          <a:xfrm>
+            <a:off x="942975" y="4163258"/>
+            <a:ext cx="10306050" cy="1981200"/>
+          </a:xfrm>
+          <a:prstGeom prst="rect">
+            <a:avLst/>
+          </a:prstGeom>
+        </p:spPr>
+      </p:pic>
+      <p:pic>
+        <p:nvPicPr>
+          <p:cNvPr id="7" name="Imagen 6">
+            <a:extLst>
+              <a:ext uri="{FF2B5EF4-FFF2-40B4-BE49-F238E27FC236}">
+                <a16:creationId xmlns:a16="http://schemas.microsoft.com/office/drawing/2014/main" id="{FD47B924-CEE6-CF4F-024E-776BC939F9FF}"/>
+              </a:ext>
+            </a:extLst>
+          </p:cNvPr>
+          <p:cNvPicPr>
+            <a:picLocks noChangeAspect="1"/>
+          </p:cNvPicPr>
+          <p:nvPr/>
+        </p:nvPicPr>
+        <p:blipFill>
+          <a:blip r:embed="rId3"/>
+          <a:stretch>
+            <a:fillRect/>
+          </a:stretch>
+        </p:blipFill>
+        <p:spPr>
+          <a:xfrm>
+            <a:off x="773157" y="1651485"/>
+            <a:ext cx="11249025" cy="2086513"/>
+          </a:xfrm>
+          <a:prstGeom prst="rect">
+            <a:avLst/>
+          </a:prstGeom>
+        </p:spPr>
+      </p:pic>
+    </p:spTree>
+    <p:extLst>
+      <p:ext uri="{BB962C8B-B14F-4D97-AF65-F5344CB8AC3E}">
+        <p14:creationId xmlns:p14="http://schemas.microsoft.com/office/powerpoint/2010/main" val="1505152939"/>
+      </p:ext>
+    </p:extLst>
+  </p:cSld>
+  <p:clrMapOvr>
+    <a:masterClrMapping/>
+  </p:clrMapOvr>
+</p:sld>
+</file>
+
+<file path=ppt/slides/slide11.xml><?xml version="1.0" encoding="utf-8"?>
+<p:sld xmlns:a="http://schemas.openxmlformats.org/drawingml/2006/main" xmlns:r="http://schemas.openxmlformats.org/officeDocument/2006/relationships" xmlns:p="http://schemas.openxmlformats.org/presentationml/2006/main">
+  <p:cSld>
+    <p:spTree>
+      <p:nvGrpSpPr>
+        <p:cNvPr id="1" name=""/>
+        <p:cNvGrpSpPr/>
+        <p:nvPr/>
+      </p:nvGrpSpPr>
+      <p:grpSpPr>
+        <a:xfrm>
+          <a:off x="0" y="0"/>
+          <a:ext cx="0" cy="0"/>
+          <a:chOff x="0" y="0"/>
+          <a:chExt cx="0" cy="0"/>
+        </a:xfrm>
+      </p:grpSpPr>
+      <p:sp>
+        <p:nvSpPr>
+          <p:cNvPr id="2" name="Título 1">
+            <a:extLst>
+              <a:ext uri="{FF2B5EF4-FFF2-40B4-BE49-F238E27FC236}">
+                <a16:creationId xmlns:a16="http://schemas.microsoft.com/office/drawing/2014/main" id="{4FAC1B6E-D73C-EBC3-5C53-A9F635FBFD20}"/>
+              </a:ext>
+            </a:extLst>
+          </p:cNvPr>
+          <p:cNvSpPr>
+            <a:spLocks noGrp="1"/>
+          </p:cNvSpPr>
+          <p:nvPr>
+            <p:ph type="title"/>
+          </p:nvPr>
+        </p:nvSpPr>
+        <p:spPr/>
+        <p:txBody>
+          <a:bodyPr/>
+          <a:lstStyle/>
+          <a:p>
+            <a:r>
+              <a:rPr lang="es-CO" dirty="0"/>
+              <a:t>Creación de roles</a:t>
+            </a:r>
+          </a:p>
+        </p:txBody>
+      </p:sp>
+      <p:sp>
+        <p:nvSpPr>
+          <p:cNvPr id="3" name="Marcador de texto 2">
+            <a:extLst>
+              <a:ext uri="{FF2B5EF4-FFF2-40B4-BE49-F238E27FC236}">
+                <a16:creationId xmlns:a16="http://schemas.microsoft.com/office/drawing/2014/main" id="{2CC1DAAC-CB63-C13A-7588-128D2170A1CD}"/>
+              </a:ext>
+            </a:extLst>
+          </p:cNvPr>
+          <p:cNvSpPr>
+            <a:spLocks noGrp="1"/>
+          </p:cNvSpPr>
+          <p:nvPr>
+            <p:ph type="body" idx="1"/>
+          </p:nvPr>
+        </p:nvSpPr>
+        <p:spPr/>
+        <p:txBody>
+          <a:bodyPr/>
+          <a:lstStyle/>
+          <a:p>
+            <a:r>
+              <a:rPr lang="es-CO" dirty="0"/>
+              <a:t>Valor agregado de seguridad</a:t>
+            </a:r>
+          </a:p>
+        </p:txBody>
+      </p:sp>
+      <p:sp>
+        <p:nvSpPr>
+          <p:cNvPr id="4" name="Marcador de texto 2">
+            <a:extLst>
+              <a:ext uri="{FF2B5EF4-FFF2-40B4-BE49-F238E27FC236}">
+                <a16:creationId xmlns:a16="http://schemas.microsoft.com/office/drawing/2014/main" id="{810F930D-E1CB-554C-D8A2-78ABD21B8266}"/>
+              </a:ext>
+            </a:extLst>
+          </p:cNvPr>
+          <p:cNvSpPr txBox="1">
+            <a:spLocks/>
+          </p:cNvSpPr>
+          <p:nvPr/>
+        </p:nvSpPr>
+        <p:spPr>
+          <a:xfrm>
+            <a:off x="765025" y="5814264"/>
+            <a:ext cx="1990007" cy="550322"/>
+          </a:xfrm>
+          <a:prstGeom prst="rect">
+            <a:avLst/>
+          </a:prstGeom>
+        </p:spPr>
+        <p:txBody>
+          <a:bodyPr vert="horz" lIns="91440" tIns="45720" rIns="91440" bIns="45720" rtlCol="0">
+            <a:normAutofit/>
+          </a:bodyPr>
+          <a:lstStyle>
+            <a:lvl1pPr marL="0" indent="0" algn="r" defTabSz="914400" rtl="0" eaLnBrk="1" latinLnBrk="0" hangingPunct="1">
+              <a:lnSpc>
+                <a:spcPct val="112000"/>
+              </a:lnSpc>
+              <a:spcBef>
+                <a:spcPts val="0"/>
+              </a:spcBef>
+              <a:spcAft>
+                <a:spcPts val="0"/>
+              </a:spcAft>
+              <a:buFont typeface="Franklin Gothic Book" panose="020B0503020102020204" pitchFamily="34" charset="0"/>
+              <a:buNone/>
+              <a:defRPr sz="2400" kern="1200" baseline="0">
+                <a:solidFill>
+                  <a:schemeClr val="tx2"/>
+                </a:solidFill>
+                <a:latin typeface="+mn-lt"/>
+                <a:ea typeface="+mn-ea"/>
+                <a:cs typeface="+mn-cs"/>
+              </a:defRPr>
+            </a:lvl1pPr>
+            <a:lvl2pPr marL="457200" indent="0" algn="l" defTabSz="914400" rtl="0" eaLnBrk="1" latinLnBrk="0" hangingPunct="1">
+              <a:lnSpc>
+                <a:spcPct val="94000"/>
+              </a:lnSpc>
+              <a:spcBef>
+                <a:spcPts val="500"/>
+              </a:spcBef>
+              <a:spcAft>
+                <a:spcPts val="200"/>
+              </a:spcAft>
+              <a:buFont typeface="Franklin Gothic Book" panose="020B0503020102020204" pitchFamily="34" charset="0"/>
+              <a:buNone/>
+              <a:defRPr sz="2000" i="1" kern="1200" baseline="0">
+                <a:solidFill>
+                  <a:schemeClr val="tx1">
+                    <a:tint val="75000"/>
+                  </a:schemeClr>
+                </a:solidFill>
+                <a:latin typeface="+mn-lt"/>
+                <a:ea typeface="+mn-ea"/>
+                <a:cs typeface="+mn-cs"/>
+              </a:defRPr>
+            </a:lvl2pPr>
+            <a:lvl3pPr marL="914400" indent="0" algn="l" defTabSz="914400" rtl="0" eaLnBrk="1" latinLnBrk="0" hangingPunct="1">
+              <a:lnSpc>
+                <a:spcPct val="94000"/>
+              </a:lnSpc>
+              <a:spcBef>
+                <a:spcPts val="500"/>
+              </a:spcBef>
+              <a:spcAft>
+                <a:spcPts val="200"/>
+              </a:spcAft>
+              <a:buFont typeface="Franklin Gothic Book" panose="020B0503020102020204" pitchFamily="34" charset="0"/>
+              <a:buNone/>
+              <a:defRPr sz="1800" kern="1200" baseline="0">
+                <a:solidFill>
+                  <a:schemeClr val="tx1">
+                    <a:tint val="75000"/>
+                  </a:schemeClr>
+                </a:solidFill>
+                <a:latin typeface="+mn-lt"/>
+                <a:ea typeface="+mn-ea"/>
+                <a:cs typeface="+mn-cs"/>
+              </a:defRPr>
+            </a:lvl3pPr>
+            <a:lvl4pPr marL="1371600" indent="0" algn="l" defTabSz="914400" rtl="0" eaLnBrk="1" latinLnBrk="0" hangingPunct="1">
+              <a:lnSpc>
+                <a:spcPct val="94000"/>
+              </a:lnSpc>
+              <a:spcBef>
+                <a:spcPts val="500"/>
+              </a:spcBef>
+              <a:spcAft>
+                <a:spcPts val="200"/>
+              </a:spcAft>
+              <a:buFont typeface="Franklin Gothic Book" panose="020B0503020102020204" pitchFamily="34" charset="0"/>
+              <a:buNone/>
+              <a:defRPr sz="1600" i="1" kern="1200" baseline="0">
+                <a:solidFill>
+                  <a:schemeClr val="tx1">
+                    <a:tint val="75000"/>
+                  </a:schemeClr>
+                </a:solidFill>
+                <a:latin typeface="+mn-lt"/>
+                <a:ea typeface="+mn-ea"/>
+                <a:cs typeface="+mn-cs"/>
+              </a:defRPr>
+            </a:lvl4pPr>
+            <a:lvl5pPr marL="1828800" indent="0" algn="l" defTabSz="914400" rtl="0" eaLnBrk="1" latinLnBrk="0" hangingPunct="1">
+              <a:lnSpc>
+                <a:spcPct val="94000"/>
+              </a:lnSpc>
+              <a:spcBef>
+                <a:spcPts val="500"/>
+              </a:spcBef>
+              <a:spcAft>
+                <a:spcPts val="200"/>
+              </a:spcAft>
+              <a:buFont typeface="Franklin Gothic Book" panose="020B0503020102020204" pitchFamily="34" charset="0"/>
+              <a:buNone/>
+              <a:defRPr sz="1600" kern="1200" baseline="0">
+                <a:solidFill>
+                  <a:schemeClr val="tx1">
+                    <a:tint val="75000"/>
+                  </a:schemeClr>
+                </a:solidFill>
+                <a:latin typeface="+mn-lt"/>
+                <a:ea typeface="+mn-ea"/>
+                <a:cs typeface="+mn-cs"/>
+              </a:defRPr>
+            </a:lvl5pPr>
+            <a:lvl6pPr marL="2286000" indent="0" algn="l" defTabSz="914400" rtl="0" eaLnBrk="1" latinLnBrk="0" hangingPunct="1">
+              <a:lnSpc>
+                <a:spcPct val="94000"/>
+              </a:lnSpc>
+              <a:spcBef>
+                <a:spcPts val="500"/>
+              </a:spcBef>
+              <a:spcAft>
+                <a:spcPts val="200"/>
+              </a:spcAft>
+              <a:buFont typeface="Franklin Gothic Book" panose="020B0503020102020204" pitchFamily="34" charset="0"/>
+              <a:buNone/>
+              <a:defRPr sz="1600" i="1" kern="1200" baseline="0">
+                <a:solidFill>
+                  <a:schemeClr val="tx1">
+                    <a:tint val="75000"/>
+                  </a:schemeClr>
+                </a:solidFill>
+                <a:latin typeface="+mn-lt"/>
+                <a:ea typeface="+mn-ea"/>
+                <a:cs typeface="+mn-cs"/>
+              </a:defRPr>
+            </a:lvl6pPr>
+            <a:lvl7pPr marL="2743200" indent="0" algn="l" defTabSz="914400" rtl="0" eaLnBrk="1" latinLnBrk="0" hangingPunct="1">
+              <a:lnSpc>
+                <a:spcPct val="94000"/>
+              </a:lnSpc>
+              <a:spcBef>
+                <a:spcPts val="500"/>
+              </a:spcBef>
+              <a:spcAft>
+                <a:spcPts val="200"/>
+              </a:spcAft>
+              <a:buFont typeface="Franklin Gothic Book" panose="020B0503020102020204" pitchFamily="34" charset="0"/>
+              <a:buNone/>
+              <a:defRPr sz="1600" kern="1200" baseline="0">
+                <a:solidFill>
+                  <a:schemeClr val="tx1">
+                    <a:tint val="75000"/>
+                  </a:schemeClr>
+                </a:solidFill>
+                <a:latin typeface="+mn-lt"/>
+                <a:ea typeface="+mn-ea"/>
+                <a:cs typeface="+mn-cs"/>
+              </a:defRPr>
+            </a:lvl7pPr>
+            <a:lvl8pPr marL="3200400" indent="0" algn="l" defTabSz="914400" rtl="0" eaLnBrk="1" latinLnBrk="0" hangingPunct="1">
+              <a:lnSpc>
+                <a:spcPct val="94000"/>
+              </a:lnSpc>
+              <a:spcBef>
+                <a:spcPts val="500"/>
+              </a:spcBef>
+              <a:spcAft>
+                <a:spcPts val="200"/>
+              </a:spcAft>
+              <a:buFont typeface="Franklin Gothic Book" panose="020B0503020102020204" pitchFamily="34" charset="0"/>
+              <a:buNone/>
+              <a:defRPr sz="1600" i="1" kern="1200" baseline="0">
+                <a:solidFill>
+                  <a:schemeClr val="tx1">
+                    <a:tint val="75000"/>
+                  </a:schemeClr>
+                </a:solidFill>
+                <a:latin typeface="+mn-lt"/>
+                <a:ea typeface="+mn-ea"/>
+                <a:cs typeface="+mn-cs"/>
+              </a:defRPr>
+            </a:lvl8pPr>
+            <a:lvl9pPr marL="3657600" indent="0" algn="l" defTabSz="914400" rtl="0" eaLnBrk="1" latinLnBrk="0" hangingPunct="1">
+              <a:lnSpc>
+                <a:spcPct val="94000"/>
+              </a:lnSpc>
+              <a:spcBef>
+                <a:spcPts val="500"/>
+              </a:spcBef>
+              <a:spcAft>
+                <a:spcPts val="200"/>
+              </a:spcAft>
+              <a:buFont typeface="Franklin Gothic Book" panose="020B0503020102020204" pitchFamily="34" charset="0"/>
+              <a:buNone/>
+              <a:defRPr sz="1600" kern="1200" baseline="0">
+                <a:solidFill>
+                  <a:schemeClr val="tx1">
+                    <a:tint val="75000"/>
+                  </a:schemeClr>
+                </a:solidFill>
+                <a:latin typeface="+mn-lt"/>
+                <a:ea typeface="+mn-ea"/>
+                <a:cs typeface="+mn-cs"/>
+              </a:defRPr>
+            </a:lvl9pPr>
+          </a:lstStyle>
+          <a:p>
+            <a:r>
+              <a:rPr lang="es-CO" sz="2300" dirty="0" err="1">
+                <a:hlinkClick r:id="rId2" action="ppaction://hlinkfile"/>
+              </a:rPr>
+              <a:t>Seguridad.sql</a:t>
+            </a:r>
+            <a:endParaRPr lang="es-CO" sz="2300" dirty="0"/>
+          </a:p>
+        </p:txBody>
+      </p:sp>
+    </p:spTree>
+    <p:extLst>
+      <p:ext uri="{BB962C8B-B14F-4D97-AF65-F5344CB8AC3E}">
+        <p14:creationId xmlns:p14="http://schemas.microsoft.com/office/powerpoint/2010/main" val="3696050680"/>
+      </p:ext>
+    </p:extLst>
+  </p:cSld>
+  <p:clrMapOvr>
+    <a:masterClrMapping/>
+  </p:clrMapOvr>
+</p:sld>
+</file>
+
+<file path=ppt/slides/slide12.xml><?xml version="1.0" encoding="utf-8"?>
+<p:sld xmlns:a="http://schemas.openxmlformats.org/drawingml/2006/main" xmlns:r="http://schemas.openxmlformats.org/officeDocument/2006/relationships" xmlns:p="http://schemas.openxmlformats.org/presentationml/2006/main">
+  <p:cSld>
+    <p:spTree>
+      <p:nvGrpSpPr>
+        <p:cNvPr id="1" name=""/>
+        <p:cNvGrpSpPr/>
+        <p:nvPr/>
+      </p:nvGrpSpPr>
+      <p:grpSpPr>
+        <a:xfrm>
+          <a:off x="0" y="0"/>
+          <a:ext cx="0" cy="0"/>
+          <a:chOff x="0" y="0"/>
+          <a:chExt cx="0" cy="0"/>
+        </a:xfrm>
+      </p:grpSpPr>
       <p:pic>
         <p:nvPicPr>
           <p:cNvPr id="5" name="Imagen 4">
@@ -7263,7 +7714,7 @@
 </p:sld>
 </file>
 
-<file path=ppt/slides/slide11.xml><?xml version="1.0" encoding="utf-8"?>
+<file path=ppt/slides/slide13.xml><?xml version="1.0" encoding="utf-8"?>
 <p:sld xmlns:a="http://schemas.openxmlformats.org/drawingml/2006/main" xmlns:r="http://schemas.openxmlformats.org/officeDocument/2006/relationships" xmlns:p="http://schemas.openxmlformats.org/presentationml/2006/main">
   <p:cSld>
     <p:spTree>
@@ -7381,7 +7832,7 @@
 </p:sld>
 </file>
 
-<file path=ppt/slides/slide12.xml><?xml version="1.0" encoding="utf-8"?>
+<file path=ppt/slides/slide14.xml><?xml version="1.0" encoding="utf-8"?>
 <p:sld xmlns:a="http://schemas.openxmlformats.org/drawingml/2006/main" xmlns:r="http://schemas.openxmlformats.org/officeDocument/2006/relationships" xmlns:p="http://schemas.openxmlformats.org/presentationml/2006/main">
   <p:cSld>
     <p:spTree>
@@ -7703,7 +8154,7 @@
 </p:sld>
 </file>
 
-<file path=ppt/slides/slide13.xml><?xml version="1.0" encoding="utf-8"?>
+<file path=ppt/slides/slide15.xml><?xml version="1.0" encoding="utf-8"?>
 <p:sld xmlns:a="http://schemas.openxmlformats.org/drawingml/2006/main" xmlns:r="http://schemas.openxmlformats.org/officeDocument/2006/relationships" xmlns:p="http://schemas.openxmlformats.org/presentationml/2006/main">
   <p:cSld>
     <p:spTree>
@@ -7769,7 +8220,7 @@
 </p:sld>
 </file>
 
-<file path=ppt/slides/slide14.xml><?xml version="1.0" encoding="utf-8"?>
+<file path=ppt/slides/slide16.xml><?xml version="1.0" encoding="utf-8"?>
 <p:sld xmlns:a="http://schemas.openxmlformats.org/drawingml/2006/main" xmlns:r="http://schemas.openxmlformats.org/officeDocument/2006/relationships" xmlns:p="http://schemas.openxmlformats.org/presentationml/2006/main">
   <p:cSld>
     <p:spTree>
@@ -7859,7 +8310,7 @@
 </p:sld>
 </file>
 
-<file path=ppt/slides/slide15.xml><?xml version="1.0" encoding="utf-8"?>
+<file path=ppt/slides/slide17.xml><?xml version="1.0" encoding="utf-8"?>
 <p:sld xmlns:a="http://schemas.openxmlformats.org/drawingml/2006/main" xmlns:r="http://schemas.openxmlformats.org/officeDocument/2006/relationships" xmlns:p="http://schemas.openxmlformats.org/presentationml/2006/main">
   <p:cSld>
     <p:spTree>
@@ -7939,7 +8390,7 @@
 </p:sld>
 </file>
 
-<file path=ppt/slides/slide16.xml><?xml version="1.0" encoding="utf-8"?>
+<file path=ppt/slides/slide18.xml><?xml version="1.0" encoding="utf-8"?>
 <p:sld xmlns:a="http://schemas.openxmlformats.org/drawingml/2006/main" xmlns:r="http://schemas.openxmlformats.org/officeDocument/2006/relationships" xmlns:p="http://schemas.openxmlformats.org/presentationml/2006/main">
   <p:cSld>
     <p:spTree>
@@ -8029,7 +8480,7 @@
 </p:sld>
 </file>
 
-<file path=ppt/slides/slide17.xml><?xml version="1.0" encoding="utf-8"?>
+<file path=ppt/slides/slide19.xml><?xml version="1.0" encoding="utf-8"?>
 <p:sld xmlns:a="http://schemas.openxmlformats.org/drawingml/2006/main" xmlns:r="http://schemas.openxmlformats.org/officeDocument/2006/relationships" xmlns:p="http://schemas.openxmlformats.org/presentationml/2006/main">
   <p:cSld>
     <p:spTree>
@@ -8109,180 +8560,6 @@
     <p:extLst>
       <p:ext uri="{BB962C8B-B14F-4D97-AF65-F5344CB8AC3E}">
         <p14:creationId xmlns:p14="http://schemas.microsoft.com/office/powerpoint/2010/main" val="1354617435"/>
-      </p:ext>
-    </p:extLst>
-  </p:cSld>
-  <p:clrMapOvr>
-    <a:masterClrMapping/>
-  </p:clrMapOvr>
-</p:sld>
-</file>
-
-<file path=ppt/slides/slide18.xml><?xml version="1.0" encoding="utf-8"?>
-<p:sld xmlns:a="http://schemas.openxmlformats.org/drawingml/2006/main" xmlns:r="http://schemas.openxmlformats.org/officeDocument/2006/relationships" xmlns:p="http://schemas.openxmlformats.org/presentationml/2006/main">
-  <p:cSld>
-    <p:spTree>
-      <p:nvGrpSpPr>
-        <p:cNvPr id="1" name=""/>
-        <p:cNvGrpSpPr/>
-        <p:nvPr/>
-      </p:nvGrpSpPr>
-      <p:grpSpPr>
-        <a:xfrm>
-          <a:off x="0" y="0"/>
-          <a:ext cx="0" cy="0"/>
-          <a:chOff x="0" y="0"/>
-          <a:chExt cx="0" cy="0"/>
-        </a:xfrm>
-      </p:grpSpPr>
-      <p:sp>
-        <p:nvSpPr>
-          <p:cNvPr id="2" name="Título 1">
-            <a:extLst>
-              <a:ext uri="{FF2B5EF4-FFF2-40B4-BE49-F238E27FC236}">
-                <a16:creationId xmlns:a16="http://schemas.microsoft.com/office/drawing/2014/main" id="{D173173F-7C76-3B43-0F20-D5D1EB1ADDFF}"/>
-              </a:ext>
-            </a:extLst>
-          </p:cNvPr>
-          <p:cNvSpPr>
-            <a:spLocks noGrp="1"/>
-          </p:cNvSpPr>
-          <p:nvPr>
-            <p:ph type="title"/>
-          </p:nvPr>
-        </p:nvSpPr>
-        <p:spPr/>
-        <p:txBody>
-          <a:bodyPr/>
-          <a:lstStyle/>
-          <a:p>
-            <a:r>
-              <a:rPr lang="es-ES" dirty="0"/>
-              <a:t>Consultas anidadas</a:t>
-            </a:r>
-            <a:endParaRPr lang="es-CO" dirty="0"/>
-          </a:p>
-        </p:txBody>
-      </p:sp>
-      <p:sp>
-        <p:nvSpPr>
-          <p:cNvPr id="3" name="Marcador de texto 2">
-            <a:extLst>
-              <a:ext uri="{FF2B5EF4-FFF2-40B4-BE49-F238E27FC236}">
-                <a16:creationId xmlns:a16="http://schemas.microsoft.com/office/drawing/2014/main" id="{4C676937-5BD4-445A-5265-82D255F78DA0}"/>
-              </a:ext>
-            </a:extLst>
-          </p:cNvPr>
-          <p:cNvSpPr>
-            <a:spLocks noGrp="1"/>
-          </p:cNvSpPr>
-          <p:nvPr>
-            <p:ph type="body" idx="1"/>
-          </p:nvPr>
-        </p:nvSpPr>
-        <p:spPr/>
-        <p:txBody>
-          <a:bodyPr/>
-          <a:lstStyle/>
-          <a:p>
-            <a:endParaRPr lang="es-CO"/>
-          </a:p>
-        </p:txBody>
-      </p:sp>
-    </p:spTree>
-    <p:extLst>
-      <p:ext uri="{BB962C8B-B14F-4D97-AF65-F5344CB8AC3E}">
-        <p14:creationId xmlns:p14="http://schemas.microsoft.com/office/powerpoint/2010/main" val="2126654353"/>
-      </p:ext>
-    </p:extLst>
-  </p:cSld>
-  <p:clrMapOvr>
-    <a:masterClrMapping/>
-  </p:clrMapOvr>
-</p:sld>
-</file>
-
-<file path=ppt/slides/slide19.xml><?xml version="1.0" encoding="utf-8"?>
-<p:sld xmlns:a="http://schemas.openxmlformats.org/drawingml/2006/main" xmlns:r="http://schemas.openxmlformats.org/officeDocument/2006/relationships" xmlns:p="http://schemas.openxmlformats.org/presentationml/2006/main">
-  <p:cSld>
-    <p:spTree>
-      <p:nvGrpSpPr>
-        <p:cNvPr id="1" name=""/>
-        <p:cNvGrpSpPr/>
-        <p:nvPr/>
-      </p:nvGrpSpPr>
-      <p:grpSpPr>
-        <a:xfrm>
-          <a:off x="0" y="0"/>
-          <a:ext cx="0" cy="0"/>
-          <a:chOff x="0" y="0"/>
-          <a:chExt cx="0" cy="0"/>
-        </a:xfrm>
-      </p:grpSpPr>
-      <p:pic>
-        <p:nvPicPr>
-          <p:cNvPr id="7" name="Imagen 6">
-            <a:extLst>
-              <a:ext uri="{FF2B5EF4-FFF2-40B4-BE49-F238E27FC236}">
-                <a16:creationId xmlns:a16="http://schemas.microsoft.com/office/drawing/2014/main" id="{0DE5A4E2-6286-0FCA-A95F-02DA69EB5EAB}"/>
-              </a:ext>
-            </a:extLst>
-          </p:cNvPr>
-          <p:cNvPicPr>
-            <a:picLocks noChangeAspect="1"/>
-          </p:cNvPicPr>
-          <p:nvPr/>
-        </p:nvPicPr>
-        <p:blipFill>
-          <a:blip r:embed="rId2"/>
-          <a:stretch>
-            <a:fillRect/>
-          </a:stretch>
-        </p:blipFill>
-        <p:spPr>
-          <a:xfrm>
-            <a:off x="1147715" y="4416552"/>
-            <a:ext cx="10492604" cy="876703"/>
-          </a:xfrm>
-          <a:prstGeom prst="rect">
-            <a:avLst/>
-          </a:prstGeom>
-        </p:spPr>
-      </p:pic>
-      <p:pic>
-        <p:nvPicPr>
-          <p:cNvPr id="9" name="Imagen 8" descr="Interfaz de usuario gráfica, Texto, Aplicación, Correo electrónico&#10;&#10;Descripción generada automáticamente">
-            <a:extLst>
-              <a:ext uri="{FF2B5EF4-FFF2-40B4-BE49-F238E27FC236}">
-                <a16:creationId xmlns:a16="http://schemas.microsoft.com/office/drawing/2014/main" id="{BDD9F478-BC6F-7272-ADC2-E915787CAFD5}"/>
-              </a:ext>
-            </a:extLst>
-          </p:cNvPr>
-          <p:cNvPicPr>
-            <a:picLocks noChangeAspect="1"/>
-          </p:cNvPicPr>
-          <p:nvPr/>
-        </p:nvPicPr>
-        <p:blipFill>
-          <a:blip r:embed="rId3"/>
-          <a:stretch>
-            <a:fillRect/>
-          </a:stretch>
-        </p:blipFill>
-        <p:spPr>
-          <a:xfrm>
-            <a:off x="1147715" y="1149558"/>
-            <a:ext cx="10291233" cy="2414294"/>
-          </a:xfrm>
-          <a:prstGeom prst="rect">
-            <a:avLst/>
-          </a:prstGeom>
-        </p:spPr>
-      </p:pic>
-    </p:spTree>
-    <p:extLst>
-      <p:ext uri="{BB962C8B-B14F-4D97-AF65-F5344CB8AC3E}">
-        <p14:creationId xmlns:p14="http://schemas.microsoft.com/office/powerpoint/2010/main" val="2290613966"/>
       </p:ext>
     </p:extLst>
   </p:cSld>
@@ -8624,6 +8901,180 @@
 </file>
 
 <file path=ppt/slides/slide20.xml><?xml version="1.0" encoding="utf-8"?>
+<p:sld xmlns:a="http://schemas.openxmlformats.org/drawingml/2006/main" xmlns:r="http://schemas.openxmlformats.org/officeDocument/2006/relationships" xmlns:p="http://schemas.openxmlformats.org/presentationml/2006/main">
+  <p:cSld>
+    <p:spTree>
+      <p:nvGrpSpPr>
+        <p:cNvPr id="1" name=""/>
+        <p:cNvGrpSpPr/>
+        <p:nvPr/>
+      </p:nvGrpSpPr>
+      <p:grpSpPr>
+        <a:xfrm>
+          <a:off x="0" y="0"/>
+          <a:ext cx="0" cy="0"/>
+          <a:chOff x="0" y="0"/>
+          <a:chExt cx="0" cy="0"/>
+        </a:xfrm>
+      </p:grpSpPr>
+      <p:sp>
+        <p:nvSpPr>
+          <p:cNvPr id="2" name="Título 1">
+            <a:extLst>
+              <a:ext uri="{FF2B5EF4-FFF2-40B4-BE49-F238E27FC236}">
+                <a16:creationId xmlns:a16="http://schemas.microsoft.com/office/drawing/2014/main" id="{D173173F-7C76-3B43-0F20-D5D1EB1ADDFF}"/>
+              </a:ext>
+            </a:extLst>
+          </p:cNvPr>
+          <p:cNvSpPr>
+            <a:spLocks noGrp="1"/>
+          </p:cNvSpPr>
+          <p:nvPr>
+            <p:ph type="title"/>
+          </p:nvPr>
+        </p:nvSpPr>
+        <p:spPr/>
+        <p:txBody>
+          <a:bodyPr/>
+          <a:lstStyle/>
+          <a:p>
+            <a:r>
+              <a:rPr lang="es-ES" dirty="0"/>
+              <a:t>Consultas anidadas</a:t>
+            </a:r>
+            <a:endParaRPr lang="es-CO" dirty="0"/>
+          </a:p>
+        </p:txBody>
+      </p:sp>
+      <p:sp>
+        <p:nvSpPr>
+          <p:cNvPr id="3" name="Marcador de texto 2">
+            <a:extLst>
+              <a:ext uri="{FF2B5EF4-FFF2-40B4-BE49-F238E27FC236}">
+                <a16:creationId xmlns:a16="http://schemas.microsoft.com/office/drawing/2014/main" id="{4C676937-5BD4-445A-5265-82D255F78DA0}"/>
+              </a:ext>
+            </a:extLst>
+          </p:cNvPr>
+          <p:cNvSpPr>
+            <a:spLocks noGrp="1"/>
+          </p:cNvSpPr>
+          <p:nvPr>
+            <p:ph type="body" idx="1"/>
+          </p:nvPr>
+        </p:nvSpPr>
+        <p:spPr/>
+        <p:txBody>
+          <a:bodyPr/>
+          <a:lstStyle/>
+          <a:p>
+            <a:endParaRPr lang="es-CO"/>
+          </a:p>
+        </p:txBody>
+      </p:sp>
+    </p:spTree>
+    <p:extLst>
+      <p:ext uri="{BB962C8B-B14F-4D97-AF65-F5344CB8AC3E}">
+        <p14:creationId xmlns:p14="http://schemas.microsoft.com/office/powerpoint/2010/main" val="2126654353"/>
+      </p:ext>
+    </p:extLst>
+  </p:cSld>
+  <p:clrMapOvr>
+    <a:masterClrMapping/>
+  </p:clrMapOvr>
+</p:sld>
+</file>
+
+<file path=ppt/slides/slide21.xml><?xml version="1.0" encoding="utf-8"?>
+<p:sld xmlns:a="http://schemas.openxmlformats.org/drawingml/2006/main" xmlns:r="http://schemas.openxmlformats.org/officeDocument/2006/relationships" xmlns:p="http://schemas.openxmlformats.org/presentationml/2006/main">
+  <p:cSld>
+    <p:spTree>
+      <p:nvGrpSpPr>
+        <p:cNvPr id="1" name=""/>
+        <p:cNvGrpSpPr/>
+        <p:nvPr/>
+      </p:nvGrpSpPr>
+      <p:grpSpPr>
+        <a:xfrm>
+          <a:off x="0" y="0"/>
+          <a:ext cx="0" cy="0"/>
+          <a:chOff x="0" y="0"/>
+          <a:chExt cx="0" cy="0"/>
+        </a:xfrm>
+      </p:grpSpPr>
+      <p:pic>
+        <p:nvPicPr>
+          <p:cNvPr id="7" name="Imagen 6">
+            <a:extLst>
+              <a:ext uri="{FF2B5EF4-FFF2-40B4-BE49-F238E27FC236}">
+                <a16:creationId xmlns:a16="http://schemas.microsoft.com/office/drawing/2014/main" id="{0DE5A4E2-6286-0FCA-A95F-02DA69EB5EAB}"/>
+              </a:ext>
+            </a:extLst>
+          </p:cNvPr>
+          <p:cNvPicPr>
+            <a:picLocks noChangeAspect="1"/>
+          </p:cNvPicPr>
+          <p:nvPr/>
+        </p:nvPicPr>
+        <p:blipFill>
+          <a:blip r:embed="rId2"/>
+          <a:stretch>
+            <a:fillRect/>
+          </a:stretch>
+        </p:blipFill>
+        <p:spPr>
+          <a:xfrm>
+            <a:off x="1147715" y="4416552"/>
+            <a:ext cx="10492604" cy="876703"/>
+          </a:xfrm>
+          <a:prstGeom prst="rect">
+            <a:avLst/>
+          </a:prstGeom>
+        </p:spPr>
+      </p:pic>
+      <p:pic>
+        <p:nvPicPr>
+          <p:cNvPr id="9" name="Imagen 8" descr="Interfaz de usuario gráfica, Texto, Aplicación, Correo electrónico&#10;&#10;Descripción generada automáticamente">
+            <a:extLst>
+              <a:ext uri="{FF2B5EF4-FFF2-40B4-BE49-F238E27FC236}">
+                <a16:creationId xmlns:a16="http://schemas.microsoft.com/office/drawing/2014/main" id="{BDD9F478-BC6F-7272-ADC2-E915787CAFD5}"/>
+              </a:ext>
+            </a:extLst>
+          </p:cNvPr>
+          <p:cNvPicPr>
+            <a:picLocks noChangeAspect="1"/>
+          </p:cNvPicPr>
+          <p:nvPr/>
+        </p:nvPicPr>
+        <p:blipFill>
+          <a:blip r:embed="rId3"/>
+          <a:stretch>
+            <a:fillRect/>
+          </a:stretch>
+        </p:blipFill>
+        <p:spPr>
+          <a:xfrm>
+            <a:off x="1147715" y="1149558"/>
+            <a:ext cx="10291233" cy="2414294"/>
+          </a:xfrm>
+          <a:prstGeom prst="rect">
+            <a:avLst/>
+          </a:prstGeom>
+        </p:spPr>
+      </p:pic>
+    </p:spTree>
+    <p:extLst>
+      <p:ext uri="{BB962C8B-B14F-4D97-AF65-F5344CB8AC3E}">
+        <p14:creationId xmlns:p14="http://schemas.microsoft.com/office/powerpoint/2010/main" val="2290613966"/>
+      </p:ext>
+    </p:extLst>
+  </p:cSld>
+  <p:clrMapOvr>
+    <a:masterClrMapping/>
+  </p:clrMapOvr>
+</p:sld>
+</file>
+
+<file path=ppt/slides/slide22.xml><?xml version="1.0" encoding="utf-8"?>
 <p:sld xmlns:a="http://schemas.openxmlformats.org/drawingml/2006/main" xmlns:r="http://schemas.openxmlformats.org/officeDocument/2006/relationships" xmlns:p="http://schemas.openxmlformats.org/presentationml/2006/main">
   <p:cSld>
     <p:bg>
@@ -9137,7 +9588,7 @@
 </p:sld>
 </file>
 
-<file path=ppt/slides/slide21.xml><?xml version="1.0" encoding="utf-8"?>
+<file path=ppt/slides/slide23.xml><?xml version="1.0" encoding="utf-8"?>
 <p:sld xmlns:a="http://schemas.openxmlformats.org/drawingml/2006/main" xmlns:r="http://schemas.openxmlformats.org/officeDocument/2006/relationships" xmlns:p="http://schemas.openxmlformats.org/presentationml/2006/main">
   <p:cSld>
     <p:spTree>
@@ -9260,7 +9711,7 @@
 </p:sld>
 </file>
 
-<file path=ppt/slides/slide22.xml><?xml version="1.0" encoding="utf-8"?>
+<file path=ppt/slides/slide24.xml><?xml version="1.0" encoding="utf-8"?>
 <p:sld xmlns:a="http://schemas.openxmlformats.org/drawingml/2006/main" xmlns:r="http://schemas.openxmlformats.org/officeDocument/2006/relationships" xmlns:p="http://schemas.openxmlformats.org/presentationml/2006/main">
   <p:cSld>
     <p:spTree>
@@ -9320,7 +9771,7 @@
 </p:sld>
 </file>
 
-<file path=ppt/slides/slide23.xml><?xml version="1.0" encoding="utf-8"?>
+<file path=ppt/slides/slide25.xml><?xml version="1.0" encoding="utf-8"?>
 <p:sld xmlns:a="http://schemas.openxmlformats.org/drawingml/2006/main" xmlns:r="http://schemas.openxmlformats.org/officeDocument/2006/relationships" xmlns:p="http://schemas.openxmlformats.org/presentationml/2006/main">
   <p:cSld>
     <p:spTree>
@@ -9380,7 +9831,7 @@
 </p:sld>
 </file>
 
-<file path=ppt/slides/slide24.xml><?xml version="1.0" encoding="utf-8"?>
+<file path=ppt/slides/slide26.xml><?xml version="1.0" encoding="utf-8"?>
 <p:sld xmlns:a="http://schemas.openxmlformats.org/drawingml/2006/main" xmlns:r="http://schemas.openxmlformats.org/officeDocument/2006/relationships" xmlns:p="http://schemas.openxmlformats.org/presentationml/2006/main">
   <p:cSld>
     <p:spTree>
@@ -9440,7 +9891,7 @@
 </p:sld>
 </file>
 
-<file path=ppt/slides/slide25.xml><?xml version="1.0" encoding="utf-8"?>
+<file path=ppt/slides/slide27.xml><?xml version="1.0" encoding="utf-8"?>
 <p:sld xmlns:a="http://schemas.openxmlformats.org/drawingml/2006/main" xmlns:r="http://schemas.openxmlformats.org/officeDocument/2006/relationships" xmlns:p="http://schemas.openxmlformats.org/presentationml/2006/main">
   <p:cSld>
     <p:spTree>
@@ -9500,7 +9951,7 @@
 </p:sld>
 </file>
 
-<file path=ppt/slides/slide26.xml><?xml version="1.0" encoding="utf-8"?>
+<file path=ppt/slides/slide28.xml><?xml version="1.0" encoding="utf-8"?>
 <p:sld xmlns:a="http://schemas.openxmlformats.org/drawingml/2006/main" xmlns:r="http://schemas.openxmlformats.org/officeDocument/2006/relationships" xmlns:p="http://schemas.openxmlformats.org/presentationml/2006/main">
   <p:cSld>
     <p:bg>
@@ -10044,7 +10495,7 @@
 </p:sld>
 </file>
 
-<file path=ppt/slides/slide27.xml><?xml version="1.0" encoding="utf-8"?>
+<file path=ppt/slides/slide29.xml><?xml version="1.0" encoding="utf-8"?>
 <p:sld xmlns:a="http://schemas.openxmlformats.org/drawingml/2006/main" xmlns:r="http://schemas.openxmlformats.org/officeDocument/2006/relationships" xmlns:p="http://schemas.openxmlformats.org/presentationml/2006/main">
   <p:cSld>
     <p:bg>
@@ -10572,7 +11023,121 @@
 </p:sld>
 </file>
 
-<file path=ppt/slides/slide28.xml><?xml version="1.0" encoding="utf-8"?>
+<file path=ppt/slides/slide3.xml><?xml version="1.0" encoding="utf-8"?>
+<p:sld xmlns:a="http://schemas.openxmlformats.org/drawingml/2006/main" xmlns:r="http://schemas.openxmlformats.org/officeDocument/2006/relationships" xmlns:p="http://schemas.openxmlformats.org/presentationml/2006/main">
+  <p:cSld>
+    <p:spTree>
+      <p:nvGrpSpPr>
+        <p:cNvPr id="1" name=""/>
+        <p:cNvGrpSpPr/>
+        <p:nvPr/>
+      </p:nvGrpSpPr>
+      <p:grpSpPr>
+        <a:xfrm>
+          <a:off x="0" y="0"/>
+          <a:ext cx="0" cy="0"/>
+          <a:chOff x="0" y="0"/>
+          <a:chExt cx="0" cy="0"/>
+        </a:xfrm>
+      </p:grpSpPr>
+      <p:sp>
+        <p:nvSpPr>
+          <p:cNvPr id="2" name="Título 1">
+            <a:extLst>
+              <a:ext uri="{FF2B5EF4-FFF2-40B4-BE49-F238E27FC236}">
+                <a16:creationId xmlns:a16="http://schemas.microsoft.com/office/drawing/2014/main" id="{CA9E3135-5DA3-4D4E-7630-6360BB16130B}"/>
+              </a:ext>
+            </a:extLst>
+          </p:cNvPr>
+          <p:cNvSpPr>
+            <a:spLocks noGrp="1"/>
+          </p:cNvSpPr>
+          <p:nvPr>
+            <p:ph type="ctrTitle"/>
+          </p:nvPr>
+        </p:nvSpPr>
+        <p:spPr>
+          <a:xfrm>
+            <a:off x="3094997" y="107138"/>
+            <a:ext cx="8361229" cy="2098226"/>
+          </a:xfrm>
+        </p:spPr>
+        <p:txBody>
+          <a:bodyPr/>
+          <a:lstStyle/>
+          <a:p>
+            <a:r>
+              <a:rPr lang="es-CO" b="0" i="0" dirty="0">
+                <a:effectLst/>
+                <a:latin typeface="gg sans"/>
+              </a:rPr>
+              <a:t>¿Cuál es el problema?</a:t>
+            </a:r>
+            <a:endParaRPr lang="es-CO" dirty="0"/>
+          </a:p>
+        </p:txBody>
+      </p:sp>
+      <p:sp>
+        <p:nvSpPr>
+          <p:cNvPr id="3" name="Subtítulo 2">
+            <a:extLst>
+              <a:ext uri="{FF2B5EF4-FFF2-40B4-BE49-F238E27FC236}">
+                <a16:creationId xmlns:a16="http://schemas.microsoft.com/office/drawing/2014/main" id="{374DF342-C286-411D-8BFB-09A0818741A2}"/>
+              </a:ext>
+            </a:extLst>
+          </p:cNvPr>
+          <p:cNvSpPr>
+            <a:spLocks noGrp="1"/>
+          </p:cNvSpPr>
+          <p:nvPr>
+            <p:ph type="subTitle" idx="1"/>
+          </p:nvPr>
+        </p:nvSpPr>
+        <p:spPr>
+          <a:xfrm>
+            <a:off x="1559029" y="2342763"/>
+            <a:ext cx="8499371" cy="1086237"/>
+          </a:xfrm>
+        </p:spPr>
+        <p:txBody>
+          <a:bodyPr>
+            <a:noAutofit/>
+          </a:bodyPr>
+          <a:lstStyle/>
+          <a:p>
+            <a:pPr algn="l"/>
+            <a:r>
+              <a:rPr lang="es-ES" sz="1600" b="0" i="0" dirty="0" err="1">
+                <a:effectLst/>
+                <a:latin typeface="gg sans"/>
+              </a:rPr>
+              <a:t>tusLentes</a:t>
+            </a:r>
+            <a:r>
+              <a:rPr lang="es-ES" sz="1600" b="0" i="0" dirty="0">
+                <a:effectLst/>
+                <a:latin typeface="gg sans"/>
+              </a:rPr>
+              <a:t> Shop es un negocio ubicado en la localidad de Kennedy, especializado en brindar servicios de asesoría y venta de artículos para la vista. A través de las técnicas de levantamiento de información, se identificó un problema: agendan sus citas por redes sociales y medios físicos (cuadernos y libretas). Sin embargo, estos procesos no son eficientes en el agendamiento. En WhatsApp, se pueden borrar los mensajes, y las anotaciones en un cuaderno se pueden extraviar o incluso dañar, lo que resulta en la pérdida de información. En una ocasión, un empleado se confundió al llamar al cliente para avisarle sobre la cita. Más tarde, dos clientes llegaron a la misma hora, generando confusión entre ellos. Uno de los clientes se quejó por la mala administración de las citas, lo que llevó a cancelar la cita con ellos.</a:t>
+            </a:r>
+            <a:endParaRPr lang="es-CO" sz="1600" dirty="0"/>
+          </a:p>
+        </p:txBody>
+      </p:sp>
+    </p:spTree>
+    <p:extLst>
+      <p:ext uri="{BB962C8B-B14F-4D97-AF65-F5344CB8AC3E}">
+        <p14:creationId xmlns:p14="http://schemas.microsoft.com/office/powerpoint/2010/main" val="2295969736"/>
+      </p:ext>
+    </p:extLst>
+  </p:cSld>
+  <p:clrMapOvr>
+    <a:masterClrMapping/>
+  </p:clrMapOvr>
+</p:sld>
+</file>
+
+<file path=ppt/slides/slide30.xml><?xml version="1.0" encoding="utf-8"?>
 <p:sld xmlns:a="http://schemas.openxmlformats.org/drawingml/2006/main" xmlns:r="http://schemas.openxmlformats.org/officeDocument/2006/relationships" xmlns:p="http://schemas.openxmlformats.org/presentationml/2006/main">
   <p:cSld>
     <p:spTree>
@@ -10890,7 +11455,7 @@
 </p:sld>
 </file>
 
-<file path=ppt/slides/slide29.xml><?xml version="1.0" encoding="utf-8"?>
+<file path=ppt/slides/slide31.xml><?xml version="1.0" encoding="utf-8"?>
 <p:sld xmlns:a="http://schemas.openxmlformats.org/drawingml/2006/main" xmlns:r="http://schemas.openxmlformats.org/officeDocument/2006/relationships" xmlns:p="http://schemas.openxmlformats.org/presentationml/2006/main">
   <p:cSld>
     <p:bg>
@@ -11145,128 +11710,7 @@
 </p:sld>
 </file>
 
-<file path=ppt/slides/slide3.xml><?xml version="1.0" encoding="utf-8"?>
-<p:sld xmlns:a="http://schemas.openxmlformats.org/drawingml/2006/main" xmlns:r="http://schemas.openxmlformats.org/officeDocument/2006/relationships" xmlns:p="http://schemas.openxmlformats.org/presentationml/2006/main">
-  <p:cSld>
-    <p:spTree>
-      <p:nvGrpSpPr>
-        <p:cNvPr id="1" name=""/>
-        <p:cNvGrpSpPr/>
-        <p:nvPr/>
-      </p:nvGrpSpPr>
-      <p:grpSpPr>
-        <a:xfrm>
-          <a:off x="0" y="0"/>
-          <a:ext cx="0" cy="0"/>
-          <a:chOff x="0" y="0"/>
-          <a:chExt cx="0" cy="0"/>
-        </a:xfrm>
-      </p:grpSpPr>
-      <p:sp>
-        <p:nvSpPr>
-          <p:cNvPr id="2" name="Título 1">
-            <a:extLst>
-              <a:ext uri="{FF2B5EF4-FFF2-40B4-BE49-F238E27FC236}">
-                <a16:creationId xmlns:a16="http://schemas.microsoft.com/office/drawing/2014/main" id="{5C7C0768-2F80-4A20-3D88-E4E1D81F5F4C}"/>
-              </a:ext>
-            </a:extLst>
-          </p:cNvPr>
-          <p:cNvSpPr>
-            <a:spLocks noGrp="1"/>
-          </p:cNvSpPr>
-          <p:nvPr>
-            <p:ph type="title"/>
-          </p:nvPr>
-        </p:nvSpPr>
-        <p:spPr>
-          <a:xfrm>
-            <a:off x="2991394" y="1301360"/>
-            <a:ext cx="7386602" cy="2852737"/>
-          </a:xfrm>
-        </p:spPr>
-        <p:txBody>
-          <a:bodyPr/>
-          <a:lstStyle/>
-          <a:p>
-            <a:r>
-              <a:rPr lang="es-CO" dirty="0"/>
-              <a:t>Creación de DB y tablas</a:t>
-            </a:r>
-          </a:p>
-        </p:txBody>
-      </p:sp>
-      <p:sp>
-        <p:nvSpPr>
-          <p:cNvPr id="3" name="Título 1">
-            <a:hlinkClick r:id="rId2" action="ppaction://hlinkfile"/>
-            <a:extLst>
-              <a:ext uri="{FF2B5EF4-FFF2-40B4-BE49-F238E27FC236}">
-                <a16:creationId xmlns:a16="http://schemas.microsoft.com/office/drawing/2014/main" id="{DF72E998-2DBB-5330-ECE7-CCBDB02F0AEF}"/>
-              </a:ext>
-            </a:extLst>
-          </p:cNvPr>
-          <p:cNvSpPr txBox="1">
-            <a:spLocks/>
-          </p:cNvSpPr>
-          <p:nvPr/>
-        </p:nvSpPr>
-        <p:spPr>
-          <a:xfrm>
-            <a:off x="995880" y="5649362"/>
-            <a:ext cx="1379877" cy="514723"/>
-          </a:xfrm>
-          <a:prstGeom prst="rect">
-            <a:avLst/>
-          </a:prstGeom>
-        </p:spPr>
-        <p:txBody>
-          <a:bodyPr vert="horz" lIns="91440" tIns="45720" rIns="91440" bIns="45720" rtlCol="0" anchor="b">
-            <a:normAutofit fontScale="32500" lnSpcReduction="20000"/>
-          </a:bodyPr>
-          <a:lstStyle>
-            <a:lvl1pPr algn="r" defTabSz="914400" rtl="0" eaLnBrk="1" latinLnBrk="0" hangingPunct="1">
-              <a:lnSpc>
-                <a:spcPct val="89000"/>
-              </a:lnSpc>
-              <a:spcBef>
-                <a:spcPct val="0"/>
-              </a:spcBef>
-              <a:buNone/>
-              <a:defRPr sz="7200" kern="1200" cap="all" baseline="0">
-                <a:solidFill>
-                  <a:schemeClr val="tx2"/>
-                </a:solidFill>
-                <a:latin typeface="+mj-lt"/>
-                <a:ea typeface="+mj-ea"/>
-                <a:cs typeface="+mj-cs"/>
-              </a:defRPr>
-            </a:lvl1pPr>
-          </a:lstStyle>
-          <a:p>
-            <a:r>
-              <a:rPr lang="es-CO" dirty="0" err="1">
-                <a:hlinkClick r:id="rId2" action="ppaction://hlinkfile"/>
-              </a:rPr>
-              <a:t>DDL.sql</a:t>
-            </a:r>
-            <a:endParaRPr lang="es-CO" dirty="0"/>
-          </a:p>
-        </p:txBody>
-      </p:sp>
-    </p:spTree>
-    <p:extLst>
-      <p:ext uri="{BB962C8B-B14F-4D97-AF65-F5344CB8AC3E}">
-        <p14:creationId xmlns:p14="http://schemas.microsoft.com/office/powerpoint/2010/main" val="3119615752"/>
-      </p:ext>
-    </p:extLst>
-  </p:cSld>
-  <p:clrMapOvr>
-    <a:masterClrMapping/>
-  </p:clrMapOvr>
-</p:sld>
-</file>
-
-<file path=ppt/slides/slide30.xml><?xml version="1.0" encoding="utf-8"?>
+<file path=ppt/slides/slide32.xml><?xml version="1.0" encoding="utf-8"?>
 <p:sld xmlns:a="http://schemas.openxmlformats.org/drawingml/2006/main" xmlns:r="http://schemas.openxmlformats.org/officeDocument/2006/relationships" xmlns:p="http://schemas.openxmlformats.org/presentationml/2006/main">
   <p:cSld>
     <p:bg>
@@ -11521,7 +11965,7 @@
 </p:sld>
 </file>
 
-<file path=ppt/slides/slide31.xml><?xml version="1.0" encoding="utf-8"?>
+<file path=ppt/slides/slide33.xml><?xml version="1.0" encoding="utf-8"?>
 <p:sld xmlns:a="http://schemas.openxmlformats.org/drawingml/2006/main" xmlns:r="http://schemas.openxmlformats.org/officeDocument/2006/relationships" xmlns:p="http://schemas.openxmlformats.org/presentationml/2006/main">
   <p:cSld>
     <p:bg>
@@ -12036,7 +12480,7 @@
 </p:sld>
 </file>
 
-<file path=ppt/slides/slide32.xml><?xml version="1.0" encoding="utf-8"?>
+<file path=ppt/slides/slide34.xml><?xml version="1.0" encoding="utf-8"?>
 <p:sld xmlns:a="http://schemas.openxmlformats.org/drawingml/2006/main" xmlns:r="http://schemas.openxmlformats.org/officeDocument/2006/relationships" xmlns:p="http://schemas.openxmlformats.org/presentationml/2006/main">
   <p:cSld>
     <p:bg>
@@ -12482,7 +12926,7 @@
 </p:sld>
 </file>
 
-<file path=ppt/slides/slide33.xml><?xml version="1.0" encoding="utf-8"?>
+<file path=ppt/slides/slide35.xml><?xml version="1.0" encoding="utf-8"?>
 <p:sld xmlns:a="http://schemas.openxmlformats.org/drawingml/2006/main" xmlns:r="http://schemas.openxmlformats.org/officeDocument/2006/relationships" xmlns:p="http://schemas.openxmlformats.org/presentationml/2006/main">
   <p:cSld>
     <p:bg>
@@ -12964,7 +13408,7 @@
 </p:sld>
 </file>
 
-<file path=ppt/slides/slide34.xml><?xml version="1.0" encoding="utf-8"?>
+<file path=ppt/slides/slide36.xml><?xml version="1.0" encoding="utf-8"?>
 <p:sld xmlns:a="http://schemas.openxmlformats.org/drawingml/2006/main" xmlns:r="http://schemas.openxmlformats.org/officeDocument/2006/relationships" xmlns:p="http://schemas.openxmlformats.org/presentationml/2006/main">
   <p:cSld>
     <p:bg>
@@ -13478,6 +13922,243 @@
           <p:cNvPr id="2" name="Título 1">
             <a:extLst>
               <a:ext uri="{FF2B5EF4-FFF2-40B4-BE49-F238E27FC236}">
+                <a16:creationId xmlns:a16="http://schemas.microsoft.com/office/drawing/2014/main" id="{61364E2A-2665-CFEF-0139-7E579400011F}"/>
+              </a:ext>
+            </a:extLst>
+          </p:cNvPr>
+          <p:cNvSpPr>
+            <a:spLocks noGrp="1"/>
+          </p:cNvSpPr>
+          <p:nvPr>
+            <p:ph type="ctrTitle"/>
+          </p:nvPr>
+        </p:nvSpPr>
+        <p:spPr>
+          <a:xfrm>
+            <a:off x="3830771" y="-334296"/>
+            <a:ext cx="8361229" cy="2098226"/>
+          </a:xfrm>
+        </p:spPr>
+        <p:txBody>
+          <a:bodyPr/>
+          <a:lstStyle/>
+          <a:p>
+            <a:r>
+              <a:rPr lang="es-CO" dirty="0"/>
+              <a:t>Objetivo general</a:t>
+            </a:r>
+          </a:p>
+        </p:txBody>
+      </p:sp>
+      <p:sp>
+        <p:nvSpPr>
+          <p:cNvPr id="3" name="Subtítulo 2">
+            <a:extLst>
+              <a:ext uri="{FF2B5EF4-FFF2-40B4-BE49-F238E27FC236}">
+                <a16:creationId xmlns:a16="http://schemas.microsoft.com/office/drawing/2014/main" id="{FF25465E-638D-408F-1B60-53417210DA9B}"/>
+              </a:ext>
+            </a:extLst>
+          </p:cNvPr>
+          <p:cNvSpPr>
+            <a:spLocks noGrp="1"/>
+          </p:cNvSpPr>
+          <p:nvPr>
+            <p:ph type="subTitle" idx="1"/>
+          </p:nvPr>
+        </p:nvSpPr>
+        <p:spPr>
+          <a:xfrm>
+            <a:off x="2680163" y="2342763"/>
+            <a:ext cx="6831673" cy="1086237"/>
+          </a:xfrm>
+        </p:spPr>
+        <p:txBody>
+          <a:bodyPr>
+            <a:normAutofit fontScale="92500" lnSpcReduction="10000"/>
+          </a:bodyPr>
+          <a:lstStyle/>
+          <a:p>
+            <a:r>
+              <a:rPr lang="es-ES" b="0" i="0" dirty="0">
+                <a:effectLst/>
+                <a:latin typeface="gg sans"/>
+              </a:rPr>
+              <a:t>Desarrollar un sistema de información orientado al agendamiento de citas con el fin de mejorar la gestión de clientes en el negocio </a:t>
+            </a:r>
+            <a:r>
+              <a:rPr lang="es-ES" b="0" i="0" dirty="0" err="1">
+                <a:effectLst/>
+                <a:latin typeface="gg sans"/>
+              </a:rPr>
+              <a:t>tusLentes</a:t>
+            </a:r>
+            <a:r>
+              <a:rPr lang="es-ES" b="0" i="0" dirty="0">
+                <a:effectLst/>
+                <a:latin typeface="gg sans"/>
+              </a:rPr>
+              <a:t> shop.</a:t>
+            </a:r>
+            <a:endParaRPr lang="es-CO" dirty="0"/>
+          </a:p>
+        </p:txBody>
+      </p:sp>
+    </p:spTree>
+    <p:extLst>
+      <p:ext uri="{BB962C8B-B14F-4D97-AF65-F5344CB8AC3E}">
+        <p14:creationId xmlns:p14="http://schemas.microsoft.com/office/powerpoint/2010/main" val="836445348"/>
+      </p:ext>
+    </p:extLst>
+  </p:cSld>
+  <p:clrMapOvr>
+    <a:masterClrMapping/>
+  </p:clrMapOvr>
+</p:sld>
+</file>
+
+<file path=ppt/slides/slide5.xml><?xml version="1.0" encoding="utf-8"?>
+<p:sld xmlns:a="http://schemas.openxmlformats.org/drawingml/2006/main" xmlns:r="http://schemas.openxmlformats.org/officeDocument/2006/relationships" xmlns:p="http://schemas.openxmlformats.org/presentationml/2006/main">
+  <p:cSld>
+    <p:spTree>
+      <p:nvGrpSpPr>
+        <p:cNvPr id="1" name=""/>
+        <p:cNvGrpSpPr/>
+        <p:nvPr/>
+      </p:nvGrpSpPr>
+      <p:grpSpPr>
+        <a:xfrm>
+          <a:off x="0" y="0"/>
+          <a:ext cx="0" cy="0"/>
+          <a:chOff x="0" y="0"/>
+          <a:chExt cx="0" cy="0"/>
+        </a:xfrm>
+      </p:grpSpPr>
+      <p:sp>
+        <p:nvSpPr>
+          <p:cNvPr id="2" name="Título 1">
+            <a:extLst>
+              <a:ext uri="{FF2B5EF4-FFF2-40B4-BE49-F238E27FC236}">
+                <a16:creationId xmlns:a16="http://schemas.microsoft.com/office/drawing/2014/main" id="{5C7C0768-2F80-4A20-3D88-E4E1D81F5F4C}"/>
+              </a:ext>
+            </a:extLst>
+          </p:cNvPr>
+          <p:cNvSpPr>
+            <a:spLocks noGrp="1"/>
+          </p:cNvSpPr>
+          <p:nvPr>
+            <p:ph type="title"/>
+          </p:nvPr>
+        </p:nvSpPr>
+        <p:spPr>
+          <a:xfrm>
+            <a:off x="2991394" y="1301360"/>
+            <a:ext cx="7386602" cy="2852737"/>
+          </a:xfrm>
+        </p:spPr>
+        <p:txBody>
+          <a:bodyPr/>
+          <a:lstStyle/>
+          <a:p>
+            <a:r>
+              <a:rPr lang="es-CO" dirty="0"/>
+              <a:t>Creación de DB y tablas</a:t>
+            </a:r>
+          </a:p>
+        </p:txBody>
+      </p:sp>
+      <p:sp>
+        <p:nvSpPr>
+          <p:cNvPr id="3" name="Título 1">
+            <a:hlinkClick r:id="rId2" action="ppaction://hlinkfile"/>
+            <a:extLst>
+              <a:ext uri="{FF2B5EF4-FFF2-40B4-BE49-F238E27FC236}">
+                <a16:creationId xmlns:a16="http://schemas.microsoft.com/office/drawing/2014/main" id="{DF72E998-2DBB-5330-ECE7-CCBDB02F0AEF}"/>
+              </a:ext>
+            </a:extLst>
+          </p:cNvPr>
+          <p:cNvSpPr txBox="1">
+            <a:spLocks/>
+          </p:cNvSpPr>
+          <p:nvPr/>
+        </p:nvSpPr>
+        <p:spPr>
+          <a:xfrm>
+            <a:off x="995880" y="5649362"/>
+            <a:ext cx="1379877" cy="514723"/>
+          </a:xfrm>
+          <a:prstGeom prst="rect">
+            <a:avLst/>
+          </a:prstGeom>
+        </p:spPr>
+        <p:txBody>
+          <a:bodyPr vert="horz" lIns="91440" tIns="45720" rIns="91440" bIns="45720" rtlCol="0" anchor="b">
+            <a:normAutofit fontScale="32500" lnSpcReduction="20000"/>
+          </a:bodyPr>
+          <a:lstStyle>
+            <a:lvl1pPr algn="r" defTabSz="914400" rtl="0" eaLnBrk="1" latinLnBrk="0" hangingPunct="1">
+              <a:lnSpc>
+                <a:spcPct val="89000"/>
+              </a:lnSpc>
+              <a:spcBef>
+                <a:spcPct val="0"/>
+              </a:spcBef>
+              <a:buNone/>
+              <a:defRPr sz="7200" kern="1200" cap="all" baseline="0">
+                <a:solidFill>
+                  <a:schemeClr val="tx2"/>
+                </a:solidFill>
+                <a:latin typeface="+mj-lt"/>
+                <a:ea typeface="+mj-ea"/>
+                <a:cs typeface="+mj-cs"/>
+              </a:defRPr>
+            </a:lvl1pPr>
+          </a:lstStyle>
+          <a:p>
+            <a:r>
+              <a:rPr lang="es-CO" dirty="0" err="1">
+                <a:hlinkClick r:id="rId2" action="ppaction://hlinkfile"/>
+              </a:rPr>
+              <a:t>DDL.sql</a:t>
+            </a:r>
+            <a:endParaRPr lang="es-CO" dirty="0"/>
+          </a:p>
+        </p:txBody>
+      </p:sp>
+    </p:spTree>
+    <p:extLst>
+      <p:ext uri="{BB962C8B-B14F-4D97-AF65-F5344CB8AC3E}">
+        <p14:creationId xmlns:p14="http://schemas.microsoft.com/office/powerpoint/2010/main" val="3119615752"/>
+      </p:ext>
+    </p:extLst>
+  </p:cSld>
+  <p:clrMapOvr>
+    <a:masterClrMapping/>
+  </p:clrMapOvr>
+</p:sld>
+</file>
+
+<file path=ppt/slides/slide6.xml><?xml version="1.0" encoding="utf-8"?>
+<p:sld xmlns:a="http://schemas.openxmlformats.org/drawingml/2006/main" xmlns:r="http://schemas.openxmlformats.org/officeDocument/2006/relationships" xmlns:p="http://schemas.openxmlformats.org/presentationml/2006/main">
+  <p:cSld>
+    <p:spTree>
+      <p:nvGrpSpPr>
+        <p:cNvPr id="1" name=""/>
+        <p:cNvGrpSpPr/>
+        <p:nvPr/>
+      </p:nvGrpSpPr>
+      <p:grpSpPr>
+        <a:xfrm>
+          <a:off x="0" y="0"/>
+          <a:ext cx="0" cy="0"/>
+          <a:chOff x="0" y="0"/>
+          <a:chExt cx="0" cy="0"/>
+        </a:xfrm>
+      </p:grpSpPr>
+      <p:sp>
+        <p:nvSpPr>
+          <p:cNvPr id="2" name="Título 1">
+            <a:extLst>
+              <a:ext uri="{FF2B5EF4-FFF2-40B4-BE49-F238E27FC236}">
                 <a16:creationId xmlns:a16="http://schemas.microsoft.com/office/drawing/2014/main" id="{1400D345-66AB-83D3-9BAC-223775BA32F8}"/>
               </a:ext>
             </a:extLst>
@@ -13566,7 +14247,7 @@
 </p:sld>
 </file>
 
-<file path=ppt/slides/slide5.xml><?xml version="1.0" encoding="utf-8"?>
+<file path=ppt/slides/slide7.xml><?xml version="1.0" encoding="utf-8"?>
 <p:sld xmlns:a="http://schemas.openxmlformats.org/drawingml/2006/main" xmlns:r="http://schemas.openxmlformats.org/officeDocument/2006/relationships" xmlns:p="http://schemas.openxmlformats.org/presentationml/2006/main">
   <p:cSld>
     <p:spTree>
@@ -13751,7 +14432,7 @@
 </p:sld>
 </file>
 
-<file path=ppt/slides/slide6.xml><?xml version="1.0" encoding="utf-8"?>
+<file path=ppt/slides/slide8.xml><?xml version="1.0" encoding="utf-8"?>
 <p:sld xmlns:a="http://schemas.openxmlformats.org/drawingml/2006/main" xmlns:r="http://schemas.openxmlformats.org/officeDocument/2006/relationships" xmlns:p="http://schemas.openxmlformats.org/presentationml/2006/main">
   <p:cSld>
     <p:spTree>
@@ -13810,7 +14491,7 @@
 </p:sld>
 </file>
 
-<file path=ppt/slides/slide7.xml><?xml version="1.0" encoding="utf-8"?>
+<file path=ppt/slides/slide9.xml><?xml version="1.0" encoding="utf-8"?>
 <p:sld xmlns:a="http://schemas.openxmlformats.org/drawingml/2006/main" xmlns:r="http://schemas.openxmlformats.org/officeDocument/2006/relationships" xmlns:p="http://schemas.openxmlformats.org/presentationml/2006/main">
   <p:cSld>
     <p:spTree>
@@ -13897,455 +14578,6 @@
     <p:extLst>
       <p:ext uri="{BB962C8B-B14F-4D97-AF65-F5344CB8AC3E}">
         <p14:creationId xmlns:p14="http://schemas.microsoft.com/office/powerpoint/2010/main" val="3790690138"/>
-      </p:ext>
-    </p:extLst>
-  </p:cSld>
-  <p:clrMapOvr>
-    <a:masterClrMapping/>
-  </p:clrMapOvr>
-</p:sld>
-</file>
-
-<file path=ppt/slides/slide8.xml><?xml version="1.0" encoding="utf-8"?>
-<p:sld xmlns:a="http://schemas.openxmlformats.org/drawingml/2006/main" xmlns:r="http://schemas.openxmlformats.org/officeDocument/2006/relationships" xmlns:p="http://schemas.openxmlformats.org/presentationml/2006/main">
-  <p:cSld>
-    <p:spTree>
-      <p:nvGrpSpPr>
-        <p:cNvPr id="1" name=""/>
-        <p:cNvGrpSpPr/>
-        <p:nvPr/>
-      </p:nvGrpSpPr>
-      <p:grpSpPr>
-        <a:xfrm>
-          <a:off x="0" y="0"/>
-          <a:ext cx="0" cy="0"/>
-          <a:chOff x="0" y="0"/>
-          <a:chExt cx="0" cy="0"/>
-        </a:xfrm>
-      </p:grpSpPr>
-      <p:sp>
-        <p:nvSpPr>
-          <p:cNvPr id="2" name="Título 1">
-            <a:extLst>
-              <a:ext uri="{FF2B5EF4-FFF2-40B4-BE49-F238E27FC236}">
-                <a16:creationId xmlns:a16="http://schemas.microsoft.com/office/drawing/2014/main" id="{91D37C8A-D988-4D2C-D997-CF5B67542F11}"/>
-              </a:ext>
-            </a:extLst>
-          </p:cNvPr>
-          <p:cNvSpPr>
-            <a:spLocks noGrp="1"/>
-          </p:cNvSpPr>
-          <p:nvPr>
-            <p:ph type="title"/>
-          </p:nvPr>
-        </p:nvSpPr>
-        <p:spPr/>
-        <p:txBody>
-          <a:bodyPr/>
-          <a:lstStyle/>
-          <a:p>
-            <a:r>
-              <a:rPr lang="es-CO" dirty="0"/>
-              <a:t>Encriptación</a:t>
-            </a:r>
-          </a:p>
-        </p:txBody>
-      </p:sp>
-      <p:pic>
-        <p:nvPicPr>
-          <p:cNvPr id="4" name="Imagen 3">
-            <a:extLst>
-              <a:ext uri="{FF2B5EF4-FFF2-40B4-BE49-F238E27FC236}">
-                <a16:creationId xmlns:a16="http://schemas.microsoft.com/office/drawing/2014/main" id="{C038B81D-5B76-FA9F-E289-6AE340DB9A98}"/>
-              </a:ext>
-            </a:extLst>
-          </p:cNvPr>
-          <p:cNvPicPr>
-            <a:picLocks noChangeAspect="1"/>
-          </p:cNvPicPr>
-          <p:nvPr/>
-        </p:nvPicPr>
-        <p:blipFill>
-          <a:blip r:embed="rId2"/>
-          <a:stretch>
-            <a:fillRect/>
-          </a:stretch>
-        </p:blipFill>
-        <p:spPr>
-          <a:xfrm>
-            <a:off x="942975" y="4163258"/>
-            <a:ext cx="10306050" cy="1981200"/>
-          </a:xfrm>
-          <a:prstGeom prst="rect">
-            <a:avLst/>
-          </a:prstGeom>
-        </p:spPr>
-      </p:pic>
-      <p:pic>
-        <p:nvPicPr>
-          <p:cNvPr id="7" name="Imagen 6">
-            <a:extLst>
-              <a:ext uri="{FF2B5EF4-FFF2-40B4-BE49-F238E27FC236}">
-                <a16:creationId xmlns:a16="http://schemas.microsoft.com/office/drawing/2014/main" id="{FD47B924-CEE6-CF4F-024E-776BC939F9FF}"/>
-              </a:ext>
-            </a:extLst>
-          </p:cNvPr>
-          <p:cNvPicPr>
-            <a:picLocks noChangeAspect="1"/>
-          </p:cNvPicPr>
-          <p:nvPr/>
-        </p:nvPicPr>
-        <p:blipFill>
-          <a:blip r:embed="rId3"/>
-          <a:stretch>
-            <a:fillRect/>
-          </a:stretch>
-        </p:blipFill>
-        <p:spPr>
-          <a:xfrm>
-            <a:off x="773157" y="1651485"/>
-            <a:ext cx="11249025" cy="2086513"/>
-          </a:xfrm>
-          <a:prstGeom prst="rect">
-            <a:avLst/>
-          </a:prstGeom>
-        </p:spPr>
-      </p:pic>
-    </p:spTree>
-    <p:extLst>
-      <p:ext uri="{BB962C8B-B14F-4D97-AF65-F5344CB8AC3E}">
-        <p14:creationId xmlns:p14="http://schemas.microsoft.com/office/powerpoint/2010/main" val="1505152939"/>
-      </p:ext>
-    </p:extLst>
-  </p:cSld>
-  <p:clrMapOvr>
-    <a:masterClrMapping/>
-  </p:clrMapOvr>
-</p:sld>
-</file>
-
-<file path=ppt/slides/slide9.xml><?xml version="1.0" encoding="utf-8"?>
-<p:sld xmlns:a="http://schemas.openxmlformats.org/drawingml/2006/main" xmlns:r="http://schemas.openxmlformats.org/officeDocument/2006/relationships" xmlns:p="http://schemas.openxmlformats.org/presentationml/2006/main">
-  <p:cSld>
-    <p:spTree>
-      <p:nvGrpSpPr>
-        <p:cNvPr id="1" name=""/>
-        <p:cNvGrpSpPr/>
-        <p:nvPr/>
-      </p:nvGrpSpPr>
-      <p:grpSpPr>
-        <a:xfrm>
-          <a:off x="0" y="0"/>
-          <a:ext cx="0" cy="0"/>
-          <a:chOff x="0" y="0"/>
-          <a:chExt cx="0" cy="0"/>
-        </a:xfrm>
-      </p:grpSpPr>
-      <p:sp>
-        <p:nvSpPr>
-          <p:cNvPr id="2" name="Título 1">
-            <a:extLst>
-              <a:ext uri="{FF2B5EF4-FFF2-40B4-BE49-F238E27FC236}">
-                <a16:creationId xmlns:a16="http://schemas.microsoft.com/office/drawing/2014/main" id="{4FAC1B6E-D73C-EBC3-5C53-A9F635FBFD20}"/>
-              </a:ext>
-            </a:extLst>
-          </p:cNvPr>
-          <p:cNvSpPr>
-            <a:spLocks noGrp="1"/>
-          </p:cNvSpPr>
-          <p:nvPr>
-            <p:ph type="title"/>
-          </p:nvPr>
-        </p:nvSpPr>
-        <p:spPr/>
-        <p:txBody>
-          <a:bodyPr/>
-          <a:lstStyle/>
-          <a:p>
-            <a:r>
-              <a:rPr lang="es-CO" dirty="0"/>
-              <a:t>Creación de roles</a:t>
-            </a:r>
-          </a:p>
-        </p:txBody>
-      </p:sp>
-      <p:sp>
-        <p:nvSpPr>
-          <p:cNvPr id="3" name="Marcador de texto 2">
-            <a:extLst>
-              <a:ext uri="{FF2B5EF4-FFF2-40B4-BE49-F238E27FC236}">
-                <a16:creationId xmlns:a16="http://schemas.microsoft.com/office/drawing/2014/main" id="{2CC1DAAC-CB63-C13A-7588-128D2170A1CD}"/>
-              </a:ext>
-            </a:extLst>
-          </p:cNvPr>
-          <p:cNvSpPr>
-            <a:spLocks noGrp="1"/>
-          </p:cNvSpPr>
-          <p:nvPr>
-            <p:ph type="body" idx="1"/>
-          </p:nvPr>
-        </p:nvSpPr>
-        <p:spPr/>
-        <p:txBody>
-          <a:bodyPr/>
-          <a:lstStyle/>
-          <a:p>
-            <a:r>
-              <a:rPr lang="es-CO" dirty="0"/>
-              <a:t>Valor agregado de seguridad</a:t>
-            </a:r>
-          </a:p>
-        </p:txBody>
-      </p:sp>
-      <p:sp>
-        <p:nvSpPr>
-          <p:cNvPr id="4" name="Marcador de texto 2">
-            <a:extLst>
-              <a:ext uri="{FF2B5EF4-FFF2-40B4-BE49-F238E27FC236}">
-                <a16:creationId xmlns:a16="http://schemas.microsoft.com/office/drawing/2014/main" id="{810F930D-E1CB-554C-D8A2-78ABD21B8266}"/>
-              </a:ext>
-            </a:extLst>
-          </p:cNvPr>
-          <p:cNvSpPr txBox="1">
-            <a:spLocks/>
-          </p:cNvSpPr>
-          <p:nvPr/>
-        </p:nvSpPr>
-        <p:spPr>
-          <a:xfrm>
-            <a:off x="765025" y="5814264"/>
-            <a:ext cx="1990007" cy="550322"/>
-          </a:xfrm>
-          <a:prstGeom prst="rect">
-            <a:avLst/>
-          </a:prstGeom>
-        </p:spPr>
-        <p:txBody>
-          <a:bodyPr vert="horz" lIns="91440" tIns="45720" rIns="91440" bIns="45720" rtlCol="0">
-            <a:normAutofit/>
-          </a:bodyPr>
-          <a:lstStyle>
-            <a:lvl1pPr marL="0" indent="0" algn="r" defTabSz="914400" rtl="0" eaLnBrk="1" latinLnBrk="0" hangingPunct="1">
-              <a:lnSpc>
-                <a:spcPct val="112000"/>
-              </a:lnSpc>
-              <a:spcBef>
-                <a:spcPts val="0"/>
-              </a:spcBef>
-              <a:spcAft>
-                <a:spcPts val="0"/>
-              </a:spcAft>
-              <a:buFont typeface="Franklin Gothic Book" panose="020B0503020102020204" pitchFamily="34" charset="0"/>
-              <a:buNone/>
-              <a:defRPr sz="2400" kern="1200" baseline="0">
-                <a:solidFill>
-                  <a:schemeClr val="tx2"/>
-                </a:solidFill>
-                <a:latin typeface="+mn-lt"/>
-                <a:ea typeface="+mn-ea"/>
-                <a:cs typeface="+mn-cs"/>
-              </a:defRPr>
-            </a:lvl1pPr>
-            <a:lvl2pPr marL="457200" indent="0" algn="l" defTabSz="914400" rtl="0" eaLnBrk="1" latinLnBrk="0" hangingPunct="1">
-              <a:lnSpc>
-                <a:spcPct val="94000"/>
-              </a:lnSpc>
-              <a:spcBef>
-                <a:spcPts val="500"/>
-              </a:spcBef>
-              <a:spcAft>
-                <a:spcPts val="200"/>
-              </a:spcAft>
-              <a:buFont typeface="Franklin Gothic Book" panose="020B0503020102020204" pitchFamily="34" charset="0"/>
-              <a:buNone/>
-              <a:defRPr sz="2000" i="1" kern="1200" baseline="0">
-                <a:solidFill>
-                  <a:schemeClr val="tx1">
-                    <a:tint val="75000"/>
-                  </a:schemeClr>
-                </a:solidFill>
-                <a:latin typeface="+mn-lt"/>
-                <a:ea typeface="+mn-ea"/>
-                <a:cs typeface="+mn-cs"/>
-              </a:defRPr>
-            </a:lvl2pPr>
-            <a:lvl3pPr marL="914400" indent="0" algn="l" defTabSz="914400" rtl="0" eaLnBrk="1" latinLnBrk="0" hangingPunct="1">
-              <a:lnSpc>
-                <a:spcPct val="94000"/>
-              </a:lnSpc>
-              <a:spcBef>
-                <a:spcPts val="500"/>
-              </a:spcBef>
-              <a:spcAft>
-                <a:spcPts val="200"/>
-              </a:spcAft>
-              <a:buFont typeface="Franklin Gothic Book" panose="020B0503020102020204" pitchFamily="34" charset="0"/>
-              <a:buNone/>
-              <a:defRPr sz="1800" kern="1200" baseline="0">
-                <a:solidFill>
-                  <a:schemeClr val="tx1">
-                    <a:tint val="75000"/>
-                  </a:schemeClr>
-                </a:solidFill>
-                <a:latin typeface="+mn-lt"/>
-                <a:ea typeface="+mn-ea"/>
-                <a:cs typeface="+mn-cs"/>
-              </a:defRPr>
-            </a:lvl3pPr>
-            <a:lvl4pPr marL="1371600" indent="0" algn="l" defTabSz="914400" rtl="0" eaLnBrk="1" latinLnBrk="0" hangingPunct="1">
-              <a:lnSpc>
-                <a:spcPct val="94000"/>
-              </a:lnSpc>
-              <a:spcBef>
-                <a:spcPts val="500"/>
-              </a:spcBef>
-              <a:spcAft>
-                <a:spcPts val="200"/>
-              </a:spcAft>
-              <a:buFont typeface="Franklin Gothic Book" panose="020B0503020102020204" pitchFamily="34" charset="0"/>
-              <a:buNone/>
-              <a:defRPr sz="1600" i="1" kern="1200" baseline="0">
-                <a:solidFill>
-                  <a:schemeClr val="tx1">
-                    <a:tint val="75000"/>
-                  </a:schemeClr>
-                </a:solidFill>
-                <a:latin typeface="+mn-lt"/>
-                <a:ea typeface="+mn-ea"/>
-                <a:cs typeface="+mn-cs"/>
-              </a:defRPr>
-            </a:lvl4pPr>
-            <a:lvl5pPr marL="1828800" indent="0" algn="l" defTabSz="914400" rtl="0" eaLnBrk="1" latinLnBrk="0" hangingPunct="1">
-              <a:lnSpc>
-                <a:spcPct val="94000"/>
-              </a:lnSpc>
-              <a:spcBef>
-                <a:spcPts val="500"/>
-              </a:spcBef>
-              <a:spcAft>
-                <a:spcPts val="200"/>
-              </a:spcAft>
-              <a:buFont typeface="Franklin Gothic Book" panose="020B0503020102020204" pitchFamily="34" charset="0"/>
-              <a:buNone/>
-              <a:defRPr sz="1600" kern="1200" baseline="0">
-                <a:solidFill>
-                  <a:schemeClr val="tx1">
-                    <a:tint val="75000"/>
-                  </a:schemeClr>
-                </a:solidFill>
-                <a:latin typeface="+mn-lt"/>
-                <a:ea typeface="+mn-ea"/>
-                <a:cs typeface="+mn-cs"/>
-              </a:defRPr>
-            </a:lvl5pPr>
-            <a:lvl6pPr marL="2286000" indent="0" algn="l" defTabSz="914400" rtl="0" eaLnBrk="1" latinLnBrk="0" hangingPunct="1">
-              <a:lnSpc>
-                <a:spcPct val="94000"/>
-              </a:lnSpc>
-              <a:spcBef>
-                <a:spcPts val="500"/>
-              </a:spcBef>
-              <a:spcAft>
-                <a:spcPts val="200"/>
-              </a:spcAft>
-              <a:buFont typeface="Franklin Gothic Book" panose="020B0503020102020204" pitchFamily="34" charset="0"/>
-              <a:buNone/>
-              <a:defRPr sz="1600" i="1" kern="1200" baseline="0">
-                <a:solidFill>
-                  <a:schemeClr val="tx1">
-                    <a:tint val="75000"/>
-                  </a:schemeClr>
-                </a:solidFill>
-                <a:latin typeface="+mn-lt"/>
-                <a:ea typeface="+mn-ea"/>
-                <a:cs typeface="+mn-cs"/>
-              </a:defRPr>
-            </a:lvl6pPr>
-            <a:lvl7pPr marL="2743200" indent="0" algn="l" defTabSz="914400" rtl="0" eaLnBrk="1" latinLnBrk="0" hangingPunct="1">
-              <a:lnSpc>
-                <a:spcPct val="94000"/>
-              </a:lnSpc>
-              <a:spcBef>
-                <a:spcPts val="500"/>
-              </a:spcBef>
-              <a:spcAft>
-                <a:spcPts val="200"/>
-              </a:spcAft>
-              <a:buFont typeface="Franklin Gothic Book" panose="020B0503020102020204" pitchFamily="34" charset="0"/>
-              <a:buNone/>
-              <a:defRPr sz="1600" kern="1200" baseline="0">
-                <a:solidFill>
-                  <a:schemeClr val="tx1">
-                    <a:tint val="75000"/>
-                  </a:schemeClr>
-                </a:solidFill>
-                <a:latin typeface="+mn-lt"/>
-                <a:ea typeface="+mn-ea"/>
-                <a:cs typeface="+mn-cs"/>
-              </a:defRPr>
-            </a:lvl7pPr>
-            <a:lvl8pPr marL="3200400" indent="0" algn="l" defTabSz="914400" rtl="0" eaLnBrk="1" latinLnBrk="0" hangingPunct="1">
-              <a:lnSpc>
-                <a:spcPct val="94000"/>
-              </a:lnSpc>
-              <a:spcBef>
-                <a:spcPts val="500"/>
-              </a:spcBef>
-              <a:spcAft>
-                <a:spcPts val="200"/>
-              </a:spcAft>
-              <a:buFont typeface="Franklin Gothic Book" panose="020B0503020102020204" pitchFamily="34" charset="0"/>
-              <a:buNone/>
-              <a:defRPr sz="1600" i="1" kern="1200" baseline="0">
-                <a:solidFill>
-                  <a:schemeClr val="tx1">
-                    <a:tint val="75000"/>
-                  </a:schemeClr>
-                </a:solidFill>
-                <a:latin typeface="+mn-lt"/>
-                <a:ea typeface="+mn-ea"/>
-                <a:cs typeface="+mn-cs"/>
-              </a:defRPr>
-            </a:lvl8pPr>
-            <a:lvl9pPr marL="3657600" indent="0" algn="l" defTabSz="914400" rtl="0" eaLnBrk="1" latinLnBrk="0" hangingPunct="1">
-              <a:lnSpc>
-                <a:spcPct val="94000"/>
-              </a:lnSpc>
-              <a:spcBef>
-                <a:spcPts val="500"/>
-              </a:spcBef>
-              <a:spcAft>
-                <a:spcPts val="200"/>
-              </a:spcAft>
-              <a:buFont typeface="Franklin Gothic Book" panose="020B0503020102020204" pitchFamily="34" charset="0"/>
-              <a:buNone/>
-              <a:defRPr sz="1600" kern="1200" baseline="0">
-                <a:solidFill>
-                  <a:schemeClr val="tx1">
-                    <a:tint val="75000"/>
-                  </a:schemeClr>
-                </a:solidFill>
-                <a:latin typeface="+mn-lt"/>
-                <a:ea typeface="+mn-ea"/>
-                <a:cs typeface="+mn-cs"/>
-              </a:defRPr>
-            </a:lvl9pPr>
-          </a:lstStyle>
-          <a:p>
-            <a:r>
-              <a:rPr lang="es-CO" sz="2300" dirty="0" err="1">
-                <a:hlinkClick r:id="rId2" action="ppaction://hlinkfile"/>
-              </a:rPr>
-              <a:t>Seguridad.sql</a:t>
-            </a:r>
-            <a:endParaRPr lang="es-CO" sz="2300" dirty="0"/>
-          </a:p>
-        </p:txBody>
-      </p:sp>
-    </p:spTree>
-    <p:extLst>
-      <p:ext uri="{BB962C8B-B14F-4D97-AF65-F5344CB8AC3E}">
-        <p14:creationId xmlns:p14="http://schemas.microsoft.com/office/powerpoint/2010/main" val="3696050680"/>
       </p:ext>
     </p:extLst>
   </p:cSld>
